--- a/presentation/vortrag_matlab.pptx
+++ b/presentation/vortrag_matlab.pptx
@@ -259,7 +259,7 @@
           <a:p>
             <a:fld id="{BCDB334D-D17F-49C4-91DD-37BB7E818209}" type="datetimeFigureOut">
               <a:rPr lang="de-CH" smtClean="0"/>
-              <a:t>17.12.16</a:t>
+              <a:t>18.12.16</a:t>
             </a:fld>
             <a:endParaRPr lang="de-CH"/>
           </a:p>
@@ -1165,7 +1165,7 @@
           <a:p>
             <a:fld id="{92BF4FBE-0522-49A2-A01E-13F521B4C0B7}" type="datetime1">
               <a:rPr lang="de-DE" smtClean="0"/>
-              <a:t>17.12.16</a:t>
+              <a:t>18.12.16</a:t>
             </a:fld>
             <a:endParaRPr lang="de-DE"/>
           </a:p>
@@ -1361,7 +1361,7 @@
           <a:p>
             <a:fld id="{681F6098-E9E1-42B4-9C80-2F52B9453439}" type="datetime1">
               <a:rPr lang="de-DE" smtClean="0"/>
-              <a:t>17.12.16</a:t>
+              <a:t>18.12.16</a:t>
             </a:fld>
             <a:endParaRPr lang="de-DE"/>
           </a:p>
@@ -1633,7 +1633,7 @@
           <a:p>
             <a:fld id="{0E397BD4-0686-495C-8D8F-54DB8CB790DF}" type="datetime1">
               <a:rPr lang="de-DE" smtClean="0"/>
-              <a:t>17.12.16</a:t>
+              <a:t>18.12.16</a:t>
             </a:fld>
             <a:endParaRPr lang="de-DE"/>
           </a:p>
@@ -1942,7 +1942,7 @@
           <a:p>
             <a:fld id="{0E397BD4-0686-495C-8D8F-54DB8CB790DF}" type="datetime1">
               <a:rPr lang="de-DE" smtClean="0"/>
-              <a:t>17.12.16</a:t>
+              <a:t>18.12.16</a:t>
             </a:fld>
             <a:endParaRPr lang="de-DE"/>
           </a:p>
@@ -2551,7 +2551,7 @@
           <a:p>
             <a:fld id="{3B2F6CB8-9391-4BED-909F-C47A979AE1C4}" type="datetime1">
               <a:rPr lang="de-DE" smtClean="0"/>
-              <a:t>17.12.16</a:t>
+              <a:t>18.12.16</a:t>
             </a:fld>
             <a:endParaRPr lang="de-DE"/>
           </a:p>
@@ -2884,7 +2884,7 @@
           <a:p>
             <a:fld id="{C6A1628A-2A40-4B37-B167-309C0EBB4BBF}" type="datetime1">
               <a:rPr lang="de-DE" smtClean="0"/>
-              <a:t>17.12.16</a:t>
+              <a:t>18.12.16</a:t>
             </a:fld>
             <a:endParaRPr lang="de-DE"/>
           </a:p>
@@ -3008,7 +3008,7 @@
           <a:p>
             <a:fld id="{64AE1E89-2EE0-4320-B5A2-F15E505D5862}" type="datetime1">
               <a:rPr lang="de-DE" smtClean="0"/>
-              <a:t>17.12.16</a:t>
+              <a:t>18.12.16</a:t>
             </a:fld>
             <a:endParaRPr lang="de-DE"/>
           </a:p>
@@ -3135,7 +3135,7 @@
           <a:p>
             <a:fld id="{7D860B62-60FD-48EF-B2F4-6E7265AD3459}" type="datetime1">
               <a:rPr lang="de-DE" smtClean="0"/>
-              <a:t>17.12.16</a:t>
+              <a:t>18.12.16</a:t>
             </a:fld>
             <a:endParaRPr lang="de-DE"/>
           </a:p>
@@ -3278,7 +3278,7 @@
           <a:p>
             <a:fld id="{7F4A91D9-FBFE-4ACC-A99A-BC74A6E03CC5}" type="datetime1">
               <a:rPr lang="de-DE" smtClean="0"/>
-              <a:t>17.12.16</a:t>
+              <a:t>18.12.16</a:t>
             </a:fld>
             <a:endParaRPr lang="de-DE"/>
           </a:p>
@@ -3677,7 +3677,7 @@
           <a:p>
             <a:fld id="{BD23B19E-8C35-419D-B8B2-87612A89E43F}" type="datetime1">
               <a:rPr lang="de-DE" smtClean="0"/>
-              <a:t>17.12.16</a:t>
+              <a:t>18.12.16</a:t>
             </a:fld>
             <a:endParaRPr lang="de-DE"/>
           </a:p>
@@ -4324,7 +4324,7 @@
           <a:p>
             <a:fld id="{92BF4FBE-0522-49A2-A01E-13F521B4C0B7}" type="datetime1">
               <a:rPr lang="de-DE" smtClean="0"/>
-              <a:t>17.12.16</a:t>
+              <a:t>18.12.16</a:t>
             </a:fld>
             <a:endParaRPr lang="de-DE"/>
           </a:p>
@@ -4781,7 +4781,7 @@
           <a:p>
             <a:fld id="{C6A1628A-2A40-4B37-B167-309C0EBB4BBF}" type="datetime1">
               <a:rPr lang="de-DE" smtClean="0"/>
-              <a:t>17.12.16</a:t>
+              <a:t>18.12.16</a:t>
             </a:fld>
             <a:endParaRPr lang="de-DE"/>
           </a:p>
@@ -5396,7 +5396,7 @@
           <a:p>
             <a:fld id="{C6A1628A-2A40-4B37-B167-309C0EBB4BBF}" type="datetime1">
               <a:rPr lang="de-DE" smtClean="0"/>
-              <a:t>17.12.16</a:t>
+              <a:t>18.12.16</a:t>
             </a:fld>
             <a:endParaRPr lang="de-DE"/>
           </a:p>
@@ -5778,7 +5778,7 @@
           <a:p>
             <a:fld id="{C6A1628A-2A40-4B37-B167-309C0EBB4BBF}" type="datetime1">
               <a:rPr lang="en-GB" smtClean="0"/>
-              <a:t>17/12/2016</a:t>
+              <a:t>18/12/2016</a:t>
             </a:fld>
             <a:endParaRPr lang="en-GB" dirty="0"/>
           </a:p>
@@ -6286,7 +6286,7 @@
           <a:p>
             <a:fld id="{C6A1628A-2A40-4B37-B167-309C0EBB4BBF}" type="datetime1">
               <a:rPr lang="en-GB" smtClean="0"/>
-              <a:t>17/12/2016</a:t>
+              <a:t>18/12/2016</a:t>
             </a:fld>
             <a:endParaRPr lang="en-GB" dirty="0"/>
           </a:p>
@@ -6993,7 +6993,7 @@
           <a:p>
             <a:fld id="{C6A1628A-2A40-4B37-B167-309C0EBB4BBF}" type="datetime1">
               <a:rPr lang="en-GB" smtClean="0"/>
-              <a:t>17/12/2016</a:t>
+              <a:t>18/12/2016</a:t>
             </a:fld>
             <a:endParaRPr lang="en-GB" dirty="0"/>
           </a:p>
@@ -7352,35 +7352,6 @@
           </a:p>
         </p:txBody>
       </p:sp>
-      <p:pic>
-        <p:nvPicPr>
-          <p:cNvPr id="14" name="Picture 13"/>
-          <p:cNvPicPr>
-            <a:picLocks noChangeAspect="1"/>
-          </p:cNvPicPr>
-          <p:nvPr/>
-        </p:nvPicPr>
-        <p:blipFill rotWithShape="1">
-          <a:blip r:embed="rId3">
-            <a:extLst>
-              <a:ext uri="{28A0092B-C50C-407E-A947-70E740481C1C}">
-                <a14:useLocalDpi xmlns:a14="http://schemas.microsoft.com/office/drawing/2010/main" val="0"/>
-              </a:ext>
-            </a:extLst>
-          </a:blip>
-          <a:srcRect l="4997" t="15302" r="3368" b="12111"/>
-          <a:stretch/>
-        </p:blipFill>
-        <p:spPr>
-          <a:xfrm>
-            <a:off x="538709" y="1206500"/>
-            <a:ext cx="11501713" cy="3690179"/>
-          </a:xfrm>
-          <a:prstGeom prst="rect">
-            <a:avLst/>
-          </a:prstGeom>
-        </p:spPr>
-      </p:pic>
       <p:graphicFrame>
         <p:nvGraphicFramePr>
           <p:cNvPr id="16" name="Inhaltsplatzhalter 7"/>
@@ -7827,6 +7798,36 @@
           </a:graphicData>
         </a:graphic>
       </p:graphicFrame>
+      <p:pic>
+        <p:nvPicPr>
+          <p:cNvPr id="3" name="Picture 2"/>
+          <p:cNvPicPr>
+            <a:picLocks noChangeAspect="1"/>
+          </p:cNvPicPr>
+          <p:nvPr/>
+        </p:nvPicPr>
+        <p:blipFill>
+          <a:blip r:embed="rId3">
+            <a:extLst>
+              <a:ext uri="{28A0092B-C50C-407E-A947-70E740481C1C}">
+                <a14:useLocalDpi xmlns:a14="http://schemas.microsoft.com/office/drawing/2010/main" val="0"/>
+              </a:ext>
+            </a:extLst>
+          </a:blip>
+          <a:stretch>
+            <a:fillRect/>
+          </a:stretch>
+        </p:blipFill>
+        <p:spPr>
+          <a:xfrm>
+            <a:off x="431631" y="1370982"/>
+            <a:ext cx="11323976" cy="3354797"/>
+          </a:xfrm>
+          <a:prstGeom prst="rect">
+            <a:avLst/>
+          </a:prstGeom>
+        </p:spPr>
+      </p:pic>
     </p:spTree>
     <p:extLst>
       <p:ext uri="{BB962C8B-B14F-4D97-AF65-F5344CB8AC3E}">
@@ -7907,7 +7908,7 @@
           <a:p>
             <a:fld id="{0E397BD4-0686-495C-8D8F-54DB8CB790DF}" type="datetime1">
               <a:rPr lang="de-DE" smtClean="0"/>
-              <a:t>17.12.16</a:t>
+              <a:t>18.12.16</a:t>
             </a:fld>
             <a:endParaRPr lang="de-DE"/>
           </a:p>

--- a/presentation/vortrag_matlab.pptx
+++ b/presentation/vortrag_matlab.pptx
@@ -5,7 +5,7 @@
     <p:sldMasterId id="2147483648" r:id="rId1"/>
   </p:sldMasterIdLst>
   <p:notesMasterIdLst>
-    <p:notesMasterId r:id="rId9"/>
+    <p:notesMasterId r:id="rId8"/>
   </p:notesMasterIdLst>
   <p:sldIdLst>
     <p:sldId id="256" r:id="rId2"/>
@@ -13,8 +13,7 @@
     <p:sldId id="268" r:id="rId4"/>
     <p:sldId id="269" r:id="rId5"/>
     <p:sldId id="289" r:id="rId6"/>
-    <p:sldId id="290" r:id="rId7"/>
-    <p:sldId id="288" r:id="rId8"/>
+    <p:sldId id="288" r:id="rId7"/>
   </p:sldIdLst>
   <p:sldSz cx="12187238" cy="6858000"/>
   <p:notesSz cx="6591300" cy="9855200"/>
@@ -418,7 +417,7 @@
           <a:p>
             <a:fld id="{A51C0C35-A9A2-4EFD-9BAF-1E52E29E03D1}" type="slidenum">
               <a:rPr lang="de-CH" smtClean="0"/>
-              <a:t>‹#›</a:t>
+              <a:t>‹Nr.›</a:t>
             </a:fld>
             <a:endParaRPr lang="de-CH"/>
           </a:p>
@@ -845,12 +844,82 @@
           <a:p>
             <a:r>
               <a:rPr lang="en-GB" dirty="0" smtClean="0"/>
-              <a:t>Overview of learning</a:t>
+              <a:t>Replacement of cards</a:t>
             </a:r>
             <a:r>
               <a:rPr lang="en-GB" baseline="0" dirty="0" smtClean="0"/>
-              <a:t> methods implemented</a:t>
-            </a:r>
+              <a:t> in order to </a:t>
+            </a:r>
+            <a:r>
+              <a:rPr lang="en-GB" baseline="0" dirty="0" err="1" smtClean="0"/>
+              <a:t>simplyfy</a:t>
+            </a:r>
+            <a:r>
+              <a:rPr lang="en-GB" baseline="0" dirty="0" smtClean="0"/>
+              <a:t> code and shorten </a:t>
+            </a:r>
+            <a:r>
+              <a:rPr lang="en-GB" baseline="0" dirty="0" err="1" smtClean="0"/>
+              <a:t>computaional</a:t>
+            </a:r>
+            <a:r>
+              <a:rPr lang="en-GB" baseline="0" dirty="0" smtClean="0"/>
+              <a:t> time</a:t>
+            </a:r>
+          </a:p>
+          <a:p>
+            <a:pPr marL="0" marR="0" lvl="1" indent="0" algn="l" defTabSz="914400" rtl="0" eaLnBrk="1" fontAlgn="auto" latinLnBrk="0" hangingPunct="1">
+              <a:lnSpc>
+                <a:spcPct val="100000"/>
+              </a:lnSpc>
+              <a:spcBef>
+                <a:spcPts val="0"/>
+              </a:spcBef>
+              <a:spcAft>
+                <a:spcPts val="0"/>
+              </a:spcAft>
+              <a:buClrTx/>
+              <a:buSzTx/>
+              <a:buFontTx/>
+              <a:buNone/>
+              <a:tabLst/>
+              <a:defRPr/>
+            </a:pPr>
+            <a:r>
+              <a:rPr lang="de-CH" dirty="0" smtClean="0"/>
+              <a:t>vs. Real </a:t>
+            </a:r>
+            <a:r>
+              <a:rPr lang="de-CH" dirty="0" err="1" smtClean="0"/>
+              <a:t>poker</a:t>
+            </a:r>
+            <a:r>
+              <a:rPr lang="de-CH" dirty="0" smtClean="0"/>
+              <a:t> same </a:t>
+            </a:r>
+            <a:r>
+              <a:rPr lang="de-CH" dirty="0" err="1" smtClean="0"/>
+              <a:t>cards</a:t>
+            </a:r>
+            <a:r>
+              <a:rPr lang="de-CH" dirty="0" smtClean="0"/>
+              <a:t> </a:t>
+            </a:r>
+            <a:r>
+              <a:rPr lang="de-CH" dirty="0" err="1" smtClean="0"/>
+              <a:t>for</a:t>
+            </a:r>
+            <a:r>
+              <a:rPr lang="de-CH" dirty="0" smtClean="0"/>
+              <a:t> </a:t>
+            </a:r>
+            <a:r>
+              <a:rPr lang="de-CH" dirty="0" err="1" smtClean="0"/>
+              <a:t>everyone</a:t>
+            </a:r>
+            <a:endParaRPr lang="de-CH" dirty="0" smtClean="0"/>
+          </a:p>
+          <a:p>
             <a:endParaRPr lang="en-GB" dirty="0"/>
           </a:p>
         </p:txBody>
@@ -881,91 +950,7 @@
     </p:spTree>
     <p:extLst>
       <p:ext uri="{BB962C8B-B14F-4D97-AF65-F5344CB8AC3E}">
-        <p14:creationId xmlns:p14="http://schemas.microsoft.com/office/powerpoint/2010/main" val="1205722870"/>
-      </p:ext>
-    </p:extLst>
-  </p:cSld>
-  <p:clrMapOvr>
-    <a:masterClrMapping/>
-  </p:clrMapOvr>
-</p:notes>
-</file>
-
-<file path=ppt/notesSlides/notesSlide4.xml><?xml version="1.0" encoding="utf-8"?>
-<p:notes xmlns:a="http://schemas.openxmlformats.org/drawingml/2006/main" xmlns:r="http://schemas.openxmlformats.org/officeDocument/2006/relationships" xmlns:p="http://schemas.openxmlformats.org/presentationml/2006/main">
-  <p:cSld>
-    <p:spTree>
-      <p:nvGrpSpPr>
-        <p:cNvPr id="1" name=""/>
-        <p:cNvGrpSpPr/>
-        <p:nvPr/>
-      </p:nvGrpSpPr>
-      <p:grpSpPr>
-        <a:xfrm>
-          <a:off x="0" y="0"/>
-          <a:ext cx="0" cy="0"/>
-          <a:chOff x="0" y="0"/>
-          <a:chExt cx="0" cy="0"/>
-        </a:xfrm>
-      </p:grpSpPr>
-      <p:sp>
-        <p:nvSpPr>
-          <p:cNvPr id="2" name="Folienbildplatzhalter 1"/>
-          <p:cNvSpPr>
-            <a:spLocks noGrp="1" noRot="1" noChangeAspect="1"/>
-          </p:cNvSpPr>
-          <p:nvPr>
-            <p:ph type="sldImg"/>
-          </p:nvPr>
-        </p:nvSpPr>
-        <p:spPr/>
-      </p:sp>
-      <p:sp>
-        <p:nvSpPr>
-          <p:cNvPr id="3" name="Notizenplatzhalter 2"/>
-          <p:cNvSpPr>
-            <a:spLocks noGrp="1"/>
-          </p:cNvSpPr>
-          <p:nvPr>
-            <p:ph type="body" idx="1"/>
-          </p:nvPr>
-        </p:nvSpPr>
-        <p:spPr/>
-        <p:txBody>
-          <a:bodyPr/>
-          <a:lstStyle/>
-          <a:p>
-            <a:endParaRPr lang="en-GB" dirty="0"/>
-          </a:p>
-        </p:txBody>
-      </p:sp>
-      <p:sp>
-        <p:nvSpPr>
-          <p:cNvPr id="4" name="Foliennummernplatzhalter 3"/>
-          <p:cNvSpPr>
-            <a:spLocks noGrp="1"/>
-          </p:cNvSpPr>
-          <p:nvPr>
-            <p:ph type="sldNum" sz="quarter" idx="10"/>
-          </p:nvPr>
-        </p:nvSpPr>
-        <p:spPr/>
-        <p:txBody>
-          <a:bodyPr/>
-          <a:lstStyle/>
-          <a:p>
-            <a:fld id="{A51C0C35-A9A2-4EFD-9BAF-1E52E29E03D1}" type="slidenum">
-              <a:rPr lang="de-CH" smtClean="0"/>
-              <a:t>6</a:t>
-            </a:fld>
-            <a:endParaRPr lang="de-CH"/>
-          </a:p>
-        </p:txBody>
-      </p:sp>
-    </p:spTree>
-    <p:extLst>
-      <p:ext uri="{BB962C8B-B14F-4D97-AF65-F5344CB8AC3E}">
-        <p14:creationId xmlns:p14="http://schemas.microsoft.com/office/powerpoint/2010/main" val="294613224"/>
+        <p14:creationId xmlns:p14="http://schemas.microsoft.com/office/powerpoint/2010/main" val="1658332789"/>
       </p:ext>
     </p:extLst>
   </p:cSld>
@@ -1211,7 +1196,7 @@
           <a:p>
             <a:fld id="{6C6AE60A-B69C-4790-82F7-3882EDF23186}" type="slidenum">
               <a:rPr lang="de-DE" smtClean="0"/>
-              <a:t>‹#›</a:t>
+              <a:t>‹Nr.›</a:t>
             </a:fld>
             <a:endParaRPr lang="de-DE"/>
           </a:p>
@@ -1407,7 +1392,7 @@
           <a:p>
             <a:fld id="{6C6AE60A-B69C-4790-82F7-3882EDF23186}" type="slidenum">
               <a:rPr lang="de-DE" smtClean="0"/>
-              <a:t>‹#›</a:t>
+              <a:t>‹Nr.›</a:t>
             </a:fld>
             <a:endParaRPr lang="de-DE"/>
           </a:p>
@@ -1679,7 +1664,7 @@
           <a:p>
             <a:fld id="{6C6AE60A-B69C-4790-82F7-3882EDF23186}" type="slidenum">
               <a:rPr lang="de-DE" smtClean="0"/>
-              <a:t>‹#›</a:t>
+              <a:t>‹Nr.›</a:t>
             </a:fld>
             <a:endParaRPr lang="de-DE"/>
           </a:p>
@@ -1988,7 +1973,7 @@
           <a:p>
             <a:fld id="{6C6AE60A-B69C-4790-82F7-3882EDF23186}" type="slidenum">
               <a:rPr lang="de-DE" smtClean="0"/>
-              <a:t>‹#›</a:t>
+              <a:t>‹Nr.›</a:t>
             </a:fld>
             <a:endParaRPr lang="de-DE"/>
           </a:p>
@@ -2597,7 +2582,7 @@
           <a:p>
             <a:fld id="{6C6AE60A-B69C-4790-82F7-3882EDF23186}" type="slidenum">
               <a:rPr lang="de-DE" smtClean="0"/>
-              <a:t>‹#›</a:t>
+              <a:t>‹Nr.›</a:t>
             </a:fld>
             <a:endParaRPr lang="de-DE"/>
           </a:p>
@@ -2930,7 +2915,7 @@
           <a:p>
             <a:fld id="{6C6AE60A-B69C-4790-82F7-3882EDF23186}" type="slidenum">
               <a:rPr lang="de-DE" smtClean="0"/>
-              <a:t>‹#›</a:t>
+              <a:t>‹Nr.›</a:t>
             </a:fld>
             <a:endParaRPr lang="de-DE"/>
           </a:p>
@@ -3054,7 +3039,7 @@
           <a:p>
             <a:fld id="{6C6AE60A-B69C-4790-82F7-3882EDF23186}" type="slidenum">
               <a:rPr lang="de-DE" smtClean="0"/>
-              <a:t>‹#›</a:t>
+              <a:t>‹Nr.›</a:t>
             </a:fld>
             <a:endParaRPr lang="de-DE"/>
           </a:p>
@@ -3181,7 +3166,7 @@
           <a:p>
             <a:fld id="{6C6AE60A-B69C-4790-82F7-3882EDF23186}" type="slidenum">
               <a:rPr lang="de-DE" smtClean="0"/>
-              <a:t>‹#›</a:t>
+              <a:t>‹Nr.›</a:t>
             </a:fld>
             <a:endParaRPr lang="de-DE"/>
           </a:p>
@@ -3324,7 +3309,7 @@
           <a:p>
             <a:fld id="{6C6AE60A-B69C-4790-82F7-3882EDF23186}" type="slidenum">
               <a:rPr lang="de-DE" smtClean="0"/>
-              <a:t>‹#›</a:t>
+              <a:t>‹Nr.›</a:t>
             </a:fld>
             <a:endParaRPr lang="de-DE"/>
           </a:p>
@@ -3756,7 +3741,7 @@
             <a:fld id="{6C6AE60A-B69C-4790-82F7-3882EDF23186}" type="slidenum">
               <a:rPr lang="de-DE" smtClean="0"/>
               <a:pPr/>
-              <a:t>‹#›</a:t>
+              <a:t>‹Nr.›</a:t>
             </a:fld>
             <a:endParaRPr lang="de-DE"/>
           </a:p>
@@ -4347,19 +4332,19 @@
           <a:p>
             <a:r>
               <a:rPr lang="de-CH" dirty="0"/>
-              <a:t>Tim Weber , Jan </a:t>
+              <a:t>Tim Weber, Patrice Gobat, Lionel </a:t>
+            </a:r>
+            <a:r>
+              <a:rPr lang="de-CH" dirty="0" err="1"/>
+              <a:t>Gulich</a:t>
+            </a:r>
+            <a:r>
+              <a:rPr lang="de-CH" dirty="0"/>
+              <a:t>, Jan </a:t>
             </a:r>
             <a:r>
               <a:rPr lang="de-CH" dirty="0" err="1"/>
               <a:t>Speckien</a:t>
-            </a:r>
-            <a:r>
-              <a:rPr lang="de-CH" dirty="0"/>
-              <a:t>, Patrice Gobat, Lionel </a:t>
-            </a:r>
-            <a:r>
-              <a:rPr lang="de-CH" dirty="0" err="1" smtClean="0"/>
-              <a:t>Gulich</a:t>
             </a:r>
             <a:endParaRPr lang="de-CH" dirty="0"/>
           </a:p>
@@ -4404,14 +4389,14 @@
           <a:lstStyle/>
           <a:p>
             <a:r>
-              <a:rPr lang="de-CH" dirty="0" smtClean="0"/>
+              <a:rPr lang="de-CH" smtClean="0"/>
               <a:t>M</a:t>
             </a:r>
             <a:r>
-              <a:rPr lang="de-DE" dirty="0" smtClean="0"/>
-              <a:t>AKE MILLIONS OF DOLLARS USING THIS OLD POKER TRICK</a:t>
-            </a:r>
-            <a:endParaRPr lang="de-DE" dirty="0"/>
+              <a:rPr lang="de-DE" smtClean="0"/>
+              <a:t>AKE MILLIONS OF DOLLARS USING THIS POKER TRICK</a:t>
+            </a:r>
+            <a:endParaRPr lang="de-DE"/>
           </a:p>
         </p:txBody>
       </p:sp>
@@ -4478,18 +4463,18 @@
                   <a:sysClr val="windowText" lastClr="000000"/>
                 </a:solidFill>
               </a:rPr>
-              <a:t> </a:t>
-            </a:r>
-            <a:r>
-              <a:rPr lang="de-DE" sz="1600" dirty="0" err="1" smtClean="0">
+              <a:t> Simulation </a:t>
+            </a:r>
+            <a:r>
+              <a:rPr lang="de-DE" sz="1600" dirty="0" err="1">
                 <a:solidFill>
                   <a:sysClr val="windowText" lastClr="000000"/>
                 </a:solidFill>
               </a:rPr>
-              <a:t>Simulating</a:t>
-            </a:r>
-            <a:r>
-              <a:rPr lang="de-DE" sz="1600" dirty="0" smtClean="0">
+              <a:t>of</a:t>
+            </a:r>
+            <a:r>
+              <a:rPr lang="de-DE" sz="1600" dirty="0">
                 <a:solidFill>
                   <a:sysClr val="windowText" lastClr="000000"/>
                 </a:solidFill>
@@ -4497,7 +4482,7 @@
               <a:t> </a:t>
             </a:r>
             <a:r>
-              <a:rPr lang="de-DE" sz="1600" dirty="0" err="1" smtClean="0">
+              <a:rPr lang="de-DE" sz="1600" dirty="0" err="1">
                 <a:solidFill>
                   <a:sysClr val="windowText" lastClr="000000"/>
                 </a:solidFill>
@@ -4505,20 +4490,12 @@
               <a:t>Social</a:t>
             </a:r>
             <a:r>
-              <a:rPr lang="de-DE" sz="1600" dirty="0" smtClean="0">
+              <a:rPr lang="de-DE" sz="1600" dirty="0">
                 <a:solidFill>
                   <a:sysClr val="windowText" lastClr="000000"/>
                 </a:solidFill>
               </a:rPr>
-              <a:t> </a:t>
-            </a:r>
-            <a:r>
-              <a:rPr lang="de-DE" sz="1600" dirty="0">
-                <a:solidFill>
-                  <a:sysClr val="windowText" lastClr="000000"/>
-                </a:solidFill>
-              </a:rPr>
-              <a:t>Systems </a:t>
+              <a:t> Systems </a:t>
             </a:r>
             <a:r>
               <a:rPr lang="de-DE" sz="1600" dirty="0" err="1">
@@ -4804,19 +4781,19 @@
           <a:p>
             <a:r>
               <a:rPr lang="de-CH" dirty="0"/>
-              <a:t>Tim Weber , Jan </a:t>
+              <a:t>Tim Weber, Patrice Gobat, Lionel </a:t>
+            </a:r>
+            <a:r>
+              <a:rPr lang="de-CH" dirty="0" err="1"/>
+              <a:t>Gulich</a:t>
+            </a:r>
+            <a:r>
+              <a:rPr lang="de-CH" dirty="0"/>
+              <a:t>, Jan </a:t>
             </a:r>
             <a:r>
               <a:rPr lang="de-CH" dirty="0" err="1"/>
               <a:t>Speckien</a:t>
-            </a:r>
-            <a:r>
-              <a:rPr lang="de-CH" dirty="0"/>
-              <a:t>, Patrice Gobat, Lionel </a:t>
-            </a:r>
-            <a:r>
-              <a:rPr lang="de-CH" dirty="0" err="1" smtClean="0"/>
-              <a:t>Gulich</a:t>
             </a:r>
             <a:endParaRPr lang="de-CH" dirty="0"/>
           </a:p>
@@ -4936,18 +4913,18 @@
                   <a:sysClr val="windowText" lastClr="000000"/>
                 </a:solidFill>
               </a:rPr>
-              <a:t> </a:t>
-            </a:r>
-            <a:r>
-              <a:rPr lang="de-DE" sz="1600" dirty="0" err="1" smtClean="0">
+              <a:t> Simulation </a:t>
+            </a:r>
+            <a:r>
+              <a:rPr lang="de-DE" sz="1600" dirty="0" err="1">
                 <a:solidFill>
                   <a:sysClr val="windowText" lastClr="000000"/>
                 </a:solidFill>
               </a:rPr>
-              <a:t>Simulating</a:t>
-            </a:r>
-            <a:r>
-              <a:rPr lang="de-DE" sz="1600" dirty="0" smtClean="0">
+              <a:t>of</a:t>
+            </a:r>
+            <a:r>
+              <a:rPr lang="de-DE" sz="1600" dirty="0">
                 <a:solidFill>
                   <a:sysClr val="windowText" lastClr="000000"/>
                 </a:solidFill>
@@ -4955,7 +4932,7 @@
               <a:t> </a:t>
             </a:r>
             <a:r>
-              <a:rPr lang="de-DE" sz="1600" dirty="0" err="1" smtClean="0">
+              <a:rPr lang="de-DE" sz="1600" dirty="0" err="1">
                 <a:solidFill>
                   <a:sysClr val="windowText" lastClr="000000"/>
                 </a:solidFill>
@@ -4963,20 +4940,12 @@
               <a:t>Social</a:t>
             </a:r>
             <a:r>
-              <a:rPr lang="de-DE" sz="1600" dirty="0" smtClean="0">
+              <a:rPr lang="de-DE" sz="1600" dirty="0">
                 <a:solidFill>
                   <a:sysClr val="windowText" lastClr="000000"/>
                 </a:solidFill>
               </a:rPr>
-              <a:t> </a:t>
-            </a:r>
-            <a:r>
-              <a:rPr lang="de-DE" sz="1600" dirty="0">
-                <a:solidFill>
-                  <a:sysClr val="windowText" lastClr="000000"/>
-                </a:solidFill>
-              </a:rPr>
-              <a:t>Systems </a:t>
+              <a:t> Systems </a:t>
             </a:r>
             <a:r>
               <a:rPr lang="de-DE" sz="1600" dirty="0" err="1">
@@ -5419,19 +5388,19 @@
           <a:p>
             <a:r>
               <a:rPr lang="de-CH" dirty="0"/>
-              <a:t>Tim Weber , Jan </a:t>
+              <a:t>Tim Weber, Patrice Gobat, Lionel </a:t>
+            </a:r>
+            <a:r>
+              <a:rPr lang="de-CH" dirty="0" err="1"/>
+              <a:t>Gulich</a:t>
+            </a:r>
+            <a:r>
+              <a:rPr lang="de-CH" dirty="0"/>
+              <a:t>, Jan </a:t>
             </a:r>
             <a:r>
               <a:rPr lang="de-CH" dirty="0" err="1"/>
               <a:t>Speckien</a:t>
-            </a:r>
-            <a:r>
-              <a:rPr lang="de-CH" dirty="0"/>
-              <a:t>, Patrice Gobat, Lionel </a:t>
-            </a:r>
-            <a:r>
-              <a:rPr lang="de-CH" dirty="0" err="1" smtClean="0"/>
-              <a:t>Gulich</a:t>
             </a:r>
             <a:endParaRPr lang="de-CH" dirty="0"/>
           </a:p>
@@ -5541,7 +5510,7 @@
               <a:t>Modeling </a:t>
             </a:r>
             <a:r>
-              <a:rPr lang="de-DE" sz="1600" dirty="0" err="1" smtClean="0">
+              <a:rPr lang="de-DE" sz="1600" dirty="0" err="1">
                 <a:solidFill>
                   <a:sysClr val="windowText" lastClr="000000"/>
                 </a:solidFill>
@@ -5549,23 +5518,23 @@
               <a:t>and</a:t>
             </a:r>
             <a:r>
-              <a:rPr lang="de-DE" sz="1600" dirty="0" smtClean="0">
+              <a:rPr lang="de-DE" sz="1600" dirty="0">
                 <a:solidFill>
                   <a:sysClr val="windowText" lastClr="000000"/>
                 </a:solidFill>
               </a:rPr>
-              <a:t> </a:t>
-            </a:r>
-            <a:r>
-              <a:rPr lang="de-DE" sz="1600" dirty="0" err="1" smtClean="0">
+              <a:t> Simulation </a:t>
+            </a:r>
+            <a:r>
+              <a:rPr lang="de-DE" sz="1600" dirty="0" err="1">
                 <a:solidFill>
                   <a:sysClr val="windowText" lastClr="000000"/>
                 </a:solidFill>
               </a:rPr>
-              <a:t>Simulating</a:t>
-            </a:r>
-            <a:r>
-              <a:rPr lang="de-DE" sz="1600" dirty="0" smtClean="0">
+              <a:t>of</a:t>
+            </a:r>
+            <a:r>
+              <a:rPr lang="de-DE" sz="1600" dirty="0">
                 <a:solidFill>
                   <a:sysClr val="windowText" lastClr="000000"/>
                 </a:solidFill>
@@ -5801,19 +5770,19 @@
           <a:p>
             <a:r>
               <a:rPr lang="de-CH" dirty="0"/>
-              <a:t>Tim Weber , Jan </a:t>
+              <a:t>Tim Weber, Patrice Gobat, Lionel </a:t>
+            </a:r>
+            <a:r>
+              <a:rPr lang="de-CH" dirty="0" err="1"/>
+              <a:t>Gulich</a:t>
+            </a:r>
+            <a:r>
+              <a:rPr lang="de-CH" dirty="0"/>
+              <a:t>, Jan </a:t>
             </a:r>
             <a:r>
               <a:rPr lang="de-CH" dirty="0" err="1"/>
               <a:t>Speckien</a:t>
-            </a:r>
-            <a:r>
-              <a:rPr lang="de-CH" dirty="0"/>
-              <a:t>, Patrice Gobat, Lionel </a:t>
-            </a:r>
-            <a:r>
-              <a:rPr lang="de-CH" dirty="0" err="1" smtClean="0"/>
-              <a:t>Gulich</a:t>
             </a:r>
             <a:endParaRPr lang="de-CH" dirty="0"/>
           </a:p>
@@ -5928,18 +5897,18 @@
                   <a:sysClr val="windowText" lastClr="000000"/>
                 </a:solidFill>
               </a:rPr>
-              <a:t> </a:t>
-            </a:r>
-            <a:r>
-              <a:rPr lang="de-DE" sz="1600" dirty="0" err="1" smtClean="0">
+              <a:t> Simulation </a:t>
+            </a:r>
+            <a:r>
+              <a:rPr lang="de-DE" sz="1600" dirty="0" err="1">
                 <a:solidFill>
                   <a:sysClr val="windowText" lastClr="000000"/>
                 </a:solidFill>
               </a:rPr>
-              <a:t>Simulating</a:t>
-            </a:r>
-            <a:r>
-              <a:rPr lang="de-DE" sz="1600" dirty="0" smtClean="0">
+              <a:t>of</a:t>
+            </a:r>
+            <a:r>
+              <a:rPr lang="de-DE" sz="1600" dirty="0">
                 <a:solidFill>
                   <a:sysClr val="windowText" lastClr="000000"/>
                 </a:solidFill>
@@ -5947,7 +5916,7 @@
               <a:t> </a:t>
             </a:r>
             <a:r>
-              <a:rPr lang="de-DE" sz="1600" dirty="0" err="1" smtClean="0">
+              <a:rPr lang="de-DE" sz="1600" dirty="0" err="1">
                 <a:solidFill>
                   <a:sysClr val="windowText" lastClr="000000"/>
                 </a:solidFill>
@@ -5955,20 +5924,12 @@
               <a:t>Social</a:t>
             </a:r>
             <a:r>
-              <a:rPr lang="de-DE" sz="1600" dirty="0" smtClean="0">
+              <a:rPr lang="de-DE" sz="1600" dirty="0">
                 <a:solidFill>
                   <a:sysClr val="windowText" lastClr="000000"/>
                 </a:solidFill>
               </a:rPr>
-              <a:t> </a:t>
-            </a:r>
-            <a:r>
-              <a:rPr lang="de-DE" sz="1600" dirty="0">
-                <a:solidFill>
-                  <a:sysClr val="windowText" lastClr="000000"/>
-                </a:solidFill>
-              </a:rPr>
-              <a:t>Systems </a:t>
+              <a:t> Systems </a:t>
             </a:r>
             <a:r>
               <a:rPr lang="de-DE" sz="1600" dirty="0" err="1">
@@ -6047,225 +6008,123 @@
         </p:nvSpPr>
         <p:spPr>
           <a:xfrm>
-            <a:off x="431631" y="1990162"/>
-            <a:ext cx="3506978" cy="4213225"/>
+            <a:off x="431631" y="2024064"/>
+            <a:ext cx="11323975" cy="4213225"/>
           </a:xfrm>
         </p:spPr>
-        <p:style>
-          <a:lnRef idx="2">
-            <a:schemeClr val="accent6"/>
-          </a:lnRef>
-          <a:fillRef idx="1">
-            <a:schemeClr val="lt1"/>
-          </a:fillRef>
-          <a:effectRef idx="0">
-            <a:schemeClr val="accent6"/>
-          </a:effectRef>
-          <a:fontRef idx="minor">
-            <a:schemeClr val="dk1"/>
-          </a:fontRef>
-        </p:style>
         <p:txBody>
           <a:bodyPr/>
           <a:lstStyle/>
           <a:p>
-            <a:pPr marL="0" marR="0" lvl="2" indent="0" algn="ctr" defTabSz="914400" eaLnBrk="1" fontAlgn="auto" latinLnBrk="0" hangingPunct="1">
-              <a:lnSpc>
-                <a:spcPct val="100000"/>
-              </a:lnSpc>
-              <a:spcBef>
-                <a:spcPts val="0"/>
-              </a:spcBef>
-              <a:spcAft>
-                <a:spcPts val="0"/>
-              </a:spcAft>
-              <a:buSzTx/>
-              <a:buFontTx/>
-              <a:buNone/>
-              <a:tabLst/>
-              <a:defRPr/>
-            </a:pPr>
-            <a:r>
-              <a:rPr lang="en-GB" sz="2200" u="sng" dirty="0" smtClean="0">
-                <a:solidFill>
-                  <a:schemeClr val="tx1"/>
-                </a:solidFill>
-              </a:rPr>
-              <a:t>Iteration model</a:t>
-            </a:r>
-          </a:p>
-          <a:p>
-            <a:pPr marL="0" marR="0" lvl="2" indent="0" algn="ctr" defTabSz="914400" eaLnBrk="1" fontAlgn="auto" latinLnBrk="0" hangingPunct="1">
-              <a:lnSpc>
-                <a:spcPct val="100000"/>
-              </a:lnSpc>
-              <a:spcBef>
-                <a:spcPts val="0"/>
-              </a:spcBef>
-              <a:spcAft>
-                <a:spcPts val="0"/>
-              </a:spcAft>
-              <a:buSzTx/>
-              <a:buFontTx/>
-              <a:buNone/>
-              <a:tabLst/>
-              <a:defRPr/>
-            </a:pPr>
-            <a:endParaRPr lang="en-GB" sz="2200" u="sng" dirty="0">
-              <a:solidFill>
-                <a:schemeClr val="tx1"/>
-              </a:solidFill>
-            </a:endParaRPr>
-          </a:p>
-          <a:p>
-            <a:pPr marL="342900" marR="0" lvl="2" indent="-342900" defTabSz="914400" eaLnBrk="1" fontAlgn="auto" latinLnBrk="0" hangingPunct="1">
-              <a:lnSpc>
-                <a:spcPct val="100000"/>
-              </a:lnSpc>
-              <a:spcBef>
-                <a:spcPts val="0"/>
-              </a:spcBef>
-              <a:spcAft>
-                <a:spcPts val="0"/>
-              </a:spcAft>
-              <a:buSzTx/>
-              <a:buFont typeface="Wingdings" charset="2"/>
-              <a:buChar char="§"/>
-              <a:tabLst/>
-              <a:defRPr/>
-            </a:pPr>
-            <a:r>
-              <a:rPr lang="en-GB" sz="2200" dirty="0" smtClean="0">
-                <a:solidFill>
-                  <a:schemeClr val="tx1"/>
-                </a:solidFill>
-              </a:rPr>
-              <a:t>evaluate own former performance</a:t>
-            </a:r>
-          </a:p>
-          <a:p>
-            <a:pPr marL="342900" marR="0" lvl="2" indent="-342900" defTabSz="914400" eaLnBrk="1" fontAlgn="auto" latinLnBrk="0" hangingPunct="1">
-              <a:lnSpc>
-                <a:spcPct val="100000"/>
-              </a:lnSpc>
-              <a:spcBef>
-                <a:spcPts val="0"/>
-              </a:spcBef>
-              <a:spcAft>
-                <a:spcPts val="0"/>
-              </a:spcAft>
-              <a:buSzTx/>
-              <a:buFont typeface="Wingdings" charset="2"/>
-              <a:buChar char="§"/>
-              <a:tabLst/>
-              <a:defRPr/>
-            </a:pPr>
-            <a:r>
-              <a:rPr lang="en-GB" sz="2200" dirty="0">
-                <a:solidFill>
-                  <a:schemeClr val="tx1"/>
-                </a:solidFill>
-              </a:rPr>
-              <a:t>a</a:t>
-            </a:r>
-            <a:r>
-              <a:rPr lang="en-GB" sz="2200" dirty="0" smtClean="0">
-                <a:solidFill>
-                  <a:schemeClr val="tx1"/>
-                </a:solidFill>
-              </a:rPr>
-              <a:t>dapt own risk factor</a:t>
-            </a:r>
-          </a:p>
-          <a:p>
-            <a:pPr marL="342900" marR="0" lvl="2" indent="-342900" defTabSz="914400" eaLnBrk="1" fontAlgn="auto" latinLnBrk="0" hangingPunct="1">
-              <a:lnSpc>
-                <a:spcPct val="100000"/>
-              </a:lnSpc>
-              <a:spcBef>
-                <a:spcPts val="0"/>
-              </a:spcBef>
-              <a:spcAft>
-                <a:spcPts val="0"/>
-              </a:spcAft>
-              <a:buSzTx/>
-              <a:buFont typeface="Wingdings" charset="2"/>
-              <a:buChar char="§"/>
-              <a:tabLst/>
-              <a:defRPr/>
-            </a:pPr>
-            <a:endParaRPr lang="en-GB" sz="2200" dirty="0" smtClean="0">
-              <a:solidFill>
-                <a:schemeClr val="tx1"/>
-              </a:solidFill>
-            </a:endParaRPr>
-          </a:p>
-          <a:p>
-            <a:pPr marL="527050" lvl="3" indent="-342900">
-              <a:spcBef>
-                <a:spcPts val="0"/>
-              </a:spcBef>
-              <a:buFont typeface="Wingdings" charset="2"/>
-              <a:buChar char="§"/>
-            </a:pPr>
-            <a:r>
-              <a:rPr lang="en-GB" sz="2000" dirty="0" smtClean="0">
-                <a:solidFill>
-                  <a:schemeClr val="tx1"/>
-                </a:solidFill>
-              </a:rPr>
-              <a:t>Win: stay</a:t>
-            </a:r>
-          </a:p>
-          <a:p>
-            <a:pPr marL="527050" lvl="3" indent="-342900">
-              <a:spcBef>
-                <a:spcPts val="0"/>
-              </a:spcBef>
-              <a:buFont typeface="Wingdings" charset="2"/>
-              <a:buChar char="§"/>
-            </a:pPr>
-            <a:r>
-              <a:rPr lang="en-GB" sz="2000" dirty="0" smtClean="0">
-                <a:solidFill>
-                  <a:schemeClr val="tx1"/>
-                </a:solidFill>
-              </a:rPr>
-              <a:t>Loss: diminish </a:t>
-            </a:r>
-            <a:r>
-              <a:rPr lang="en-GB" sz="2000" dirty="0" err="1" smtClean="0">
-                <a:solidFill>
-                  <a:schemeClr val="tx1"/>
-                </a:solidFill>
-              </a:rPr>
-              <a:t>ris</a:t>
-            </a:r>
-            <a:r>
-              <a:rPr lang="en-GB" sz="2000" dirty="0" smtClean="0">
-                <a:solidFill>
-                  <a:schemeClr val="tx1"/>
-                </a:solidFill>
-              </a:rPr>
-              <a:t> factor</a:t>
-            </a:r>
-          </a:p>
-          <a:p>
-            <a:pPr marL="527050" lvl="3" indent="-342900">
-              <a:spcBef>
-                <a:spcPts val="0"/>
-              </a:spcBef>
-              <a:buFont typeface="Wingdings" charset="2"/>
-              <a:buChar char="§"/>
-            </a:pPr>
-            <a:r>
-              <a:rPr lang="en-GB" sz="2000" dirty="0" smtClean="0">
-                <a:solidFill>
-                  <a:schemeClr val="tx1"/>
-                </a:solidFill>
-              </a:rPr>
-              <a:t>Drop out: increase risk factor</a:t>
-            </a:r>
+            <a:pPr lvl="1"/>
+            <a:r>
+              <a:rPr lang="en-GB" sz="2200" dirty="0" smtClean="0"/>
+              <a:t>Optimised capital-bet-ratio</a:t>
+            </a:r>
+          </a:p>
+          <a:p>
+            <a:pPr lvl="1"/>
+            <a:endParaRPr lang="en-GB" sz="2200" dirty="0"/>
+          </a:p>
+          <a:p>
+            <a:pPr lvl="1"/>
+            <a:r>
+              <a:rPr lang="en-GB" sz="2200" dirty="0"/>
+              <a:t>Player’s options ’’check’’ and ‘’bluff</a:t>
+            </a:r>
+            <a:r>
+              <a:rPr lang="en-GB" sz="2200" dirty="0" smtClean="0"/>
+              <a:t>’’</a:t>
+            </a:r>
+          </a:p>
+          <a:p>
+            <a:pPr lvl="1"/>
+            <a:endParaRPr lang="en-GB" sz="2200" dirty="0" smtClean="0"/>
+          </a:p>
+          <a:p>
+            <a:pPr lvl="1"/>
+            <a:r>
+              <a:rPr lang="en-GB" sz="2200" dirty="0" smtClean="0"/>
+              <a:t>Increasing </a:t>
+            </a:r>
+            <a:r>
+              <a:rPr lang="en-GB" sz="2200" dirty="0"/>
+              <a:t>bet over </a:t>
+            </a:r>
+            <a:r>
+              <a:rPr lang="en-GB" sz="2200" dirty="0" smtClean="0"/>
+              <a:t>time</a:t>
+            </a:r>
+          </a:p>
+          <a:p>
+            <a:pPr lvl="1"/>
+            <a:endParaRPr lang="en-GB" sz="2200" dirty="0" smtClean="0"/>
+          </a:p>
+          <a:p>
+            <a:pPr lvl="1"/>
+            <a:r>
+              <a:rPr lang="en-GB" sz="2200" dirty="0" smtClean="0"/>
+              <a:t>V</a:t>
+            </a:r>
+            <a:r>
+              <a:rPr lang="en-GB" sz="2200" dirty="0" smtClean="0"/>
+              <a:t>arying bet sizes</a:t>
+            </a:r>
+            <a:endParaRPr lang="en-GB" sz="2200" dirty="0" smtClean="0"/>
+          </a:p>
+          <a:p>
+            <a:pPr lvl="1"/>
+            <a:endParaRPr lang="en-GB" sz="2200" dirty="0" smtClean="0"/>
+          </a:p>
+          <a:p>
+            <a:pPr lvl="1"/>
+            <a:r>
+              <a:rPr lang="en-GB" sz="2200" dirty="0" smtClean="0"/>
+              <a:t>More than two players</a:t>
+            </a:r>
+          </a:p>
+          <a:p>
+            <a:pPr lvl="1"/>
+            <a:endParaRPr lang="en-GB" sz="2200" dirty="0" smtClean="0"/>
+          </a:p>
+          <a:p>
+            <a:pPr lvl="1"/>
+            <a:r>
+              <a:rPr lang="en-GB" sz="2200" dirty="0" smtClean="0"/>
+              <a:t>Real cards</a:t>
+            </a:r>
+          </a:p>
+          <a:p>
+            <a:pPr lvl="1"/>
+            <a:endParaRPr lang="en-GB" sz="2200" dirty="0" smtClean="0"/>
+          </a:p>
+          <a:p>
+            <a:pPr lvl="1"/>
+            <a:endParaRPr lang="en-GB" sz="2200" dirty="0" smtClean="0"/>
+          </a:p>
+        </p:txBody>
+      </p:sp>
+      <p:sp>
+        <p:nvSpPr>
+          <p:cNvPr id="3" name="Inhaltsplatzhalter 2"/>
+          <p:cNvSpPr>
+            <a:spLocks noGrp="1"/>
+          </p:cNvSpPr>
+          <p:nvPr>
+            <p:ph sz="half" idx="2"/>
+          </p:nvPr>
+        </p:nvSpPr>
+        <p:spPr>
+          <a:xfrm>
+            <a:off x="6285565" y="6023113"/>
+            <a:ext cx="5470041" cy="214176"/>
+          </a:xfrm>
+        </p:spPr>
+        <p:txBody>
+          <a:bodyPr/>
+          <a:lstStyle/>
+          <a:p>
+            <a:endParaRPr lang="en-GB" dirty="0"/>
           </a:p>
         </p:txBody>
       </p:sp>
@@ -6309,19 +6168,19 @@
           <a:p>
             <a:r>
               <a:rPr lang="de-CH" dirty="0"/>
-              <a:t>Tim Weber , Jan </a:t>
+              <a:t>Tim Weber, Patrice Gobat, Lionel </a:t>
+            </a:r>
+            <a:r>
+              <a:rPr lang="de-CH" dirty="0" err="1"/>
+              <a:t>Gulich</a:t>
+            </a:r>
+            <a:r>
+              <a:rPr lang="de-CH" dirty="0"/>
+              <a:t>, Jan </a:t>
             </a:r>
             <a:r>
               <a:rPr lang="de-CH" dirty="0" err="1"/>
               <a:t>Speckien</a:t>
-            </a:r>
-            <a:r>
-              <a:rPr lang="de-CH" dirty="0"/>
-              <a:t>, Patrice Gobat, Lionel </a:t>
-            </a:r>
-            <a:r>
-              <a:rPr lang="de-CH" dirty="0" err="1" smtClean="0"/>
-              <a:t>Gulich</a:t>
             </a:r>
             <a:endParaRPr lang="de-CH" dirty="0"/>
           </a:p>
@@ -6367,7 +6226,7 @@
           <a:p>
             <a:r>
               <a:rPr lang="en-GB" dirty="0" smtClean="0"/>
-              <a:t>Learning models overview</a:t>
+              <a:t>Outlook</a:t>
             </a:r>
             <a:endParaRPr lang="en-GB" dirty="0"/>
           </a:p>
@@ -6436,18 +6295,18 @@
                   <a:sysClr val="windowText" lastClr="000000"/>
                 </a:solidFill>
               </a:rPr>
-              <a:t> </a:t>
-            </a:r>
-            <a:r>
-              <a:rPr lang="de-DE" sz="1600" dirty="0" err="1" smtClean="0">
+              <a:t> Simulation </a:t>
+            </a:r>
+            <a:r>
+              <a:rPr lang="de-DE" sz="1600" dirty="0" err="1">
                 <a:solidFill>
                   <a:sysClr val="windowText" lastClr="000000"/>
                 </a:solidFill>
               </a:rPr>
-              <a:t>Simulating</a:t>
-            </a:r>
-            <a:r>
-              <a:rPr lang="de-DE" sz="1600" dirty="0" smtClean="0">
+              <a:t>of</a:t>
+            </a:r>
+            <a:r>
+              <a:rPr lang="de-DE" sz="1600" dirty="0">
                 <a:solidFill>
                   <a:sysClr val="windowText" lastClr="000000"/>
                 </a:solidFill>
@@ -6495,367 +6354,10 @@
           </a:p>
         </p:txBody>
       </p:sp>
-      <p:sp>
-        <p:nvSpPr>
-          <p:cNvPr id="9" name="Inhaltsplatzhalter 1"/>
-          <p:cNvSpPr>
-            <a:spLocks noGrp="1"/>
-          </p:cNvSpPr>
-          <p:nvPr>
-            <p:ph sz="half" idx="1"/>
-          </p:nvPr>
-        </p:nvSpPr>
-        <p:spPr>
-          <a:xfrm>
-            <a:off x="4412291" y="1947949"/>
-            <a:ext cx="3320353" cy="2604174"/>
-          </a:xfrm>
-        </p:spPr>
-        <p:style>
-          <a:lnRef idx="2">
-            <a:schemeClr val="accent6"/>
-          </a:lnRef>
-          <a:fillRef idx="1">
-            <a:schemeClr val="lt1"/>
-          </a:fillRef>
-          <a:effectRef idx="0">
-            <a:schemeClr val="accent6"/>
-          </a:effectRef>
-          <a:fontRef idx="minor">
-            <a:schemeClr val="dk1"/>
-          </a:fontRef>
-        </p:style>
-        <p:txBody>
-          <a:bodyPr/>
-          <a:lstStyle/>
-          <a:p>
-            <a:pPr marL="0" marR="0" lvl="2" indent="0" algn="ctr" defTabSz="914400" eaLnBrk="1" fontAlgn="auto" latinLnBrk="0" hangingPunct="1">
-              <a:lnSpc>
-                <a:spcPct val="100000"/>
-              </a:lnSpc>
-              <a:spcBef>
-                <a:spcPts val="0"/>
-              </a:spcBef>
-              <a:spcAft>
-                <a:spcPts val="0"/>
-              </a:spcAft>
-              <a:buSzTx/>
-              <a:buFontTx/>
-              <a:buNone/>
-              <a:tabLst/>
-              <a:defRPr/>
-            </a:pPr>
-            <a:r>
-              <a:rPr lang="en-GB" sz="2200" u="sng" dirty="0" smtClean="0">
-                <a:solidFill>
-                  <a:schemeClr val="tx1"/>
-                </a:solidFill>
-              </a:rPr>
-              <a:t>Count and Gauge model</a:t>
-            </a:r>
-          </a:p>
-          <a:p>
-            <a:pPr marL="0" marR="0" lvl="2" indent="0" algn="ctr" defTabSz="914400" eaLnBrk="1" fontAlgn="auto" latinLnBrk="0" hangingPunct="1">
-              <a:lnSpc>
-                <a:spcPct val="100000"/>
-              </a:lnSpc>
-              <a:spcBef>
-                <a:spcPts val="0"/>
-              </a:spcBef>
-              <a:spcAft>
-                <a:spcPts val="0"/>
-              </a:spcAft>
-              <a:buSzTx/>
-              <a:buFontTx/>
-              <a:buNone/>
-              <a:tabLst/>
-              <a:defRPr/>
-            </a:pPr>
-            <a:endParaRPr lang="en-GB" sz="2200" u="sng" dirty="0">
-              <a:solidFill>
-                <a:schemeClr val="tx1"/>
-              </a:solidFill>
-            </a:endParaRPr>
-          </a:p>
-          <a:p>
-            <a:pPr marL="342900" marR="0" lvl="2" indent="-342900" defTabSz="914400" eaLnBrk="1" fontAlgn="auto" latinLnBrk="0" hangingPunct="1">
-              <a:lnSpc>
-                <a:spcPct val="100000"/>
-              </a:lnSpc>
-              <a:spcBef>
-                <a:spcPts val="0"/>
-              </a:spcBef>
-              <a:spcAft>
-                <a:spcPts val="0"/>
-              </a:spcAft>
-              <a:buSzTx/>
-              <a:buFont typeface="Wingdings" charset="2"/>
-              <a:buChar char="§"/>
-              <a:tabLst/>
-              <a:defRPr/>
-            </a:pPr>
-            <a:r>
-              <a:rPr lang="en-GB" sz="2200" dirty="0" smtClean="0">
-                <a:solidFill>
-                  <a:schemeClr val="tx1"/>
-                </a:solidFill>
-              </a:rPr>
-              <a:t>evaluate opponents behaviour to find opponents risk factor</a:t>
-            </a:r>
-          </a:p>
-          <a:p>
-            <a:pPr marL="342900" marR="0" lvl="2" indent="-342900" defTabSz="914400" eaLnBrk="1" fontAlgn="auto" latinLnBrk="0" hangingPunct="1">
-              <a:lnSpc>
-                <a:spcPct val="100000"/>
-              </a:lnSpc>
-              <a:spcBef>
-                <a:spcPts val="0"/>
-              </a:spcBef>
-              <a:spcAft>
-                <a:spcPts val="0"/>
-              </a:spcAft>
-              <a:buSzTx/>
-              <a:buFont typeface="Wingdings" charset="2"/>
-              <a:buChar char="§"/>
-              <a:tabLst/>
-              <a:defRPr/>
-            </a:pPr>
-            <a:endParaRPr lang="en-GB" sz="2200" dirty="0" smtClean="0">
-              <a:solidFill>
-                <a:schemeClr val="tx1"/>
-              </a:solidFill>
-            </a:endParaRPr>
-          </a:p>
-          <a:p>
-            <a:pPr marL="527050" lvl="3" indent="-342900">
-              <a:spcBef>
-                <a:spcPts val="0"/>
-              </a:spcBef>
-              <a:buFont typeface="Wingdings" charset="2"/>
-              <a:buChar char="§"/>
-            </a:pPr>
-            <a:r>
-              <a:rPr lang="en-GB" sz="2000" dirty="0" smtClean="0">
-                <a:solidFill>
-                  <a:schemeClr val="tx1"/>
-                </a:solidFill>
-              </a:rPr>
-              <a:t>count amount of unforced initial plays</a:t>
-            </a:r>
-          </a:p>
-        </p:txBody>
-      </p:sp>
-      <p:sp>
-        <p:nvSpPr>
-          <p:cNvPr id="10" name="Inhaltsplatzhalter 1"/>
-          <p:cNvSpPr>
-            <a:spLocks noGrp="1"/>
-          </p:cNvSpPr>
-          <p:nvPr>
-            <p:ph sz="half" idx="1"/>
-          </p:nvPr>
-        </p:nvSpPr>
-        <p:spPr>
-          <a:xfrm>
-            <a:off x="8285838" y="1947950"/>
-            <a:ext cx="3469770" cy="2981860"/>
-          </a:xfrm>
-        </p:spPr>
-        <p:style>
-          <a:lnRef idx="2">
-            <a:schemeClr val="accent6"/>
-          </a:lnRef>
-          <a:fillRef idx="1">
-            <a:schemeClr val="lt1"/>
-          </a:fillRef>
-          <a:effectRef idx="0">
-            <a:schemeClr val="accent6"/>
-          </a:effectRef>
-          <a:fontRef idx="minor">
-            <a:schemeClr val="dk1"/>
-          </a:fontRef>
-        </p:style>
-        <p:txBody>
-          <a:bodyPr/>
-          <a:lstStyle/>
-          <a:p>
-            <a:pPr marL="0" marR="0" lvl="2" indent="0" algn="ctr" defTabSz="914400" eaLnBrk="1" fontAlgn="auto" latinLnBrk="0" hangingPunct="1">
-              <a:lnSpc>
-                <a:spcPct val="100000"/>
-              </a:lnSpc>
-              <a:spcBef>
-                <a:spcPts val="0"/>
-              </a:spcBef>
-              <a:spcAft>
-                <a:spcPts val="0"/>
-              </a:spcAft>
-              <a:buSzTx/>
-              <a:buFontTx/>
-              <a:buNone/>
-              <a:tabLst/>
-              <a:defRPr/>
-            </a:pPr>
-            <a:r>
-              <a:rPr lang="en-GB" sz="2200" u="sng" dirty="0" smtClean="0">
-                <a:solidFill>
-                  <a:schemeClr val="tx1"/>
-                </a:solidFill>
-              </a:rPr>
-              <a:t>Threshold model</a:t>
-            </a:r>
-          </a:p>
-          <a:p>
-            <a:pPr marL="0" marR="0" lvl="2" indent="0" defTabSz="914400" eaLnBrk="1" fontAlgn="auto" latinLnBrk="0" hangingPunct="1">
-              <a:lnSpc>
-                <a:spcPct val="100000"/>
-              </a:lnSpc>
-              <a:spcBef>
-                <a:spcPts val="0"/>
-              </a:spcBef>
-              <a:spcAft>
-                <a:spcPts val="0"/>
-              </a:spcAft>
-              <a:buSzTx/>
-              <a:buFontTx/>
-              <a:buNone/>
-              <a:tabLst/>
-              <a:defRPr/>
-            </a:pPr>
-            <a:endParaRPr lang="en-GB" sz="2200" dirty="0">
-              <a:solidFill>
-                <a:schemeClr val="tx1"/>
-              </a:solidFill>
-            </a:endParaRPr>
-          </a:p>
-          <a:p>
-            <a:pPr marL="342900" lvl="2" indent="-342900">
-              <a:spcBef>
-                <a:spcPts val="0"/>
-              </a:spcBef>
-            </a:pPr>
-            <a:r>
-              <a:rPr lang="en-GB" sz="2200" dirty="0" smtClean="0">
-                <a:solidFill>
-                  <a:schemeClr val="tx1"/>
-                </a:solidFill>
-              </a:rPr>
-              <a:t>evaluate showdown to find opponents risk factor</a:t>
-            </a:r>
-          </a:p>
-          <a:p>
-            <a:pPr marL="342900" lvl="2" indent="-342900">
-              <a:spcBef>
-                <a:spcPts val="0"/>
-              </a:spcBef>
-            </a:pPr>
-            <a:endParaRPr lang="en-GB" sz="2200" dirty="0">
-              <a:solidFill>
-                <a:schemeClr val="tx1"/>
-              </a:solidFill>
-            </a:endParaRPr>
-          </a:p>
-          <a:p>
-            <a:pPr marL="527050" lvl="3" indent="-342900">
-              <a:spcBef>
-                <a:spcPts val="0"/>
-              </a:spcBef>
-            </a:pPr>
-            <a:r>
-              <a:rPr lang="en-GB" sz="2000" dirty="0">
-                <a:solidFill>
-                  <a:schemeClr val="tx1"/>
-                </a:solidFill>
-              </a:rPr>
-              <a:t>s</a:t>
-            </a:r>
-            <a:r>
-              <a:rPr lang="en-GB" sz="2000" dirty="0" smtClean="0">
-                <a:solidFill>
-                  <a:schemeClr val="tx1"/>
-                </a:solidFill>
-              </a:rPr>
-              <a:t>et opponents card value as threshold for his risk factor</a:t>
-            </a:r>
-          </a:p>
-        </p:txBody>
-      </p:sp>
-      <p:sp>
-        <p:nvSpPr>
-          <p:cNvPr id="11" name="Right Brace 10"/>
-          <p:cNvSpPr/>
-          <p:nvPr/>
-        </p:nvSpPr>
-        <p:spPr>
-          <a:xfrm rot="5400000">
-            <a:off x="7835469" y="1506631"/>
-            <a:ext cx="496957" cy="7343315"/>
-          </a:xfrm>
-          <a:prstGeom prst="rightBrace">
-            <a:avLst/>
-          </a:prstGeom>
-          <a:ln w="19050">
-            <a:solidFill>
-              <a:schemeClr val="tx1"/>
-            </a:solidFill>
-            <a:headEnd type="none" w="med" len="med"/>
-            <a:tailEnd type="none" w="med" len="med"/>
-          </a:ln>
-        </p:spPr>
-        <p:style>
-          <a:lnRef idx="1">
-            <a:schemeClr val="accent1"/>
-          </a:lnRef>
-          <a:fillRef idx="0">
-            <a:schemeClr val="accent1"/>
-          </a:fillRef>
-          <a:effectRef idx="0">
-            <a:schemeClr val="accent1"/>
-          </a:effectRef>
-          <a:fontRef idx="minor">
-            <a:schemeClr val="tx1"/>
-          </a:fontRef>
-        </p:style>
-        <p:txBody>
-          <a:bodyPr rtlCol="0" anchor="ctr"/>
-          <a:lstStyle/>
-          <a:p>
-            <a:pPr algn="ctr"/>
-            <a:endParaRPr lang="en-US"/>
-          </a:p>
-        </p:txBody>
-      </p:sp>
-      <p:sp>
-        <p:nvSpPr>
-          <p:cNvPr id="13" name="Content Placeholder 12"/>
-          <p:cNvSpPr>
-            <a:spLocks noGrp="1"/>
-          </p:cNvSpPr>
-          <p:nvPr>
-            <p:ph sz="half" idx="1"/>
-          </p:nvPr>
-        </p:nvSpPr>
-        <p:spPr>
-          <a:xfrm>
-            <a:off x="4412289" y="5584305"/>
-            <a:ext cx="7343315" cy="377687"/>
-          </a:xfrm>
-        </p:spPr>
-        <p:txBody>
-          <a:bodyPr/>
-          <a:lstStyle/>
-          <a:p>
-            <a:r>
-              <a:rPr lang="en-US" dirty="0" smtClean="0"/>
-              <a:t>Find own optimal risk factor from previous simulation results</a:t>
-            </a:r>
-            <a:endParaRPr lang="en-US" dirty="0"/>
-          </a:p>
-        </p:txBody>
-      </p:sp>
     </p:spTree>
     <p:extLst>
       <p:ext uri="{BB962C8B-B14F-4D97-AF65-F5344CB8AC3E}">
-        <p14:creationId xmlns:p14="http://schemas.microsoft.com/office/powerpoint/2010/main" val="616960598"/>
+        <p14:creationId xmlns:p14="http://schemas.microsoft.com/office/powerpoint/2010/main" val="1900596781"/>
       </p:ext>
     </p:extLst>
   </p:cSld>
@@ -6894,982 +6396,6 @@
       </p:grpSpPr>
       <p:sp>
         <p:nvSpPr>
-          <p:cNvPr id="2" name="Inhaltsplatzhalter 1"/>
-          <p:cNvSpPr>
-            <a:spLocks noGrp="1"/>
-          </p:cNvSpPr>
-          <p:nvPr>
-            <p:ph sz="half" idx="1"/>
-          </p:nvPr>
-        </p:nvSpPr>
-        <p:spPr>
-          <a:xfrm>
-            <a:off x="431631" y="1990162"/>
-            <a:ext cx="3506978" cy="4213225"/>
-          </a:xfrm>
-        </p:spPr>
-        <p:style>
-          <a:lnRef idx="2">
-            <a:schemeClr val="accent6"/>
-          </a:lnRef>
-          <a:fillRef idx="1">
-            <a:schemeClr val="lt1"/>
-          </a:fillRef>
-          <a:effectRef idx="0">
-            <a:schemeClr val="accent6"/>
-          </a:effectRef>
-          <a:fontRef idx="minor">
-            <a:schemeClr val="dk1"/>
-          </a:fontRef>
-        </p:style>
-        <p:txBody>
-          <a:bodyPr/>
-          <a:lstStyle/>
-          <a:p>
-            <a:pPr marL="0" marR="0" lvl="2" indent="0" algn="ctr" defTabSz="914400" eaLnBrk="1" fontAlgn="auto" latinLnBrk="0" hangingPunct="1">
-              <a:lnSpc>
-                <a:spcPct val="100000"/>
-              </a:lnSpc>
-              <a:spcBef>
-                <a:spcPts val="0"/>
-              </a:spcBef>
-              <a:spcAft>
-                <a:spcPts val="0"/>
-              </a:spcAft>
-              <a:buSzTx/>
-              <a:buFontTx/>
-              <a:buNone/>
-              <a:tabLst/>
-              <a:defRPr/>
-            </a:pPr>
-            <a:r>
-              <a:rPr lang="en-GB" sz="2200" u="sng" dirty="0" smtClean="0">
-                <a:solidFill>
-                  <a:schemeClr val="tx1"/>
-                </a:solidFill>
-              </a:rPr>
-              <a:t>Iteration model</a:t>
-            </a:r>
-          </a:p>
-          <a:p>
-            <a:pPr marL="0" marR="0" lvl="2" indent="0" algn="ctr" defTabSz="914400" eaLnBrk="1" fontAlgn="auto" latinLnBrk="0" hangingPunct="1">
-              <a:lnSpc>
-                <a:spcPct val="100000"/>
-              </a:lnSpc>
-              <a:spcBef>
-                <a:spcPts val="0"/>
-              </a:spcBef>
-              <a:spcAft>
-                <a:spcPts val="0"/>
-              </a:spcAft>
-              <a:buSzTx/>
-              <a:buFontTx/>
-              <a:buNone/>
-              <a:tabLst/>
-              <a:defRPr/>
-            </a:pPr>
-            <a:endParaRPr lang="en-GB" sz="2200" u="sng" dirty="0">
-              <a:solidFill>
-                <a:schemeClr val="tx1"/>
-              </a:solidFill>
-            </a:endParaRPr>
-          </a:p>
-        </p:txBody>
-      </p:sp>
-      <p:sp>
-        <p:nvSpPr>
-          <p:cNvPr id="4" name="Datumsplatzhalter 3"/>
-          <p:cNvSpPr>
-            <a:spLocks noGrp="1"/>
-          </p:cNvSpPr>
-          <p:nvPr>
-            <p:ph type="dt" sz="half" idx="10"/>
-          </p:nvPr>
-        </p:nvSpPr>
-        <p:spPr/>
-        <p:txBody>
-          <a:bodyPr/>
-          <a:lstStyle/>
-          <a:p>
-            <a:fld id="{C6A1628A-2A40-4B37-B167-309C0EBB4BBF}" type="datetime1">
-              <a:rPr lang="en-GB" smtClean="0"/>
-              <a:t>18/12/2016</a:t>
-            </a:fld>
-            <a:endParaRPr lang="en-GB" dirty="0"/>
-          </a:p>
-        </p:txBody>
-      </p:sp>
-      <p:sp>
-        <p:nvSpPr>
-          <p:cNvPr id="5" name="Fußzeilenplatzhalter 4"/>
-          <p:cNvSpPr>
-            <a:spLocks noGrp="1"/>
-          </p:cNvSpPr>
-          <p:nvPr>
-            <p:ph type="ftr" sz="quarter" idx="11"/>
-          </p:nvPr>
-        </p:nvSpPr>
-        <p:spPr/>
-        <p:txBody>
-          <a:bodyPr/>
-          <a:lstStyle/>
-          <a:p>
-            <a:r>
-              <a:rPr lang="de-CH" dirty="0"/>
-              <a:t>Tim Weber , Jan </a:t>
-            </a:r>
-            <a:r>
-              <a:rPr lang="de-CH" dirty="0" err="1"/>
-              <a:t>Speckien</a:t>
-            </a:r>
-            <a:r>
-              <a:rPr lang="de-CH" dirty="0"/>
-              <a:t>, Patrice Gobat, Lionel </a:t>
-            </a:r>
-            <a:r>
-              <a:rPr lang="de-CH" dirty="0" err="1" smtClean="0"/>
-              <a:t>Gulich</a:t>
-            </a:r>
-            <a:endParaRPr lang="de-CH" dirty="0"/>
-          </a:p>
-        </p:txBody>
-      </p:sp>
-      <p:sp>
-        <p:nvSpPr>
-          <p:cNvPr id="6" name="Foliennummernplatzhalter 5"/>
-          <p:cNvSpPr>
-            <a:spLocks noGrp="1"/>
-          </p:cNvSpPr>
-          <p:nvPr>
-            <p:ph type="sldNum" sz="quarter" idx="12"/>
-          </p:nvPr>
-        </p:nvSpPr>
-        <p:spPr/>
-        <p:txBody>
-          <a:bodyPr/>
-          <a:lstStyle/>
-          <a:p>
-            <a:fld id="{6C6AE60A-B69C-4790-82F7-3882EDF23186}" type="slidenum">
-              <a:rPr lang="en-GB" smtClean="0"/>
-              <a:t>6</a:t>
-            </a:fld>
-            <a:endParaRPr lang="en-GB" dirty="0"/>
-          </a:p>
-        </p:txBody>
-      </p:sp>
-      <p:sp>
-        <p:nvSpPr>
-          <p:cNvPr id="7" name="Titel 6"/>
-          <p:cNvSpPr>
-            <a:spLocks noGrp="1"/>
-          </p:cNvSpPr>
-          <p:nvPr>
-            <p:ph type="title"/>
-          </p:nvPr>
-        </p:nvSpPr>
-        <p:spPr>
-          <a:xfrm>
-            <a:off x="431632" y="702120"/>
-            <a:ext cx="11323975" cy="466039"/>
-          </a:xfrm>
-        </p:spPr>
-        <p:txBody>
-          <a:bodyPr/>
-          <a:lstStyle/>
-          <a:p>
-            <a:r>
-              <a:rPr lang="en-GB" dirty="0" smtClean="0"/>
-              <a:t>Learning models comparison</a:t>
-            </a:r>
-            <a:endParaRPr lang="en-GB" dirty="0"/>
-          </a:p>
-        </p:txBody>
-      </p:sp>
-      <p:sp>
-        <p:nvSpPr>
-          <p:cNvPr id="8" name="Rechteck 7"/>
-          <p:cNvSpPr/>
-          <p:nvPr/>
-        </p:nvSpPr>
-        <p:spPr>
-          <a:xfrm>
-            <a:off x="431631" y="6339682"/>
-            <a:ext cx="6832600" cy="406400"/>
-          </a:xfrm>
-          <a:prstGeom prst="rect">
-            <a:avLst/>
-          </a:prstGeom>
-          <a:solidFill>
-            <a:schemeClr val="bg1"/>
-          </a:solidFill>
-          <a:ln>
-            <a:noFill/>
-          </a:ln>
-        </p:spPr>
-        <p:style>
-          <a:lnRef idx="2">
-            <a:schemeClr val="accent1">
-              <a:shade val="50000"/>
-            </a:schemeClr>
-          </a:lnRef>
-          <a:fillRef idx="1">
-            <a:schemeClr val="accent1"/>
-          </a:fillRef>
-          <a:effectRef idx="0">
-            <a:schemeClr val="accent1"/>
-          </a:effectRef>
-          <a:fontRef idx="minor">
-            <a:schemeClr val="lt1"/>
-          </a:fontRef>
-        </p:style>
-        <p:txBody>
-          <a:bodyPr rtlCol="0" anchor="ctr"/>
-          <a:lstStyle/>
-          <a:p>
-            <a:r>
-              <a:rPr lang="de-DE" sz="1600" dirty="0">
-                <a:solidFill>
-                  <a:sysClr val="windowText" lastClr="000000"/>
-                </a:solidFill>
-              </a:rPr>
-              <a:t>Modeling </a:t>
-            </a:r>
-            <a:r>
-              <a:rPr lang="de-DE" sz="1600" dirty="0" err="1">
-                <a:solidFill>
-                  <a:sysClr val="windowText" lastClr="000000"/>
-                </a:solidFill>
-              </a:rPr>
-              <a:t>and</a:t>
-            </a:r>
-            <a:r>
-              <a:rPr lang="de-DE" sz="1600" dirty="0">
-                <a:solidFill>
-                  <a:sysClr val="windowText" lastClr="000000"/>
-                </a:solidFill>
-              </a:rPr>
-              <a:t> </a:t>
-            </a:r>
-            <a:r>
-              <a:rPr lang="de-DE" sz="1600" dirty="0" err="1" smtClean="0">
-                <a:solidFill>
-                  <a:sysClr val="windowText" lastClr="000000"/>
-                </a:solidFill>
-              </a:rPr>
-              <a:t>Simulating</a:t>
-            </a:r>
-            <a:r>
-              <a:rPr lang="de-DE" sz="1600" dirty="0" smtClean="0">
-                <a:solidFill>
-                  <a:sysClr val="windowText" lastClr="000000"/>
-                </a:solidFill>
-              </a:rPr>
-              <a:t> </a:t>
-            </a:r>
-            <a:r>
-              <a:rPr lang="de-DE" sz="1600" dirty="0" err="1">
-                <a:solidFill>
-                  <a:sysClr val="windowText" lastClr="000000"/>
-                </a:solidFill>
-              </a:rPr>
-              <a:t>Social</a:t>
-            </a:r>
-            <a:r>
-              <a:rPr lang="de-DE" sz="1600" dirty="0">
-                <a:solidFill>
-                  <a:sysClr val="windowText" lastClr="000000"/>
-                </a:solidFill>
-              </a:rPr>
-              <a:t> Systems </a:t>
-            </a:r>
-            <a:r>
-              <a:rPr lang="de-DE" sz="1600" dirty="0" err="1">
-                <a:solidFill>
-                  <a:sysClr val="windowText" lastClr="000000"/>
-                </a:solidFill>
-              </a:rPr>
-              <a:t>with</a:t>
-            </a:r>
-            <a:r>
-              <a:rPr lang="de-DE" sz="1600" dirty="0">
-                <a:solidFill>
-                  <a:sysClr val="windowText" lastClr="000000"/>
-                </a:solidFill>
-              </a:rPr>
-              <a:t> MATLAB </a:t>
-            </a:r>
-            <a:endParaRPr lang="de-DE" sz="1600" dirty="0">
-              <a:solidFill>
-                <a:sysClr val="windowText" lastClr="000000"/>
-              </a:solidFill>
-              <a:effectLst/>
-            </a:endParaRPr>
-          </a:p>
-        </p:txBody>
-      </p:sp>
-      <p:sp>
-        <p:nvSpPr>
-          <p:cNvPr id="9" name="Inhaltsplatzhalter 1"/>
-          <p:cNvSpPr>
-            <a:spLocks noGrp="1"/>
-          </p:cNvSpPr>
-          <p:nvPr>
-            <p:ph sz="half" idx="1"/>
-          </p:nvPr>
-        </p:nvSpPr>
-        <p:spPr>
-          <a:xfrm>
-            <a:off x="4412291" y="1947949"/>
-            <a:ext cx="3320353" cy="2604174"/>
-          </a:xfrm>
-        </p:spPr>
-        <p:style>
-          <a:lnRef idx="2">
-            <a:schemeClr val="accent6"/>
-          </a:lnRef>
-          <a:fillRef idx="1">
-            <a:schemeClr val="lt1"/>
-          </a:fillRef>
-          <a:effectRef idx="0">
-            <a:schemeClr val="accent6"/>
-          </a:effectRef>
-          <a:fontRef idx="minor">
-            <a:schemeClr val="dk1"/>
-          </a:fontRef>
-        </p:style>
-        <p:txBody>
-          <a:bodyPr/>
-          <a:lstStyle/>
-          <a:p>
-            <a:pPr marL="0" marR="0" lvl="2" indent="0" algn="ctr" defTabSz="914400" eaLnBrk="1" fontAlgn="auto" latinLnBrk="0" hangingPunct="1">
-              <a:lnSpc>
-                <a:spcPct val="100000"/>
-              </a:lnSpc>
-              <a:spcBef>
-                <a:spcPts val="0"/>
-              </a:spcBef>
-              <a:spcAft>
-                <a:spcPts val="0"/>
-              </a:spcAft>
-              <a:buSzTx/>
-              <a:buFontTx/>
-              <a:buNone/>
-              <a:tabLst/>
-              <a:defRPr/>
-            </a:pPr>
-            <a:r>
-              <a:rPr lang="en-GB" sz="2200" u="sng" dirty="0" smtClean="0">
-                <a:solidFill>
-                  <a:schemeClr val="tx1"/>
-                </a:solidFill>
-              </a:rPr>
-              <a:t>Count and Gauge model</a:t>
-            </a:r>
-          </a:p>
-          <a:p>
-            <a:pPr marL="0" marR="0" lvl="2" indent="0" algn="ctr" defTabSz="914400" eaLnBrk="1" fontAlgn="auto" latinLnBrk="0" hangingPunct="1">
-              <a:lnSpc>
-                <a:spcPct val="100000"/>
-              </a:lnSpc>
-              <a:spcBef>
-                <a:spcPts val="0"/>
-              </a:spcBef>
-              <a:spcAft>
-                <a:spcPts val="0"/>
-              </a:spcAft>
-              <a:buSzTx/>
-              <a:buFontTx/>
-              <a:buNone/>
-              <a:tabLst/>
-              <a:defRPr/>
-            </a:pPr>
-            <a:endParaRPr lang="en-GB" sz="2200" u="sng" dirty="0">
-              <a:solidFill>
-                <a:schemeClr val="tx1"/>
-              </a:solidFill>
-            </a:endParaRPr>
-          </a:p>
-        </p:txBody>
-      </p:sp>
-      <p:sp>
-        <p:nvSpPr>
-          <p:cNvPr id="10" name="Inhaltsplatzhalter 1"/>
-          <p:cNvSpPr>
-            <a:spLocks noGrp="1"/>
-          </p:cNvSpPr>
-          <p:nvPr>
-            <p:ph sz="half" idx="1"/>
-          </p:nvPr>
-        </p:nvSpPr>
-        <p:spPr>
-          <a:xfrm>
-            <a:off x="8285838" y="1947950"/>
-            <a:ext cx="3469770" cy="2981860"/>
-          </a:xfrm>
-        </p:spPr>
-        <p:style>
-          <a:lnRef idx="2">
-            <a:schemeClr val="accent6"/>
-          </a:lnRef>
-          <a:fillRef idx="1">
-            <a:schemeClr val="lt1"/>
-          </a:fillRef>
-          <a:effectRef idx="0">
-            <a:schemeClr val="accent6"/>
-          </a:effectRef>
-          <a:fontRef idx="minor">
-            <a:schemeClr val="dk1"/>
-          </a:fontRef>
-        </p:style>
-        <p:txBody>
-          <a:bodyPr/>
-          <a:lstStyle/>
-          <a:p>
-            <a:pPr marL="0" marR="0" lvl="2" indent="0" algn="ctr" defTabSz="914400" eaLnBrk="1" fontAlgn="auto" latinLnBrk="0" hangingPunct="1">
-              <a:lnSpc>
-                <a:spcPct val="100000"/>
-              </a:lnSpc>
-              <a:spcBef>
-                <a:spcPts val="0"/>
-              </a:spcBef>
-              <a:spcAft>
-                <a:spcPts val="0"/>
-              </a:spcAft>
-              <a:buSzTx/>
-              <a:buFontTx/>
-              <a:buNone/>
-              <a:tabLst/>
-              <a:defRPr/>
-            </a:pPr>
-            <a:r>
-              <a:rPr lang="en-GB" sz="2200" u="sng" dirty="0" smtClean="0">
-                <a:solidFill>
-                  <a:schemeClr val="tx1"/>
-                </a:solidFill>
-              </a:rPr>
-              <a:t>Threshold model</a:t>
-            </a:r>
-          </a:p>
-        </p:txBody>
-      </p:sp>
-      <p:graphicFrame>
-        <p:nvGraphicFramePr>
-          <p:cNvPr id="16" name="Inhaltsplatzhalter 7"/>
-          <p:cNvGraphicFramePr>
-            <a:graphicFrameLocks noGrp="1"/>
-          </p:cNvGraphicFramePr>
-          <p:nvPr>
-            <p:ph sz="half" idx="2"/>
-            <p:extLst>
-              <p:ext uri="{D42A27DB-BD31-4B8C-83A1-F6EECF244321}">
-                <p14:modId xmlns:p14="http://schemas.microsoft.com/office/powerpoint/2010/main" val="1685751232"/>
-              </p:ext>
-            </p:extLst>
-          </p:nvPr>
-        </p:nvGraphicFramePr>
-        <p:xfrm>
-          <a:off x="252487" y="4896671"/>
-          <a:ext cx="10960007" cy="1097280"/>
-        </p:xfrm>
-        <a:graphic>
-          <a:graphicData uri="http://schemas.openxmlformats.org/drawingml/2006/table">
-            <a:tbl>
-              <a:tblPr firstCol="1" bandRow="1">
-                <a:tableStyleId>{00A15C55-8517-42AA-B614-E9B94910E393}</a:tableStyleId>
-              </a:tblPr>
-              <a:tblGrid>
-                <a:gridCol w="1837570"/>
-                <a:gridCol w="326572"/>
-                <a:gridCol w="2645228"/>
-                <a:gridCol w="3543300"/>
-                <a:gridCol w="2607337"/>
-              </a:tblGrid>
-              <a:tr h="193743">
-                <a:tc rowSpan="2">
-                  <a:txBody>
-                    <a:bodyPr/>
-                    <a:lstStyle/>
-                    <a:p>
-                      <a:pPr algn="l"/>
-                      <a:r>
-                        <a:rPr lang="en-GB" dirty="0" smtClean="0"/>
-                        <a:t>#</a:t>
-                      </a:r>
-                      <a:r>
-                        <a:rPr lang="en-GB" baseline="0" dirty="0" smtClean="0"/>
-                        <a:t> games won</a:t>
-                      </a:r>
-                      <a:endParaRPr lang="en-GB" dirty="0"/>
-                    </a:p>
-                  </a:txBody>
-                  <a:tcPr anchor="ctr"/>
-                </a:tc>
-                <a:tc>
-                  <a:txBody>
-                    <a:bodyPr/>
-                    <a:lstStyle/>
-                    <a:p>
-                      <a:r>
-                        <a:rPr lang="en-GB" dirty="0" smtClean="0"/>
-                        <a:t>𝜇</a:t>
-                      </a:r>
-                      <a:endParaRPr lang="en-GB" dirty="0"/>
-                    </a:p>
-                  </a:txBody>
-                  <a:tcPr>
-                    <a:lnR w="12700" cap="flat" cmpd="sng" algn="ctr">
-                      <a:solidFill>
-                        <a:schemeClr val="tx1"/>
-                      </a:solidFill>
-                      <a:prstDash val="solid"/>
-                      <a:round/>
-                      <a:headEnd type="none" w="med" len="med"/>
-                      <a:tailEnd type="none" w="med" len="med"/>
-                    </a:lnR>
-                  </a:tcPr>
-                </a:tc>
-                <a:tc>
-                  <a:txBody>
-                    <a:bodyPr/>
-                    <a:lstStyle/>
-                    <a:p>
-                      <a:pPr marL="0" marR="0" indent="0" algn="l" defTabSz="914400" rtl="0" eaLnBrk="1" fontAlgn="auto" latinLnBrk="0" hangingPunct="1">
-                        <a:lnSpc>
-                          <a:spcPct val="100000"/>
-                        </a:lnSpc>
-                        <a:spcBef>
-                          <a:spcPts val="0"/>
-                        </a:spcBef>
-                        <a:spcAft>
-                          <a:spcPts val="0"/>
-                        </a:spcAft>
-                        <a:buClrTx/>
-                        <a:buSzTx/>
-                        <a:buFontTx/>
-                        <a:buNone/>
-                        <a:tabLst/>
-                        <a:defRPr/>
-                      </a:pPr>
-                      <a:r>
-                        <a:rPr lang="en-GB" dirty="0" smtClean="0"/>
-                        <a:t>647.55</a:t>
-                      </a:r>
-                    </a:p>
-                  </a:txBody>
-                  <a:tcPr>
-                    <a:lnL w="12700" cap="flat" cmpd="sng" algn="ctr">
-                      <a:solidFill>
-                        <a:schemeClr val="tx1"/>
-                      </a:solidFill>
-                      <a:prstDash val="solid"/>
-                      <a:round/>
-                      <a:headEnd type="none" w="med" len="med"/>
-                      <a:tailEnd type="none" w="med" len="med"/>
-                    </a:lnL>
-                  </a:tcPr>
-                </a:tc>
-                <a:tc>
-                  <a:txBody>
-                    <a:bodyPr/>
-                    <a:lstStyle/>
-                    <a:p>
-                      <a:r>
-                        <a:rPr lang="en-GB" dirty="0" smtClean="0"/>
-                        <a:t>690.6369</a:t>
-                      </a:r>
-                      <a:endParaRPr lang="en-GB" dirty="0"/>
-                    </a:p>
-                  </a:txBody>
-                  <a:tcPr/>
-                </a:tc>
-                <a:tc>
-                  <a:txBody>
-                    <a:bodyPr/>
-                    <a:lstStyle/>
-                    <a:p>
-                      <a:pPr marL="0" marR="0" indent="0" algn="l" defTabSz="914400" rtl="0" eaLnBrk="1" fontAlgn="auto" latinLnBrk="0" hangingPunct="1">
-                        <a:lnSpc>
-                          <a:spcPct val="100000"/>
-                        </a:lnSpc>
-                        <a:spcBef>
-                          <a:spcPts val="0"/>
-                        </a:spcBef>
-                        <a:spcAft>
-                          <a:spcPts val="0"/>
-                        </a:spcAft>
-                        <a:buClrTx/>
-                        <a:buSzTx/>
-                        <a:buFontTx/>
-                        <a:buNone/>
-                        <a:tabLst/>
-                        <a:defRPr/>
-                      </a:pPr>
-                      <a:r>
-                        <a:rPr lang="en-GB" dirty="0" smtClean="0"/>
-                        <a:t>605.77</a:t>
-                      </a:r>
-                    </a:p>
-                  </a:txBody>
-                  <a:tcPr/>
-                </a:tc>
-              </a:tr>
-              <a:tr h="193743">
-                <a:tc vMerge="1">
-                  <a:txBody>
-                    <a:bodyPr/>
-                    <a:lstStyle/>
-                    <a:p>
-                      <a:endParaRPr lang="en-GB" dirty="0"/>
-                    </a:p>
-                  </a:txBody>
-                  <a:tcPr/>
-                </a:tc>
-                <a:tc>
-                  <a:txBody>
-                    <a:bodyPr/>
-                    <a:lstStyle/>
-                    <a:p>
-                      <a:pPr marL="0" marR="0" indent="0" algn="l" defTabSz="914400" rtl="0" eaLnBrk="1" fontAlgn="auto" latinLnBrk="0" hangingPunct="1">
-                        <a:lnSpc>
-                          <a:spcPct val="100000"/>
-                        </a:lnSpc>
-                        <a:spcBef>
-                          <a:spcPts val="0"/>
-                        </a:spcBef>
-                        <a:spcAft>
-                          <a:spcPts val="0"/>
-                        </a:spcAft>
-                        <a:buClrTx/>
-                        <a:buSzTx/>
-                        <a:buFontTx/>
-                        <a:buNone/>
-                        <a:tabLst/>
-                        <a:defRPr/>
-                      </a:pPr>
-                      <a:r>
-                        <a:rPr lang="en-GB" dirty="0" smtClean="0"/>
-                        <a:t>𝜎</a:t>
-                      </a:r>
-                    </a:p>
-                  </a:txBody>
-                  <a:tcPr>
-                    <a:lnR w="12700" cap="flat" cmpd="sng" algn="ctr">
-                      <a:solidFill>
-                        <a:schemeClr val="tx1"/>
-                      </a:solidFill>
-                      <a:prstDash val="solid"/>
-                      <a:round/>
-                      <a:headEnd type="none" w="med" len="med"/>
-                      <a:tailEnd type="none" w="med" len="med"/>
-                    </a:lnR>
-                  </a:tcPr>
-                </a:tc>
-                <a:tc>
-                  <a:txBody>
-                    <a:bodyPr/>
-                    <a:lstStyle/>
-                    <a:p>
-                      <a:pPr marL="0" marR="0" indent="0" algn="l" defTabSz="914400" rtl="0" eaLnBrk="1" fontAlgn="auto" latinLnBrk="0" hangingPunct="1">
-                        <a:lnSpc>
-                          <a:spcPct val="100000"/>
-                        </a:lnSpc>
-                        <a:spcBef>
-                          <a:spcPts val="0"/>
-                        </a:spcBef>
-                        <a:spcAft>
-                          <a:spcPts val="0"/>
-                        </a:spcAft>
-                        <a:buClrTx/>
-                        <a:buSzTx/>
-                        <a:buFontTx/>
-                        <a:buNone/>
-                        <a:tabLst/>
-                        <a:defRPr/>
-                      </a:pPr>
-                      <a:r>
-                        <a:rPr lang="en-GB" dirty="0" smtClean="0"/>
-                        <a:t>335.5068</a:t>
-                      </a:r>
-                    </a:p>
-                  </a:txBody>
-                  <a:tcPr>
-                    <a:lnL w="12700" cap="flat" cmpd="sng" algn="ctr">
-                      <a:solidFill>
-                        <a:schemeClr val="tx1"/>
-                      </a:solidFill>
-                      <a:prstDash val="solid"/>
-                      <a:round/>
-                      <a:headEnd type="none" w="med" len="med"/>
-                      <a:tailEnd type="none" w="med" len="med"/>
-                    </a:lnL>
-                  </a:tcPr>
-                </a:tc>
-                <a:tc>
-                  <a:txBody>
-                    <a:bodyPr/>
-                    <a:lstStyle/>
-                    <a:p>
-                      <a:r>
-                        <a:rPr lang="en-GB" dirty="0" smtClean="0"/>
-                        <a:t>313.1811</a:t>
-                      </a:r>
-                      <a:endParaRPr lang="en-GB" dirty="0"/>
-                    </a:p>
-                  </a:txBody>
-                  <a:tcPr/>
-                </a:tc>
-                <a:tc>
-                  <a:txBody>
-                    <a:bodyPr/>
-                    <a:lstStyle/>
-                    <a:p>
-                      <a:pPr marL="0" marR="0" indent="0" algn="l" defTabSz="914400" rtl="0" eaLnBrk="1" fontAlgn="auto" latinLnBrk="0" hangingPunct="1">
-                        <a:lnSpc>
-                          <a:spcPct val="100000"/>
-                        </a:lnSpc>
-                        <a:spcBef>
-                          <a:spcPts val="0"/>
-                        </a:spcBef>
-                        <a:spcAft>
-                          <a:spcPts val="0"/>
-                        </a:spcAft>
-                        <a:buClrTx/>
-                        <a:buSzTx/>
-                        <a:buFontTx/>
-                        <a:buNone/>
-                        <a:tabLst/>
-                        <a:defRPr/>
-                      </a:pPr>
-                      <a:r>
-                        <a:rPr lang="en-GB" dirty="0" smtClean="0"/>
-                        <a:t>301.3260</a:t>
-                      </a:r>
-                    </a:p>
-                  </a:txBody>
-                  <a:tcPr/>
-                </a:tc>
-              </a:tr>
-              <a:tr h="339050">
-                <a:tc>
-                  <a:txBody>
-                    <a:bodyPr/>
-                    <a:lstStyle/>
-                    <a:p>
-                      <a:pPr marL="0" marR="0" indent="0" algn="l" defTabSz="914400" rtl="0" eaLnBrk="1" fontAlgn="auto" latinLnBrk="0" hangingPunct="1">
-                        <a:lnSpc>
-                          <a:spcPct val="100000"/>
-                        </a:lnSpc>
-                        <a:spcBef>
-                          <a:spcPts val="0"/>
-                        </a:spcBef>
-                        <a:spcAft>
-                          <a:spcPts val="0"/>
-                        </a:spcAft>
-                        <a:buClrTx/>
-                        <a:buSzTx/>
-                        <a:buFontTx/>
-                        <a:buNone/>
-                        <a:tabLst/>
-                        <a:defRPr/>
-                      </a:pPr>
-                      <a:r>
-                        <a:rPr lang="en-GB" dirty="0" smtClean="0"/>
-                        <a:t># hands</a:t>
-                      </a:r>
-                      <a:r>
-                        <a:rPr lang="en-GB" baseline="0" dirty="0" smtClean="0"/>
-                        <a:t> played</a:t>
-                      </a:r>
-                      <a:endParaRPr lang="en-GB" dirty="0" smtClean="0"/>
-                    </a:p>
-                  </a:txBody>
-                  <a:tcPr/>
-                </a:tc>
-                <a:tc>
-                  <a:txBody>
-                    <a:bodyPr/>
-                    <a:lstStyle/>
-                    <a:p>
-                      <a:r>
-                        <a:rPr lang="en-GB" dirty="0" smtClean="0"/>
-                        <a:t>𝜇</a:t>
-                      </a:r>
-                      <a:endParaRPr lang="en-GB" dirty="0"/>
-                    </a:p>
-                  </a:txBody>
-                  <a:tcPr>
-                    <a:lnR w="12700" cap="flat" cmpd="sng" algn="ctr">
-                      <a:solidFill>
-                        <a:schemeClr val="tx1"/>
-                      </a:solidFill>
-                      <a:prstDash val="solid"/>
-                      <a:round/>
-                      <a:headEnd type="none" w="med" len="med"/>
-                      <a:tailEnd type="none" w="med" len="med"/>
-                    </a:lnR>
-                  </a:tcPr>
-                </a:tc>
-                <a:tc>
-                  <a:txBody>
-                    <a:bodyPr/>
-                    <a:lstStyle/>
-                    <a:p>
-                      <a:pPr marL="0" marR="0" indent="0" algn="l" defTabSz="914400" rtl="0" eaLnBrk="1" fontAlgn="auto" latinLnBrk="0" hangingPunct="1">
-                        <a:lnSpc>
-                          <a:spcPct val="100000"/>
-                        </a:lnSpc>
-                        <a:spcBef>
-                          <a:spcPts val="0"/>
-                        </a:spcBef>
-                        <a:spcAft>
-                          <a:spcPts val="0"/>
-                        </a:spcAft>
-                        <a:buClrTx/>
-                        <a:buSzTx/>
-                        <a:buFontTx/>
-                        <a:buNone/>
-                        <a:tabLst/>
-                        <a:defRPr/>
-                      </a:pPr>
-                      <a:r>
-                        <a:rPr lang="en-GB" dirty="0" smtClean="0"/>
-                        <a:t>110020</a:t>
-                      </a:r>
-                    </a:p>
-                  </a:txBody>
-                  <a:tcPr>
-                    <a:lnL w="12700" cap="flat" cmpd="sng" algn="ctr">
-                      <a:solidFill>
-                        <a:schemeClr val="tx1"/>
-                      </a:solidFill>
-                      <a:prstDash val="solid"/>
-                      <a:round/>
-                      <a:headEnd type="none" w="med" len="med"/>
-                      <a:tailEnd type="none" w="med" len="med"/>
-                    </a:lnL>
-                  </a:tcPr>
-                </a:tc>
-                <a:tc>
-                  <a:txBody>
-                    <a:bodyPr/>
-                    <a:lstStyle/>
-                    <a:p>
-                      <a:r>
-                        <a:rPr lang="en-GB" dirty="0" smtClean="0"/>
-                        <a:t>709.35</a:t>
-                      </a:r>
-                      <a:endParaRPr lang="en-GB" dirty="0"/>
-                    </a:p>
-                  </a:txBody>
-                  <a:tcPr/>
-                </a:tc>
-                <a:tc>
-                  <a:txBody>
-                    <a:bodyPr/>
-                    <a:lstStyle/>
-                    <a:p>
-                      <a:pPr marL="0" marR="0" indent="0" algn="l" defTabSz="914400" rtl="0" eaLnBrk="1" fontAlgn="auto" latinLnBrk="0" hangingPunct="1">
-                        <a:lnSpc>
-                          <a:spcPct val="100000"/>
-                        </a:lnSpc>
-                        <a:spcBef>
-                          <a:spcPts val="0"/>
-                        </a:spcBef>
-                        <a:spcAft>
-                          <a:spcPts val="0"/>
-                        </a:spcAft>
-                        <a:buClrTx/>
-                        <a:buSzTx/>
-                        <a:buFontTx/>
-                        <a:buNone/>
-                        <a:tabLst/>
-                        <a:defRPr/>
-                      </a:pPr>
-                      <a:r>
-                        <a:rPr lang="en-GB" dirty="0" smtClean="0"/>
-                        <a:t>1565</a:t>
-                      </a:r>
-                    </a:p>
-                  </a:txBody>
-                  <a:tcPr/>
-                </a:tc>
-              </a:tr>
-            </a:tbl>
-          </a:graphicData>
-        </a:graphic>
-      </p:graphicFrame>
-      <p:pic>
-        <p:nvPicPr>
-          <p:cNvPr id="3" name="Picture 2"/>
-          <p:cNvPicPr>
-            <a:picLocks noChangeAspect="1"/>
-          </p:cNvPicPr>
-          <p:nvPr/>
-        </p:nvPicPr>
-        <p:blipFill>
-          <a:blip r:embed="rId3">
-            <a:extLst>
-              <a:ext uri="{28A0092B-C50C-407E-A947-70E740481C1C}">
-                <a14:useLocalDpi xmlns:a14="http://schemas.microsoft.com/office/drawing/2010/main" val="0"/>
-              </a:ext>
-            </a:extLst>
-          </a:blip>
-          <a:stretch>
-            <a:fillRect/>
-          </a:stretch>
-        </p:blipFill>
-        <p:spPr>
-          <a:xfrm>
-            <a:off x="431631" y="1370982"/>
-            <a:ext cx="11323976" cy="3354797"/>
-          </a:xfrm>
-          <a:prstGeom prst="rect">
-            <a:avLst/>
-          </a:prstGeom>
-        </p:spPr>
-      </p:pic>
-    </p:spTree>
-    <p:extLst>
-      <p:ext uri="{BB962C8B-B14F-4D97-AF65-F5344CB8AC3E}">
-        <p14:creationId xmlns:p14="http://schemas.microsoft.com/office/powerpoint/2010/main" val="1970918657"/>
-      </p:ext>
-    </p:extLst>
-  </p:cSld>
-  <p:clrMapOvr>
-    <a:masterClrMapping/>
-  </p:clrMapOvr>
-  <p:transition>
-    <p:fade/>
-  </p:transition>
-  <p:timing>
-    <p:tnLst>
-      <p:par>
-        <p:cTn id="1" dur="indefinite" restart="never" nodeType="tmRoot"/>
-      </p:par>
-    </p:tnLst>
-  </p:timing>
-</p:sld>
-</file>
-
-<file path=ppt/slides/slide7.xml><?xml version="1.0" encoding="utf-8"?>
-<p:sld xmlns:a="http://schemas.openxmlformats.org/drawingml/2006/main" xmlns:r="http://schemas.openxmlformats.org/officeDocument/2006/relationships" xmlns:p="http://schemas.openxmlformats.org/presentationml/2006/main">
-  <p:cSld>
-    <p:spTree>
-      <p:nvGrpSpPr>
-        <p:cNvPr id="1" name=""/>
-        <p:cNvGrpSpPr/>
-        <p:nvPr/>
-      </p:nvGrpSpPr>
-      <p:grpSpPr>
-        <a:xfrm>
-          <a:off x="0" y="0"/>
-          <a:ext cx="0" cy="0"/>
-          <a:chOff x="0" y="0"/>
-          <a:chExt cx="0" cy="0"/>
-        </a:xfrm>
-      </p:grpSpPr>
-      <p:sp>
-        <p:nvSpPr>
           <p:cNvPr id="2" name="Titel 1"/>
           <p:cNvSpPr>
             <a:spLocks noGrp="1"/>
@@ -7931,27 +6457,19 @@
           <a:p>
             <a:r>
               <a:rPr lang="de-CH" dirty="0"/>
-              <a:t>Tim </a:t>
-            </a:r>
-            <a:r>
-              <a:rPr lang="de-CH" dirty="0" smtClean="0"/>
-              <a:t>Weber, Jan </a:t>
-            </a:r>
-            <a:r>
-              <a:rPr lang="de-CH" dirty="0" err="1" smtClean="0"/>
+              <a:t>Tim Weber, Patrice Gobat, Lionel </a:t>
+            </a:r>
+            <a:r>
+              <a:rPr lang="de-CH" dirty="0" err="1"/>
+              <a:t>Gulich</a:t>
+            </a:r>
+            <a:r>
+              <a:rPr lang="de-CH" dirty="0"/>
+              <a:t>, Jan </a:t>
+            </a:r>
+            <a:r>
+              <a:rPr lang="de-CH" dirty="0" err="1"/>
               <a:t>Speckien</a:t>
-            </a:r>
-            <a:r>
-              <a:rPr lang="de-CH" dirty="0" smtClean="0"/>
-              <a:t>, </a:t>
-            </a:r>
-            <a:r>
-              <a:rPr lang="de-CH" dirty="0"/>
-              <a:t>Patrice Gobat, Lionel </a:t>
-            </a:r>
-            <a:r>
-              <a:rPr lang="de-CH" dirty="0" err="1" smtClean="0"/>
-              <a:t>Gulich</a:t>
             </a:r>
             <a:endParaRPr lang="de-CH" dirty="0"/>
           </a:p>
@@ -7974,7 +6492,7 @@
           <a:p>
             <a:fld id="{6C6AE60A-B69C-4790-82F7-3882EDF23186}" type="slidenum">
               <a:rPr lang="de-DE" smtClean="0"/>
-              <a:t>7</a:t>
+              <a:t>6</a:t>
             </a:fld>
             <a:endParaRPr lang="de-DE"/>
           </a:p>
@@ -8043,18 +6561,18 @@
                   <a:sysClr val="windowText" lastClr="000000"/>
                 </a:solidFill>
               </a:rPr>
-              <a:t> </a:t>
-            </a:r>
-            <a:r>
-              <a:rPr lang="de-DE" sz="1600" dirty="0" err="1" smtClean="0">
+              <a:t> Simulation </a:t>
+            </a:r>
+            <a:r>
+              <a:rPr lang="de-DE" sz="1600" dirty="0" err="1">
                 <a:solidFill>
                   <a:sysClr val="windowText" lastClr="000000"/>
                 </a:solidFill>
               </a:rPr>
-              <a:t>Simulating</a:t>
-            </a:r>
-            <a:r>
-              <a:rPr lang="de-DE" sz="1600" dirty="0" smtClean="0">
+              <a:t>of</a:t>
+            </a:r>
+            <a:r>
+              <a:rPr lang="de-DE" sz="1600" dirty="0">
                 <a:solidFill>
                   <a:sysClr val="windowText" lastClr="000000"/>
                 </a:solidFill>

--- a/presentation/vortrag_matlab.pptx
+++ b/presentation/vortrag_matlab.pptx
@@ -5,7 +5,7 @@
     <p:sldMasterId id="2147483648" r:id="rId1"/>
   </p:sldMasterIdLst>
   <p:notesMasterIdLst>
-    <p:notesMasterId r:id="rId8"/>
+    <p:notesMasterId r:id="rId9"/>
   </p:notesMasterIdLst>
   <p:sldIdLst>
     <p:sldId id="256" r:id="rId2"/>
@@ -13,7 +13,8 @@
     <p:sldId id="268" r:id="rId4"/>
     <p:sldId id="269" r:id="rId5"/>
     <p:sldId id="289" r:id="rId6"/>
-    <p:sldId id="288" r:id="rId7"/>
+    <p:sldId id="290" r:id="rId7"/>
+    <p:sldId id="288" r:id="rId8"/>
   </p:sldIdLst>
   <p:sldSz cx="12187238" cy="6858000"/>
   <p:notesSz cx="6591300" cy="9855200"/>
@@ -417,7 +418,7 @@
           <a:p>
             <a:fld id="{A51C0C35-A9A2-4EFD-9BAF-1E52E29E03D1}" type="slidenum">
               <a:rPr lang="de-CH" smtClean="0"/>
-              <a:t>‹Nr.›</a:t>
+              <a:t>‹#›</a:t>
             </a:fld>
             <a:endParaRPr lang="de-CH"/>
           </a:p>
@@ -960,6 +961,90 @@
 </p:notes>
 </file>
 
+<file path=ppt/notesSlides/notesSlide4.xml><?xml version="1.0" encoding="utf-8"?>
+<p:notes xmlns:a="http://schemas.openxmlformats.org/drawingml/2006/main" xmlns:r="http://schemas.openxmlformats.org/officeDocument/2006/relationships" xmlns:p="http://schemas.openxmlformats.org/presentationml/2006/main">
+  <p:cSld>
+    <p:spTree>
+      <p:nvGrpSpPr>
+        <p:cNvPr id="1" name=""/>
+        <p:cNvGrpSpPr/>
+        <p:nvPr/>
+      </p:nvGrpSpPr>
+      <p:grpSpPr>
+        <a:xfrm>
+          <a:off x="0" y="0"/>
+          <a:ext cx="0" cy="0"/>
+          <a:chOff x="0" y="0"/>
+          <a:chExt cx="0" cy="0"/>
+        </a:xfrm>
+      </p:grpSpPr>
+      <p:sp>
+        <p:nvSpPr>
+          <p:cNvPr id="2" name="Folienbildplatzhalter 1"/>
+          <p:cNvSpPr>
+            <a:spLocks noGrp="1" noRot="1" noChangeAspect="1"/>
+          </p:cNvSpPr>
+          <p:nvPr>
+            <p:ph type="sldImg"/>
+          </p:nvPr>
+        </p:nvSpPr>
+        <p:spPr/>
+      </p:sp>
+      <p:sp>
+        <p:nvSpPr>
+          <p:cNvPr id="3" name="Notizenplatzhalter 2"/>
+          <p:cNvSpPr>
+            <a:spLocks noGrp="1"/>
+          </p:cNvSpPr>
+          <p:nvPr>
+            <p:ph type="body" idx="1"/>
+          </p:nvPr>
+        </p:nvSpPr>
+        <p:spPr/>
+        <p:txBody>
+          <a:bodyPr/>
+          <a:lstStyle/>
+          <a:p>
+            <a:endParaRPr lang="en-GB" dirty="0"/>
+          </a:p>
+        </p:txBody>
+      </p:sp>
+      <p:sp>
+        <p:nvSpPr>
+          <p:cNvPr id="4" name="Foliennummernplatzhalter 3"/>
+          <p:cNvSpPr>
+            <a:spLocks noGrp="1"/>
+          </p:cNvSpPr>
+          <p:nvPr>
+            <p:ph type="sldNum" sz="quarter" idx="10"/>
+          </p:nvPr>
+        </p:nvSpPr>
+        <p:spPr/>
+        <p:txBody>
+          <a:bodyPr/>
+          <a:lstStyle/>
+          <a:p>
+            <a:fld id="{A51C0C35-A9A2-4EFD-9BAF-1E52E29E03D1}" type="slidenum">
+              <a:rPr lang="de-CH" smtClean="0"/>
+              <a:t>6</a:t>
+            </a:fld>
+            <a:endParaRPr lang="de-CH"/>
+          </a:p>
+        </p:txBody>
+      </p:sp>
+    </p:spTree>
+    <p:extLst>
+      <p:ext uri="{BB962C8B-B14F-4D97-AF65-F5344CB8AC3E}">
+        <p14:creationId xmlns:p14="http://schemas.microsoft.com/office/powerpoint/2010/main" val="1384531792"/>
+      </p:ext>
+    </p:extLst>
+  </p:cSld>
+  <p:clrMapOvr>
+    <a:masterClrMapping/>
+  </p:clrMapOvr>
+</p:notes>
+</file>
+
 <file path=ppt/slideLayouts/slideLayout1.xml><?xml version="1.0" encoding="utf-8"?>
 <p:sldLayout xmlns:a="http://schemas.openxmlformats.org/drawingml/2006/main" xmlns:r="http://schemas.openxmlformats.org/officeDocument/2006/relationships" xmlns:p="http://schemas.openxmlformats.org/presentationml/2006/main" preserve="1" userDrawn="1">
   <p:cSld name="Titelfolie A">
@@ -1196,7 +1281,7 @@
           <a:p>
             <a:fld id="{6C6AE60A-B69C-4790-82F7-3882EDF23186}" type="slidenum">
               <a:rPr lang="de-DE" smtClean="0"/>
-              <a:t>‹Nr.›</a:t>
+              <a:t>‹#›</a:t>
             </a:fld>
             <a:endParaRPr lang="de-DE"/>
           </a:p>
@@ -1392,7 +1477,7 @@
           <a:p>
             <a:fld id="{6C6AE60A-B69C-4790-82F7-3882EDF23186}" type="slidenum">
               <a:rPr lang="de-DE" smtClean="0"/>
-              <a:t>‹Nr.›</a:t>
+              <a:t>‹#›</a:t>
             </a:fld>
             <a:endParaRPr lang="de-DE"/>
           </a:p>
@@ -1664,7 +1749,7 @@
           <a:p>
             <a:fld id="{6C6AE60A-B69C-4790-82F7-3882EDF23186}" type="slidenum">
               <a:rPr lang="de-DE" smtClean="0"/>
-              <a:t>‹Nr.›</a:t>
+              <a:t>‹#›</a:t>
             </a:fld>
             <a:endParaRPr lang="de-DE"/>
           </a:p>
@@ -1973,7 +2058,7 @@
           <a:p>
             <a:fld id="{6C6AE60A-B69C-4790-82F7-3882EDF23186}" type="slidenum">
               <a:rPr lang="de-DE" smtClean="0"/>
-              <a:t>‹Nr.›</a:t>
+              <a:t>‹#›</a:t>
             </a:fld>
             <a:endParaRPr lang="de-DE"/>
           </a:p>
@@ -2582,7 +2667,7 @@
           <a:p>
             <a:fld id="{6C6AE60A-B69C-4790-82F7-3882EDF23186}" type="slidenum">
               <a:rPr lang="de-DE" smtClean="0"/>
-              <a:t>‹Nr.›</a:t>
+              <a:t>‹#›</a:t>
             </a:fld>
             <a:endParaRPr lang="de-DE"/>
           </a:p>
@@ -2915,7 +3000,7 @@
           <a:p>
             <a:fld id="{6C6AE60A-B69C-4790-82F7-3882EDF23186}" type="slidenum">
               <a:rPr lang="de-DE" smtClean="0"/>
-              <a:t>‹Nr.›</a:t>
+              <a:t>‹#›</a:t>
             </a:fld>
             <a:endParaRPr lang="de-DE"/>
           </a:p>
@@ -3039,7 +3124,7 @@
           <a:p>
             <a:fld id="{6C6AE60A-B69C-4790-82F7-3882EDF23186}" type="slidenum">
               <a:rPr lang="de-DE" smtClean="0"/>
-              <a:t>‹Nr.›</a:t>
+              <a:t>‹#›</a:t>
             </a:fld>
             <a:endParaRPr lang="de-DE"/>
           </a:p>
@@ -3166,7 +3251,7 @@
           <a:p>
             <a:fld id="{6C6AE60A-B69C-4790-82F7-3882EDF23186}" type="slidenum">
               <a:rPr lang="de-DE" smtClean="0"/>
-              <a:t>‹Nr.›</a:t>
+              <a:t>‹#›</a:t>
             </a:fld>
             <a:endParaRPr lang="de-DE"/>
           </a:p>
@@ -3309,7 +3394,7 @@
           <a:p>
             <a:fld id="{6C6AE60A-B69C-4790-82F7-3882EDF23186}" type="slidenum">
               <a:rPr lang="de-DE" smtClean="0"/>
-              <a:t>‹Nr.›</a:t>
+              <a:t>‹#›</a:t>
             </a:fld>
             <a:endParaRPr lang="de-DE"/>
           </a:p>
@@ -3741,7 +3826,7 @@
             <a:fld id="{6C6AE60A-B69C-4790-82F7-3882EDF23186}" type="slidenum">
               <a:rPr lang="de-DE" smtClean="0"/>
               <a:pPr/>
-              <a:t>‹Nr.›</a:t>
+              <a:t>‹#›</a:t>
             </a:fld>
             <a:endParaRPr lang="de-DE"/>
           </a:p>
@@ -4389,14 +4474,22 @@
           <a:lstStyle/>
           <a:p>
             <a:r>
-              <a:rPr lang="de-CH" smtClean="0"/>
+              <a:rPr lang="de-CH" dirty="0" smtClean="0"/>
               <a:t>M</a:t>
             </a:r>
             <a:r>
-              <a:rPr lang="de-DE" smtClean="0"/>
-              <a:t>AKE MILLIONS OF DOLLARS USING THIS POKER TRICK</a:t>
-            </a:r>
-            <a:endParaRPr lang="de-DE"/>
+              <a:rPr lang="de-DE" dirty="0" smtClean="0"/>
+              <a:t>AKE MILLIONS OF DOLLARS USING THIS </a:t>
+            </a:r>
+            <a:r>
+              <a:rPr lang="de-DE" dirty="0" smtClean="0"/>
+              <a:t>OLD POKER </a:t>
+            </a:r>
+            <a:r>
+              <a:rPr lang="de-DE" dirty="0" smtClean="0"/>
+              <a:t>TRICK</a:t>
+            </a:r>
+            <a:endParaRPr lang="de-DE" dirty="0"/>
           </a:p>
         </p:txBody>
       </p:sp>
@@ -6064,13 +6157,8 @@
             <a:pPr lvl="1"/>
             <a:r>
               <a:rPr lang="en-GB" sz="2200" dirty="0" smtClean="0"/>
-              <a:t>V</a:t>
-            </a:r>
-            <a:r>
-              <a:rPr lang="en-GB" sz="2200" dirty="0" smtClean="0"/>
-              <a:t>arying bet sizes</a:t>
-            </a:r>
-            <a:endParaRPr lang="en-GB" sz="2200" dirty="0" smtClean="0"/>
+              <a:t>Varying bet sizes</a:t>
+            </a:r>
           </a:p>
           <a:p>
             <a:pPr lvl="1"/>
@@ -6396,6 +6484,297 @@
       </p:grpSpPr>
       <p:sp>
         <p:nvSpPr>
+          <p:cNvPr id="4" name="Datumsplatzhalter 3"/>
+          <p:cNvSpPr>
+            <a:spLocks noGrp="1"/>
+          </p:cNvSpPr>
+          <p:nvPr>
+            <p:ph type="dt" sz="half" idx="10"/>
+          </p:nvPr>
+        </p:nvSpPr>
+        <p:spPr/>
+        <p:txBody>
+          <a:bodyPr/>
+          <a:lstStyle/>
+          <a:p>
+            <a:fld id="{C6A1628A-2A40-4B37-B167-309C0EBB4BBF}" type="datetime1">
+              <a:rPr lang="en-GB" smtClean="0"/>
+              <a:t>18/12/2016</a:t>
+            </a:fld>
+            <a:endParaRPr lang="en-GB" dirty="0"/>
+          </a:p>
+        </p:txBody>
+      </p:sp>
+      <p:sp>
+        <p:nvSpPr>
+          <p:cNvPr id="5" name="Fußzeilenplatzhalter 4"/>
+          <p:cNvSpPr>
+            <a:spLocks noGrp="1"/>
+          </p:cNvSpPr>
+          <p:nvPr>
+            <p:ph type="ftr" sz="quarter" idx="11"/>
+          </p:nvPr>
+        </p:nvSpPr>
+        <p:spPr/>
+        <p:txBody>
+          <a:bodyPr/>
+          <a:lstStyle/>
+          <a:p>
+            <a:r>
+              <a:rPr lang="de-CH" dirty="0"/>
+              <a:t>Tim Weber, Patrice Gobat, Lionel </a:t>
+            </a:r>
+            <a:r>
+              <a:rPr lang="de-CH" dirty="0" err="1"/>
+              <a:t>Gulich</a:t>
+            </a:r>
+            <a:r>
+              <a:rPr lang="de-CH" dirty="0"/>
+              <a:t>, Jan </a:t>
+            </a:r>
+            <a:r>
+              <a:rPr lang="de-CH" dirty="0" err="1"/>
+              <a:t>Speckien</a:t>
+            </a:r>
+            <a:endParaRPr lang="de-CH" dirty="0"/>
+          </a:p>
+        </p:txBody>
+      </p:sp>
+      <p:sp>
+        <p:nvSpPr>
+          <p:cNvPr id="6" name="Foliennummernplatzhalter 5"/>
+          <p:cNvSpPr>
+            <a:spLocks noGrp="1"/>
+          </p:cNvSpPr>
+          <p:nvPr>
+            <p:ph type="sldNum" sz="quarter" idx="12"/>
+          </p:nvPr>
+        </p:nvSpPr>
+        <p:spPr/>
+        <p:txBody>
+          <a:bodyPr/>
+          <a:lstStyle/>
+          <a:p>
+            <a:fld id="{6C6AE60A-B69C-4790-82F7-3882EDF23186}" type="slidenum">
+              <a:rPr lang="en-GB" smtClean="0"/>
+              <a:t>6</a:t>
+            </a:fld>
+            <a:endParaRPr lang="en-GB" dirty="0"/>
+          </a:p>
+        </p:txBody>
+      </p:sp>
+      <p:sp>
+        <p:nvSpPr>
+          <p:cNvPr id="7" name="Titel 6"/>
+          <p:cNvSpPr>
+            <a:spLocks noGrp="1"/>
+          </p:cNvSpPr>
+          <p:nvPr>
+            <p:ph type="title"/>
+          </p:nvPr>
+        </p:nvSpPr>
+        <p:spPr/>
+        <p:txBody>
+          <a:bodyPr/>
+          <a:lstStyle/>
+          <a:p>
+            <a:endParaRPr lang="en-GB" dirty="0"/>
+          </a:p>
+        </p:txBody>
+      </p:sp>
+      <p:sp>
+        <p:nvSpPr>
+          <p:cNvPr id="8" name="Rechteck 7"/>
+          <p:cNvSpPr/>
+          <p:nvPr/>
+        </p:nvSpPr>
+        <p:spPr>
+          <a:xfrm>
+            <a:off x="431631" y="6339682"/>
+            <a:ext cx="6832600" cy="406400"/>
+          </a:xfrm>
+          <a:prstGeom prst="rect">
+            <a:avLst/>
+          </a:prstGeom>
+          <a:solidFill>
+            <a:schemeClr val="bg1"/>
+          </a:solidFill>
+          <a:ln>
+            <a:noFill/>
+          </a:ln>
+        </p:spPr>
+        <p:style>
+          <a:lnRef idx="2">
+            <a:schemeClr val="accent1">
+              <a:shade val="50000"/>
+            </a:schemeClr>
+          </a:lnRef>
+          <a:fillRef idx="1">
+            <a:schemeClr val="accent1"/>
+          </a:fillRef>
+          <a:effectRef idx="0">
+            <a:schemeClr val="accent1"/>
+          </a:effectRef>
+          <a:fontRef idx="minor">
+            <a:schemeClr val="lt1"/>
+          </a:fontRef>
+        </p:style>
+        <p:txBody>
+          <a:bodyPr rtlCol="0" anchor="ctr"/>
+          <a:lstStyle/>
+          <a:p>
+            <a:r>
+              <a:rPr lang="de-DE" sz="1600" dirty="0">
+                <a:solidFill>
+                  <a:sysClr val="windowText" lastClr="000000"/>
+                </a:solidFill>
+              </a:rPr>
+              <a:t>Modeling </a:t>
+            </a:r>
+            <a:r>
+              <a:rPr lang="de-DE" sz="1600" dirty="0" err="1">
+                <a:solidFill>
+                  <a:sysClr val="windowText" lastClr="000000"/>
+                </a:solidFill>
+              </a:rPr>
+              <a:t>and</a:t>
+            </a:r>
+            <a:r>
+              <a:rPr lang="de-DE" sz="1600" dirty="0">
+                <a:solidFill>
+                  <a:sysClr val="windowText" lastClr="000000"/>
+                </a:solidFill>
+              </a:rPr>
+              <a:t> Simulation </a:t>
+            </a:r>
+            <a:r>
+              <a:rPr lang="de-DE" sz="1600" dirty="0" err="1">
+                <a:solidFill>
+                  <a:sysClr val="windowText" lastClr="000000"/>
+                </a:solidFill>
+              </a:rPr>
+              <a:t>of</a:t>
+            </a:r>
+            <a:r>
+              <a:rPr lang="de-DE" sz="1600" dirty="0">
+                <a:solidFill>
+                  <a:sysClr val="windowText" lastClr="000000"/>
+                </a:solidFill>
+              </a:rPr>
+              <a:t> </a:t>
+            </a:r>
+            <a:r>
+              <a:rPr lang="de-DE" sz="1600" dirty="0" err="1">
+                <a:solidFill>
+                  <a:sysClr val="windowText" lastClr="000000"/>
+                </a:solidFill>
+              </a:rPr>
+              <a:t>Social</a:t>
+            </a:r>
+            <a:r>
+              <a:rPr lang="de-DE" sz="1600" dirty="0">
+                <a:solidFill>
+                  <a:sysClr val="windowText" lastClr="000000"/>
+                </a:solidFill>
+              </a:rPr>
+              <a:t> Systems </a:t>
+            </a:r>
+            <a:r>
+              <a:rPr lang="de-DE" sz="1600" dirty="0" err="1">
+                <a:solidFill>
+                  <a:sysClr val="windowText" lastClr="000000"/>
+                </a:solidFill>
+              </a:rPr>
+              <a:t>with</a:t>
+            </a:r>
+            <a:r>
+              <a:rPr lang="de-DE" sz="1600" dirty="0">
+                <a:solidFill>
+                  <a:sysClr val="windowText" lastClr="000000"/>
+                </a:solidFill>
+              </a:rPr>
+              <a:t> MATLAB </a:t>
+            </a:r>
+            <a:endParaRPr lang="de-DE" sz="1600" dirty="0">
+              <a:solidFill>
+                <a:sysClr val="windowText" lastClr="000000"/>
+              </a:solidFill>
+              <a:effectLst/>
+            </a:endParaRPr>
+          </a:p>
+        </p:txBody>
+      </p:sp>
+      <p:pic>
+        <p:nvPicPr>
+          <p:cNvPr id="10" name="Content Placeholder 9"/>
+          <p:cNvPicPr>
+            <a:picLocks noGrp="1" noChangeAspect="1"/>
+          </p:cNvPicPr>
+          <p:nvPr>
+            <p:ph sz="half" idx="2"/>
+          </p:nvPr>
+        </p:nvPicPr>
+        <p:blipFill>
+          <a:blip r:embed="rId3">
+            <a:extLst>
+              <a:ext uri="{28A0092B-C50C-407E-A947-70E740481C1C}">
+                <a14:useLocalDpi xmlns:a14="http://schemas.microsoft.com/office/drawing/2010/main" val="0"/>
+              </a:ext>
+            </a:extLst>
+          </a:blip>
+          <a:stretch>
+            <a:fillRect/>
+          </a:stretch>
+        </p:blipFill>
+        <p:spPr>
+          <a:xfrm>
+            <a:off x="3441185" y="1106714"/>
+            <a:ext cx="5304868" cy="4720041"/>
+          </a:xfrm>
+        </p:spPr>
+      </p:pic>
+    </p:spTree>
+    <p:extLst>
+      <p:ext uri="{BB962C8B-B14F-4D97-AF65-F5344CB8AC3E}">
+        <p14:creationId xmlns:p14="http://schemas.microsoft.com/office/powerpoint/2010/main" val="13498561"/>
+      </p:ext>
+    </p:extLst>
+  </p:cSld>
+  <p:clrMapOvr>
+    <a:masterClrMapping/>
+  </p:clrMapOvr>
+  <p:transition>
+    <p:fade/>
+  </p:transition>
+  <p:timing>
+    <p:tnLst>
+      <p:par>
+        <p:cTn id="1" dur="indefinite" restart="never" nodeType="tmRoot"/>
+      </p:par>
+    </p:tnLst>
+  </p:timing>
+</p:sld>
+</file>
+
+<file path=ppt/slides/slide7.xml><?xml version="1.0" encoding="utf-8"?>
+<p:sld xmlns:a="http://schemas.openxmlformats.org/drawingml/2006/main" xmlns:r="http://schemas.openxmlformats.org/officeDocument/2006/relationships" xmlns:p="http://schemas.openxmlformats.org/presentationml/2006/main">
+  <p:cSld>
+    <p:spTree>
+      <p:nvGrpSpPr>
+        <p:cNvPr id="1" name=""/>
+        <p:cNvGrpSpPr/>
+        <p:nvPr/>
+      </p:nvGrpSpPr>
+      <p:grpSpPr>
+        <a:xfrm>
+          <a:off x="0" y="0"/>
+          <a:ext cx="0" cy="0"/>
+          <a:chOff x="0" y="0"/>
+          <a:chExt cx="0" cy="0"/>
+        </a:xfrm>
+      </p:grpSpPr>
+      <p:sp>
+        <p:nvSpPr>
           <p:cNvPr id="2" name="Titel 1"/>
           <p:cNvSpPr>
             <a:spLocks noGrp="1"/>
@@ -6492,7 +6871,7 @@
           <a:p>
             <a:fld id="{6C6AE60A-B69C-4790-82F7-3882EDF23186}" type="slidenum">
               <a:rPr lang="de-DE" smtClean="0"/>
-              <a:t>6</a:t>
+              <a:t>7</a:t>
             </a:fld>
             <a:endParaRPr lang="de-DE"/>
           </a:p>

--- a/presentation/vortrag_matlab.pptx
+++ b/presentation/vortrag_matlab.pptx
@@ -5,7 +5,7 @@
     <p:sldMasterId id="2147483648" r:id="rId1"/>
   </p:sldMasterIdLst>
   <p:notesMasterIdLst>
-    <p:notesMasterId r:id="rId9"/>
+    <p:notesMasterId r:id="rId11"/>
   </p:notesMasterIdLst>
   <p:sldIdLst>
     <p:sldId id="256" r:id="rId2"/>
@@ -14,7 +14,9 @@
     <p:sldId id="269" r:id="rId5"/>
     <p:sldId id="289" r:id="rId6"/>
     <p:sldId id="290" r:id="rId7"/>
-    <p:sldId id="288" r:id="rId8"/>
+    <p:sldId id="291" r:id="rId8"/>
+    <p:sldId id="292" r:id="rId9"/>
+    <p:sldId id="288" r:id="rId10"/>
   </p:sldIdLst>
   <p:sldSz cx="12187238" cy="6858000"/>
   <p:notesSz cx="6591300" cy="9855200"/>
@@ -1036,6 +1038,182 @@
     <p:extLst>
       <p:ext uri="{BB962C8B-B14F-4D97-AF65-F5344CB8AC3E}">
         <p14:creationId xmlns:p14="http://schemas.microsoft.com/office/powerpoint/2010/main" val="1384531792"/>
+      </p:ext>
+    </p:extLst>
+  </p:cSld>
+  <p:clrMapOvr>
+    <a:masterClrMapping/>
+  </p:clrMapOvr>
+</p:notes>
+</file>
+
+<file path=ppt/notesSlides/notesSlide5.xml><?xml version="1.0" encoding="utf-8"?>
+<p:notes xmlns:a="http://schemas.openxmlformats.org/drawingml/2006/main" xmlns:r="http://schemas.openxmlformats.org/officeDocument/2006/relationships" xmlns:p="http://schemas.openxmlformats.org/presentationml/2006/main">
+  <p:cSld>
+    <p:spTree>
+      <p:nvGrpSpPr>
+        <p:cNvPr id="1" name=""/>
+        <p:cNvGrpSpPr/>
+        <p:nvPr/>
+      </p:nvGrpSpPr>
+      <p:grpSpPr>
+        <a:xfrm>
+          <a:off x="0" y="0"/>
+          <a:ext cx="0" cy="0"/>
+          <a:chOff x="0" y="0"/>
+          <a:chExt cx="0" cy="0"/>
+        </a:xfrm>
+      </p:grpSpPr>
+      <p:sp>
+        <p:nvSpPr>
+          <p:cNvPr id="2" name="Folienbildplatzhalter 1"/>
+          <p:cNvSpPr>
+            <a:spLocks noGrp="1" noRot="1" noChangeAspect="1"/>
+          </p:cNvSpPr>
+          <p:nvPr>
+            <p:ph type="sldImg"/>
+          </p:nvPr>
+        </p:nvSpPr>
+        <p:spPr/>
+      </p:sp>
+      <p:sp>
+        <p:nvSpPr>
+          <p:cNvPr id="3" name="Notizenplatzhalter 2"/>
+          <p:cNvSpPr>
+            <a:spLocks noGrp="1"/>
+          </p:cNvSpPr>
+          <p:nvPr>
+            <p:ph type="body" idx="1"/>
+          </p:nvPr>
+        </p:nvSpPr>
+        <p:spPr/>
+        <p:txBody>
+          <a:bodyPr/>
+          <a:lstStyle/>
+          <a:p>
+            <a:r>
+              <a:rPr lang="en-GB" dirty="0" smtClean="0"/>
+              <a:t>Overview of learning</a:t>
+            </a:r>
+            <a:r>
+              <a:rPr lang="en-GB" baseline="0" dirty="0" smtClean="0"/>
+              <a:t> methods implemented</a:t>
+            </a:r>
+            <a:endParaRPr lang="en-GB" dirty="0"/>
+          </a:p>
+        </p:txBody>
+      </p:sp>
+      <p:sp>
+        <p:nvSpPr>
+          <p:cNvPr id="4" name="Foliennummernplatzhalter 3"/>
+          <p:cNvSpPr>
+            <a:spLocks noGrp="1"/>
+          </p:cNvSpPr>
+          <p:nvPr>
+            <p:ph type="sldNum" sz="quarter" idx="10"/>
+          </p:nvPr>
+        </p:nvSpPr>
+        <p:spPr/>
+        <p:txBody>
+          <a:bodyPr/>
+          <a:lstStyle/>
+          <a:p>
+            <a:fld id="{A51C0C35-A9A2-4EFD-9BAF-1E52E29E03D1}" type="slidenum">
+              <a:rPr lang="de-CH" smtClean="0"/>
+              <a:t>7</a:t>
+            </a:fld>
+            <a:endParaRPr lang="de-CH"/>
+          </a:p>
+        </p:txBody>
+      </p:sp>
+    </p:spTree>
+    <p:extLst>
+      <p:ext uri="{BB962C8B-B14F-4D97-AF65-F5344CB8AC3E}">
+        <p14:creationId xmlns:p14="http://schemas.microsoft.com/office/powerpoint/2010/main" val="861944347"/>
+      </p:ext>
+    </p:extLst>
+  </p:cSld>
+  <p:clrMapOvr>
+    <a:masterClrMapping/>
+  </p:clrMapOvr>
+</p:notes>
+</file>
+
+<file path=ppt/notesSlides/notesSlide6.xml><?xml version="1.0" encoding="utf-8"?>
+<p:notes xmlns:a="http://schemas.openxmlformats.org/drawingml/2006/main" xmlns:r="http://schemas.openxmlformats.org/officeDocument/2006/relationships" xmlns:p="http://schemas.openxmlformats.org/presentationml/2006/main">
+  <p:cSld>
+    <p:spTree>
+      <p:nvGrpSpPr>
+        <p:cNvPr id="1" name=""/>
+        <p:cNvGrpSpPr/>
+        <p:nvPr/>
+      </p:nvGrpSpPr>
+      <p:grpSpPr>
+        <a:xfrm>
+          <a:off x="0" y="0"/>
+          <a:ext cx="0" cy="0"/>
+          <a:chOff x="0" y="0"/>
+          <a:chExt cx="0" cy="0"/>
+        </a:xfrm>
+      </p:grpSpPr>
+      <p:sp>
+        <p:nvSpPr>
+          <p:cNvPr id="2" name="Folienbildplatzhalter 1"/>
+          <p:cNvSpPr>
+            <a:spLocks noGrp="1" noRot="1" noChangeAspect="1"/>
+          </p:cNvSpPr>
+          <p:nvPr>
+            <p:ph type="sldImg"/>
+          </p:nvPr>
+        </p:nvSpPr>
+        <p:spPr/>
+      </p:sp>
+      <p:sp>
+        <p:nvSpPr>
+          <p:cNvPr id="3" name="Notizenplatzhalter 2"/>
+          <p:cNvSpPr>
+            <a:spLocks noGrp="1"/>
+          </p:cNvSpPr>
+          <p:nvPr>
+            <p:ph type="body" idx="1"/>
+          </p:nvPr>
+        </p:nvSpPr>
+        <p:spPr/>
+        <p:txBody>
+          <a:bodyPr/>
+          <a:lstStyle/>
+          <a:p>
+            <a:endParaRPr lang="en-GB" dirty="0"/>
+          </a:p>
+        </p:txBody>
+      </p:sp>
+      <p:sp>
+        <p:nvSpPr>
+          <p:cNvPr id="4" name="Foliennummernplatzhalter 3"/>
+          <p:cNvSpPr>
+            <a:spLocks noGrp="1"/>
+          </p:cNvSpPr>
+          <p:nvPr>
+            <p:ph type="sldNum" sz="quarter" idx="10"/>
+          </p:nvPr>
+        </p:nvSpPr>
+        <p:spPr/>
+        <p:txBody>
+          <a:bodyPr/>
+          <a:lstStyle/>
+          <a:p>
+            <a:fld id="{A51C0C35-A9A2-4EFD-9BAF-1E52E29E03D1}" type="slidenum">
+              <a:rPr lang="de-CH" smtClean="0"/>
+              <a:t>8</a:t>
+            </a:fld>
+            <a:endParaRPr lang="de-CH"/>
+          </a:p>
+        </p:txBody>
+      </p:sp>
+    </p:spTree>
+    <p:extLst>
+      <p:ext uri="{BB962C8B-B14F-4D97-AF65-F5344CB8AC3E}">
+        <p14:creationId xmlns:p14="http://schemas.microsoft.com/office/powerpoint/2010/main" val="1947522359"/>
       </p:ext>
     </p:extLst>
   </p:cSld>
@@ -4479,15 +4657,7 @@
             </a:r>
             <a:r>
               <a:rPr lang="de-DE" dirty="0" smtClean="0"/>
-              <a:t>AKE MILLIONS OF DOLLARS USING THIS </a:t>
-            </a:r>
-            <a:r>
-              <a:rPr lang="de-DE" dirty="0" smtClean="0"/>
-              <a:t>OLD POKER </a:t>
-            </a:r>
-            <a:r>
-              <a:rPr lang="de-DE" dirty="0" smtClean="0"/>
-              <a:t>TRICK</a:t>
+              <a:t>AKE MILLIONS OF DOLLARS USING THIS OLD POKER TRICK</a:t>
             </a:r>
             <a:endParaRPr lang="de-DE" dirty="0"/>
           </a:p>
@@ -5215,7 +5385,7 @@
             <p:ph sz="half" idx="2"/>
             <p:extLst>
               <p:ext uri="{D42A27DB-BD31-4B8C-83A1-F6EECF244321}">
-                <p14:modId xmlns:p14="http://schemas.microsoft.com/office/powerpoint/2010/main" val="383566711"/>
+                <p14:modId xmlns:p14="http://schemas.microsoft.com/office/powerpoint/2010/main" val="1587521043"/>
               </p:ext>
             </p:extLst>
           </p:nvPr>
@@ -5247,7 +5417,11 @@
                       <a:endParaRPr lang="en-GB" dirty="0"/>
                     </a:p>
                   </a:txBody>
-                  <a:tcPr/>
+                  <a:tcPr>
+                    <a:solidFill>
+                      <a:srgbClr val="1169B1"/>
+                    </a:solidFill>
+                  </a:tcPr>
                 </a:tc>
                 <a:tc>
                   <a:txBody>
@@ -5261,7 +5435,11 @@
                       <a:endParaRPr lang="en-GB" dirty="0"/>
                     </a:p>
                   </a:txBody>
-                  <a:tcPr/>
+                  <a:tcPr>
+                    <a:solidFill>
+                      <a:srgbClr val="1169B1"/>
+                    </a:solidFill>
+                  </a:tcPr>
                 </a:tc>
               </a:tr>
               <a:tr h="370840">
@@ -5277,7 +5455,13 @@
                       <a:endParaRPr lang="en-GB" dirty="0"/>
                     </a:p>
                   </a:txBody>
-                  <a:tcPr/>
+                  <a:tcPr>
+                    <a:solidFill>
+                      <a:schemeClr val="bg1">
+                        <a:lumMod val="85000"/>
+                      </a:schemeClr>
+                    </a:solidFill>
+                  </a:tcPr>
                 </a:tc>
                 <a:tc>
                   <a:txBody>
@@ -5291,7 +5475,13 @@
                       <a:endParaRPr lang="en-GB" dirty="0"/>
                     </a:p>
                   </a:txBody>
-                  <a:tcPr/>
+                  <a:tcPr>
+                    <a:solidFill>
+                      <a:schemeClr val="bg1">
+                        <a:lumMod val="85000"/>
+                      </a:schemeClr>
+                    </a:solidFill>
+                  </a:tcPr>
                 </a:tc>
               </a:tr>
               <a:tr h="370840">
@@ -5311,7 +5501,13 @@
                       <a:endParaRPr lang="en-GB" dirty="0"/>
                     </a:p>
                   </a:txBody>
-                  <a:tcPr/>
+                  <a:tcPr>
+                    <a:solidFill>
+                      <a:schemeClr val="bg1">
+                        <a:lumMod val="95000"/>
+                      </a:schemeClr>
+                    </a:solidFill>
+                  </a:tcPr>
                 </a:tc>
                 <a:tc>
                   <a:txBody>
@@ -5329,7 +5525,13 @@
                       <a:endParaRPr lang="en-GB" dirty="0"/>
                     </a:p>
                   </a:txBody>
-                  <a:tcPr/>
+                  <a:tcPr>
+                    <a:solidFill>
+                      <a:schemeClr val="bg1">
+                        <a:lumMod val="95000"/>
+                      </a:schemeClr>
+                    </a:solidFill>
+                  </a:tcPr>
                 </a:tc>
               </a:tr>
               <a:tr h="370840">
@@ -5345,7 +5547,13 @@
                       <a:endParaRPr lang="en-GB" dirty="0"/>
                     </a:p>
                   </a:txBody>
-                  <a:tcPr/>
+                  <a:tcPr>
+                    <a:solidFill>
+                      <a:schemeClr val="bg1">
+                        <a:lumMod val="85000"/>
+                      </a:schemeClr>
+                    </a:solidFill>
+                  </a:tcPr>
                 </a:tc>
                 <a:tc>
                   <a:txBody>
@@ -5396,7 +5604,13 @@
                       </a:endParaRPr>
                     </a:p>
                   </a:txBody>
-                  <a:tcPr/>
+                  <a:tcPr>
+                    <a:solidFill>
+                      <a:schemeClr val="bg1">
+                        <a:lumMod val="85000"/>
+                      </a:schemeClr>
+                    </a:solidFill>
+                  </a:tcPr>
                 </a:tc>
               </a:tr>
               <a:tr h="370840">
@@ -5416,7 +5630,13 @@
                       <a:endParaRPr lang="en-GB" dirty="0"/>
                     </a:p>
                   </a:txBody>
-                  <a:tcPr/>
+                  <a:tcPr>
+                    <a:solidFill>
+                      <a:schemeClr val="bg1">
+                        <a:lumMod val="95000"/>
+                      </a:schemeClr>
+                    </a:solidFill>
+                  </a:tcPr>
                 </a:tc>
                 <a:tc>
                   <a:txBody>
@@ -5434,7 +5654,13 @@
                       <a:endParaRPr lang="en-GB" dirty="0"/>
                     </a:p>
                   </a:txBody>
-                  <a:tcPr/>
+                  <a:tcPr>
+                    <a:solidFill>
+                      <a:schemeClr val="bg1">
+                        <a:lumMod val="95000"/>
+                      </a:schemeClr>
+                    </a:solidFill>
+                  </a:tcPr>
                 </a:tc>
               </a:tr>
             </a:tbl>
@@ -6775,6 +7001,1930 @@
       </p:grpSpPr>
       <p:sp>
         <p:nvSpPr>
+          <p:cNvPr id="2" name="Inhaltsplatzhalter 1"/>
+          <p:cNvSpPr>
+            <a:spLocks noGrp="1"/>
+          </p:cNvSpPr>
+          <p:nvPr>
+            <p:ph sz="half" idx="1"/>
+          </p:nvPr>
+        </p:nvSpPr>
+        <p:spPr>
+          <a:xfrm>
+            <a:off x="431631" y="1990162"/>
+            <a:ext cx="3506978" cy="4213225"/>
+          </a:xfrm>
+        </p:spPr>
+        <p:style>
+          <a:lnRef idx="2">
+            <a:schemeClr val="accent6"/>
+          </a:lnRef>
+          <a:fillRef idx="1">
+            <a:schemeClr val="lt1"/>
+          </a:fillRef>
+          <a:effectRef idx="0">
+            <a:schemeClr val="accent6"/>
+          </a:effectRef>
+          <a:fontRef idx="minor">
+            <a:schemeClr val="dk1"/>
+          </a:fontRef>
+        </p:style>
+        <p:txBody>
+          <a:bodyPr/>
+          <a:lstStyle/>
+          <a:p>
+            <a:pPr marL="0" marR="0" lvl="2" indent="0" algn="ctr" defTabSz="914400" eaLnBrk="1" fontAlgn="auto" latinLnBrk="0" hangingPunct="1">
+              <a:lnSpc>
+                <a:spcPct val="100000"/>
+              </a:lnSpc>
+              <a:spcBef>
+                <a:spcPts val="0"/>
+              </a:spcBef>
+              <a:spcAft>
+                <a:spcPts val="0"/>
+              </a:spcAft>
+              <a:buSzTx/>
+              <a:buFontTx/>
+              <a:buNone/>
+              <a:tabLst/>
+              <a:defRPr/>
+            </a:pPr>
+            <a:r>
+              <a:rPr lang="en-GB" sz="2200" u="sng" dirty="0" smtClean="0">
+                <a:solidFill>
+                  <a:schemeClr val="tx1"/>
+                </a:solidFill>
+              </a:rPr>
+              <a:t>Iteration model</a:t>
+            </a:r>
+          </a:p>
+          <a:p>
+            <a:pPr marL="0" marR="0" lvl="2" indent="0" algn="ctr" defTabSz="914400" eaLnBrk="1" fontAlgn="auto" latinLnBrk="0" hangingPunct="1">
+              <a:lnSpc>
+                <a:spcPct val="100000"/>
+              </a:lnSpc>
+              <a:spcBef>
+                <a:spcPts val="0"/>
+              </a:spcBef>
+              <a:spcAft>
+                <a:spcPts val="0"/>
+              </a:spcAft>
+              <a:buSzTx/>
+              <a:buFontTx/>
+              <a:buNone/>
+              <a:tabLst/>
+              <a:defRPr/>
+            </a:pPr>
+            <a:endParaRPr lang="en-GB" sz="2200" u="sng" dirty="0">
+              <a:solidFill>
+                <a:schemeClr val="tx1"/>
+              </a:solidFill>
+            </a:endParaRPr>
+          </a:p>
+          <a:p>
+            <a:pPr marL="342900" marR="0" lvl="2" indent="-342900" defTabSz="914400" eaLnBrk="1" fontAlgn="auto" latinLnBrk="0" hangingPunct="1">
+              <a:lnSpc>
+                <a:spcPct val="100000"/>
+              </a:lnSpc>
+              <a:spcBef>
+                <a:spcPts val="0"/>
+              </a:spcBef>
+              <a:spcAft>
+                <a:spcPts val="0"/>
+              </a:spcAft>
+              <a:buSzTx/>
+              <a:buFont typeface="Wingdings" charset="2"/>
+              <a:buChar char="§"/>
+              <a:tabLst/>
+              <a:defRPr/>
+            </a:pPr>
+            <a:r>
+              <a:rPr lang="en-GB" sz="2200" dirty="0" smtClean="0">
+                <a:solidFill>
+                  <a:schemeClr val="tx1"/>
+                </a:solidFill>
+              </a:rPr>
+              <a:t>evaluate own former performance</a:t>
+            </a:r>
+          </a:p>
+          <a:p>
+            <a:pPr marL="342900" marR="0" lvl="2" indent="-342900" defTabSz="914400" eaLnBrk="1" fontAlgn="auto" latinLnBrk="0" hangingPunct="1">
+              <a:lnSpc>
+                <a:spcPct val="100000"/>
+              </a:lnSpc>
+              <a:spcBef>
+                <a:spcPts val="0"/>
+              </a:spcBef>
+              <a:spcAft>
+                <a:spcPts val="0"/>
+              </a:spcAft>
+              <a:buSzTx/>
+              <a:buFont typeface="Wingdings" charset="2"/>
+              <a:buChar char="§"/>
+              <a:tabLst/>
+              <a:defRPr/>
+            </a:pPr>
+            <a:r>
+              <a:rPr lang="en-GB" sz="2200" dirty="0">
+                <a:solidFill>
+                  <a:schemeClr val="tx1"/>
+                </a:solidFill>
+              </a:rPr>
+              <a:t>a</a:t>
+            </a:r>
+            <a:r>
+              <a:rPr lang="en-GB" sz="2200" dirty="0" smtClean="0">
+                <a:solidFill>
+                  <a:schemeClr val="tx1"/>
+                </a:solidFill>
+              </a:rPr>
+              <a:t>dapt own risk factor</a:t>
+            </a:r>
+          </a:p>
+          <a:p>
+            <a:pPr marL="342900" marR="0" lvl="2" indent="-342900" defTabSz="914400" eaLnBrk="1" fontAlgn="auto" latinLnBrk="0" hangingPunct="1">
+              <a:lnSpc>
+                <a:spcPct val="100000"/>
+              </a:lnSpc>
+              <a:spcBef>
+                <a:spcPts val="0"/>
+              </a:spcBef>
+              <a:spcAft>
+                <a:spcPts val="0"/>
+              </a:spcAft>
+              <a:buSzTx/>
+              <a:buFont typeface="Wingdings" charset="2"/>
+              <a:buChar char="§"/>
+              <a:tabLst/>
+              <a:defRPr/>
+            </a:pPr>
+            <a:endParaRPr lang="en-GB" sz="2200" dirty="0" smtClean="0">
+              <a:solidFill>
+                <a:schemeClr val="tx1"/>
+              </a:solidFill>
+            </a:endParaRPr>
+          </a:p>
+          <a:p>
+            <a:pPr marL="527050" lvl="3" indent="-342900">
+              <a:spcBef>
+                <a:spcPts val="0"/>
+              </a:spcBef>
+              <a:buFont typeface="Wingdings" charset="2"/>
+              <a:buChar char="§"/>
+            </a:pPr>
+            <a:r>
+              <a:rPr lang="en-GB" sz="2000" dirty="0" smtClean="0">
+                <a:solidFill>
+                  <a:schemeClr val="tx1"/>
+                </a:solidFill>
+              </a:rPr>
+              <a:t>Win: stay</a:t>
+            </a:r>
+          </a:p>
+          <a:p>
+            <a:pPr marL="527050" lvl="3" indent="-342900">
+              <a:spcBef>
+                <a:spcPts val="0"/>
+              </a:spcBef>
+              <a:buFont typeface="Wingdings" charset="2"/>
+              <a:buChar char="§"/>
+            </a:pPr>
+            <a:r>
+              <a:rPr lang="en-GB" sz="2000" dirty="0" smtClean="0">
+                <a:solidFill>
+                  <a:schemeClr val="tx1"/>
+                </a:solidFill>
+              </a:rPr>
+              <a:t>Loss: diminish </a:t>
+            </a:r>
+            <a:r>
+              <a:rPr lang="en-GB" sz="2000" dirty="0" err="1" smtClean="0">
+                <a:solidFill>
+                  <a:schemeClr val="tx1"/>
+                </a:solidFill>
+              </a:rPr>
+              <a:t>ris</a:t>
+            </a:r>
+            <a:r>
+              <a:rPr lang="en-GB" sz="2000" dirty="0" smtClean="0">
+                <a:solidFill>
+                  <a:schemeClr val="tx1"/>
+                </a:solidFill>
+              </a:rPr>
+              <a:t> factor</a:t>
+            </a:r>
+          </a:p>
+          <a:p>
+            <a:pPr marL="527050" lvl="3" indent="-342900">
+              <a:spcBef>
+                <a:spcPts val="0"/>
+              </a:spcBef>
+              <a:buFont typeface="Wingdings" charset="2"/>
+              <a:buChar char="§"/>
+            </a:pPr>
+            <a:r>
+              <a:rPr lang="en-GB" sz="2000" dirty="0" smtClean="0">
+                <a:solidFill>
+                  <a:schemeClr val="tx1"/>
+                </a:solidFill>
+              </a:rPr>
+              <a:t>Drop out: increase risk factor</a:t>
+            </a:r>
+          </a:p>
+        </p:txBody>
+      </p:sp>
+      <p:sp>
+        <p:nvSpPr>
+          <p:cNvPr id="4" name="Datumsplatzhalter 3"/>
+          <p:cNvSpPr>
+            <a:spLocks noGrp="1"/>
+          </p:cNvSpPr>
+          <p:nvPr>
+            <p:ph type="dt" sz="half" idx="10"/>
+          </p:nvPr>
+        </p:nvSpPr>
+        <p:spPr/>
+        <p:txBody>
+          <a:bodyPr/>
+          <a:lstStyle/>
+          <a:p>
+            <a:fld id="{C6A1628A-2A40-4B37-B167-309C0EBB4BBF}" type="datetime1">
+              <a:rPr lang="en-GB" smtClean="0"/>
+              <a:t>18/12/2016</a:t>
+            </a:fld>
+            <a:endParaRPr lang="en-GB" dirty="0"/>
+          </a:p>
+        </p:txBody>
+      </p:sp>
+      <p:sp>
+        <p:nvSpPr>
+          <p:cNvPr id="5" name="Fußzeilenplatzhalter 4"/>
+          <p:cNvSpPr>
+            <a:spLocks noGrp="1"/>
+          </p:cNvSpPr>
+          <p:nvPr>
+            <p:ph type="ftr" sz="quarter" idx="11"/>
+          </p:nvPr>
+        </p:nvSpPr>
+        <p:spPr/>
+        <p:txBody>
+          <a:bodyPr/>
+          <a:lstStyle/>
+          <a:p>
+            <a:r>
+              <a:rPr lang="de-CH" dirty="0"/>
+              <a:t>Tim Weber , Jan </a:t>
+            </a:r>
+            <a:r>
+              <a:rPr lang="de-CH" dirty="0" err="1"/>
+              <a:t>Speckien</a:t>
+            </a:r>
+            <a:r>
+              <a:rPr lang="de-CH" dirty="0"/>
+              <a:t>, Patrice Gobat, Lionel </a:t>
+            </a:r>
+            <a:r>
+              <a:rPr lang="de-CH" dirty="0" err="1" smtClean="0"/>
+              <a:t>Gulich</a:t>
+            </a:r>
+            <a:endParaRPr lang="de-CH" dirty="0"/>
+          </a:p>
+        </p:txBody>
+      </p:sp>
+      <p:sp>
+        <p:nvSpPr>
+          <p:cNvPr id="6" name="Foliennummernplatzhalter 5"/>
+          <p:cNvSpPr>
+            <a:spLocks noGrp="1"/>
+          </p:cNvSpPr>
+          <p:nvPr>
+            <p:ph type="sldNum" sz="quarter" idx="12"/>
+          </p:nvPr>
+        </p:nvSpPr>
+        <p:spPr/>
+        <p:txBody>
+          <a:bodyPr/>
+          <a:lstStyle/>
+          <a:p>
+            <a:fld id="{6C6AE60A-B69C-4790-82F7-3882EDF23186}" type="slidenum">
+              <a:rPr lang="en-GB" smtClean="0"/>
+              <a:t>7</a:t>
+            </a:fld>
+            <a:endParaRPr lang="en-GB" dirty="0"/>
+          </a:p>
+        </p:txBody>
+      </p:sp>
+      <p:sp>
+        <p:nvSpPr>
+          <p:cNvPr id="7" name="Titel 6"/>
+          <p:cNvSpPr>
+            <a:spLocks noGrp="1"/>
+          </p:cNvSpPr>
+          <p:nvPr>
+            <p:ph type="title"/>
+          </p:nvPr>
+        </p:nvSpPr>
+        <p:spPr/>
+        <p:txBody>
+          <a:bodyPr/>
+          <a:lstStyle/>
+          <a:p>
+            <a:r>
+              <a:rPr lang="en-GB" dirty="0" smtClean="0"/>
+              <a:t>Learning models overview</a:t>
+            </a:r>
+            <a:endParaRPr lang="en-GB" dirty="0"/>
+          </a:p>
+        </p:txBody>
+      </p:sp>
+      <p:sp>
+        <p:nvSpPr>
+          <p:cNvPr id="8" name="Rechteck 7"/>
+          <p:cNvSpPr/>
+          <p:nvPr/>
+        </p:nvSpPr>
+        <p:spPr>
+          <a:xfrm>
+            <a:off x="431631" y="6339682"/>
+            <a:ext cx="6832600" cy="406400"/>
+          </a:xfrm>
+          <a:prstGeom prst="rect">
+            <a:avLst/>
+          </a:prstGeom>
+          <a:solidFill>
+            <a:schemeClr val="bg1"/>
+          </a:solidFill>
+          <a:ln>
+            <a:noFill/>
+          </a:ln>
+        </p:spPr>
+        <p:style>
+          <a:lnRef idx="2">
+            <a:schemeClr val="accent1">
+              <a:shade val="50000"/>
+            </a:schemeClr>
+          </a:lnRef>
+          <a:fillRef idx="1">
+            <a:schemeClr val="accent1"/>
+          </a:fillRef>
+          <a:effectRef idx="0">
+            <a:schemeClr val="accent1"/>
+          </a:effectRef>
+          <a:fontRef idx="minor">
+            <a:schemeClr val="lt1"/>
+          </a:fontRef>
+        </p:style>
+        <p:txBody>
+          <a:bodyPr rtlCol="0" anchor="ctr"/>
+          <a:lstStyle/>
+          <a:p>
+            <a:r>
+              <a:rPr lang="de-DE" sz="1600" dirty="0">
+                <a:solidFill>
+                  <a:sysClr val="windowText" lastClr="000000"/>
+                </a:solidFill>
+              </a:rPr>
+              <a:t>Modeling </a:t>
+            </a:r>
+            <a:r>
+              <a:rPr lang="de-DE" sz="1600" dirty="0" err="1">
+                <a:solidFill>
+                  <a:sysClr val="windowText" lastClr="000000"/>
+                </a:solidFill>
+              </a:rPr>
+              <a:t>and</a:t>
+            </a:r>
+            <a:r>
+              <a:rPr lang="de-DE" sz="1600" dirty="0">
+                <a:solidFill>
+                  <a:sysClr val="windowText" lastClr="000000"/>
+                </a:solidFill>
+              </a:rPr>
+              <a:t> </a:t>
+            </a:r>
+            <a:r>
+              <a:rPr lang="de-DE" sz="1600" dirty="0" err="1" smtClean="0">
+                <a:solidFill>
+                  <a:sysClr val="windowText" lastClr="000000"/>
+                </a:solidFill>
+              </a:rPr>
+              <a:t>Simulating</a:t>
+            </a:r>
+            <a:r>
+              <a:rPr lang="de-DE" sz="1600" dirty="0" smtClean="0">
+                <a:solidFill>
+                  <a:sysClr val="windowText" lastClr="000000"/>
+                </a:solidFill>
+              </a:rPr>
+              <a:t> </a:t>
+            </a:r>
+            <a:r>
+              <a:rPr lang="de-DE" sz="1600" dirty="0" err="1">
+                <a:solidFill>
+                  <a:sysClr val="windowText" lastClr="000000"/>
+                </a:solidFill>
+              </a:rPr>
+              <a:t>Social</a:t>
+            </a:r>
+            <a:r>
+              <a:rPr lang="de-DE" sz="1600" dirty="0">
+                <a:solidFill>
+                  <a:sysClr val="windowText" lastClr="000000"/>
+                </a:solidFill>
+              </a:rPr>
+              <a:t> Systems </a:t>
+            </a:r>
+            <a:r>
+              <a:rPr lang="de-DE" sz="1600" dirty="0" err="1">
+                <a:solidFill>
+                  <a:sysClr val="windowText" lastClr="000000"/>
+                </a:solidFill>
+              </a:rPr>
+              <a:t>with</a:t>
+            </a:r>
+            <a:r>
+              <a:rPr lang="de-DE" sz="1600" dirty="0">
+                <a:solidFill>
+                  <a:sysClr val="windowText" lastClr="000000"/>
+                </a:solidFill>
+              </a:rPr>
+              <a:t> MATLAB </a:t>
+            </a:r>
+            <a:endParaRPr lang="de-DE" sz="1600" dirty="0">
+              <a:solidFill>
+                <a:sysClr val="windowText" lastClr="000000"/>
+              </a:solidFill>
+              <a:effectLst/>
+            </a:endParaRPr>
+          </a:p>
+        </p:txBody>
+      </p:sp>
+      <p:sp>
+        <p:nvSpPr>
+          <p:cNvPr id="9" name="Inhaltsplatzhalter 1"/>
+          <p:cNvSpPr>
+            <a:spLocks noGrp="1"/>
+          </p:cNvSpPr>
+          <p:nvPr>
+            <p:ph sz="half" idx="1"/>
+          </p:nvPr>
+        </p:nvSpPr>
+        <p:spPr>
+          <a:xfrm>
+            <a:off x="4412291" y="1947949"/>
+            <a:ext cx="3320353" cy="2604174"/>
+          </a:xfrm>
+        </p:spPr>
+        <p:style>
+          <a:lnRef idx="2">
+            <a:schemeClr val="accent6"/>
+          </a:lnRef>
+          <a:fillRef idx="1">
+            <a:schemeClr val="lt1"/>
+          </a:fillRef>
+          <a:effectRef idx="0">
+            <a:schemeClr val="accent6"/>
+          </a:effectRef>
+          <a:fontRef idx="minor">
+            <a:schemeClr val="dk1"/>
+          </a:fontRef>
+        </p:style>
+        <p:txBody>
+          <a:bodyPr/>
+          <a:lstStyle/>
+          <a:p>
+            <a:pPr marL="0" marR="0" lvl="2" indent="0" algn="ctr" defTabSz="914400" eaLnBrk="1" fontAlgn="auto" latinLnBrk="0" hangingPunct="1">
+              <a:lnSpc>
+                <a:spcPct val="100000"/>
+              </a:lnSpc>
+              <a:spcBef>
+                <a:spcPts val="0"/>
+              </a:spcBef>
+              <a:spcAft>
+                <a:spcPts val="0"/>
+              </a:spcAft>
+              <a:buSzTx/>
+              <a:buFontTx/>
+              <a:buNone/>
+              <a:tabLst/>
+              <a:defRPr/>
+            </a:pPr>
+            <a:r>
+              <a:rPr lang="en-GB" sz="2200" u="sng" dirty="0" smtClean="0">
+                <a:solidFill>
+                  <a:schemeClr val="tx1"/>
+                </a:solidFill>
+              </a:rPr>
+              <a:t>Count and Gauge model</a:t>
+            </a:r>
+          </a:p>
+          <a:p>
+            <a:pPr marL="0" marR="0" lvl="2" indent="0" algn="ctr" defTabSz="914400" eaLnBrk="1" fontAlgn="auto" latinLnBrk="0" hangingPunct="1">
+              <a:lnSpc>
+                <a:spcPct val="100000"/>
+              </a:lnSpc>
+              <a:spcBef>
+                <a:spcPts val="0"/>
+              </a:spcBef>
+              <a:spcAft>
+                <a:spcPts val="0"/>
+              </a:spcAft>
+              <a:buSzTx/>
+              <a:buFontTx/>
+              <a:buNone/>
+              <a:tabLst/>
+              <a:defRPr/>
+            </a:pPr>
+            <a:endParaRPr lang="en-GB" sz="2200" u="sng" dirty="0">
+              <a:solidFill>
+                <a:schemeClr val="tx1"/>
+              </a:solidFill>
+            </a:endParaRPr>
+          </a:p>
+          <a:p>
+            <a:pPr marL="342900" marR="0" lvl="2" indent="-342900" defTabSz="914400" eaLnBrk="1" fontAlgn="auto" latinLnBrk="0" hangingPunct="1">
+              <a:lnSpc>
+                <a:spcPct val="100000"/>
+              </a:lnSpc>
+              <a:spcBef>
+                <a:spcPts val="0"/>
+              </a:spcBef>
+              <a:spcAft>
+                <a:spcPts val="0"/>
+              </a:spcAft>
+              <a:buSzTx/>
+              <a:buFont typeface="Wingdings" charset="2"/>
+              <a:buChar char="§"/>
+              <a:tabLst/>
+              <a:defRPr/>
+            </a:pPr>
+            <a:r>
+              <a:rPr lang="en-GB" sz="2200" dirty="0" smtClean="0">
+                <a:solidFill>
+                  <a:schemeClr val="tx1"/>
+                </a:solidFill>
+              </a:rPr>
+              <a:t>evaluate opponents behaviour to find opponents risk factor</a:t>
+            </a:r>
+          </a:p>
+          <a:p>
+            <a:pPr marL="342900" marR="0" lvl="2" indent="-342900" defTabSz="914400" eaLnBrk="1" fontAlgn="auto" latinLnBrk="0" hangingPunct="1">
+              <a:lnSpc>
+                <a:spcPct val="100000"/>
+              </a:lnSpc>
+              <a:spcBef>
+                <a:spcPts val="0"/>
+              </a:spcBef>
+              <a:spcAft>
+                <a:spcPts val="0"/>
+              </a:spcAft>
+              <a:buSzTx/>
+              <a:buFont typeface="Wingdings" charset="2"/>
+              <a:buChar char="§"/>
+              <a:tabLst/>
+              <a:defRPr/>
+            </a:pPr>
+            <a:endParaRPr lang="en-GB" sz="2200" dirty="0" smtClean="0">
+              <a:solidFill>
+                <a:schemeClr val="tx1"/>
+              </a:solidFill>
+            </a:endParaRPr>
+          </a:p>
+          <a:p>
+            <a:pPr marL="527050" lvl="3" indent="-342900">
+              <a:spcBef>
+                <a:spcPts val="0"/>
+              </a:spcBef>
+              <a:buFont typeface="Wingdings" charset="2"/>
+              <a:buChar char="§"/>
+            </a:pPr>
+            <a:r>
+              <a:rPr lang="en-GB" sz="2000" dirty="0" smtClean="0">
+                <a:solidFill>
+                  <a:schemeClr val="tx1"/>
+                </a:solidFill>
+              </a:rPr>
+              <a:t>count amount of unforced initial plays</a:t>
+            </a:r>
+          </a:p>
+        </p:txBody>
+      </p:sp>
+      <p:sp>
+        <p:nvSpPr>
+          <p:cNvPr id="10" name="Inhaltsplatzhalter 1"/>
+          <p:cNvSpPr>
+            <a:spLocks noGrp="1"/>
+          </p:cNvSpPr>
+          <p:nvPr>
+            <p:ph sz="half" idx="1"/>
+          </p:nvPr>
+        </p:nvSpPr>
+        <p:spPr>
+          <a:xfrm>
+            <a:off x="8285838" y="1947950"/>
+            <a:ext cx="3469770" cy="2981860"/>
+          </a:xfrm>
+        </p:spPr>
+        <p:style>
+          <a:lnRef idx="2">
+            <a:schemeClr val="accent6"/>
+          </a:lnRef>
+          <a:fillRef idx="1">
+            <a:schemeClr val="lt1"/>
+          </a:fillRef>
+          <a:effectRef idx="0">
+            <a:schemeClr val="accent6"/>
+          </a:effectRef>
+          <a:fontRef idx="minor">
+            <a:schemeClr val="dk1"/>
+          </a:fontRef>
+        </p:style>
+        <p:txBody>
+          <a:bodyPr/>
+          <a:lstStyle/>
+          <a:p>
+            <a:pPr marL="0" marR="0" lvl="2" indent="0" algn="ctr" defTabSz="914400" eaLnBrk="1" fontAlgn="auto" latinLnBrk="0" hangingPunct="1">
+              <a:lnSpc>
+                <a:spcPct val="100000"/>
+              </a:lnSpc>
+              <a:spcBef>
+                <a:spcPts val="0"/>
+              </a:spcBef>
+              <a:spcAft>
+                <a:spcPts val="0"/>
+              </a:spcAft>
+              <a:buSzTx/>
+              <a:buFontTx/>
+              <a:buNone/>
+              <a:tabLst/>
+              <a:defRPr/>
+            </a:pPr>
+            <a:r>
+              <a:rPr lang="en-GB" sz="2200" u="sng" dirty="0" smtClean="0">
+                <a:solidFill>
+                  <a:schemeClr val="tx1"/>
+                </a:solidFill>
+              </a:rPr>
+              <a:t>Threshold model</a:t>
+            </a:r>
+          </a:p>
+          <a:p>
+            <a:pPr marL="0" marR="0" lvl="2" indent="0" defTabSz="914400" eaLnBrk="1" fontAlgn="auto" latinLnBrk="0" hangingPunct="1">
+              <a:lnSpc>
+                <a:spcPct val="100000"/>
+              </a:lnSpc>
+              <a:spcBef>
+                <a:spcPts val="0"/>
+              </a:spcBef>
+              <a:spcAft>
+                <a:spcPts val="0"/>
+              </a:spcAft>
+              <a:buSzTx/>
+              <a:buFontTx/>
+              <a:buNone/>
+              <a:tabLst/>
+              <a:defRPr/>
+            </a:pPr>
+            <a:endParaRPr lang="en-GB" sz="2200" dirty="0">
+              <a:solidFill>
+                <a:schemeClr val="tx1"/>
+              </a:solidFill>
+            </a:endParaRPr>
+          </a:p>
+          <a:p>
+            <a:pPr marL="342900" lvl="2" indent="-342900">
+              <a:spcBef>
+                <a:spcPts val="0"/>
+              </a:spcBef>
+            </a:pPr>
+            <a:r>
+              <a:rPr lang="en-GB" sz="2200" dirty="0" smtClean="0">
+                <a:solidFill>
+                  <a:schemeClr val="tx1"/>
+                </a:solidFill>
+              </a:rPr>
+              <a:t>evaluate showdown to find opponents risk factor</a:t>
+            </a:r>
+          </a:p>
+          <a:p>
+            <a:pPr marL="342900" lvl="2" indent="-342900">
+              <a:spcBef>
+                <a:spcPts val="0"/>
+              </a:spcBef>
+            </a:pPr>
+            <a:endParaRPr lang="en-GB" sz="2200" dirty="0">
+              <a:solidFill>
+                <a:schemeClr val="tx1"/>
+              </a:solidFill>
+            </a:endParaRPr>
+          </a:p>
+          <a:p>
+            <a:pPr marL="527050" lvl="3" indent="-342900">
+              <a:spcBef>
+                <a:spcPts val="0"/>
+              </a:spcBef>
+            </a:pPr>
+            <a:r>
+              <a:rPr lang="en-GB" sz="2000" dirty="0">
+                <a:solidFill>
+                  <a:schemeClr val="tx1"/>
+                </a:solidFill>
+              </a:rPr>
+              <a:t>s</a:t>
+            </a:r>
+            <a:r>
+              <a:rPr lang="en-GB" sz="2000" dirty="0" smtClean="0">
+                <a:solidFill>
+                  <a:schemeClr val="tx1"/>
+                </a:solidFill>
+              </a:rPr>
+              <a:t>et opponents card value as threshold for his risk factor</a:t>
+            </a:r>
+          </a:p>
+        </p:txBody>
+      </p:sp>
+      <p:sp>
+        <p:nvSpPr>
+          <p:cNvPr id="11" name="Right Brace 10"/>
+          <p:cNvSpPr/>
+          <p:nvPr/>
+        </p:nvSpPr>
+        <p:spPr>
+          <a:xfrm rot="5400000">
+            <a:off x="7835469" y="1506631"/>
+            <a:ext cx="496957" cy="7343315"/>
+          </a:xfrm>
+          <a:prstGeom prst="rightBrace">
+            <a:avLst/>
+          </a:prstGeom>
+          <a:ln w="19050">
+            <a:solidFill>
+              <a:schemeClr val="tx1"/>
+            </a:solidFill>
+            <a:headEnd type="none" w="med" len="med"/>
+            <a:tailEnd type="none" w="med" len="med"/>
+          </a:ln>
+        </p:spPr>
+        <p:style>
+          <a:lnRef idx="1">
+            <a:schemeClr val="accent1"/>
+          </a:lnRef>
+          <a:fillRef idx="0">
+            <a:schemeClr val="accent1"/>
+          </a:fillRef>
+          <a:effectRef idx="0">
+            <a:schemeClr val="accent1"/>
+          </a:effectRef>
+          <a:fontRef idx="minor">
+            <a:schemeClr val="tx1"/>
+          </a:fontRef>
+        </p:style>
+        <p:txBody>
+          <a:bodyPr rtlCol="0" anchor="ctr"/>
+          <a:lstStyle/>
+          <a:p>
+            <a:pPr algn="ctr"/>
+            <a:endParaRPr lang="en-US"/>
+          </a:p>
+        </p:txBody>
+      </p:sp>
+      <p:sp>
+        <p:nvSpPr>
+          <p:cNvPr id="13" name="Content Placeholder 12"/>
+          <p:cNvSpPr>
+            <a:spLocks noGrp="1"/>
+          </p:cNvSpPr>
+          <p:nvPr>
+            <p:ph sz="half" idx="1"/>
+          </p:nvPr>
+        </p:nvSpPr>
+        <p:spPr>
+          <a:xfrm>
+            <a:off x="4412289" y="5584305"/>
+            <a:ext cx="7343315" cy="377687"/>
+          </a:xfrm>
+        </p:spPr>
+        <p:txBody>
+          <a:bodyPr/>
+          <a:lstStyle/>
+          <a:p>
+            <a:r>
+              <a:rPr lang="en-US" dirty="0" smtClean="0"/>
+              <a:t>Find own optimal risk factor from previous simulation results</a:t>
+            </a:r>
+            <a:endParaRPr lang="en-US" dirty="0"/>
+          </a:p>
+        </p:txBody>
+      </p:sp>
+    </p:spTree>
+    <p:extLst>
+      <p:ext uri="{BB962C8B-B14F-4D97-AF65-F5344CB8AC3E}">
+        <p14:creationId xmlns:p14="http://schemas.microsoft.com/office/powerpoint/2010/main" val="502966477"/>
+      </p:ext>
+    </p:extLst>
+  </p:cSld>
+  <p:clrMapOvr>
+    <a:masterClrMapping/>
+  </p:clrMapOvr>
+  <p:transition>
+    <p:fade/>
+  </p:transition>
+  <p:timing>
+    <p:tnLst>
+      <p:par>
+        <p:cTn id="1" dur="indefinite" restart="never" nodeType="tmRoot"/>
+      </p:par>
+    </p:tnLst>
+  </p:timing>
+</p:sld>
+</file>
+
+<file path=ppt/slides/slide8.xml><?xml version="1.0" encoding="utf-8"?>
+<p:sld xmlns:a="http://schemas.openxmlformats.org/drawingml/2006/main" xmlns:r="http://schemas.openxmlformats.org/officeDocument/2006/relationships" xmlns:p="http://schemas.openxmlformats.org/presentationml/2006/main">
+  <p:cSld>
+    <p:spTree>
+      <p:nvGrpSpPr>
+        <p:cNvPr id="1" name=""/>
+        <p:cNvGrpSpPr/>
+        <p:nvPr/>
+      </p:nvGrpSpPr>
+      <p:grpSpPr>
+        <a:xfrm>
+          <a:off x="0" y="0"/>
+          <a:ext cx="0" cy="0"/>
+          <a:chOff x="0" y="0"/>
+          <a:chExt cx="0" cy="0"/>
+        </a:xfrm>
+      </p:grpSpPr>
+      <p:sp>
+        <p:nvSpPr>
+          <p:cNvPr id="2" name="Inhaltsplatzhalter 1"/>
+          <p:cNvSpPr>
+            <a:spLocks noGrp="1"/>
+          </p:cNvSpPr>
+          <p:nvPr>
+            <p:ph sz="half" idx="1"/>
+          </p:nvPr>
+        </p:nvSpPr>
+        <p:spPr>
+          <a:xfrm>
+            <a:off x="431631" y="1990162"/>
+            <a:ext cx="3506978" cy="4213225"/>
+          </a:xfrm>
+        </p:spPr>
+        <p:style>
+          <a:lnRef idx="2">
+            <a:schemeClr val="accent6"/>
+          </a:lnRef>
+          <a:fillRef idx="1">
+            <a:schemeClr val="lt1"/>
+          </a:fillRef>
+          <a:effectRef idx="0">
+            <a:schemeClr val="accent6"/>
+          </a:effectRef>
+          <a:fontRef idx="minor">
+            <a:schemeClr val="dk1"/>
+          </a:fontRef>
+        </p:style>
+        <p:txBody>
+          <a:bodyPr/>
+          <a:lstStyle/>
+          <a:p>
+            <a:pPr marL="0" marR="0" lvl="2" indent="0" algn="ctr" defTabSz="914400" eaLnBrk="1" fontAlgn="auto" latinLnBrk="0" hangingPunct="1">
+              <a:lnSpc>
+                <a:spcPct val="100000"/>
+              </a:lnSpc>
+              <a:spcBef>
+                <a:spcPts val="0"/>
+              </a:spcBef>
+              <a:spcAft>
+                <a:spcPts val="0"/>
+              </a:spcAft>
+              <a:buSzTx/>
+              <a:buFontTx/>
+              <a:buNone/>
+              <a:tabLst/>
+              <a:defRPr/>
+            </a:pPr>
+            <a:r>
+              <a:rPr lang="en-GB" sz="2200" u="sng" dirty="0" smtClean="0">
+                <a:solidFill>
+                  <a:schemeClr val="tx1"/>
+                </a:solidFill>
+              </a:rPr>
+              <a:t>Iteration model</a:t>
+            </a:r>
+          </a:p>
+          <a:p>
+            <a:pPr marL="0" marR="0" lvl="2" indent="0" algn="ctr" defTabSz="914400" eaLnBrk="1" fontAlgn="auto" latinLnBrk="0" hangingPunct="1">
+              <a:lnSpc>
+                <a:spcPct val="100000"/>
+              </a:lnSpc>
+              <a:spcBef>
+                <a:spcPts val="0"/>
+              </a:spcBef>
+              <a:spcAft>
+                <a:spcPts val="0"/>
+              </a:spcAft>
+              <a:buSzTx/>
+              <a:buFontTx/>
+              <a:buNone/>
+              <a:tabLst/>
+              <a:defRPr/>
+            </a:pPr>
+            <a:endParaRPr lang="en-GB" sz="2200" u="sng" dirty="0">
+              <a:solidFill>
+                <a:schemeClr val="tx1"/>
+              </a:solidFill>
+            </a:endParaRPr>
+          </a:p>
+        </p:txBody>
+      </p:sp>
+      <p:sp>
+        <p:nvSpPr>
+          <p:cNvPr id="4" name="Datumsplatzhalter 3"/>
+          <p:cNvSpPr>
+            <a:spLocks noGrp="1"/>
+          </p:cNvSpPr>
+          <p:nvPr>
+            <p:ph type="dt" sz="half" idx="10"/>
+          </p:nvPr>
+        </p:nvSpPr>
+        <p:spPr/>
+        <p:txBody>
+          <a:bodyPr/>
+          <a:lstStyle/>
+          <a:p>
+            <a:fld id="{C6A1628A-2A40-4B37-B167-309C0EBB4BBF}" type="datetime1">
+              <a:rPr lang="en-GB" smtClean="0"/>
+              <a:t>18/12/2016</a:t>
+            </a:fld>
+            <a:endParaRPr lang="en-GB" dirty="0"/>
+          </a:p>
+        </p:txBody>
+      </p:sp>
+      <p:sp>
+        <p:nvSpPr>
+          <p:cNvPr id="5" name="Fußzeilenplatzhalter 4"/>
+          <p:cNvSpPr>
+            <a:spLocks noGrp="1"/>
+          </p:cNvSpPr>
+          <p:nvPr>
+            <p:ph type="ftr" sz="quarter" idx="11"/>
+          </p:nvPr>
+        </p:nvSpPr>
+        <p:spPr/>
+        <p:txBody>
+          <a:bodyPr/>
+          <a:lstStyle/>
+          <a:p>
+            <a:r>
+              <a:rPr lang="de-CH" dirty="0"/>
+              <a:t>Tim Weber , Jan </a:t>
+            </a:r>
+            <a:r>
+              <a:rPr lang="de-CH" dirty="0" err="1"/>
+              <a:t>Speckien</a:t>
+            </a:r>
+            <a:r>
+              <a:rPr lang="de-CH" dirty="0"/>
+              <a:t>, Patrice Gobat, Lionel </a:t>
+            </a:r>
+            <a:r>
+              <a:rPr lang="de-CH" dirty="0" err="1" smtClean="0"/>
+              <a:t>Gulich</a:t>
+            </a:r>
+            <a:endParaRPr lang="de-CH" dirty="0"/>
+          </a:p>
+        </p:txBody>
+      </p:sp>
+      <p:sp>
+        <p:nvSpPr>
+          <p:cNvPr id="6" name="Foliennummernplatzhalter 5"/>
+          <p:cNvSpPr>
+            <a:spLocks noGrp="1"/>
+          </p:cNvSpPr>
+          <p:nvPr>
+            <p:ph type="sldNum" sz="quarter" idx="12"/>
+          </p:nvPr>
+        </p:nvSpPr>
+        <p:spPr/>
+        <p:txBody>
+          <a:bodyPr/>
+          <a:lstStyle/>
+          <a:p>
+            <a:fld id="{6C6AE60A-B69C-4790-82F7-3882EDF23186}" type="slidenum">
+              <a:rPr lang="en-GB" smtClean="0"/>
+              <a:t>8</a:t>
+            </a:fld>
+            <a:endParaRPr lang="en-GB" dirty="0"/>
+          </a:p>
+        </p:txBody>
+      </p:sp>
+      <p:sp>
+        <p:nvSpPr>
+          <p:cNvPr id="7" name="Titel 6"/>
+          <p:cNvSpPr>
+            <a:spLocks noGrp="1"/>
+          </p:cNvSpPr>
+          <p:nvPr>
+            <p:ph type="title"/>
+          </p:nvPr>
+        </p:nvSpPr>
+        <p:spPr>
+          <a:xfrm>
+            <a:off x="431632" y="702120"/>
+            <a:ext cx="11323975" cy="466039"/>
+          </a:xfrm>
+        </p:spPr>
+        <p:txBody>
+          <a:bodyPr/>
+          <a:lstStyle/>
+          <a:p>
+            <a:r>
+              <a:rPr lang="en-GB" dirty="0" smtClean="0"/>
+              <a:t>Learning models comparison</a:t>
+            </a:r>
+            <a:endParaRPr lang="en-GB" dirty="0"/>
+          </a:p>
+        </p:txBody>
+      </p:sp>
+      <p:sp>
+        <p:nvSpPr>
+          <p:cNvPr id="8" name="Rechteck 7"/>
+          <p:cNvSpPr/>
+          <p:nvPr/>
+        </p:nvSpPr>
+        <p:spPr>
+          <a:xfrm>
+            <a:off x="431631" y="6339682"/>
+            <a:ext cx="6832600" cy="406400"/>
+          </a:xfrm>
+          <a:prstGeom prst="rect">
+            <a:avLst/>
+          </a:prstGeom>
+          <a:solidFill>
+            <a:schemeClr val="bg1"/>
+          </a:solidFill>
+          <a:ln>
+            <a:noFill/>
+          </a:ln>
+        </p:spPr>
+        <p:style>
+          <a:lnRef idx="2">
+            <a:schemeClr val="accent1">
+              <a:shade val="50000"/>
+            </a:schemeClr>
+          </a:lnRef>
+          <a:fillRef idx="1">
+            <a:schemeClr val="accent1"/>
+          </a:fillRef>
+          <a:effectRef idx="0">
+            <a:schemeClr val="accent1"/>
+          </a:effectRef>
+          <a:fontRef idx="minor">
+            <a:schemeClr val="lt1"/>
+          </a:fontRef>
+        </p:style>
+        <p:txBody>
+          <a:bodyPr rtlCol="0" anchor="ctr"/>
+          <a:lstStyle/>
+          <a:p>
+            <a:r>
+              <a:rPr lang="de-DE" sz="1600" dirty="0">
+                <a:solidFill>
+                  <a:sysClr val="windowText" lastClr="000000"/>
+                </a:solidFill>
+              </a:rPr>
+              <a:t>Modeling </a:t>
+            </a:r>
+            <a:r>
+              <a:rPr lang="de-DE" sz="1600" dirty="0" err="1">
+                <a:solidFill>
+                  <a:sysClr val="windowText" lastClr="000000"/>
+                </a:solidFill>
+              </a:rPr>
+              <a:t>and</a:t>
+            </a:r>
+            <a:r>
+              <a:rPr lang="de-DE" sz="1600" dirty="0">
+                <a:solidFill>
+                  <a:sysClr val="windowText" lastClr="000000"/>
+                </a:solidFill>
+              </a:rPr>
+              <a:t> </a:t>
+            </a:r>
+            <a:r>
+              <a:rPr lang="de-DE" sz="1600" dirty="0" err="1" smtClean="0">
+                <a:solidFill>
+                  <a:sysClr val="windowText" lastClr="000000"/>
+                </a:solidFill>
+              </a:rPr>
+              <a:t>Simulating</a:t>
+            </a:r>
+            <a:r>
+              <a:rPr lang="de-DE" sz="1600" dirty="0" smtClean="0">
+                <a:solidFill>
+                  <a:sysClr val="windowText" lastClr="000000"/>
+                </a:solidFill>
+              </a:rPr>
+              <a:t> </a:t>
+            </a:r>
+            <a:r>
+              <a:rPr lang="de-DE" sz="1600" dirty="0" err="1">
+                <a:solidFill>
+                  <a:sysClr val="windowText" lastClr="000000"/>
+                </a:solidFill>
+              </a:rPr>
+              <a:t>Social</a:t>
+            </a:r>
+            <a:r>
+              <a:rPr lang="de-DE" sz="1600" dirty="0">
+                <a:solidFill>
+                  <a:sysClr val="windowText" lastClr="000000"/>
+                </a:solidFill>
+              </a:rPr>
+              <a:t> Systems </a:t>
+            </a:r>
+            <a:r>
+              <a:rPr lang="de-DE" sz="1600" dirty="0" err="1">
+                <a:solidFill>
+                  <a:sysClr val="windowText" lastClr="000000"/>
+                </a:solidFill>
+              </a:rPr>
+              <a:t>with</a:t>
+            </a:r>
+            <a:r>
+              <a:rPr lang="de-DE" sz="1600" dirty="0">
+                <a:solidFill>
+                  <a:sysClr val="windowText" lastClr="000000"/>
+                </a:solidFill>
+              </a:rPr>
+              <a:t> MATLAB </a:t>
+            </a:r>
+            <a:endParaRPr lang="de-DE" sz="1600" dirty="0">
+              <a:solidFill>
+                <a:sysClr val="windowText" lastClr="000000"/>
+              </a:solidFill>
+              <a:effectLst/>
+            </a:endParaRPr>
+          </a:p>
+        </p:txBody>
+      </p:sp>
+      <p:sp>
+        <p:nvSpPr>
+          <p:cNvPr id="9" name="Inhaltsplatzhalter 1"/>
+          <p:cNvSpPr>
+            <a:spLocks noGrp="1"/>
+          </p:cNvSpPr>
+          <p:nvPr>
+            <p:ph sz="half" idx="1"/>
+          </p:nvPr>
+        </p:nvSpPr>
+        <p:spPr>
+          <a:xfrm>
+            <a:off x="4412291" y="1947949"/>
+            <a:ext cx="3320353" cy="2604174"/>
+          </a:xfrm>
+        </p:spPr>
+        <p:style>
+          <a:lnRef idx="2">
+            <a:schemeClr val="accent6"/>
+          </a:lnRef>
+          <a:fillRef idx="1">
+            <a:schemeClr val="lt1"/>
+          </a:fillRef>
+          <a:effectRef idx="0">
+            <a:schemeClr val="accent6"/>
+          </a:effectRef>
+          <a:fontRef idx="minor">
+            <a:schemeClr val="dk1"/>
+          </a:fontRef>
+        </p:style>
+        <p:txBody>
+          <a:bodyPr/>
+          <a:lstStyle/>
+          <a:p>
+            <a:pPr marL="0" marR="0" lvl="2" indent="0" algn="ctr" defTabSz="914400" eaLnBrk="1" fontAlgn="auto" latinLnBrk="0" hangingPunct="1">
+              <a:lnSpc>
+                <a:spcPct val="100000"/>
+              </a:lnSpc>
+              <a:spcBef>
+                <a:spcPts val="0"/>
+              </a:spcBef>
+              <a:spcAft>
+                <a:spcPts val="0"/>
+              </a:spcAft>
+              <a:buSzTx/>
+              <a:buFontTx/>
+              <a:buNone/>
+              <a:tabLst/>
+              <a:defRPr/>
+            </a:pPr>
+            <a:r>
+              <a:rPr lang="en-GB" sz="2200" u="sng" dirty="0" smtClean="0">
+                <a:solidFill>
+                  <a:schemeClr val="tx1"/>
+                </a:solidFill>
+              </a:rPr>
+              <a:t>Count and Gauge model</a:t>
+            </a:r>
+          </a:p>
+          <a:p>
+            <a:pPr marL="0" marR="0" lvl="2" indent="0" algn="ctr" defTabSz="914400" eaLnBrk="1" fontAlgn="auto" latinLnBrk="0" hangingPunct="1">
+              <a:lnSpc>
+                <a:spcPct val="100000"/>
+              </a:lnSpc>
+              <a:spcBef>
+                <a:spcPts val="0"/>
+              </a:spcBef>
+              <a:spcAft>
+                <a:spcPts val="0"/>
+              </a:spcAft>
+              <a:buSzTx/>
+              <a:buFontTx/>
+              <a:buNone/>
+              <a:tabLst/>
+              <a:defRPr/>
+            </a:pPr>
+            <a:endParaRPr lang="en-GB" sz="2200" u="sng" dirty="0">
+              <a:solidFill>
+                <a:schemeClr val="tx1"/>
+              </a:solidFill>
+            </a:endParaRPr>
+          </a:p>
+        </p:txBody>
+      </p:sp>
+      <p:sp>
+        <p:nvSpPr>
+          <p:cNvPr id="10" name="Inhaltsplatzhalter 1"/>
+          <p:cNvSpPr>
+            <a:spLocks noGrp="1"/>
+          </p:cNvSpPr>
+          <p:nvPr>
+            <p:ph sz="half" idx="1"/>
+          </p:nvPr>
+        </p:nvSpPr>
+        <p:spPr>
+          <a:xfrm>
+            <a:off x="8285838" y="1947950"/>
+            <a:ext cx="3469770" cy="2981860"/>
+          </a:xfrm>
+        </p:spPr>
+        <p:style>
+          <a:lnRef idx="2">
+            <a:schemeClr val="accent6"/>
+          </a:lnRef>
+          <a:fillRef idx="1">
+            <a:schemeClr val="lt1"/>
+          </a:fillRef>
+          <a:effectRef idx="0">
+            <a:schemeClr val="accent6"/>
+          </a:effectRef>
+          <a:fontRef idx="minor">
+            <a:schemeClr val="dk1"/>
+          </a:fontRef>
+        </p:style>
+        <p:txBody>
+          <a:bodyPr/>
+          <a:lstStyle/>
+          <a:p>
+            <a:pPr marL="0" marR="0" lvl="2" indent="0" algn="ctr" defTabSz="914400" eaLnBrk="1" fontAlgn="auto" latinLnBrk="0" hangingPunct="1">
+              <a:lnSpc>
+                <a:spcPct val="100000"/>
+              </a:lnSpc>
+              <a:spcBef>
+                <a:spcPts val="0"/>
+              </a:spcBef>
+              <a:spcAft>
+                <a:spcPts val="0"/>
+              </a:spcAft>
+              <a:buSzTx/>
+              <a:buFontTx/>
+              <a:buNone/>
+              <a:tabLst/>
+              <a:defRPr/>
+            </a:pPr>
+            <a:r>
+              <a:rPr lang="en-GB" sz="2200" u="sng" dirty="0" smtClean="0">
+                <a:solidFill>
+                  <a:schemeClr val="tx1"/>
+                </a:solidFill>
+              </a:rPr>
+              <a:t>Threshold model</a:t>
+            </a:r>
+          </a:p>
+        </p:txBody>
+      </p:sp>
+      <p:graphicFrame>
+        <p:nvGraphicFramePr>
+          <p:cNvPr id="16" name="Inhaltsplatzhalter 7"/>
+          <p:cNvGraphicFramePr>
+            <a:graphicFrameLocks noGrp="1"/>
+          </p:cNvGraphicFramePr>
+          <p:nvPr>
+            <p:ph sz="half" idx="2"/>
+            <p:extLst>
+              <p:ext uri="{D42A27DB-BD31-4B8C-83A1-F6EECF244321}">
+                <p14:modId xmlns:p14="http://schemas.microsoft.com/office/powerpoint/2010/main" val="813237873"/>
+              </p:ext>
+            </p:extLst>
+          </p:nvPr>
+        </p:nvGraphicFramePr>
+        <p:xfrm>
+          <a:off x="252488" y="4896671"/>
+          <a:ext cx="10818285" cy="1097280"/>
+        </p:xfrm>
+        <a:graphic>
+          <a:graphicData uri="http://schemas.openxmlformats.org/drawingml/2006/table">
+            <a:tbl>
+              <a:tblPr firstCol="1" bandRow="1">
+                <a:tableStyleId>{00A15C55-8517-42AA-B614-E9B94910E393}</a:tableStyleId>
+              </a:tblPr>
+              <a:tblGrid>
+                <a:gridCol w="1870226"/>
+                <a:gridCol w="265932"/>
+                <a:gridCol w="2183354"/>
+                <a:gridCol w="3624943"/>
+                <a:gridCol w="2873830"/>
+              </a:tblGrid>
+              <a:tr h="193743">
+                <a:tc rowSpan="2">
+                  <a:txBody>
+                    <a:bodyPr/>
+                    <a:lstStyle/>
+                    <a:p>
+                      <a:pPr algn="l"/>
+                      <a:r>
+                        <a:rPr lang="en-GB" dirty="0" smtClean="0"/>
+                        <a:t>#</a:t>
+                      </a:r>
+                      <a:r>
+                        <a:rPr lang="en-GB" baseline="0" dirty="0" smtClean="0"/>
+                        <a:t> games won</a:t>
+                      </a:r>
+                      <a:endParaRPr lang="en-GB" dirty="0"/>
+                    </a:p>
+                  </a:txBody>
+                  <a:tcPr anchor="ctr">
+                    <a:solidFill>
+                      <a:srgbClr val="1169B1"/>
+                    </a:solidFill>
+                  </a:tcPr>
+                </a:tc>
+                <a:tc>
+                  <a:txBody>
+                    <a:bodyPr/>
+                    <a:lstStyle/>
+                    <a:p>
+                      <a:r>
+                        <a:rPr lang="en-GB" dirty="0" smtClean="0">
+                          <a:solidFill>
+                            <a:schemeClr val="bg1"/>
+                          </a:solidFill>
+                        </a:rPr>
+                        <a:t>𝜇</a:t>
+                      </a:r>
+                      <a:endParaRPr lang="en-GB" dirty="0">
+                        <a:solidFill>
+                          <a:schemeClr val="bg1"/>
+                        </a:solidFill>
+                      </a:endParaRPr>
+                    </a:p>
+                  </a:txBody>
+                  <a:tcPr>
+                    <a:lnR w="12700" cap="flat" cmpd="sng" algn="ctr">
+                      <a:solidFill>
+                        <a:schemeClr val="tx1"/>
+                      </a:solidFill>
+                      <a:prstDash val="solid"/>
+                      <a:round/>
+                      <a:headEnd type="none" w="med" len="med"/>
+                      <a:tailEnd type="none" w="med" len="med"/>
+                    </a:lnR>
+                    <a:solidFill>
+                      <a:srgbClr val="1F407A"/>
+                    </a:solidFill>
+                  </a:tcPr>
+                </a:tc>
+                <a:tc>
+                  <a:txBody>
+                    <a:bodyPr/>
+                    <a:lstStyle/>
+                    <a:p>
+                      <a:pPr marL="0" marR="0" indent="0" algn="ctr" defTabSz="914400" rtl="0" eaLnBrk="1" fontAlgn="auto" latinLnBrk="0" hangingPunct="1">
+                        <a:lnSpc>
+                          <a:spcPct val="100000"/>
+                        </a:lnSpc>
+                        <a:spcBef>
+                          <a:spcPts val="0"/>
+                        </a:spcBef>
+                        <a:spcAft>
+                          <a:spcPts val="0"/>
+                        </a:spcAft>
+                        <a:buClrTx/>
+                        <a:buSzTx/>
+                        <a:buFontTx/>
+                        <a:buNone/>
+                        <a:tabLst/>
+                        <a:defRPr/>
+                      </a:pPr>
+                      <a:r>
+                        <a:rPr lang="en-GB" dirty="0" smtClean="0"/>
+                        <a:t>647.55</a:t>
+                      </a:r>
+                    </a:p>
+                  </a:txBody>
+                  <a:tcPr>
+                    <a:lnL w="12700" cap="flat" cmpd="sng" algn="ctr">
+                      <a:solidFill>
+                        <a:schemeClr val="tx1"/>
+                      </a:solidFill>
+                      <a:prstDash val="solid"/>
+                      <a:round/>
+                      <a:headEnd type="none" w="med" len="med"/>
+                      <a:tailEnd type="none" w="med" len="med"/>
+                    </a:lnL>
+                    <a:solidFill>
+                      <a:schemeClr val="bg1">
+                        <a:lumMod val="85000"/>
+                      </a:schemeClr>
+                    </a:solidFill>
+                  </a:tcPr>
+                </a:tc>
+                <a:tc>
+                  <a:txBody>
+                    <a:bodyPr/>
+                    <a:lstStyle/>
+                    <a:p>
+                      <a:pPr algn="ctr"/>
+                      <a:r>
+                        <a:rPr lang="en-GB" dirty="0" smtClean="0"/>
+                        <a:t>690.6369</a:t>
+                      </a:r>
+                      <a:endParaRPr lang="en-GB" dirty="0"/>
+                    </a:p>
+                  </a:txBody>
+                  <a:tcPr>
+                    <a:solidFill>
+                      <a:schemeClr val="bg1">
+                        <a:lumMod val="85000"/>
+                      </a:schemeClr>
+                    </a:solidFill>
+                  </a:tcPr>
+                </a:tc>
+                <a:tc>
+                  <a:txBody>
+                    <a:bodyPr/>
+                    <a:lstStyle/>
+                    <a:p>
+                      <a:pPr marL="0" marR="0" indent="0" algn="ctr" defTabSz="914400" rtl="0" eaLnBrk="1" fontAlgn="auto" latinLnBrk="0" hangingPunct="1">
+                        <a:lnSpc>
+                          <a:spcPct val="100000"/>
+                        </a:lnSpc>
+                        <a:spcBef>
+                          <a:spcPts val="0"/>
+                        </a:spcBef>
+                        <a:spcAft>
+                          <a:spcPts val="0"/>
+                        </a:spcAft>
+                        <a:buClrTx/>
+                        <a:buSzTx/>
+                        <a:buFontTx/>
+                        <a:buNone/>
+                        <a:tabLst/>
+                        <a:defRPr/>
+                      </a:pPr>
+                      <a:r>
+                        <a:rPr lang="en-GB" dirty="0" smtClean="0"/>
+                        <a:t>605.77</a:t>
+                      </a:r>
+                    </a:p>
+                  </a:txBody>
+                  <a:tcPr>
+                    <a:solidFill>
+                      <a:schemeClr val="bg1">
+                        <a:lumMod val="85000"/>
+                      </a:schemeClr>
+                    </a:solidFill>
+                  </a:tcPr>
+                </a:tc>
+              </a:tr>
+              <a:tr h="193743">
+                <a:tc vMerge="1">
+                  <a:txBody>
+                    <a:bodyPr/>
+                    <a:lstStyle/>
+                    <a:p>
+                      <a:endParaRPr lang="en-GB" dirty="0"/>
+                    </a:p>
+                  </a:txBody>
+                  <a:tcPr/>
+                </a:tc>
+                <a:tc>
+                  <a:txBody>
+                    <a:bodyPr/>
+                    <a:lstStyle/>
+                    <a:p>
+                      <a:pPr marL="0" marR="0" indent="0" algn="l" defTabSz="914400" rtl="0" eaLnBrk="1" fontAlgn="auto" latinLnBrk="0" hangingPunct="1">
+                        <a:lnSpc>
+                          <a:spcPct val="100000"/>
+                        </a:lnSpc>
+                        <a:spcBef>
+                          <a:spcPts val="0"/>
+                        </a:spcBef>
+                        <a:spcAft>
+                          <a:spcPts val="0"/>
+                        </a:spcAft>
+                        <a:buClrTx/>
+                        <a:buSzTx/>
+                        <a:buFontTx/>
+                        <a:buNone/>
+                        <a:tabLst/>
+                        <a:defRPr/>
+                      </a:pPr>
+                      <a:r>
+                        <a:rPr lang="en-GB" dirty="0" smtClean="0">
+                          <a:solidFill>
+                            <a:schemeClr val="bg1"/>
+                          </a:solidFill>
+                        </a:rPr>
+                        <a:t>𝜎</a:t>
+                      </a:r>
+                    </a:p>
+                  </a:txBody>
+                  <a:tcPr>
+                    <a:lnR w="12700" cap="flat" cmpd="sng" algn="ctr">
+                      <a:solidFill>
+                        <a:schemeClr val="tx1"/>
+                      </a:solidFill>
+                      <a:prstDash val="solid"/>
+                      <a:round/>
+                      <a:headEnd type="none" w="med" len="med"/>
+                      <a:tailEnd type="none" w="med" len="med"/>
+                    </a:lnR>
+                    <a:solidFill>
+                      <a:srgbClr val="1F407A"/>
+                    </a:solidFill>
+                  </a:tcPr>
+                </a:tc>
+                <a:tc>
+                  <a:txBody>
+                    <a:bodyPr/>
+                    <a:lstStyle/>
+                    <a:p>
+                      <a:pPr marL="0" marR="0" indent="0" algn="ctr" defTabSz="914400" rtl="0" eaLnBrk="1" fontAlgn="auto" latinLnBrk="0" hangingPunct="1">
+                        <a:lnSpc>
+                          <a:spcPct val="100000"/>
+                        </a:lnSpc>
+                        <a:spcBef>
+                          <a:spcPts val="0"/>
+                        </a:spcBef>
+                        <a:spcAft>
+                          <a:spcPts val="0"/>
+                        </a:spcAft>
+                        <a:buClrTx/>
+                        <a:buSzTx/>
+                        <a:buFontTx/>
+                        <a:buNone/>
+                        <a:tabLst/>
+                        <a:defRPr/>
+                      </a:pPr>
+                      <a:r>
+                        <a:rPr lang="en-GB" dirty="0" smtClean="0"/>
+                        <a:t>335.5068</a:t>
+                      </a:r>
+                    </a:p>
+                  </a:txBody>
+                  <a:tcPr>
+                    <a:lnL w="12700" cap="flat" cmpd="sng" algn="ctr">
+                      <a:solidFill>
+                        <a:schemeClr val="tx1"/>
+                      </a:solidFill>
+                      <a:prstDash val="solid"/>
+                      <a:round/>
+                      <a:headEnd type="none" w="med" len="med"/>
+                      <a:tailEnd type="none" w="med" len="med"/>
+                    </a:lnL>
+                    <a:solidFill>
+                      <a:schemeClr val="bg1">
+                        <a:lumMod val="95000"/>
+                      </a:schemeClr>
+                    </a:solidFill>
+                  </a:tcPr>
+                </a:tc>
+                <a:tc>
+                  <a:txBody>
+                    <a:bodyPr/>
+                    <a:lstStyle/>
+                    <a:p>
+                      <a:pPr algn="ctr"/>
+                      <a:r>
+                        <a:rPr lang="en-GB" dirty="0" smtClean="0"/>
+                        <a:t>313.1811</a:t>
+                      </a:r>
+                      <a:endParaRPr lang="en-GB" dirty="0"/>
+                    </a:p>
+                  </a:txBody>
+                  <a:tcPr>
+                    <a:solidFill>
+                      <a:schemeClr val="bg1">
+                        <a:lumMod val="95000"/>
+                      </a:schemeClr>
+                    </a:solidFill>
+                  </a:tcPr>
+                </a:tc>
+                <a:tc>
+                  <a:txBody>
+                    <a:bodyPr/>
+                    <a:lstStyle/>
+                    <a:p>
+                      <a:pPr marL="0" marR="0" indent="0" algn="ctr" defTabSz="914400" rtl="0" eaLnBrk="1" fontAlgn="auto" latinLnBrk="0" hangingPunct="1">
+                        <a:lnSpc>
+                          <a:spcPct val="100000"/>
+                        </a:lnSpc>
+                        <a:spcBef>
+                          <a:spcPts val="0"/>
+                        </a:spcBef>
+                        <a:spcAft>
+                          <a:spcPts val="0"/>
+                        </a:spcAft>
+                        <a:buClrTx/>
+                        <a:buSzTx/>
+                        <a:buFontTx/>
+                        <a:buNone/>
+                        <a:tabLst/>
+                        <a:defRPr/>
+                      </a:pPr>
+                      <a:r>
+                        <a:rPr lang="en-GB" dirty="0" smtClean="0"/>
+                        <a:t>301.3260</a:t>
+                      </a:r>
+                    </a:p>
+                  </a:txBody>
+                  <a:tcPr>
+                    <a:solidFill>
+                      <a:schemeClr val="bg1">
+                        <a:lumMod val="95000"/>
+                      </a:schemeClr>
+                    </a:solidFill>
+                  </a:tcPr>
+                </a:tc>
+              </a:tr>
+              <a:tr h="339050">
+                <a:tc>
+                  <a:txBody>
+                    <a:bodyPr/>
+                    <a:lstStyle/>
+                    <a:p>
+                      <a:pPr marL="0" marR="0" indent="0" algn="l" defTabSz="914400" rtl="0" eaLnBrk="1" fontAlgn="auto" latinLnBrk="0" hangingPunct="1">
+                        <a:lnSpc>
+                          <a:spcPct val="100000"/>
+                        </a:lnSpc>
+                        <a:spcBef>
+                          <a:spcPts val="0"/>
+                        </a:spcBef>
+                        <a:spcAft>
+                          <a:spcPts val="0"/>
+                        </a:spcAft>
+                        <a:buClrTx/>
+                        <a:buSzTx/>
+                        <a:buFontTx/>
+                        <a:buNone/>
+                        <a:tabLst/>
+                        <a:defRPr/>
+                      </a:pPr>
+                      <a:r>
+                        <a:rPr lang="en-GB" dirty="0" smtClean="0"/>
+                        <a:t># hands</a:t>
+                      </a:r>
+                      <a:r>
+                        <a:rPr lang="en-GB" baseline="0" dirty="0" smtClean="0"/>
+                        <a:t> played</a:t>
+                      </a:r>
+                      <a:endParaRPr lang="en-GB" dirty="0" smtClean="0"/>
+                    </a:p>
+                  </a:txBody>
+                  <a:tcPr>
+                    <a:solidFill>
+                      <a:srgbClr val="1169B1"/>
+                    </a:solidFill>
+                  </a:tcPr>
+                </a:tc>
+                <a:tc>
+                  <a:txBody>
+                    <a:bodyPr/>
+                    <a:lstStyle/>
+                    <a:p>
+                      <a:r>
+                        <a:rPr lang="en-GB" dirty="0" smtClean="0">
+                          <a:solidFill>
+                            <a:schemeClr val="bg1"/>
+                          </a:solidFill>
+                        </a:rPr>
+                        <a:t>𝜇</a:t>
+                      </a:r>
+                      <a:endParaRPr lang="en-GB" dirty="0">
+                        <a:solidFill>
+                          <a:schemeClr val="bg1"/>
+                        </a:solidFill>
+                      </a:endParaRPr>
+                    </a:p>
+                  </a:txBody>
+                  <a:tcPr>
+                    <a:lnR w="12700" cap="flat" cmpd="sng" algn="ctr">
+                      <a:solidFill>
+                        <a:schemeClr val="tx1"/>
+                      </a:solidFill>
+                      <a:prstDash val="solid"/>
+                      <a:round/>
+                      <a:headEnd type="none" w="med" len="med"/>
+                      <a:tailEnd type="none" w="med" len="med"/>
+                    </a:lnR>
+                    <a:solidFill>
+                      <a:srgbClr val="1F407A"/>
+                    </a:solidFill>
+                  </a:tcPr>
+                </a:tc>
+                <a:tc>
+                  <a:txBody>
+                    <a:bodyPr/>
+                    <a:lstStyle/>
+                    <a:p>
+                      <a:pPr marL="0" marR="0" indent="0" algn="ctr" defTabSz="914400" rtl="0" eaLnBrk="1" fontAlgn="auto" latinLnBrk="0" hangingPunct="1">
+                        <a:lnSpc>
+                          <a:spcPct val="100000"/>
+                        </a:lnSpc>
+                        <a:spcBef>
+                          <a:spcPts val="0"/>
+                        </a:spcBef>
+                        <a:spcAft>
+                          <a:spcPts val="0"/>
+                        </a:spcAft>
+                        <a:buClrTx/>
+                        <a:buSzTx/>
+                        <a:buFontTx/>
+                        <a:buNone/>
+                        <a:tabLst/>
+                        <a:defRPr/>
+                      </a:pPr>
+                      <a:r>
+                        <a:rPr lang="en-GB" dirty="0" smtClean="0"/>
+                        <a:t>110020</a:t>
+                      </a:r>
+                    </a:p>
+                  </a:txBody>
+                  <a:tcPr>
+                    <a:lnL w="12700" cap="flat" cmpd="sng" algn="ctr">
+                      <a:solidFill>
+                        <a:schemeClr val="tx1"/>
+                      </a:solidFill>
+                      <a:prstDash val="solid"/>
+                      <a:round/>
+                      <a:headEnd type="none" w="med" len="med"/>
+                      <a:tailEnd type="none" w="med" len="med"/>
+                    </a:lnL>
+                    <a:solidFill>
+                      <a:schemeClr val="bg1">
+                        <a:lumMod val="85000"/>
+                      </a:schemeClr>
+                    </a:solidFill>
+                  </a:tcPr>
+                </a:tc>
+                <a:tc>
+                  <a:txBody>
+                    <a:bodyPr/>
+                    <a:lstStyle/>
+                    <a:p>
+                      <a:pPr algn="ctr"/>
+                      <a:r>
+                        <a:rPr lang="en-GB" dirty="0" smtClean="0"/>
+                        <a:t>709.35</a:t>
+                      </a:r>
+                      <a:endParaRPr lang="en-GB" dirty="0"/>
+                    </a:p>
+                  </a:txBody>
+                  <a:tcPr>
+                    <a:solidFill>
+                      <a:schemeClr val="bg1">
+                        <a:lumMod val="85000"/>
+                      </a:schemeClr>
+                    </a:solidFill>
+                  </a:tcPr>
+                </a:tc>
+                <a:tc>
+                  <a:txBody>
+                    <a:bodyPr/>
+                    <a:lstStyle/>
+                    <a:p>
+                      <a:pPr marL="0" marR="0" indent="0" algn="ctr" defTabSz="914400" rtl="0" eaLnBrk="1" fontAlgn="auto" latinLnBrk="0" hangingPunct="1">
+                        <a:lnSpc>
+                          <a:spcPct val="100000"/>
+                        </a:lnSpc>
+                        <a:spcBef>
+                          <a:spcPts val="0"/>
+                        </a:spcBef>
+                        <a:spcAft>
+                          <a:spcPts val="0"/>
+                        </a:spcAft>
+                        <a:buClrTx/>
+                        <a:buSzTx/>
+                        <a:buFontTx/>
+                        <a:buNone/>
+                        <a:tabLst/>
+                        <a:defRPr/>
+                      </a:pPr>
+                      <a:r>
+                        <a:rPr lang="en-GB" dirty="0" smtClean="0"/>
+                        <a:t>1565</a:t>
+                      </a:r>
+                    </a:p>
+                  </a:txBody>
+                  <a:tcPr>
+                    <a:solidFill>
+                      <a:schemeClr val="bg1">
+                        <a:lumMod val="85000"/>
+                      </a:schemeClr>
+                    </a:solidFill>
+                  </a:tcPr>
+                </a:tc>
+              </a:tr>
+            </a:tbl>
+          </a:graphicData>
+        </a:graphic>
+      </p:graphicFrame>
+      <p:pic>
+        <p:nvPicPr>
+          <p:cNvPr id="3" name="Picture 2"/>
+          <p:cNvPicPr>
+            <a:picLocks noChangeAspect="1"/>
+          </p:cNvPicPr>
+          <p:nvPr/>
+        </p:nvPicPr>
+        <p:blipFill>
+          <a:blip r:embed="rId3">
+            <a:extLst>
+              <a:ext uri="{28A0092B-C50C-407E-A947-70E740481C1C}">
+                <a14:useLocalDpi xmlns:a14="http://schemas.microsoft.com/office/drawing/2010/main" val="0"/>
+              </a:ext>
+            </a:extLst>
+          </a:blip>
+          <a:stretch>
+            <a:fillRect/>
+          </a:stretch>
+        </p:blipFill>
+        <p:spPr>
+          <a:xfrm>
+            <a:off x="431631" y="1484578"/>
+            <a:ext cx="11323976" cy="3270025"/>
+          </a:xfrm>
+          <a:prstGeom prst="rect">
+            <a:avLst/>
+          </a:prstGeom>
+        </p:spPr>
+      </p:pic>
+    </p:spTree>
+    <p:extLst>
+      <p:ext uri="{BB962C8B-B14F-4D97-AF65-F5344CB8AC3E}">
+        <p14:creationId xmlns:p14="http://schemas.microsoft.com/office/powerpoint/2010/main" val="1921441014"/>
+      </p:ext>
+    </p:extLst>
+  </p:cSld>
+  <p:clrMapOvr>
+    <a:masterClrMapping/>
+  </p:clrMapOvr>
+  <p:transition>
+    <p:fade/>
+  </p:transition>
+  <p:timing>
+    <p:tnLst>
+      <p:par>
+        <p:cTn id="1" dur="indefinite" restart="never" nodeType="tmRoot"/>
+      </p:par>
+    </p:tnLst>
+  </p:timing>
+</p:sld>
+</file>
+
+<file path=ppt/slides/slide9.xml><?xml version="1.0" encoding="utf-8"?>
+<p:sld xmlns:a="http://schemas.openxmlformats.org/drawingml/2006/main" xmlns:r="http://schemas.openxmlformats.org/officeDocument/2006/relationships" xmlns:p="http://schemas.openxmlformats.org/presentationml/2006/main">
+  <p:cSld>
+    <p:spTree>
+      <p:nvGrpSpPr>
+        <p:cNvPr id="1" name=""/>
+        <p:cNvGrpSpPr/>
+        <p:nvPr/>
+      </p:nvGrpSpPr>
+      <p:grpSpPr>
+        <a:xfrm>
+          <a:off x="0" y="0"/>
+          <a:ext cx="0" cy="0"/>
+          <a:chOff x="0" y="0"/>
+          <a:chExt cx="0" cy="0"/>
+        </a:xfrm>
+      </p:grpSpPr>
+      <p:sp>
+        <p:nvSpPr>
           <p:cNvPr id="2" name="Titel 1"/>
           <p:cNvSpPr>
             <a:spLocks noGrp="1"/>
@@ -6871,7 +9021,7 @@
           <a:p>
             <a:fld id="{6C6AE60A-B69C-4790-82F7-3882EDF23186}" type="slidenum">
               <a:rPr lang="de-DE" smtClean="0"/>
-              <a:t>7</a:t>
+              <a:t>9</a:t>
             </a:fld>
             <a:endParaRPr lang="de-DE"/>
           </a:p>

--- a/presentation/vortrag_matlab.pptx
+++ b/presentation/vortrag_matlab.pptx
@@ -12,10 +12,10 @@
     <p:sldId id="266" r:id="rId3"/>
     <p:sldId id="268" r:id="rId4"/>
     <p:sldId id="269" r:id="rId5"/>
-    <p:sldId id="289" r:id="rId6"/>
-    <p:sldId id="290" r:id="rId7"/>
-    <p:sldId id="291" r:id="rId8"/>
-    <p:sldId id="292" r:id="rId9"/>
+    <p:sldId id="293" r:id="rId6"/>
+    <p:sldId id="291" r:id="rId7"/>
+    <p:sldId id="292" r:id="rId8"/>
+    <p:sldId id="289" r:id="rId9"/>
     <p:sldId id="288" r:id="rId10"/>
   </p:sldIdLst>
   <p:sldSz cx="12187238" cy="6858000"/>
@@ -845,84 +845,6 @@
           <a:bodyPr/>
           <a:lstStyle/>
           <a:p>
-            <a:r>
-              <a:rPr lang="en-GB" dirty="0" smtClean="0"/>
-              <a:t>Replacement of cards</a:t>
-            </a:r>
-            <a:r>
-              <a:rPr lang="en-GB" baseline="0" dirty="0" smtClean="0"/>
-              <a:t> in order to </a:t>
-            </a:r>
-            <a:r>
-              <a:rPr lang="en-GB" baseline="0" dirty="0" err="1" smtClean="0"/>
-              <a:t>simplyfy</a:t>
-            </a:r>
-            <a:r>
-              <a:rPr lang="en-GB" baseline="0" dirty="0" smtClean="0"/>
-              <a:t> code and shorten </a:t>
-            </a:r>
-            <a:r>
-              <a:rPr lang="en-GB" baseline="0" dirty="0" err="1" smtClean="0"/>
-              <a:t>computaional</a:t>
-            </a:r>
-            <a:r>
-              <a:rPr lang="en-GB" baseline="0" dirty="0" smtClean="0"/>
-              <a:t> time</a:t>
-            </a:r>
-          </a:p>
-          <a:p>
-            <a:pPr marL="0" marR="0" lvl="1" indent="0" algn="l" defTabSz="914400" rtl="0" eaLnBrk="1" fontAlgn="auto" latinLnBrk="0" hangingPunct="1">
-              <a:lnSpc>
-                <a:spcPct val="100000"/>
-              </a:lnSpc>
-              <a:spcBef>
-                <a:spcPts val="0"/>
-              </a:spcBef>
-              <a:spcAft>
-                <a:spcPts val="0"/>
-              </a:spcAft>
-              <a:buClrTx/>
-              <a:buSzTx/>
-              <a:buFontTx/>
-              <a:buNone/>
-              <a:tabLst/>
-              <a:defRPr/>
-            </a:pPr>
-            <a:r>
-              <a:rPr lang="de-CH" dirty="0" smtClean="0"/>
-              <a:t>vs. Real </a:t>
-            </a:r>
-            <a:r>
-              <a:rPr lang="de-CH" dirty="0" err="1" smtClean="0"/>
-              <a:t>poker</a:t>
-            </a:r>
-            <a:r>
-              <a:rPr lang="de-CH" dirty="0" smtClean="0"/>
-              <a:t> same </a:t>
-            </a:r>
-            <a:r>
-              <a:rPr lang="de-CH" dirty="0" err="1" smtClean="0"/>
-              <a:t>cards</a:t>
-            </a:r>
-            <a:r>
-              <a:rPr lang="de-CH" dirty="0" smtClean="0"/>
-              <a:t> </a:t>
-            </a:r>
-            <a:r>
-              <a:rPr lang="de-CH" dirty="0" err="1" smtClean="0"/>
-              <a:t>for</a:t>
-            </a:r>
-            <a:r>
-              <a:rPr lang="de-CH" dirty="0" smtClean="0"/>
-              <a:t> </a:t>
-            </a:r>
-            <a:r>
-              <a:rPr lang="de-CH" dirty="0" err="1" smtClean="0"/>
-              <a:t>everyone</a:t>
-            </a:r>
-            <a:endParaRPr lang="de-CH" dirty="0" smtClean="0"/>
-          </a:p>
-          <a:p>
             <a:endParaRPr lang="en-GB" dirty="0"/>
           </a:p>
         </p:txBody>
@@ -953,7 +875,7 @@
     </p:spTree>
     <p:extLst>
       <p:ext uri="{BB962C8B-B14F-4D97-AF65-F5344CB8AC3E}">
-        <p14:creationId xmlns:p14="http://schemas.microsoft.com/office/powerpoint/2010/main" val="1658332789"/>
+        <p14:creationId xmlns:p14="http://schemas.microsoft.com/office/powerpoint/2010/main" val="648407944"/>
       </p:ext>
     </p:extLst>
   </p:cSld>
@@ -1007,6 +929,14 @@
           <a:bodyPr/>
           <a:lstStyle/>
           <a:p>
+            <a:r>
+              <a:rPr lang="en-GB" dirty="0" smtClean="0"/>
+              <a:t>Overview of learning</a:t>
+            </a:r>
+            <a:r>
+              <a:rPr lang="en-GB" baseline="0" dirty="0" smtClean="0"/>
+              <a:t> methods implemented</a:t>
+            </a:r>
             <a:endParaRPr lang="en-GB" dirty="0"/>
           </a:p>
         </p:txBody>
@@ -1037,7 +967,7 @@
     </p:spTree>
     <p:extLst>
       <p:ext uri="{BB962C8B-B14F-4D97-AF65-F5344CB8AC3E}">
-        <p14:creationId xmlns:p14="http://schemas.microsoft.com/office/powerpoint/2010/main" val="1384531792"/>
+        <p14:creationId xmlns:p14="http://schemas.microsoft.com/office/powerpoint/2010/main" val="861944347"/>
       </p:ext>
     </p:extLst>
   </p:cSld>
@@ -1091,14 +1021,6 @@
           <a:bodyPr/>
           <a:lstStyle/>
           <a:p>
-            <a:r>
-              <a:rPr lang="en-GB" dirty="0" smtClean="0"/>
-              <a:t>Overview of learning</a:t>
-            </a:r>
-            <a:r>
-              <a:rPr lang="en-GB" baseline="0" dirty="0" smtClean="0"/>
-              <a:t> methods implemented</a:t>
-            </a:r>
             <a:endParaRPr lang="en-GB" dirty="0"/>
           </a:p>
         </p:txBody>
@@ -1129,7 +1051,7 @@
     </p:spTree>
     <p:extLst>
       <p:ext uri="{BB962C8B-B14F-4D97-AF65-F5344CB8AC3E}">
-        <p14:creationId xmlns:p14="http://schemas.microsoft.com/office/powerpoint/2010/main" val="861944347"/>
+        <p14:creationId xmlns:p14="http://schemas.microsoft.com/office/powerpoint/2010/main" val="1947522359"/>
       </p:ext>
     </p:extLst>
   </p:cSld>
@@ -1183,6 +1105,84 @@
           <a:bodyPr/>
           <a:lstStyle/>
           <a:p>
+            <a:r>
+              <a:rPr lang="en-GB" dirty="0" smtClean="0"/>
+              <a:t>Replacement of cards</a:t>
+            </a:r>
+            <a:r>
+              <a:rPr lang="en-GB" baseline="0" dirty="0" smtClean="0"/>
+              <a:t> in order to </a:t>
+            </a:r>
+            <a:r>
+              <a:rPr lang="en-GB" baseline="0" dirty="0" err="1" smtClean="0"/>
+              <a:t>simplyfy</a:t>
+            </a:r>
+            <a:r>
+              <a:rPr lang="en-GB" baseline="0" dirty="0" smtClean="0"/>
+              <a:t> code and shorten </a:t>
+            </a:r>
+            <a:r>
+              <a:rPr lang="en-GB" baseline="0" dirty="0" err="1" smtClean="0"/>
+              <a:t>computaional</a:t>
+            </a:r>
+            <a:r>
+              <a:rPr lang="en-GB" baseline="0" dirty="0" smtClean="0"/>
+              <a:t> time</a:t>
+            </a:r>
+          </a:p>
+          <a:p>
+            <a:pPr marL="0" marR="0" lvl="1" indent="0" algn="l" defTabSz="914400" rtl="0" eaLnBrk="1" fontAlgn="auto" latinLnBrk="0" hangingPunct="1">
+              <a:lnSpc>
+                <a:spcPct val="100000"/>
+              </a:lnSpc>
+              <a:spcBef>
+                <a:spcPts val="0"/>
+              </a:spcBef>
+              <a:spcAft>
+                <a:spcPts val="0"/>
+              </a:spcAft>
+              <a:buClrTx/>
+              <a:buSzTx/>
+              <a:buFontTx/>
+              <a:buNone/>
+              <a:tabLst/>
+              <a:defRPr/>
+            </a:pPr>
+            <a:r>
+              <a:rPr lang="de-CH" dirty="0" smtClean="0"/>
+              <a:t>vs. Real </a:t>
+            </a:r>
+            <a:r>
+              <a:rPr lang="de-CH" dirty="0" err="1" smtClean="0"/>
+              <a:t>poker</a:t>
+            </a:r>
+            <a:r>
+              <a:rPr lang="de-CH" dirty="0" smtClean="0"/>
+              <a:t> same </a:t>
+            </a:r>
+            <a:r>
+              <a:rPr lang="de-CH" dirty="0" err="1" smtClean="0"/>
+              <a:t>cards</a:t>
+            </a:r>
+            <a:r>
+              <a:rPr lang="de-CH" dirty="0" smtClean="0"/>
+              <a:t> </a:t>
+            </a:r>
+            <a:r>
+              <a:rPr lang="de-CH" dirty="0" err="1" smtClean="0"/>
+              <a:t>for</a:t>
+            </a:r>
+            <a:r>
+              <a:rPr lang="de-CH" dirty="0" smtClean="0"/>
+              <a:t> </a:t>
+            </a:r>
+            <a:r>
+              <a:rPr lang="de-CH" dirty="0" err="1" smtClean="0"/>
+              <a:t>everyone</a:t>
+            </a:r>
+            <a:endParaRPr lang="de-CH" dirty="0" smtClean="0"/>
+          </a:p>
+          <a:p>
             <a:endParaRPr lang="en-GB" dirty="0"/>
           </a:p>
         </p:txBody>
@@ -1213,7 +1213,7 @@
     </p:spTree>
     <p:extLst>
       <p:ext uri="{BB962C8B-B14F-4D97-AF65-F5344CB8AC3E}">
-        <p14:creationId xmlns:p14="http://schemas.microsoft.com/office/powerpoint/2010/main" val="1947522359"/>
+        <p14:creationId xmlns:p14="http://schemas.microsoft.com/office/powerpoint/2010/main" val="1658332789"/>
       </p:ext>
     </p:extLst>
   </p:cSld>
@@ -6317,133 +6317,6 @@
       </p:grpSpPr>
       <p:sp>
         <p:nvSpPr>
-          <p:cNvPr id="2" name="Inhaltsplatzhalter 1"/>
-          <p:cNvSpPr>
-            <a:spLocks noGrp="1"/>
-          </p:cNvSpPr>
-          <p:nvPr>
-            <p:ph sz="half" idx="1"/>
-          </p:nvPr>
-        </p:nvSpPr>
-        <p:spPr>
-          <a:xfrm>
-            <a:off x="431631" y="2024064"/>
-            <a:ext cx="11323975" cy="4213225"/>
-          </a:xfrm>
-        </p:spPr>
-        <p:txBody>
-          <a:bodyPr/>
-          <a:lstStyle/>
-          <a:p>
-            <a:pPr lvl="1"/>
-            <a:r>
-              <a:rPr lang="en-GB" sz="2200" dirty="0" smtClean="0"/>
-              <a:t>Optimised capital-bet-ratio</a:t>
-            </a:r>
-          </a:p>
-          <a:p>
-            <a:pPr lvl="1"/>
-            <a:endParaRPr lang="en-GB" sz="2200" dirty="0"/>
-          </a:p>
-          <a:p>
-            <a:pPr lvl="1"/>
-            <a:r>
-              <a:rPr lang="en-GB" sz="2200" dirty="0"/>
-              <a:t>Player’s options ’’check’’ and ‘’bluff</a:t>
-            </a:r>
-            <a:r>
-              <a:rPr lang="en-GB" sz="2200" dirty="0" smtClean="0"/>
-              <a:t>’’</a:t>
-            </a:r>
-          </a:p>
-          <a:p>
-            <a:pPr lvl="1"/>
-            <a:endParaRPr lang="en-GB" sz="2200" dirty="0" smtClean="0"/>
-          </a:p>
-          <a:p>
-            <a:pPr lvl="1"/>
-            <a:r>
-              <a:rPr lang="en-GB" sz="2200" dirty="0" smtClean="0"/>
-              <a:t>Increasing </a:t>
-            </a:r>
-            <a:r>
-              <a:rPr lang="en-GB" sz="2200" dirty="0"/>
-              <a:t>bet over </a:t>
-            </a:r>
-            <a:r>
-              <a:rPr lang="en-GB" sz="2200" dirty="0" smtClean="0"/>
-              <a:t>time</a:t>
-            </a:r>
-          </a:p>
-          <a:p>
-            <a:pPr lvl="1"/>
-            <a:endParaRPr lang="en-GB" sz="2200" dirty="0" smtClean="0"/>
-          </a:p>
-          <a:p>
-            <a:pPr lvl="1"/>
-            <a:r>
-              <a:rPr lang="en-GB" sz="2200" dirty="0" smtClean="0"/>
-              <a:t>Varying bet sizes</a:t>
-            </a:r>
-          </a:p>
-          <a:p>
-            <a:pPr lvl="1"/>
-            <a:endParaRPr lang="en-GB" sz="2200" dirty="0" smtClean="0"/>
-          </a:p>
-          <a:p>
-            <a:pPr lvl="1"/>
-            <a:r>
-              <a:rPr lang="en-GB" sz="2200" dirty="0" smtClean="0"/>
-              <a:t>More than two players</a:t>
-            </a:r>
-          </a:p>
-          <a:p>
-            <a:pPr lvl="1"/>
-            <a:endParaRPr lang="en-GB" sz="2200" dirty="0" smtClean="0"/>
-          </a:p>
-          <a:p>
-            <a:pPr lvl="1"/>
-            <a:r>
-              <a:rPr lang="en-GB" sz="2200" dirty="0" smtClean="0"/>
-              <a:t>Real cards</a:t>
-            </a:r>
-          </a:p>
-          <a:p>
-            <a:pPr lvl="1"/>
-            <a:endParaRPr lang="en-GB" sz="2200" dirty="0" smtClean="0"/>
-          </a:p>
-          <a:p>
-            <a:pPr lvl="1"/>
-            <a:endParaRPr lang="en-GB" sz="2200" dirty="0" smtClean="0"/>
-          </a:p>
-        </p:txBody>
-      </p:sp>
-      <p:sp>
-        <p:nvSpPr>
-          <p:cNvPr id="3" name="Inhaltsplatzhalter 2"/>
-          <p:cNvSpPr>
-            <a:spLocks noGrp="1"/>
-          </p:cNvSpPr>
-          <p:nvPr>
-            <p:ph sz="half" idx="2"/>
-          </p:nvPr>
-        </p:nvSpPr>
-        <p:spPr>
-          <a:xfrm>
-            <a:off x="6285565" y="6023113"/>
-            <a:ext cx="5470041" cy="214176"/>
-          </a:xfrm>
-        </p:spPr>
-        <p:txBody>
-          <a:bodyPr/>
-          <a:lstStyle/>
-          <a:p>
-            <a:endParaRPr lang="en-GB" dirty="0"/>
-          </a:p>
-        </p:txBody>
-      </p:sp>
-      <p:sp>
-        <p:nvSpPr>
           <p:cNvPr id="4" name="Datumsplatzhalter 3"/>
           <p:cNvSpPr>
             <a:spLocks noGrp="1"/>
@@ -6533,14 +6406,19 @@
             <p:ph type="title"/>
           </p:nvPr>
         </p:nvSpPr>
-        <p:spPr/>
+        <p:spPr>
+          <a:xfrm>
+            <a:off x="431632" y="620714"/>
+            <a:ext cx="11323975" cy="743391"/>
+          </a:xfrm>
+        </p:spPr>
         <p:txBody>
           <a:bodyPr/>
           <a:lstStyle/>
           <a:p>
             <a:r>
               <a:rPr lang="en-GB" dirty="0" smtClean="0"/>
-              <a:t>Outlook</a:t>
+              <a:t>Results and interpretation of Generic Model</a:t>
             </a:r>
             <a:endParaRPr lang="en-GB" dirty="0"/>
           </a:p>
@@ -6668,10 +6546,149 @@
           </a:p>
         </p:txBody>
       </p:sp>
+      <p:sp>
+        <p:nvSpPr>
+          <p:cNvPr id="2" name="Inhaltsplatzhalter 1"/>
+          <p:cNvSpPr>
+            <a:spLocks noGrp="1"/>
+          </p:cNvSpPr>
+          <p:nvPr>
+            <p:ph sz="half" idx="2"/>
+          </p:nvPr>
+        </p:nvSpPr>
+        <p:spPr>
+          <a:xfrm>
+            <a:off x="6285565" y="2024065"/>
+            <a:ext cx="5470041" cy="794086"/>
+          </a:xfrm>
+        </p:spPr>
+        <p:txBody>
+          <a:bodyPr/>
+          <a:lstStyle/>
+          <a:p>
+            <a:r>
+              <a:rPr lang="en-GB" dirty="0" smtClean="0"/>
+              <a:t>A very</a:t>
+            </a:r>
+            <a:r>
+              <a:rPr lang="de-CH" dirty="0" smtClean="0"/>
+              <a:t> </a:t>
+            </a:r>
+            <a:r>
+              <a:rPr lang="en-GB" dirty="0" smtClean="0"/>
+              <a:t>passive strategy (r &gt; 0.63)  is only successful against even more passive players</a:t>
+            </a:r>
+            <a:endParaRPr lang="de-CH" dirty="0"/>
+          </a:p>
+        </p:txBody>
+      </p:sp>
+      <p:sp>
+        <p:nvSpPr>
+          <p:cNvPr id="13" name="Inhaltsplatzhalter 1"/>
+          <p:cNvSpPr>
+            <a:spLocks noGrp="1"/>
+          </p:cNvSpPr>
+          <p:nvPr>
+            <p:ph sz="half" idx="2"/>
+          </p:nvPr>
+        </p:nvSpPr>
+        <p:spPr>
+          <a:xfrm>
+            <a:off x="6285565" y="3480609"/>
+            <a:ext cx="5470041" cy="1151351"/>
+          </a:xfrm>
+        </p:spPr>
+        <p:txBody>
+          <a:bodyPr/>
+          <a:lstStyle/>
+          <a:p>
+            <a:r>
+              <a:rPr lang="en-GB" dirty="0" smtClean="0"/>
+              <a:t>An aggressive strategy ( r &lt; 0.5) performed better against more aggressive players</a:t>
+            </a:r>
+            <a:endParaRPr lang="de-CH" dirty="0"/>
+          </a:p>
+        </p:txBody>
+      </p:sp>
+      <p:pic>
+        <p:nvPicPr>
+          <p:cNvPr id="1026" name="Picture 2" descr="C:\Users\Patrice\ETHZ\Maschieneningenieurwissenschaften\Matlab\ResultGenModel.jpg"/>
+          <p:cNvPicPr>
+            <a:picLocks noChangeAspect="1" noChangeArrowheads="1"/>
+          </p:cNvPicPr>
+          <p:nvPr/>
+        </p:nvPicPr>
+        <p:blipFill>
+          <a:blip r:embed="rId3">
+            <a:extLst>
+              <a:ext uri="{28A0092B-C50C-407E-A947-70E740481C1C}">
+                <a14:useLocalDpi xmlns:a14="http://schemas.microsoft.com/office/drawing/2010/main" val="0"/>
+              </a:ext>
+            </a:extLst>
+          </a:blip>
+          <a:srcRect/>
+          <a:stretch>
+            <a:fillRect/>
+          </a:stretch>
+        </p:blipFill>
+        <p:spPr bwMode="auto">
+          <a:xfrm>
+            <a:off x="592269" y="1481554"/>
+            <a:ext cx="5349546" cy="4755736"/>
+          </a:xfrm>
+          <a:prstGeom prst="rect">
+            <a:avLst/>
+          </a:prstGeom>
+          <a:noFill/>
+          <a:extLst>
+            <a:ext uri="{909E8E84-426E-40DD-AFC4-6F175D3DCCD1}">
+              <a14:hiddenFill xmlns:a14="http://schemas.microsoft.com/office/drawing/2010/main">
+                <a:solidFill>
+                  <a:srgbClr val="FFFFFF"/>
+                </a:solidFill>
+              </a14:hiddenFill>
+            </a:ext>
+          </a:extLst>
+        </p:spPr>
+      </p:pic>
+      <p:sp>
+        <p:nvSpPr>
+          <p:cNvPr id="16" name="Inhaltsplatzhalter 1"/>
+          <p:cNvSpPr>
+            <a:spLocks noGrp="1"/>
+          </p:cNvSpPr>
+          <p:nvPr>
+            <p:ph sz="half" idx="2"/>
+          </p:nvPr>
+        </p:nvSpPr>
+        <p:spPr>
+          <a:xfrm>
+            <a:off x="6285565" y="4858383"/>
+            <a:ext cx="5470041" cy="1151351"/>
+          </a:xfrm>
+        </p:spPr>
+        <p:txBody>
+          <a:bodyPr/>
+          <a:lstStyle/>
+          <a:p>
+            <a:r>
+              <a:rPr lang="en-GB" dirty="0" smtClean="0"/>
+              <a:t>Transition period in-between</a:t>
+            </a:r>
+          </a:p>
+          <a:p>
+            <a:pPr lvl="1"/>
+            <a:r>
+              <a:rPr lang="en-GB" dirty="0" smtClean="0"/>
+              <a:t>Change of successful Strategy occurs </a:t>
+            </a:r>
+          </a:p>
+        </p:txBody>
+      </p:sp>
     </p:spTree>
     <p:extLst>
       <p:ext uri="{BB962C8B-B14F-4D97-AF65-F5344CB8AC3E}">
-        <p14:creationId xmlns:p14="http://schemas.microsoft.com/office/powerpoint/2010/main" val="1900596781"/>
+        <p14:creationId xmlns:p14="http://schemas.microsoft.com/office/powerpoint/2010/main" val="2056931050"/>
       </p:ext>
     </p:extLst>
   </p:cSld>
@@ -6710,6 +6727,240 @@
       </p:grpSpPr>
       <p:sp>
         <p:nvSpPr>
+          <p:cNvPr id="2" name="Inhaltsplatzhalter 1"/>
+          <p:cNvSpPr>
+            <a:spLocks noGrp="1"/>
+          </p:cNvSpPr>
+          <p:nvPr>
+            <p:ph sz="half" idx="1"/>
+          </p:nvPr>
+        </p:nvSpPr>
+        <p:spPr>
+          <a:xfrm>
+            <a:off x="431631" y="1990162"/>
+            <a:ext cx="3506978" cy="4213225"/>
+          </a:xfrm>
+        </p:spPr>
+        <p:style>
+          <a:lnRef idx="2">
+            <a:schemeClr val="accent6"/>
+          </a:lnRef>
+          <a:fillRef idx="1">
+            <a:schemeClr val="lt1"/>
+          </a:fillRef>
+          <a:effectRef idx="0">
+            <a:schemeClr val="accent6"/>
+          </a:effectRef>
+          <a:fontRef idx="minor">
+            <a:schemeClr val="dk1"/>
+          </a:fontRef>
+        </p:style>
+        <p:txBody>
+          <a:bodyPr/>
+          <a:lstStyle/>
+          <a:p>
+            <a:pPr marL="0" marR="0" lvl="2" indent="0" algn="ctr" defTabSz="914400" eaLnBrk="1" fontAlgn="auto" latinLnBrk="0" hangingPunct="1">
+              <a:lnSpc>
+                <a:spcPct val="100000"/>
+              </a:lnSpc>
+              <a:spcBef>
+                <a:spcPts val="0"/>
+              </a:spcBef>
+              <a:spcAft>
+                <a:spcPts val="0"/>
+              </a:spcAft>
+              <a:buSzTx/>
+              <a:buFontTx/>
+              <a:buNone/>
+              <a:tabLst/>
+              <a:defRPr/>
+            </a:pPr>
+            <a:r>
+              <a:rPr lang="en-GB" sz="2200" u="sng" dirty="0" smtClean="0">
+                <a:solidFill>
+                  <a:schemeClr val="tx1"/>
+                </a:solidFill>
+              </a:rPr>
+              <a:t>Iteration model</a:t>
+            </a:r>
+          </a:p>
+          <a:p>
+            <a:pPr marL="0" marR="0" lvl="2" indent="0" algn="ctr" defTabSz="914400" eaLnBrk="1" fontAlgn="auto" latinLnBrk="0" hangingPunct="1">
+              <a:lnSpc>
+                <a:spcPct val="100000"/>
+              </a:lnSpc>
+              <a:spcBef>
+                <a:spcPts val="0"/>
+              </a:spcBef>
+              <a:spcAft>
+                <a:spcPts val="0"/>
+              </a:spcAft>
+              <a:buSzTx/>
+              <a:buFontTx/>
+              <a:buNone/>
+              <a:tabLst/>
+              <a:defRPr/>
+            </a:pPr>
+            <a:endParaRPr lang="en-GB" sz="2200" u="sng" dirty="0">
+              <a:solidFill>
+                <a:schemeClr val="tx1"/>
+              </a:solidFill>
+            </a:endParaRPr>
+          </a:p>
+          <a:p>
+            <a:pPr marL="342900" marR="0" lvl="2" indent="-342900" defTabSz="914400" eaLnBrk="1" fontAlgn="auto" latinLnBrk="0" hangingPunct="1">
+              <a:lnSpc>
+                <a:spcPct val="100000"/>
+              </a:lnSpc>
+              <a:spcBef>
+                <a:spcPts val="0"/>
+              </a:spcBef>
+              <a:spcAft>
+                <a:spcPts val="0"/>
+              </a:spcAft>
+              <a:buSzTx/>
+              <a:buFont typeface="Wingdings" charset="2"/>
+              <a:buChar char="§"/>
+              <a:tabLst/>
+              <a:defRPr/>
+            </a:pPr>
+            <a:r>
+              <a:rPr lang="en-GB" sz="2200" dirty="0" smtClean="0">
+                <a:solidFill>
+                  <a:schemeClr val="tx1"/>
+                </a:solidFill>
+              </a:rPr>
+              <a:t>evaluate own former performance</a:t>
+            </a:r>
+          </a:p>
+          <a:p>
+            <a:pPr marL="342900" marR="0" lvl="2" indent="-342900" defTabSz="914400" eaLnBrk="1" fontAlgn="auto" latinLnBrk="0" hangingPunct="1">
+              <a:lnSpc>
+                <a:spcPct val="100000"/>
+              </a:lnSpc>
+              <a:spcBef>
+                <a:spcPts val="0"/>
+              </a:spcBef>
+              <a:spcAft>
+                <a:spcPts val="0"/>
+              </a:spcAft>
+              <a:buSzTx/>
+              <a:buFont typeface="Wingdings" charset="2"/>
+              <a:buChar char="§"/>
+              <a:tabLst/>
+              <a:defRPr/>
+            </a:pPr>
+            <a:r>
+              <a:rPr lang="en-GB" sz="2200" dirty="0">
+                <a:solidFill>
+                  <a:schemeClr val="tx1"/>
+                </a:solidFill>
+              </a:rPr>
+              <a:t>a</a:t>
+            </a:r>
+            <a:r>
+              <a:rPr lang="en-GB" sz="2200" dirty="0" smtClean="0">
+                <a:solidFill>
+                  <a:schemeClr val="tx1"/>
+                </a:solidFill>
+              </a:rPr>
+              <a:t>dapt own risk factor</a:t>
+            </a:r>
+          </a:p>
+          <a:p>
+            <a:pPr marL="342900" marR="0" lvl="2" indent="-342900" defTabSz="914400" eaLnBrk="1" fontAlgn="auto" latinLnBrk="0" hangingPunct="1">
+              <a:lnSpc>
+                <a:spcPct val="100000"/>
+              </a:lnSpc>
+              <a:spcBef>
+                <a:spcPts val="0"/>
+              </a:spcBef>
+              <a:spcAft>
+                <a:spcPts val="0"/>
+              </a:spcAft>
+              <a:buSzTx/>
+              <a:buFont typeface="Wingdings" charset="2"/>
+              <a:buChar char="§"/>
+              <a:tabLst/>
+              <a:defRPr/>
+            </a:pPr>
+            <a:endParaRPr lang="en-GB" sz="2200" dirty="0" smtClean="0">
+              <a:solidFill>
+                <a:schemeClr val="tx1"/>
+              </a:solidFill>
+            </a:endParaRPr>
+          </a:p>
+          <a:p>
+            <a:pPr marL="527050" lvl="3" indent="-342900">
+              <a:spcBef>
+                <a:spcPts val="0"/>
+              </a:spcBef>
+              <a:buFont typeface="Wingdings" charset="2"/>
+              <a:buChar char="§"/>
+            </a:pPr>
+            <a:r>
+              <a:rPr lang="en-GB" sz="2000" dirty="0" smtClean="0">
+                <a:solidFill>
+                  <a:schemeClr val="tx1"/>
+                </a:solidFill>
+              </a:rPr>
+              <a:t>Win: stay</a:t>
+            </a:r>
+          </a:p>
+          <a:p>
+            <a:pPr marL="527050" lvl="3" indent="-342900">
+              <a:spcBef>
+                <a:spcPts val="0"/>
+              </a:spcBef>
+              <a:buFont typeface="Wingdings" charset="2"/>
+              <a:buChar char="§"/>
+            </a:pPr>
+            <a:r>
+              <a:rPr lang="en-GB" sz="2000" dirty="0" smtClean="0">
+                <a:solidFill>
+                  <a:schemeClr val="tx1"/>
+                </a:solidFill>
+              </a:rPr>
+              <a:t>Loss: diminish </a:t>
+            </a:r>
+            <a:r>
+              <a:rPr lang="en-GB" sz="2000" dirty="0" err="1" smtClean="0">
+                <a:solidFill>
+                  <a:schemeClr val="tx1"/>
+                </a:solidFill>
+              </a:rPr>
+              <a:t>ris</a:t>
+            </a:r>
+            <a:r>
+              <a:rPr lang="en-GB" sz="2000" dirty="0" smtClean="0">
+                <a:solidFill>
+                  <a:schemeClr val="tx1"/>
+                </a:solidFill>
+              </a:rPr>
+              <a:t> factor</a:t>
+            </a:r>
+          </a:p>
+          <a:p>
+            <a:pPr marL="527050" lvl="3" indent="-342900">
+              <a:spcBef>
+                <a:spcPts val="0"/>
+              </a:spcBef>
+              <a:buFont typeface="Wingdings" charset="2"/>
+              <a:buChar char="§"/>
+            </a:pPr>
+            <a:r>
+              <a:rPr lang="en-GB" sz="2000" dirty="0" smtClean="0">
+                <a:solidFill>
+                  <a:schemeClr val="tx1"/>
+                </a:solidFill>
+              </a:rPr>
+              <a:t>Drop out: increase risk factor</a:t>
+            </a:r>
+          </a:p>
+        </p:txBody>
+      </p:sp>
+      <p:sp>
+        <p:nvSpPr>
           <p:cNvPr id="4" name="Datumsplatzhalter 3"/>
           <p:cNvSpPr>
             <a:spLocks noGrp="1"/>
@@ -6748,19 +6999,19 @@
           <a:p>
             <a:r>
               <a:rPr lang="de-CH" dirty="0"/>
-              <a:t>Tim Weber, Patrice Gobat, Lionel </a:t>
-            </a:r>
-            <a:r>
-              <a:rPr lang="de-CH" dirty="0" err="1"/>
-              <a:t>Gulich</a:t>
-            </a:r>
-            <a:r>
-              <a:rPr lang="de-CH" dirty="0"/>
-              <a:t>, Jan </a:t>
+              <a:t>Tim Weber , Jan </a:t>
             </a:r>
             <a:r>
               <a:rPr lang="de-CH" dirty="0" err="1"/>
               <a:t>Speckien</a:t>
+            </a:r>
+            <a:r>
+              <a:rPr lang="de-CH" dirty="0"/>
+              <a:t>, Patrice Gobat, Lionel </a:t>
+            </a:r>
+            <a:r>
+              <a:rPr lang="de-CH" dirty="0" err="1" smtClean="0"/>
+              <a:t>Gulich</a:t>
             </a:r>
             <a:endParaRPr lang="de-CH" dirty="0"/>
           </a:p>
@@ -6804,6 +7055,10 @@
           <a:bodyPr/>
           <a:lstStyle/>
           <a:p>
+            <a:r>
+              <a:rPr lang="en-GB" dirty="0" smtClean="0"/>
+              <a:t>Learning models overview</a:t>
+            </a:r>
             <a:endParaRPr lang="en-GB" dirty="0"/>
           </a:p>
         </p:txBody>
@@ -6871,18 +7126,18 @@
                   <a:sysClr val="windowText" lastClr="000000"/>
                 </a:solidFill>
               </a:rPr>
-              <a:t> Simulation </a:t>
-            </a:r>
-            <a:r>
-              <a:rPr lang="de-DE" sz="1600" dirty="0" err="1">
+              <a:t> </a:t>
+            </a:r>
+            <a:r>
+              <a:rPr lang="de-DE" sz="1600" dirty="0" err="1" smtClean="0">
                 <a:solidFill>
                   <a:sysClr val="windowText" lastClr="000000"/>
                 </a:solidFill>
               </a:rPr>
-              <a:t>of</a:t>
-            </a:r>
-            <a:r>
-              <a:rPr lang="de-DE" sz="1600" dirty="0">
+              <a:t>Simulating</a:t>
+            </a:r>
+            <a:r>
+              <a:rPr lang="de-DE" sz="1600" dirty="0" smtClean="0">
                 <a:solidFill>
                   <a:sysClr val="windowText" lastClr="000000"/>
                 </a:solidFill>
@@ -6930,39 +7185,367 @@
           </a:p>
         </p:txBody>
       </p:sp>
-      <p:pic>
-        <p:nvPicPr>
-          <p:cNvPr id="10" name="Content Placeholder 9"/>
-          <p:cNvPicPr>
-            <a:picLocks noGrp="1" noChangeAspect="1"/>
-          </p:cNvPicPr>
-          <p:nvPr>
-            <p:ph sz="half" idx="2"/>
-          </p:nvPr>
-        </p:nvPicPr>
-        <p:blipFill>
-          <a:blip r:embed="rId3">
-            <a:extLst>
-              <a:ext uri="{28A0092B-C50C-407E-A947-70E740481C1C}">
-                <a14:useLocalDpi xmlns:a14="http://schemas.microsoft.com/office/drawing/2010/main" val="0"/>
-              </a:ext>
-            </a:extLst>
-          </a:blip>
-          <a:stretch>
-            <a:fillRect/>
-          </a:stretch>
-        </p:blipFill>
+      <p:sp>
+        <p:nvSpPr>
+          <p:cNvPr id="9" name="Inhaltsplatzhalter 1"/>
+          <p:cNvSpPr>
+            <a:spLocks noGrp="1"/>
+          </p:cNvSpPr>
+          <p:nvPr>
+            <p:ph sz="half" idx="1"/>
+          </p:nvPr>
+        </p:nvSpPr>
         <p:spPr>
           <a:xfrm>
-            <a:off x="3441185" y="1106714"/>
-            <a:ext cx="5304868" cy="4720041"/>
+            <a:off x="4412291" y="1947949"/>
+            <a:ext cx="3320353" cy="2604174"/>
           </a:xfrm>
         </p:spPr>
-      </p:pic>
+        <p:style>
+          <a:lnRef idx="2">
+            <a:schemeClr val="accent6"/>
+          </a:lnRef>
+          <a:fillRef idx="1">
+            <a:schemeClr val="lt1"/>
+          </a:fillRef>
+          <a:effectRef idx="0">
+            <a:schemeClr val="accent6"/>
+          </a:effectRef>
+          <a:fontRef idx="minor">
+            <a:schemeClr val="dk1"/>
+          </a:fontRef>
+        </p:style>
+        <p:txBody>
+          <a:bodyPr/>
+          <a:lstStyle/>
+          <a:p>
+            <a:pPr marL="0" marR="0" lvl="2" indent="0" algn="ctr" defTabSz="914400" eaLnBrk="1" fontAlgn="auto" latinLnBrk="0" hangingPunct="1">
+              <a:lnSpc>
+                <a:spcPct val="100000"/>
+              </a:lnSpc>
+              <a:spcBef>
+                <a:spcPts val="0"/>
+              </a:spcBef>
+              <a:spcAft>
+                <a:spcPts val="0"/>
+              </a:spcAft>
+              <a:buSzTx/>
+              <a:buFontTx/>
+              <a:buNone/>
+              <a:tabLst/>
+              <a:defRPr/>
+            </a:pPr>
+            <a:r>
+              <a:rPr lang="en-GB" sz="2200" u="sng" dirty="0" smtClean="0">
+                <a:solidFill>
+                  <a:schemeClr val="tx1"/>
+                </a:solidFill>
+              </a:rPr>
+              <a:t>Count and Gauge model</a:t>
+            </a:r>
+          </a:p>
+          <a:p>
+            <a:pPr marL="0" marR="0" lvl="2" indent="0" algn="ctr" defTabSz="914400" eaLnBrk="1" fontAlgn="auto" latinLnBrk="0" hangingPunct="1">
+              <a:lnSpc>
+                <a:spcPct val="100000"/>
+              </a:lnSpc>
+              <a:spcBef>
+                <a:spcPts val="0"/>
+              </a:spcBef>
+              <a:spcAft>
+                <a:spcPts val="0"/>
+              </a:spcAft>
+              <a:buSzTx/>
+              <a:buFontTx/>
+              <a:buNone/>
+              <a:tabLst/>
+              <a:defRPr/>
+            </a:pPr>
+            <a:endParaRPr lang="en-GB" sz="2200" u="sng" dirty="0">
+              <a:solidFill>
+                <a:schemeClr val="tx1"/>
+              </a:solidFill>
+            </a:endParaRPr>
+          </a:p>
+          <a:p>
+            <a:pPr marL="342900" marR="0" lvl="2" indent="-342900" defTabSz="914400" eaLnBrk="1" fontAlgn="auto" latinLnBrk="0" hangingPunct="1">
+              <a:lnSpc>
+                <a:spcPct val="100000"/>
+              </a:lnSpc>
+              <a:spcBef>
+                <a:spcPts val="0"/>
+              </a:spcBef>
+              <a:spcAft>
+                <a:spcPts val="0"/>
+              </a:spcAft>
+              <a:buSzTx/>
+              <a:buFont typeface="Wingdings" charset="2"/>
+              <a:buChar char="§"/>
+              <a:tabLst/>
+              <a:defRPr/>
+            </a:pPr>
+            <a:r>
+              <a:rPr lang="en-GB" sz="2200" dirty="0" smtClean="0">
+                <a:solidFill>
+                  <a:schemeClr val="tx1"/>
+                </a:solidFill>
+              </a:rPr>
+              <a:t>evaluate opponents behaviour to find opponents risk factor</a:t>
+            </a:r>
+          </a:p>
+          <a:p>
+            <a:pPr marL="342900" marR="0" lvl="2" indent="-342900" defTabSz="914400" eaLnBrk="1" fontAlgn="auto" latinLnBrk="0" hangingPunct="1">
+              <a:lnSpc>
+                <a:spcPct val="100000"/>
+              </a:lnSpc>
+              <a:spcBef>
+                <a:spcPts val="0"/>
+              </a:spcBef>
+              <a:spcAft>
+                <a:spcPts val="0"/>
+              </a:spcAft>
+              <a:buSzTx/>
+              <a:buFont typeface="Wingdings" charset="2"/>
+              <a:buChar char="§"/>
+              <a:tabLst/>
+              <a:defRPr/>
+            </a:pPr>
+            <a:endParaRPr lang="en-GB" sz="2200" dirty="0" smtClean="0">
+              <a:solidFill>
+                <a:schemeClr val="tx1"/>
+              </a:solidFill>
+            </a:endParaRPr>
+          </a:p>
+          <a:p>
+            <a:pPr marL="527050" lvl="3" indent="-342900">
+              <a:spcBef>
+                <a:spcPts val="0"/>
+              </a:spcBef>
+              <a:buFont typeface="Wingdings" charset="2"/>
+              <a:buChar char="§"/>
+            </a:pPr>
+            <a:r>
+              <a:rPr lang="en-GB" sz="2000" dirty="0" smtClean="0">
+                <a:solidFill>
+                  <a:schemeClr val="tx1"/>
+                </a:solidFill>
+              </a:rPr>
+              <a:t>count amount of unforced initial plays</a:t>
+            </a:r>
+          </a:p>
+        </p:txBody>
+      </p:sp>
+      <p:sp>
+        <p:nvSpPr>
+          <p:cNvPr id="10" name="Inhaltsplatzhalter 1"/>
+          <p:cNvSpPr>
+            <a:spLocks noGrp="1"/>
+          </p:cNvSpPr>
+          <p:nvPr>
+            <p:ph sz="half" idx="1"/>
+          </p:nvPr>
+        </p:nvSpPr>
+        <p:spPr>
+          <a:xfrm>
+            <a:off x="8285838" y="1947950"/>
+            <a:ext cx="3469770" cy="2981860"/>
+          </a:xfrm>
+        </p:spPr>
+        <p:style>
+          <a:lnRef idx="2">
+            <a:schemeClr val="accent6"/>
+          </a:lnRef>
+          <a:fillRef idx="1">
+            <a:schemeClr val="lt1"/>
+          </a:fillRef>
+          <a:effectRef idx="0">
+            <a:schemeClr val="accent6"/>
+          </a:effectRef>
+          <a:fontRef idx="minor">
+            <a:schemeClr val="dk1"/>
+          </a:fontRef>
+        </p:style>
+        <p:txBody>
+          <a:bodyPr/>
+          <a:lstStyle/>
+          <a:p>
+            <a:pPr marL="0" marR="0" lvl="2" indent="0" algn="ctr" defTabSz="914400" eaLnBrk="1" fontAlgn="auto" latinLnBrk="0" hangingPunct="1">
+              <a:lnSpc>
+                <a:spcPct val="100000"/>
+              </a:lnSpc>
+              <a:spcBef>
+                <a:spcPts val="0"/>
+              </a:spcBef>
+              <a:spcAft>
+                <a:spcPts val="0"/>
+              </a:spcAft>
+              <a:buSzTx/>
+              <a:buFontTx/>
+              <a:buNone/>
+              <a:tabLst/>
+              <a:defRPr/>
+            </a:pPr>
+            <a:r>
+              <a:rPr lang="en-GB" sz="2200" u="sng" dirty="0" smtClean="0">
+                <a:solidFill>
+                  <a:schemeClr val="tx1"/>
+                </a:solidFill>
+              </a:rPr>
+              <a:t>Threshold model</a:t>
+            </a:r>
+          </a:p>
+          <a:p>
+            <a:pPr marL="0" marR="0" lvl="2" indent="0" defTabSz="914400" eaLnBrk="1" fontAlgn="auto" latinLnBrk="0" hangingPunct="1">
+              <a:lnSpc>
+                <a:spcPct val="100000"/>
+              </a:lnSpc>
+              <a:spcBef>
+                <a:spcPts val="0"/>
+              </a:spcBef>
+              <a:spcAft>
+                <a:spcPts val="0"/>
+              </a:spcAft>
+              <a:buSzTx/>
+              <a:buFontTx/>
+              <a:buNone/>
+              <a:tabLst/>
+              <a:defRPr/>
+            </a:pPr>
+            <a:endParaRPr lang="en-GB" sz="2200" dirty="0">
+              <a:solidFill>
+                <a:schemeClr val="tx1"/>
+              </a:solidFill>
+            </a:endParaRPr>
+          </a:p>
+          <a:p>
+            <a:pPr marL="342900" lvl="2" indent="-342900">
+              <a:spcBef>
+                <a:spcPts val="0"/>
+              </a:spcBef>
+            </a:pPr>
+            <a:r>
+              <a:rPr lang="en-GB" sz="2200" dirty="0" smtClean="0">
+                <a:solidFill>
+                  <a:schemeClr val="tx1"/>
+                </a:solidFill>
+              </a:rPr>
+              <a:t>evaluate showdown to find opponents risk factor</a:t>
+            </a:r>
+          </a:p>
+          <a:p>
+            <a:pPr marL="342900" lvl="2" indent="-342900">
+              <a:spcBef>
+                <a:spcPts val="0"/>
+              </a:spcBef>
+            </a:pPr>
+            <a:endParaRPr lang="en-GB" sz="2200" dirty="0">
+              <a:solidFill>
+                <a:schemeClr val="tx1"/>
+              </a:solidFill>
+            </a:endParaRPr>
+          </a:p>
+          <a:p>
+            <a:pPr marL="527050" lvl="3" indent="-342900">
+              <a:spcBef>
+                <a:spcPts val="0"/>
+              </a:spcBef>
+            </a:pPr>
+            <a:r>
+              <a:rPr lang="en-GB" sz="2000" dirty="0">
+                <a:solidFill>
+                  <a:schemeClr val="tx1"/>
+                </a:solidFill>
+              </a:rPr>
+              <a:t>s</a:t>
+            </a:r>
+            <a:r>
+              <a:rPr lang="en-GB" sz="2000" dirty="0" smtClean="0">
+                <a:solidFill>
+                  <a:schemeClr val="tx1"/>
+                </a:solidFill>
+              </a:rPr>
+              <a:t>et opponents card value as threshold for his risk factor</a:t>
+            </a:r>
+          </a:p>
+        </p:txBody>
+      </p:sp>
+      <p:sp>
+        <p:nvSpPr>
+          <p:cNvPr id="11" name="Right Brace 10"/>
+          <p:cNvSpPr/>
+          <p:nvPr/>
+        </p:nvSpPr>
+        <p:spPr>
+          <a:xfrm rot="5400000">
+            <a:off x="7835469" y="1506631"/>
+            <a:ext cx="496957" cy="7343315"/>
+          </a:xfrm>
+          <a:prstGeom prst="rightBrace">
+            <a:avLst/>
+          </a:prstGeom>
+          <a:ln w="19050">
+            <a:solidFill>
+              <a:schemeClr val="tx1"/>
+            </a:solidFill>
+            <a:headEnd type="none" w="med" len="med"/>
+            <a:tailEnd type="none" w="med" len="med"/>
+          </a:ln>
+        </p:spPr>
+        <p:style>
+          <a:lnRef idx="1">
+            <a:schemeClr val="accent1"/>
+          </a:lnRef>
+          <a:fillRef idx="0">
+            <a:schemeClr val="accent1"/>
+          </a:fillRef>
+          <a:effectRef idx="0">
+            <a:schemeClr val="accent1"/>
+          </a:effectRef>
+          <a:fontRef idx="minor">
+            <a:schemeClr val="tx1"/>
+          </a:fontRef>
+        </p:style>
+        <p:txBody>
+          <a:bodyPr rtlCol="0" anchor="ctr"/>
+          <a:lstStyle/>
+          <a:p>
+            <a:pPr algn="ctr"/>
+            <a:endParaRPr lang="en-US"/>
+          </a:p>
+        </p:txBody>
+      </p:sp>
+      <p:sp>
+        <p:nvSpPr>
+          <p:cNvPr id="13" name="Content Placeholder 12"/>
+          <p:cNvSpPr>
+            <a:spLocks noGrp="1"/>
+          </p:cNvSpPr>
+          <p:nvPr>
+            <p:ph sz="half" idx="1"/>
+          </p:nvPr>
+        </p:nvSpPr>
+        <p:spPr>
+          <a:xfrm>
+            <a:off x="4412289" y="5584305"/>
+            <a:ext cx="7343315" cy="377687"/>
+          </a:xfrm>
+        </p:spPr>
+        <p:txBody>
+          <a:bodyPr/>
+          <a:lstStyle/>
+          <a:p>
+            <a:r>
+              <a:rPr lang="en-US" dirty="0" smtClean="0"/>
+              <a:t>Find own optimal risk factor from previous simulation results</a:t>
+            </a:r>
+            <a:endParaRPr lang="en-US" dirty="0"/>
+          </a:p>
+        </p:txBody>
+      </p:sp>
     </p:spTree>
     <p:extLst>
       <p:ext uri="{BB962C8B-B14F-4D97-AF65-F5344CB8AC3E}">
-        <p14:creationId xmlns:p14="http://schemas.microsoft.com/office/powerpoint/2010/main" val="13498561"/>
+        <p14:creationId xmlns:p14="http://schemas.microsoft.com/office/powerpoint/2010/main" val="502966477"/>
       </p:ext>
     </p:extLst>
   </p:cSld>
@@ -7081,156 +7664,6 @@
               </a:solidFill>
             </a:endParaRPr>
           </a:p>
-          <a:p>
-            <a:pPr marL="342900" marR="0" lvl="2" indent="-342900" defTabSz="914400" eaLnBrk="1" fontAlgn="auto" latinLnBrk="0" hangingPunct="1">
-              <a:lnSpc>
-                <a:spcPct val="100000"/>
-              </a:lnSpc>
-              <a:spcBef>
-                <a:spcPts val="0"/>
-              </a:spcBef>
-              <a:spcAft>
-                <a:spcPts val="0"/>
-              </a:spcAft>
-              <a:buSzTx/>
-              <a:buFont typeface="Wingdings" charset="2"/>
-              <a:buChar char="§"/>
-              <a:tabLst/>
-              <a:defRPr/>
-            </a:pPr>
-            <a:r>
-              <a:rPr lang="en-GB" sz="2200" dirty="0" smtClean="0">
-                <a:solidFill>
-                  <a:schemeClr val="tx1"/>
-                </a:solidFill>
-              </a:rPr>
-              <a:t>evaluate own former performance</a:t>
-            </a:r>
-          </a:p>
-          <a:p>
-            <a:pPr marL="342900" marR="0" lvl="2" indent="-342900" defTabSz="914400" eaLnBrk="1" fontAlgn="auto" latinLnBrk="0" hangingPunct="1">
-              <a:lnSpc>
-                <a:spcPct val="100000"/>
-              </a:lnSpc>
-              <a:spcBef>
-                <a:spcPts val="0"/>
-              </a:spcBef>
-              <a:spcAft>
-                <a:spcPts val="0"/>
-              </a:spcAft>
-              <a:buSzTx/>
-              <a:buFont typeface="Wingdings" charset="2"/>
-              <a:buChar char="§"/>
-              <a:tabLst/>
-              <a:defRPr/>
-            </a:pPr>
-            <a:r>
-              <a:rPr lang="en-GB" sz="2200" dirty="0">
-                <a:solidFill>
-                  <a:schemeClr val="tx1"/>
-                </a:solidFill>
-              </a:rPr>
-              <a:t>a</a:t>
-            </a:r>
-            <a:r>
-              <a:rPr lang="en-GB" sz="2200" dirty="0" smtClean="0">
-                <a:solidFill>
-                  <a:schemeClr val="tx1"/>
-                </a:solidFill>
-              </a:rPr>
-              <a:t>dapt own risk factor</a:t>
-            </a:r>
-          </a:p>
-          <a:p>
-            <a:pPr marL="342900" marR="0" lvl="2" indent="-342900" defTabSz="914400" eaLnBrk="1" fontAlgn="auto" latinLnBrk="0" hangingPunct="1">
-              <a:lnSpc>
-                <a:spcPct val="100000"/>
-              </a:lnSpc>
-              <a:spcBef>
-                <a:spcPts val="0"/>
-              </a:spcBef>
-              <a:spcAft>
-                <a:spcPts val="0"/>
-              </a:spcAft>
-              <a:buSzTx/>
-              <a:buFont typeface="Wingdings" charset="2"/>
-              <a:buChar char="§"/>
-              <a:tabLst/>
-              <a:defRPr/>
-            </a:pPr>
-            <a:endParaRPr lang="en-GB" sz="2200" dirty="0" smtClean="0">
-              <a:solidFill>
-                <a:schemeClr val="tx1"/>
-              </a:solidFill>
-            </a:endParaRPr>
-          </a:p>
-          <a:p>
-            <a:pPr marL="527050" lvl="3" indent="-342900">
-              <a:spcBef>
-                <a:spcPts val="0"/>
-              </a:spcBef>
-              <a:buFont typeface="Wingdings" charset="2"/>
-              <a:buChar char="§"/>
-            </a:pPr>
-            <a:r>
-              <a:rPr lang="en-GB" sz="2000" dirty="0" smtClean="0">
-                <a:solidFill>
-                  <a:schemeClr val="tx1"/>
-                </a:solidFill>
-              </a:rPr>
-              <a:t>Win: stay</a:t>
-            </a:r>
-          </a:p>
-          <a:p>
-            <a:pPr marL="527050" lvl="3" indent="-342900">
-              <a:spcBef>
-                <a:spcPts val="0"/>
-              </a:spcBef>
-              <a:buFont typeface="Wingdings" charset="2"/>
-              <a:buChar char="§"/>
-            </a:pPr>
-            <a:r>
-              <a:rPr lang="en-GB" sz="2000" dirty="0" smtClean="0">
-                <a:solidFill>
-                  <a:schemeClr val="tx1"/>
-                </a:solidFill>
-              </a:rPr>
-              <a:t>Loss: diminish </a:t>
-            </a:r>
-            <a:r>
-              <a:rPr lang="en-GB" sz="2000" dirty="0" err="1" smtClean="0">
-                <a:solidFill>
-                  <a:schemeClr val="tx1"/>
-                </a:solidFill>
-              </a:rPr>
-              <a:t>ris</a:t>
-            </a:r>
-            <a:r>
-              <a:rPr lang="en-GB" sz="2000" dirty="0" smtClean="0">
-                <a:solidFill>
-                  <a:schemeClr val="tx1"/>
-                </a:solidFill>
-              </a:rPr>
-              <a:t> factor</a:t>
-            </a:r>
-          </a:p>
-          <a:p>
-            <a:pPr marL="527050" lvl="3" indent="-342900">
-              <a:spcBef>
-                <a:spcPts val="0"/>
-              </a:spcBef>
-              <a:buFont typeface="Wingdings" charset="2"/>
-              <a:buChar char="§"/>
-            </a:pPr>
-            <a:r>
-              <a:rPr lang="en-GB" sz="2000" dirty="0" smtClean="0">
-                <a:solidFill>
-                  <a:schemeClr val="tx1"/>
-                </a:solidFill>
-              </a:rPr>
-              <a:t>Drop out: increase risk factor</a:t>
-            </a:r>
-          </a:p>
         </p:txBody>
       </p:sp>
       <p:sp>
@@ -7309,713 +7742,6 @@
             <a:fld id="{6C6AE60A-B69C-4790-82F7-3882EDF23186}" type="slidenum">
               <a:rPr lang="en-GB" smtClean="0"/>
               <a:t>7</a:t>
-            </a:fld>
-            <a:endParaRPr lang="en-GB" dirty="0"/>
-          </a:p>
-        </p:txBody>
-      </p:sp>
-      <p:sp>
-        <p:nvSpPr>
-          <p:cNvPr id="7" name="Titel 6"/>
-          <p:cNvSpPr>
-            <a:spLocks noGrp="1"/>
-          </p:cNvSpPr>
-          <p:nvPr>
-            <p:ph type="title"/>
-          </p:nvPr>
-        </p:nvSpPr>
-        <p:spPr/>
-        <p:txBody>
-          <a:bodyPr/>
-          <a:lstStyle/>
-          <a:p>
-            <a:r>
-              <a:rPr lang="en-GB" dirty="0" smtClean="0"/>
-              <a:t>Learning models overview</a:t>
-            </a:r>
-            <a:endParaRPr lang="en-GB" dirty="0"/>
-          </a:p>
-        </p:txBody>
-      </p:sp>
-      <p:sp>
-        <p:nvSpPr>
-          <p:cNvPr id="8" name="Rechteck 7"/>
-          <p:cNvSpPr/>
-          <p:nvPr/>
-        </p:nvSpPr>
-        <p:spPr>
-          <a:xfrm>
-            <a:off x="431631" y="6339682"/>
-            <a:ext cx="6832600" cy="406400"/>
-          </a:xfrm>
-          <a:prstGeom prst="rect">
-            <a:avLst/>
-          </a:prstGeom>
-          <a:solidFill>
-            <a:schemeClr val="bg1"/>
-          </a:solidFill>
-          <a:ln>
-            <a:noFill/>
-          </a:ln>
-        </p:spPr>
-        <p:style>
-          <a:lnRef idx="2">
-            <a:schemeClr val="accent1">
-              <a:shade val="50000"/>
-            </a:schemeClr>
-          </a:lnRef>
-          <a:fillRef idx="1">
-            <a:schemeClr val="accent1"/>
-          </a:fillRef>
-          <a:effectRef idx="0">
-            <a:schemeClr val="accent1"/>
-          </a:effectRef>
-          <a:fontRef idx="minor">
-            <a:schemeClr val="lt1"/>
-          </a:fontRef>
-        </p:style>
-        <p:txBody>
-          <a:bodyPr rtlCol="0" anchor="ctr"/>
-          <a:lstStyle/>
-          <a:p>
-            <a:r>
-              <a:rPr lang="de-DE" sz="1600" dirty="0">
-                <a:solidFill>
-                  <a:sysClr val="windowText" lastClr="000000"/>
-                </a:solidFill>
-              </a:rPr>
-              <a:t>Modeling </a:t>
-            </a:r>
-            <a:r>
-              <a:rPr lang="de-DE" sz="1600" dirty="0" err="1">
-                <a:solidFill>
-                  <a:sysClr val="windowText" lastClr="000000"/>
-                </a:solidFill>
-              </a:rPr>
-              <a:t>and</a:t>
-            </a:r>
-            <a:r>
-              <a:rPr lang="de-DE" sz="1600" dirty="0">
-                <a:solidFill>
-                  <a:sysClr val="windowText" lastClr="000000"/>
-                </a:solidFill>
-              </a:rPr>
-              <a:t> </a:t>
-            </a:r>
-            <a:r>
-              <a:rPr lang="de-DE" sz="1600" dirty="0" err="1" smtClean="0">
-                <a:solidFill>
-                  <a:sysClr val="windowText" lastClr="000000"/>
-                </a:solidFill>
-              </a:rPr>
-              <a:t>Simulating</a:t>
-            </a:r>
-            <a:r>
-              <a:rPr lang="de-DE" sz="1600" dirty="0" smtClean="0">
-                <a:solidFill>
-                  <a:sysClr val="windowText" lastClr="000000"/>
-                </a:solidFill>
-              </a:rPr>
-              <a:t> </a:t>
-            </a:r>
-            <a:r>
-              <a:rPr lang="de-DE" sz="1600" dirty="0" err="1">
-                <a:solidFill>
-                  <a:sysClr val="windowText" lastClr="000000"/>
-                </a:solidFill>
-              </a:rPr>
-              <a:t>Social</a:t>
-            </a:r>
-            <a:r>
-              <a:rPr lang="de-DE" sz="1600" dirty="0">
-                <a:solidFill>
-                  <a:sysClr val="windowText" lastClr="000000"/>
-                </a:solidFill>
-              </a:rPr>
-              <a:t> Systems </a:t>
-            </a:r>
-            <a:r>
-              <a:rPr lang="de-DE" sz="1600" dirty="0" err="1">
-                <a:solidFill>
-                  <a:sysClr val="windowText" lastClr="000000"/>
-                </a:solidFill>
-              </a:rPr>
-              <a:t>with</a:t>
-            </a:r>
-            <a:r>
-              <a:rPr lang="de-DE" sz="1600" dirty="0">
-                <a:solidFill>
-                  <a:sysClr val="windowText" lastClr="000000"/>
-                </a:solidFill>
-              </a:rPr>
-              <a:t> MATLAB </a:t>
-            </a:r>
-            <a:endParaRPr lang="de-DE" sz="1600" dirty="0">
-              <a:solidFill>
-                <a:sysClr val="windowText" lastClr="000000"/>
-              </a:solidFill>
-              <a:effectLst/>
-            </a:endParaRPr>
-          </a:p>
-        </p:txBody>
-      </p:sp>
-      <p:sp>
-        <p:nvSpPr>
-          <p:cNvPr id="9" name="Inhaltsplatzhalter 1"/>
-          <p:cNvSpPr>
-            <a:spLocks noGrp="1"/>
-          </p:cNvSpPr>
-          <p:nvPr>
-            <p:ph sz="half" idx="1"/>
-          </p:nvPr>
-        </p:nvSpPr>
-        <p:spPr>
-          <a:xfrm>
-            <a:off x="4412291" y="1947949"/>
-            <a:ext cx="3320353" cy="2604174"/>
-          </a:xfrm>
-        </p:spPr>
-        <p:style>
-          <a:lnRef idx="2">
-            <a:schemeClr val="accent6"/>
-          </a:lnRef>
-          <a:fillRef idx="1">
-            <a:schemeClr val="lt1"/>
-          </a:fillRef>
-          <a:effectRef idx="0">
-            <a:schemeClr val="accent6"/>
-          </a:effectRef>
-          <a:fontRef idx="minor">
-            <a:schemeClr val="dk1"/>
-          </a:fontRef>
-        </p:style>
-        <p:txBody>
-          <a:bodyPr/>
-          <a:lstStyle/>
-          <a:p>
-            <a:pPr marL="0" marR="0" lvl="2" indent="0" algn="ctr" defTabSz="914400" eaLnBrk="1" fontAlgn="auto" latinLnBrk="0" hangingPunct="1">
-              <a:lnSpc>
-                <a:spcPct val="100000"/>
-              </a:lnSpc>
-              <a:spcBef>
-                <a:spcPts val="0"/>
-              </a:spcBef>
-              <a:spcAft>
-                <a:spcPts val="0"/>
-              </a:spcAft>
-              <a:buSzTx/>
-              <a:buFontTx/>
-              <a:buNone/>
-              <a:tabLst/>
-              <a:defRPr/>
-            </a:pPr>
-            <a:r>
-              <a:rPr lang="en-GB" sz="2200" u="sng" dirty="0" smtClean="0">
-                <a:solidFill>
-                  <a:schemeClr val="tx1"/>
-                </a:solidFill>
-              </a:rPr>
-              <a:t>Count and Gauge model</a:t>
-            </a:r>
-          </a:p>
-          <a:p>
-            <a:pPr marL="0" marR="0" lvl="2" indent="0" algn="ctr" defTabSz="914400" eaLnBrk="1" fontAlgn="auto" latinLnBrk="0" hangingPunct="1">
-              <a:lnSpc>
-                <a:spcPct val="100000"/>
-              </a:lnSpc>
-              <a:spcBef>
-                <a:spcPts val="0"/>
-              </a:spcBef>
-              <a:spcAft>
-                <a:spcPts val="0"/>
-              </a:spcAft>
-              <a:buSzTx/>
-              <a:buFontTx/>
-              <a:buNone/>
-              <a:tabLst/>
-              <a:defRPr/>
-            </a:pPr>
-            <a:endParaRPr lang="en-GB" sz="2200" u="sng" dirty="0">
-              <a:solidFill>
-                <a:schemeClr val="tx1"/>
-              </a:solidFill>
-            </a:endParaRPr>
-          </a:p>
-          <a:p>
-            <a:pPr marL="342900" marR="0" lvl="2" indent="-342900" defTabSz="914400" eaLnBrk="1" fontAlgn="auto" latinLnBrk="0" hangingPunct="1">
-              <a:lnSpc>
-                <a:spcPct val="100000"/>
-              </a:lnSpc>
-              <a:spcBef>
-                <a:spcPts val="0"/>
-              </a:spcBef>
-              <a:spcAft>
-                <a:spcPts val="0"/>
-              </a:spcAft>
-              <a:buSzTx/>
-              <a:buFont typeface="Wingdings" charset="2"/>
-              <a:buChar char="§"/>
-              <a:tabLst/>
-              <a:defRPr/>
-            </a:pPr>
-            <a:r>
-              <a:rPr lang="en-GB" sz="2200" dirty="0" smtClean="0">
-                <a:solidFill>
-                  <a:schemeClr val="tx1"/>
-                </a:solidFill>
-              </a:rPr>
-              <a:t>evaluate opponents behaviour to find opponents risk factor</a:t>
-            </a:r>
-          </a:p>
-          <a:p>
-            <a:pPr marL="342900" marR="0" lvl="2" indent="-342900" defTabSz="914400" eaLnBrk="1" fontAlgn="auto" latinLnBrk="0" hangingPunct="1">
-              <a:lnSpc>
-                <a:spcPct val="100000"/>
-              </a:lnSpc>
-              <a:spcBef>
-                <a:spcPts val="0"/>
-              </a:spcBef>
-              <a:spcAft>
-                <a:spcPts val="0"/>
-              </a:spcAft>
-              <a:buSzTx/>
-              <a:buFont typeface="Wingdings" charset="2"/>
-              <a:buChar char="§"/>
-              <a:tabLst/>
-              <a:defRPr/>
-            </a:pPr>
-            <a:endParaRPr lang="en-GB" sz="2200" dirty="0" smtClean="0">
-              <a:solidFill>
-                <a:schemeClr val="tx1"/>
-              </a:solidFill>
-            </a:endParaRPr>
-          </a:p>
-          <a:p>
-            <a:pPr marL="527050" lvl="3" indent="-342900">
-              <a:spcBef>
-                <a:spcPts val="0"/>
-              </a:spcBef>
-              <a:buFont typeface="Wingdings" charset="2"/>
-              <a:buChar char="§"/>
-            </a:pPr>
-            <a:r>
-              <a:rPr lang="en-GB" sz="2000" dirty="0" smtClean="0">
-                <a:solidFill>
-                  <a:schemeClr val="tx1"/>
-                </a:solidFill>
-              </a:rPr>
-              <a:t>count amount of unforced initial plays</a:t>
-            </a:r>
-          </a:p>
-        </p:txBody>
-      </p:sp>
-      <p:sp>
-        <p:nvSpPr>
-          <p:cNvPr id="10" name="Inhaltsplatzhalter 1"/>
-          <p:cNvSpPr>
-            <a:spLocks noGrp="1"/>
-          </p:cNvSpPr>
-          <p:nvPr>
-            <p:ph sz="half" idx="1"/>
-          </p:nvPr>
-        </p:nvSpPr>
-        <p:spPr>
-          <a:xfrm>
-            <a:off x="8285838" y="1947950"/>
-            <a:ext cx="3469770" cy="2981860"/>
-          </a:xfrm>
-        </p:spPr>
-        <p:style>
-          <a:lnRef idx="2">
-            <a:schemeClr val="accent6"/>
-          </a:lnRef>
-          <a:fillRef idx="1">
-            <a:schemeClr val="lt1"/>
-          </a:fillRef>
-          <a:effectRef idx="0">
-            <a:schemeClr val="accent6"/>
-          </a:effectRef>
-          <a:fontRef idx="minor">
-            <a:schemeClr val="dk1"/>
-          </a:fontRef>
-        </p:style>
-        <p:txBody>
-          <a:bodyPr/>
-          <a:lstStyle/>
-          <a:p>
-            <a:pPr marL="0" marR="0" lvl="2" indent="0" algn="ctr" defTabSz="914400" eaLnBrk="1" fontAlgn="auto" latinLnBrk="0" hangingPunct="1">
-              <a:lnSpc>
-                <a:spcPct val="100000"/>
-              </a:lnSpc>
-              <a:spcBef>
-                <a:spcPts val="0"/>
-              </a:spcBef>
-              <a:spcAft>
-                <a:spcPts val="0"/>
-              </a:spcAft>
-              <a:buSzTx/>
-              <a:buFontTx/>
-              <a:buNone/>
-              <a:tabLst/>
-              <a:defRPr/>
-            </a:pPr>
-            <a:r>
-              <a:rPr lang="en-GB" sz="2200" u="sng" dirty="0" smtClean="0">
-                <a:solidFill>
-                  <a:schemeClr val="tx1"/>
-                </a:solidFill>
-              </a:rPr>
-              <a:t>Threshold model</a:t>
-            </a:r>
-          </a:p>
-          <a:p>
-            <a:pPr marL="0" marR="0" lvl="2" indent="0" defTabSz="914400" eaLnBrk="1" fontAlgn="auto" latinLnBrk="0" hangingPunct="1">
-              <a:lnSpc>
-                <a:spcPct val="100000"/>
-              </a:lnSpc>
-              <a:spcBef>
-                <a:spcPts val="0"/>
-              </a:spcBef>
-              <a:spcAft>
-                <a:spcPts val="0"/>
-              </a:spcAft>
-              <a:buSzTx/>
-              <a:buFontTx/>
-              <a:buNone/>
-              <a:tabLst/>
-              <a:defRPr/>
-            </a:pPr>
-            <a:endParaRPr lang="en-GB" sz="2200" dirty="0">
-              <a:solidFill>
-                <a:schemeClr val="tx1"/>
-              </a:solidFill>
-            </a:endParaRPr>
-          </a:p>
-          <a:p>
-            <a:pPr marL="342900" lvl="2" indent="-342900">
-              <a:spcBef>
-                <a:spcPts val="0"/>
-              </a:spcBef>
-            </a:pPr>
-            <a:r>
-              <a:rPr lang="en-GB" sz="2200" dirty="0" smtClean="0">
-                <a:solidFill>
-                  <a:schemeClr val="tx1"/>
-                </a:solidFill>
-              </a:rPr>
-              <a:t>evaluate showdown to find opponents risk factor</a:t>
-            </a:r>
-          </a:p>
-          <a:p>
-            <a:pPr marL="342900" lvl="2" indent="-342900">
-              <a:spcBef>
-                <a:spcPts val="0"/>
-              </a:spcBef>
-            </a:pPr>
-            <a:endParaRPr lang="en-GB" sz="2200" dirty="0">
-              <a:solidFill>
-                <a:schemeClr val="tx1"/>
-              </a:solidFill>
-            </a:endParaRPr>
-          </a:p>
-          <a:p>
-            <a:pPr marL="527050" lvl="3" indent="-342900">
-              <a:spcBef>
-                <a:spcPts val="0"/>
-              </a:spcBef>
-            </a:pPr>
-            <a:r>
-              <a:rPr lang="en-GB" sz="2000" dirty="0">
-                <a:solidFill>
-                  <a:schemeClr val="tx1"/>
-                </a:solidFill>
-              </a:rPr>
-              <a:t>s</a:t>
-            </a:r>
-            <a:r>
-              <a:rPr lang="en-GB" sz="2000" dirty="0" smtClean="0">
-                <a:solidFill>
-                  <a:schemeClr val="tx1"/>
-                </a:solidFill>
-              </a:rPr>
-              <a:t>et opponents card value as threshold for his risk factor</a:t>
-            </a:r>
-          </a:p>
-        </p:txBody>
-      </p:sp>
-      <p:sp>
-        <p:nvSpPr>
-          <p:cNvPr id="11" name="Right Brace 10"/>
-          <p:cNvSpPr/>
-          <p:nvPr/>
-        </p:nvSpPr>
-        <p:spPr>
-          <a:xfrm rot="5400000">
-            <a:off x="7835469" y="1506631"/>
-            <a:ext cx="496957" cy="7343315"/>
-          </a:xfrm>
-          <a:prstGeom prst="rightBrace">
-            <a:avLst/>
-          </a:prstGeom>
-          <a:ln w="19050">
-            <a:solidFill>
-              <a:schemeClr val="tx1"/>
-            </a:solidFill>
-            <a:headEnd type="none" w="med" len="med"/>
-            <a:tailEnd type="none" w="med" len="med"/>
-          </a:ln>
-        </p:spPr>
-        <p:style>
-          <a:lnRef idx="1">
-            <a:schemeClr val="accent1"/>
-          </a:lnRef>
-          <a:fillRef idx="0">
-            <a:schemeClr val="accent1"/>
-          </a:fillRef>
-          <a:effectRef idx="0">
-            <a:schemeClr val="accent1"/>
-          </a:effectRef>
-          <a:fontRef idx="minor">
-            <a:schemeClr val="tx1"/>
-          </a:fontRef>
-        </p:style>
-        <p:txBody>
-          <a:bodyPr rtlCol="0" anchor="ctr"/>
-          <a:lstStyle/>
-          <a:p>
-            <a:pPr algn="ctr"/>
-            <a:endParaRPr lang="en-US"/>
-          </a:p>
-        </p:txBody>
-      </p:sp>
-      <p:sp>
-        <p:nvSpPr>
-          <p:cNvPr id="13" name="Content Placeholder 12"/>
-          <p:cNvSpPr>
-            <a:spLocks noGrp="1"/>
-          </p:cNvSpPr>
-          <p:nvPr>
-            <p:ph sz="half" idx="1"/>
-          </p:nvPr>
-        </p:nvSpPr>
-        <p:spPr>
-          <a:xfrm>
-            <a:off x="4412289" y="5584305"/>
-            <a:ext cx="7343315" cy="377687"/>
-          </a:xfrm>
-        </p:spPr>
-        <p:txBody>
-          <a:bodyPr/>
-          <a:lstStyle/>
-          <a:p>
-            <a:r>
-              <a:rPr lang="en-US" dirty="0" smtClean="0"/>
-              <a:t>Find own optimal risk factor from previous simulation results</a:t>
-            </a:r>
-            <a:endParaRPr lang="en-US" dirty="0"/>
-          </a:p>
-        </p:txBody>
-      </p:sp>
-    </p:spTree>
-    <p:extLst>
-      <p:ext uri="{BB962C8B-B14F-4D97-AF65-F5344CB8AC3E}">
-        <p14:creationId xmlns:p14="http://schemas.microsoft.com/office/powerpoint/2010/main" val="502966477"/>
-      </p:ext>
-    </p:extLst>
-  </p:cSld>
-  <p:clrMapOvr>
-    <a:masterClrMapping/>
-  </p:clrMapOvr>
-  <p:transition>
-    <p:fade/>
-  </p:transition>
-  <p:timing>
-    <p:tnLst>
-      <p:par>
-        <p:cTn id="1" dur="indefinite" restart="never" nodeType="tmRoot"/>
-      </p:par>
-    </p:tnLst>
-  </p:timing>
-</p:sld>
-</file>
-
-<file path=ppt/slides/slide8.xml><?xml version="1.0" encoding="utf-8"?>
-<p:sld xmlns:a="http://schemas.openxmlformats.org/drawingml/2006/main" xmlns:r="http://schemas.openxmlformats.org/officeDocument/2006/relationships" xmlns:p="http://schemas.openxmlformats.org/presentationml/2006/main">
-  <p:cSld>
-    <p:spTree>
-      <p:nvGrpSpPr>
-        <p:cNvPr id="1" name=""/>
-        <p:cNvGrpSpPr/>
-        <p:nvPr/>
-      </p:nvGrpSpPr>
-      <p:grpSpPr>
-        <a:xfrm>
-          <a:off x="0" y="0"/>
-          <a:ext cx="0" cy="0"/>
-          <a:chOff x="0" y="0"/>
-          <a:chExt cx="0" cy="0"/>
-        </a:xfrm>
-      </p:grpSpPr>
-      <p:sp>
-        <p:nvSpPr>
-          <p:cNvPr id="2" name="Inhaltsplatzhalter 1"/>
-          <p:cNvSpPr>
-            <a:spLocks noGrp="1"/>
-          </p:cNvSpPr>
-          <p:nvPr>
-            <p:ph sz="half" idx="1"/>
-          </p:nvPr>
-        </p:nvSpPr>
-        <p:spPr>
-          <a:xfrm>
-            <a:off x="431631" y="1990162"/>
-            <a:ext cx="3506978" cy="4213225"/>
-          </a:xfrm>
-        </p:spPr>
-        <p:style>
-          <a:lnRef idx="2">
-            <a:schemeClr val="accent6"/>
-          </a:lnRef>
-          <a:fillRef idx="1">
-            <a:schemeClr val="lt1"/>
-          </a:fillRef>
-          <a:effectRef idx="0">
-            <a:schemeClr val="accent6"/>
-          </a:effectRef>
-          <a:fontRef idx="minor">
-            <a:schemeClr val="dk1"/>
-          </a:fontRef>
-        </p:style>
-        <p:txBody>
-          <a:bodyPr/>
-          <a:lstStyle/>
-          <a:p>
-            <a:pPr marL="0" marR="0" lvl="2" indent="0" algn="ctr" defTabSz="914400" eaLnBrk="1" fontAlgn="auto" latinLnBrk="0" hangingPunct="1">
-              <a:lnSpc>
-                <a:spcPct val="100000"/>
-              </a:lnSpc>
-              <a:spcBef>
-                <a:spcPts val="0"/>
-              </a:spcBef>
-              <a:spcAft>
-                <a:spcPts val="0"/>
-              </a:spcAft>
-              <a:buSzTx/>
-              <a:buFontTx/>
-              <a:buNone/>
-              <a:tabLst/>
-              <a:defRPr/>
-            </a:pPr>
-            <a:r>
-              <a:rPr lang="en-GB" sz="2200" u="sng" dirty="0" smtClean="0">
-                <a:solidFill>
-                  <a:schemeClr val="tx1"/>
-                </a:solidFill>
-              </a:rPr>
-              <a:t>Iteration model</a:t>
-            </a:r>
-          </a:p>
-          <a:p>
-            <a:pPr marL="0" marR="0" lvl="2" indent="0" algn="ctr" defTabSz="914400" eaLnBrk="1" fontAlgn="auto" latinLnBrk="0" hangingPunct="1">
-              <a:lnSpc>
-                <a:spcPct val="100000"/>
-              </a:lnSpc>
-              <a:spcBef>
-                <a:spcPts val="0"/>
-              </a:spcBef>
-              <a:spcAft>
-                <a:spcPts val="0"/>
-              </a:spcAft>
-              <a:buSzTx/>
-              <a:buFontTx/>
-              <a:buNone/>
-              <a:tabLst/>
-              <a:defRPr/>
-            </a:pPr>
-            <a:endParaRPr lang="en-GB" sz="2200" u="sng" dirty="0">
-              <a:solidFill>
-                <a:schemeClr val="tx1"/>
-              </a:solidFill>
-            </a:endParaRPr>
-          </a:p>
-        </p:txBody>
-      </p:sp>
-      <p:sp>
-        <p:nvSpPr>
-          <p:cNvPr id="4" name="Datumsplatzhalter 3"/>
-          <p:cNvSpPr>
-            <a:spLocks noGrp="1"/>
-          </p:cNvSpPr>
-          <p:nvPr>
-            <p:ph type="dt" sz="half" idx="10"/>
-          </p:nvPr>
-        </p:nvSpPr>
-        <p:spPr/>
-        <p:txBody>
-          <a:bodyPr/>
-          <a:lstStyle/>
-          <a:p>
-            <a:fld id="{C6A1628A-2A40-4B37-B167-309C0EBB4BBF}" type="datetime1">
-              <a:rPr lang="en-GB" smtClean="0"/>
-              <a:t>18/12/2016</a:t>
-            </a:fld>
-            <a:endParaRPr lang="en-GB" dirty="0"/>
-          </a:p>
-        </p:txBody>
-      </p:sp>
-      <p:sp>
-        <p:nvSpPr>
-          <p:cNvPr id="5" name="Fußzeilenplatzhalter 4"/>
-          <p:cNvSpPr>
-            <a:spLocks noGrp="1"/>
-          </p:cNvSpPr>
-          <p:nvPr>
-            <p:ph type="ftr" sz="quarter" idx="11"/>
-          </p:nvPr>
-        </p:nvSpPr>
-        <p:spPr/>
-        <p:txBody>
-          <a:bodyPr/>
-          <a:lstStyle/>
-          <a:p>
-            <a:r>
-              <a:rPr lang="de-CH" dirty="0"/>
-              <a:t>Tim Weber , Jan </a:t>
-            </a:r>
-            <a:r>
-              <a:rPr lang="de-CH" dirty="0" err="1"/>
-              <a:t>Speckien</a:t>
-            </a:r>
-            <a:r>
-              <a:rPr lang="de-CH" dirty="0"/>
-              <a:t>, Patrice Gobat, Lionel </a:t>
-            </a:r>
-            <a:r>
-              <a:rPr lang="de-CH" dirty="0" err="1" smtClean="0"/>
-              <a:t>Gulich</a:t>
-            </a:r>
-            <a:endParaRPr lang="de-CH" dirty="0"/>
-          </a:p>
-        </p:txBody>
-      </p:sp>
-      <p:sp>
-        <p:nvSpPr>
-          <p:cNvPr id="6" name="Foliennummernplatzhalter 5"/>
-          <p:cNvSpPr>
-            <a:spLocks noGrp="1"/>
-          </p:cNvSpPr>
-          <p:nvPr>
-            <p:ph type="sldNum" sz="quarter" idx="12"/>
-          </p:nvPr>
-        </p:nvSpPr>
-        <p:spPr/>
-        <p:txBody>
-          <a:bodyPr/>
-          <a:lstStyle/>
-          <a:p>
-            <a:fld id="{6C6AE60A-B69C-4790-82F7-3882EDF23186}" type="slidenum">
-              <a:rPr lang="en-GB" smtClean="0"/>
-              <a:t>8</a:t>
             </a:fld>
             <a:endParaRPr lang="en-GB" dirty="0"/>
           </a:p>
@@ -8887,6 +8613,399 @@
     <p:extLst>
       <p:ext uri="{BB962C8B-B14F-4D97-AF65-F5344CB8AC3E}">
         <p14:creationId xmlns:p14="http://schemas.microsoft.com/office/powerpoint/2010/main" val="1921441014"/>
+      </p:ext>
+    </p:extLst>
+  </p:cSld>
+  <p:clrMapOvr>
+    <a:masterClrMapping/>
+  </p:clrMapOvr>
+  <p:transition>
+    <p:fade/>
+  </p:transition>
+  <p:timing>
+    <p:tnLst>
+      <p:par>
+        <p:cTn id="1" dur="indefinite" restart="never" nodeType="tmRoot"/>
+      </p:par>
+    </p:tnLst>
+  </p:timing>
+</p:sld>
+</file>
+
+<file path=ppt/slides/slide8.xml><?xml version="1.0" encoding="utf-8"?>
+<p:sld xmlns:a="http://schemas.openxmlformats.org/drawingml/2006/main" xmlns:r="http://schemas.openxmlformats.org/officeDocument/2006/relationships" xmlns:p="http://schemas.openxmlformats.org/presentationml/2006/main">
+  <p:cSld>
+    <p:spTree>
+      <p:nvGrpSpPr>
+        <p:cNvPr id="1" name=""/>
+        <p:cNvGrpSpPr/>
+        <p:nvPr/>
+      </p:nvGrpSpPr>
+      <p:grpSpPr>
+        <a:xfrm>
+          <a:off x="0" y="0"/>
+          <a:ext cx="0" cy="0"/>
+          <a:chOff x="0" y="0"/>
+          <a:chExt cx="0" cy="0"/>
+        </a:xfrm>
+      </p:grpSpPr>
+      <p:sp>
+        <p:nvSpPr>
+          <p:cNvPr id="2" name="Inhaltsplatzhalter 1"/>
+          <p:cNvSpPr>
+            <a:spLocks noGrp="1"/>
+          </p:cNvSpPr>
+          <p:nvPr>
+            <p:ph sz="half" idx="1"/>
+          </p:nvPr>
+        </p:nvSpPr>
+        <p:spPr>
+          <a:xfrm>
+            <a:off x="431631" y="2024064"/>
+            <a:ext cx="11323975" cy="4213225"/>
+          </a:xfrm>
+        </p:spPr>
+        <p:txBody>
+          <a:bodyPr/>
+          <a:lstStyle/>
+          <a:p>
+            <a:pPr lvl="1"/>
+            <a:r>
+              <a:rPr lang="en-GB" sz="2200" dirty="0" smtClean="0"/>
+              <a:t>Optimised capital-bet-ratio</a:t>
+            </a:r>
+          </a:p>
+          <a:p>
+            <a:pPr lvl="1"/>
+            <a:endParaRPr lang="en-GB" sz="2200" dirty="0"/>
+          </a:p>
+          <a:p>
+            <a:pPr lvl="1"/>
+            <a:r>
+              <a:rPr lang="en-GB" sz="2200" dirty="0"/>
+              <a:t>Player’s options ’’check’’ and ‘’bluff</a:t>
+            </a:r>
+            <a:r>
+              <a:rPr lang="en-GB" sz="2200" dirty="0" smtClean="0"/>
+              <a:t>’’</a:t>
+            </a:r>
+          </a:p>
+          <a:p>
+            <a:pPr lvl="1"/>
+            <a:endParaRPr lang="en-GB" sz="2200" dirty="0" smtClean="0"/>
+          </a:p>
+          <a:p>
+            <a:pPr lvl="1"/>
+            <a:r>
+              <a:rPr lang="en-GB" sz="2200" dirty="0" smtClean="0"/>
+              <a:t>Increasing </a:t>
+            </a:r>
+            <a:r>
+              <a:rPr lang="en-GB" sz="2200" dirty="0"/>
+              <a:t>bet over </a:t>
+            </a:r>
+            <a:r>
+              <a:rPr lang="en-GB" sz="2200" dirty="0" smtClean="0"/>
+              <a:t>time</a:t>
+            </a:r>
+          </a:p>
+          <a:p>
+            <a:pPr lvl="1"/>
+            <a:endParaRPr lang="en-GB" sz="2200" dirty="0" smtClean="0"/>
+          </a:p>
+          <a:p>
+            <a:pPr lvl="1"/>
+            <a:r>
+              <a:rPr lang="en-GB" sz="2200" dirty="0" smtClean="0"/>
+              <a:t>Varying bet sizes</a:t>
+            </a:r>
+          </a:p>
+          <a:p>
+            <a:pPr lvl="1"/>
+            <a:endParaRPr lang="en-GB" sz="2200" dirty="0" smtClean="0"/>
+          </a:p>
+          <a:p>
+            <a:pPr lvl="1"/>
+            <a:r>
+              <a:rPr lang="en-GB" sz="2200" dirty="0" smtClean="0"/>
+              <a:t>More than two players</a:t>
+            </a:r>
+          </a:p>
+          <a:p>
+            <a:pPr lvl="1"/>
+            <a:endParaRPr lang="en-GB" sz="2200" dirty="0" smtClean="0"/>
+          </a:p>
+          <a:p>
+            <a:pPr lvl="1"/>
+            <a:r>
+              <a:rPr lang="en-GB" sz="2200" dirty="0" smtClean="0"/>
+              <a:t>Real cards</a:t>
+            </a:r>
+          </a:p>
+          <a:p>
+            <a:pPr lvl="1"/>
+            <a:endParaRPr lang="en-GB" sz="2200" dirty="0" smtClean="0"/>
+          </a:p>
+          <a:p>
+            <a:pPr lvl="1"/>
+            <a:endParaRPr lang="en-GB" sz="2200" dirty="0" smtClean="0"/>
+          </a:p>
+        </p:txBody>
+      </p:sp>
+      <p:sp>
+        <p:nvSpPr>
+          <p:cNvPr id="3" name="Inhaltsplatzhalter 2"/>
+          <p:cNvSpPr>
+            <a:spLocks noGrp="1"/>
+          </p:cNvSpPr>
+          <p:nvPr>
+            <p:ph sz="half" idx="2"/>
+          </p:nvPr>
+        </p:nvSpPr>
+        <p:spPr>
+          <a:xfrm>
+            <a:off x="6285565" y="6023113"/>
+            <a:ext cx="5470041" cy="214176"/>
+          </a:xfrm>
+        </p:spPr>
+        <p:txBody>
+          <a:bodyPr/>
+          <a:lstStyle/>
+          <a:p>
+            <a:endParaRPr lang="en-GB" dirty="0"/>
+          </a:p>
+        </p:txBody>
+      </p:sp>
+      <p:sp>
+        <p:nvSpPr>
+          <p:cNvPr id="4" name="Datumsplatzhalter 3"/>
+          <p:cNvSpPr>
+            <a:spLocks noGrp="1"/>
+          </p:cNvSpPr>
+          <p:nvPr>
+            <p:ph type="dt" sz="half" idx="10"/>
+          </p:nvPr>
+        </p:nvSpPr>
+        <p:spPr/>
+        <p:txBody>
+          <a:bodyPr/>
+          <a:lstStyle/>
+          <a:p>
+            <a:fld id="{C6A1628A-2A40-4B37-B167-309C0EBB4BBF}" type="datetime1">
+              <a:rPr lang="en-GB" smtClean="0"/>
+              <a:t>18/12/2016</a:t>
+            </a:fld>
+            <a:endParaRPr lang="en-GB" dirty="0"/>
+          </a:p>
+        </p:txBody>
+      </p:sp>
+      <p:sp>
+        <p:nvSpPr>
+          <p:cNvPr id="5" name="Fußzeilenplatzhalter 4"/>
+          <p:cNvSpPr>
+            <a:spLocks noGrp="1"/>
+          </p:cNvSpPr>
+          <p:nvPr>
+            <p:ph type="ftr" sz="quarter" idx="11"/>
+          </p:nvPr>
+        </p:nvSpPr>
+        <p:spPr/>
+        <p:txBody>
+          <a:bodyPr/>
+          <a:lstStyle/>
+          <a:p>
+            <a:r>
+              <a:rPr lang="de-CH" dirty="0"/>
+              <a:t>Tim Weber, Patrice Gobat, Lionel </a:t>
+            </a:r>
+            <a:r>
+              <a:rPr lang="de-CH" dirty="0" err="1"/>
+              <a:t>Gulich</a:t>
+            </a:r>
+            <a:r>
+              <a:rPr lang="de-CH" dirty="0"/>
+              <a:t>, Jan </a:t>
+            </a:r>
+            <a:r>
+              <a:rPr lang="de-CH" dirty="0" err="1"/>
+              <a:t>Speckien</a:t>
+            </a:r>
+            <a:endParaRPr lang="de-CH" dirty="0"/>
+          </a:p>
+        </p:txBody>
+      </p:sp>
+      <p:sp>
+        <p:nvSpPr>
+          <p:cNvPr id="6" name="Foliennummernplatzhalter 5"/>
+          <p:cNvSpPr>
+            <a:spLocks noGrp="1"/>
+          </p:cNvSpPr>
+          <p:nvPr>
+            <p:ph type="sldNum" sz="quarter" idx="12"/>
+          </p:nvPr>
+        </p:nvSpPr>
+        <p:spPr/>
+        <p:txBody>
+          <a:bodyPr/>
+          <a:lstStyle/>
+          <a:p>
+            <a:fld id="{6C6AE60A-B69C-4790-82F7-3882EDF23186}" type="slidenum">
+              <a:rPr lang="en-GB" smtClean="0"/>
+              <a:t>8</a:t>
+            </a:fld>
+            <a:endParaRPr lang="en-GB" dirty="0"/>
+          </a:p>
+        </p:txBody>
+      </p:sp>
+      <p:sp>
+        <p:nvSpPr>
+          <p:cNvPr id="7" name="Titel 6"/>
+          <p:cNvSpPr>
+            <a:spLocks noGrp="1"/>
+          </p:cNvSpPr>
+          <p:nvPr>
+            <p:ph type="title"/>
+          </p:nvPr>
+        </p:nvSpPr>
+        <p:spPr/>
+        <p:txBody>
+          <a:bodyPr/>
+          <a:lstStyle/>
+          <a:p>
+            <a:r>
+              <a:rPr lang="en-GB" dirty="0" smtClean="0"/>
+              <a:t>Outlook</a:t>
+            </a:r>
+            <a:endParaRPr lang="en-GB" dirty="0"/>
+          </a:p>
+        </p:txBody>
+      </p:sp>
+      <p:sp>
+        <p:nvSpPr>
+          <p:cNvPr id="8" name="Rechteck 7"/>
+          <p:cNvSpPr/>
+          <p:nvPr/>
+        </p:nvSpPr>
+        <p:spPr>
+          <a:xfrm>
+            <a:off x="431631" y="6339682"/>
+            <a:ext cx="6832600" cy="406400"/>
+          </a:xfrm>
+          <a:prstGeom prst="rect">
+            <a:avLst/>
+          </a:prstGeom>
+          <a:solidFill>
+            <a:schemeClr val="bg1"/>
+          </a:solidFill>
+          <a:ln>
+            <a:noFill/>
+          </a:ln>
+        </p:spPr>
+        <p:style>
+          <a:lnRef idx="2">
+            <a:schemeClr val="accent1">
+              <a:shade val="50000"/>
+            </a:schemeClr>
+          </a:lnRef>
+          <a:fillRef idx="1">
+            <a:schemeClr val="accent1"/>
+          </a:fillRef>
+          <a:effectRef idx="0">
+            <a:schemeClr val="accent1"/>
+          </a:effectRef>
+          <a:fontRef idx="minor">
+            <a:schemeClr val="lt1"/>
+          </a:fontRef>
+        </p:style>
+        <p:txBody>
+          <a:bodyPr rtlCol="0" anchor="ctr"/>
+          <a:lstStyle/>
+          <a:p>
+            <a:r>
+              <a:rPr lang="de-DE" sz="1600" dirty="0">
+                <a:solidFill>
+                  <a:sysClr val="windowText" lastClr="000000"/>
+                </a:solidFill>
+              </a:rPr>
+              <a:t>Modeling </a:t>
+            </a:r>
+            <a:r>
+              <a:rPr lang="de-DE" sz="1600" dirty="0" err="1">
+                <a:solidFill>
+                  <a:sysClr val="windowText" lastClr="000000"/>
+                </a:solidFill>
+              </a:rPr>
+              <a:t>and</a:t>
+            </a:r>
+            <a:r>
+              <a:rPr lang="de-DE" sz="1600" dirty="0">
+                <a:solidFill>
+                  <a:sysClr val="windowText" lastClr="000000"/>
+                </a:solidFill>
+              </a:rPr>
+              <a:t> Simulation </a:t>
+            </a:r>
+            <a:r>
+              <a:rPr lang="de-DE" sz="1600" dirty="0" err="1">
+                <a:solidFill>
+                  <a:sysClr val="windowText" lastClr="000000"/>
+                </a:solidFill>
+              </a:rPr>
+              <a:t>of</a:t>
+            </a:r>
+            <a:r>
+              <a:rPr lang="de-DE" sz="1600" dirty="0">
+                <a:solidFill>
+                  <a:sysClr val="windowText" lastClr="000000"/>
+                </a:solidFill>
+              </a:rPr>
+              <a:t> </a:t>
+            </a:r>
+            <a:r>
+              <a:rPr lang="de-DE" sz="1600" dirty="0" err="1">
+                <a:solidFill>
+                  <a:sysClr val="windowText" lastClr="000000"/>
+                </a:solidFill>
+              </a:rPr>
+              <a:t>Social</a:t>
+            </a:r>
+            <a:r>
+              <a:rPr lang="de-DE" sz="1600" dirty="0">
+                <a:solidFill>
+                  <a:sysClr val="windowText" lastClr="000000"/>
+                </a:solidFill>
+              </a:rPr>
+              <a:t> Systems </a:t>
+            </a:r>
+            <a:r>
+              <a:rPr lang="de-DE" sz="1600" dirty="0" err="1">
+                <a:solidFill>
+                  <a:sysClr val="windowText" lastClr="000000"/>
+                </a:solidFill>
+              </a:rPr>
+              <a:t>with</a:t>
+            </a:r>
+            <a:r>
+              <a:rPr lang="de-DE" sz="1600" dirty="0">
+                <a:solidFill>
+                  <a:sysClr val="windowText" lastClr="000000"/>
+                </a:solidFill>
+              </a:rPr>
+              <a:t> MATLAB </a:t>
+            </a:r>
+            <a:endParaRPr lang="de-DE" sz="1600" dirty="0">
+              <a:solidFill>
+                <a:sysClr val="windowText" lastClr="000000"/>
+              </a:solidFill>
+              <a:effectLst/>
+            </a:endParaRPr>
+          </a:p>
+        </p:txBody>
+      </p:sp>
+    </p:spTree>
+    <p:extLst>
+      <p:ext uri="{BB962C8B-B14F-4D97-AF65-F5344CB8AC3E}">
+        <p14:creationId xmlns:p14="http://schemas.microsoft.com/office/powerpoint/2010/main" val="1900596781"/>
       </p:ext>
     </p:extLst>
   </p:cSld>

--- a/presentation/vortrag_matlab.pptx
+++ b/presentation/vortrag_matlab.pptx
@@ -11,12 +11,12 @@
     <p:sldId id="256" r:id="rId2"/>
     <p:sldId id="266" r:id="rId3"/>
     <p:sldId id="268" r:id="rId4"/>
-    <p:sldId id="269" r:id="rId5"/>
-    <p:sldId id="293" r:id="rId6"/>
-    <p:sldId id="291" r:id="rId7"/>
-    <p:sldId id="292" r:id="rId8"/>
-    <p:sldId id="289" r:id="rId9"/>
-    <p:sldId id="288" r:id="rId10"/>
+    <p:sldId id="296" r:id="rId5"/>
+    <p:sldId id="291" r:id="rId6"/>
+    <p:sldId id="292" r:id="rId7"/>
+    <p:sldId id="289" r:id="rId8"/>
+    <p:sldId id="288" r:id="rId9"/>
+    <p:sldId id="295" r:id="rId10"/>
   </p:sldIdLst>
   <p:sldSz cx="12187238" cy="6858000"/>
   <p:notesSz cx="6591300" cy="9855200"/>
@@ -683,84 +683,6 @@
           <a:bodyPr/>
           <a:lstStyle/>
           <a:p>
-            <a:r>
-              <a:rPr lang="en-GB" dirty="0" smtClean="0"/>
-              <a:t>Replacement of cards</a:t>
-            </a:r>
-            <a:r>
-              <a:rPr lang="en-GB" baseline="0" dirty="0" smtClean="0"/>
-              <a:t> in order to </a:t>
-            </a:r>
-            <a:r>
-              <a:rPr lang="en-GB" baseline="0" dirty="0" err="1" smtClean="0"/>
-              <a:t>simplyfy</a:t>
-            </a:r>
-            <a:r>
-              <a:rPr lang="en-GB" baseline="0" dirty="0" smtClean="0"/>
-              <a:t> code and shorten </a:t>
-            </a:r>
-            <a:r>
-              <a:rPr lang="en-GB" baseline="0" dirty="0" err="1" smtClean="0"/>
-              <a:t>computaional</a:t>
-            </a:r>
-            <a:r>
-              <a:rPr lang="en-GB" baseline="0" dirty="0" smtClean="0"/>
-              <a:t> time</a:t>
-            </a:r>
-          </a:p>
-          <a:p>
-            <a:pPr marL="0" marR="0" lvl="1" indent="0" algn="l" defTabSz="914400" rtl="0" eaLnBrk="1" fontAlgn="auto" latinLnBrk="0" hangingPunct="1">
-              <a:lnSpc>
-                <a:spcPct val="100000"/>
-              </a:lnSpc>
-              <a:spcBef>
-                <a:spcPts val="0"/>
-              </a:spcBef>
-              <a:spcAft>
-                <a:spcPts val="0"/>
-              </a:spcAft>
-              <a:buClrTx/>
-              <a:buSzTx/>
-              <a:buFontTx/>
-              <a:buNone/>
-              <a:tabLst/>
-              <a:defRPr/>
-            </a:pPr>
-            <a:r>
-              <a:rPr lang="de-CH" dirty="0" smtClean="0"/>
-              <a:t>vs. Real </a:t>
-            </a:r>
-            <a:r>
-              <a:rPr lang="de-CH" dirty="0" err="1" smtClean="0"/>
-              <a:t>poker</a:t>
-            </a:r>
-            <a:r>
-              <a:rPr lang="de-CH" dirty="0" smtClean="0"/>
-              <a:t> same </a:t>
-            </a:r>
-            <a:r>
-              <a:rPr lang="de-CH" dirty="0" err="1" smtClean="0"/>
-              <a:t>cards</a:t>
-            </a:r>
-            <a:r>
-              <a:rPr lang="de-CH" dirty="0" smtClean="0"/>
-              <a:t> </a:t>
-            </a:r>
-            <a:r>
-              <a:rPr lang="de-CH" dirty="0" err="1" smtClean="0"/>
-              <a:t>for</a:t>
-            </a:r>
-            <a:r>
-              <a:rPr lang="de-CH" dirty="0" smtClean="0"/>
-              <a:t> </a:t>
-            </a:r>
-            <a:r>
-              <a:rPr lang="de-CH" dirty="0" err="1" smtClean="0"/>
-              <a:t>everyone</a:t>
-            </a:r>
-            <a:endParaRPr lang="de-CH" dirty="0" smtClean="0"/>
-          </a:p>
-          <a:p>
             <a:endParaRPr lang="en-GB" dirty="0"/>
           </a:p>
         </p:txBody>
@@ -791,7 +713,7 @@
     </p:spTree>
     <p:extLst>
       <p:ext uri="{BB962C8B-B14F-4D97-AF65-F5344CB8AC3E}">
-        <p14:creationId xmlns:p14="http://schemas.microsoft.com/office/powerpoint/2010/main" val="1832463554"/>
+        <p14:creationId xmlns:p14="http://schemas.microsoft.com/office/powerpoint/2010/main" val="392400657"/>
       </p:ext>
     </p:extLst>
   </p:cSld>
@@ -845,6 +767,14 @@
           <a:bodyPr/>
           <a:lstStyle/>
           <a:p>
+            <a:r>
+              <a:rPr lang="en-GB" dirty="0" smtClean="0"/>
+              <a:t>Overview of learning</a:t>
+            </a:r>
+            <a:r>
+              <a:rPr lang="en-GB" baseline="0" dirty="0" smtClean="0"/>
+              <a:t> methods implemented</a:t>
+            </a:r>
             <a:endParaRPr lang="en-GB" dirty="0"/>
           </a:p>
         </p:txBody>
@@ -875,7 +805,7 @@
     </p:spTree>
     <p:extLst>
       <p:ext uri="{BB962C8B-B14F-4D97-AF65-F5344CB8AC3E}">
-        <p14:creationId xmlns:p14="http://schemas.microsoft.com/office/powerpoint/2010/main" val="648407944"/>
+        <p14:creationId xmlns:p14="http://schemas.microsoft.com/office/powerpoint/2010/main" val="861944347"/>
       </p:ext>
     </p:extLst>
   </p:cSld>
@@ -929,14 +859,6 @@
           <a:bodyPr/>
           <a:lstStyle/>
           <a:p>
-            <a:r>
-              <a:rPr lang="en-GB" dirty="0" smtClean="0"/>
-              <a:t>Overview of learning</a:t>
-            </a:r>
-            <a:r>
-              <a:rPr lang="en-GB" baseline="0" dirty="0" smtClean="0"/>
-              <a:t> methods implemented</a:t>
-            </a:r>
             <a:endParaRPr lang="en-GB" dirty="0"/>
           </a:p>
         </p:txBody>
@@ -967,7 +889,7 @@
     </p:spTree>
     <p:extLst>
       <p:ext uri="{BB962C8B-B14F-4D97-AF65-F5344CB8AC3E}">
-        <p14:creationId xmlns:p14="http://schemas.microsoft.com/office/powerpoint/2010/main" val="861944347"/>
+        <p14:creationId xmlns:p14="http://schemas.microsoft.com/office/powerpoint/2010/main" val="1947522359"/>
       </p:ext>
     </p:extLst>
   </p:cSld>
@@ -1021,90 +943,6 @@
           <a:bodyPr/>
           <a:lstStyle/>
           <a:p>
-            <a:endParaRPr lang="en-GB" dirty="0"/>
-          </a:p>
-        </p:txBody>
-      </p:sp>
-      <p:sp>
-        <p:nvSpPr>
-          <p:cNvPr id="4" name="Foliennummernplatzhalter 3"/>
-          <p:cNvSpPr>
-            <a:spLocks noGrp="1"/>
-          </p:cNvSpPr>
-          <p:nvPr>
-            <p:ph type="sldNum" sz="quarter" idx="10"/>
-          </p:nvPr>
-        </p:nvSpPr>
-        <p:spPr/>
-        <p:txBody>
-          <a:bodyPr/>
-          <a:lstStyle/>
-          <a:p>
-            <a:fld id="{A51C0C35-A9A2-4EFD-9BAF-1E52E29E03D1}" type="slidenum">
-              <a:rPr lang="de-CH" smtClean="0"/>
-              <a:t>7</a:t>
-            </a:fld>
-            <a:endParaRPr lang="de-CH"/>
-          </a:p>
-        </p:txBody>
-      </p:sp>
-    </p:spTree>
-    <p:extLst>
-      <p:ext uri="{BB962C8B-B14F-4D97-AF65-F5344CB8AC3E}">
-        <p14:creationId xmlns:p14="http://schemas.microsoft.com/office/powerpoint/2010/main" val="1947522359"/>
-      </p:ext>
-    </p:extLst>
-  </p:cSld>
-  <p:clrMapOvr>
-    <a:masterClrMapping/>
-  </p:clrMapOvr>
-</p:notes>
-</file>
-
-<file path=ppt/notesSlides/notesSlide6.xml><?xml version="1.0" encoding="utf-8"?>
-<p:notes xmlns:a="http://schemas.openxmlformats.org/drawingml/2006/main" xmlns:r="http://schemas.openxmlformats.org/officeDocument/2006/relationships" xmlns:p="http://schemas.openxmlformats.org/presentationml/2006/main">
-  <p:cSld>
-    <p:spTree>
-      <p:nvGrpSpPr>
-        <p:cNvPr id="1" name=""/>
-        <p:cNvGrpSpPr/>
-        <p:nvPr/>
-      </p:nvGrpSpPr>
-      <p:grpSpPr>
-        <a:xfrm>
-          <a:off x="0" y="0"/>
-          <a:ext cx="0" cy="0"/>
-          <a:chOff x="0" y="0"/>
-          <a:chExt cx="0" cy="0"/>
-        </a:xfrm>
-      </p:grpSpPr>
-      <p:sp>
-        <p:nvSpPr>
-          <p:cNvPr id="2" name="Folienbildplatzhalter 1"/>
-          <p:cNvSpPr>
-            <a:spLocks noGrp="1" noRot="1" noChangeAspect="1"/>
-          </p:cNvSpPr>
-          <p:nvPr>
-            <p:ph type="sldImg"/>
-          </p:nvPr>
-        </p:nvSpPr>
-        <p:spPr/>
-      </p:sp>
-      <p:sp>
-        <p:nvSpPr>
-          <p:cNvPr id="3" name="Notizenplatzhalter 2"/>
-          <p:cNvSpPr>
-            <a:spLocks noGrp="1"/>
-          </p:cNvSpPr>
-          <p:nvPr>
-            <p:ph type="body" idx="1"/>
-          </p:nvPr>
-        </p:nvSpPr>
-        <p:spPr/>
-        <p:txBody>
-          <a:bodyPr/>
-          <a:lstStyle/>
-          <a:p>
             <a:r>
               <a:rPr lang="en-GB" dirty="0" smtClean="0"/>
               <a:t>Replacement of cards</a:t>
@@ -1204,7 +1042,7 @@
           <a:p>
             <a:fld id="{A51C0C35-A9A2-4EFD-9BAF-1E52E29E03D1}" type="slidenum">
               <a:rPr lang="de-CH" smtClean="0"/>
-              <a:t>8</a:t>
+              <a:t>7</a:t>
             </a:fld>
             <a:endParaRPr lang="de-CH"/>
           </a:p>
@@ -5943,114 +5781,6 @@
       </p:grpSpPr>
       <p:sp>
         <p:nvSpPr>
-          <p:cNvPr id="2" name="Inhaltsplatzhalter 1"/>
-          <p:cNvSpPr>
-            <a:spLocks noGrp="1"/>
-          </p:cNvSpPr>
-          <p:nvPr>
-            <p:ph sz="half" idx="1"/>
-          </p:nvPr>
-        </p:nvSpPr>
-        <p:spPr/>
-        <p:txBody>
-          <a:bodyPr/>
-          <a:lstStyle/>
-          <a:p>
-            <a:pPr lvl="1"/>
-            <a:r>
-              <a:rPr lang="en-GB" sz="2400" dirty="0" smtClean="0"/>
-              <a:t>Active vs. passive strategy</a:t>
-            </a:r>
-          </a:p>
-          <a:p>
-            <a:pPr lvl="2"/>
-            <a:r>
-              <a:rPr lang="en-GB" sz="2200" dirty="0" smtClean="0"/>
-              <a:t>Fixing bet and blind to const.=1</a:t>
-            </a:r>
-          </a:p>
-          <a:p>
-            <a:pPr lvl="2"/>
-            <a:r>
-              <a:rPr lang="en-GB" sz="2200" dirty="0" smtClean="0"/>
-              <a:t>Simplifying check, call, raise, re-raise to bet or no bet</a:t>
-            </a:r>
-          </a:p>
-          <a:p>
-            <a:pPr lvl="2"/>
-            <a:r>
-              <a:rPr lang="en-GB" sz="2200" dirty="0" smtClean="0"/>
-              <a:t>Simplification of strategy to one variable r</a:t>
-            </a:r>
-          </a:p>
-        </p:txBody>
-      </p:sp>
-      <p:sp>
-        <p:nvSpPr>
-          <p:cNvPr id="3" name="Inhaltsplatzhalter 2"/>
-          <p:cNvSpPr>
-            <a:spLocks noGrp="1"/>
-          </p:cNvSpPr>
-          <p:nvPr>
-            <p:ph sz="half" idx="2"/>
-          </p:nvPr>
-        </p:nvSpPr>
-        <p:spPr/>
-        <p:txBody>
-          <a:bodyPr/>
-          <a:lstStyle/>
-          <a:p>
-            <a:r>
-              <a:rPr lang="en-GB" dirty="0" smtClean="0"/>
-              <a:t>Replacement of cards</a:t>
-            </a:r>
-          </a:p>
-          <a:p>
-            <a:r>
-              <a:rPr lang="en-GB" dirty="0" smtClean="0"/>
-              <a:t>Private cards -&gt; </a:t>
-            </a:r>
-            <a:r>
-              <a:rPr lang="en-GB" dirty="0" err="1" smtClean="0"/>
-              <a:t>Cardvalue</a:t>
-            </a:r>
-            <a:r>
-              <a:rPr lang="en-GB" dirty="0" smtClean="0"/>
-              <a:t> =rand [0,1]</a:t>
-            </a:r>
-          </a:p>
-          <a:p>
-            <a:r>
-              <a:rPr lang="en-GB" dirty="0" smtClean="0"/>
-              <a:t>Flop adjust</a:t>
-            </a:r>
-          </a:p>
-          <a:p>
-            <a:pPr lvl="1"/>
-            <a:r>
-              <a:rPr lang="en-GB" dirty="0" smtClean="0"/>
-              <a:t>Good cards usually stay good</a:t>
-            </a:r>
-          </a:p>
-          <a:p>
-            <a:pPr lvl="1"/>
-            <a:r>
-              <a:rPr lang="en-GB" dirty="0" smtClean="0"/>
-              <a:t>Bad cards usually stay bad</a:t>
-            </a:r>
-          </a:p>
-          <a:p>
-            <a:pPr lvl="1"/>
-            <a:r>
-              <a:rPr lang="en-GB" dirty="0" smtClean="0"/>
-              <a:t>For each player individually</a:t>
-            </a:r>
-            <a:endParaRPr lang="en-GB" dirty="0"/>
-          </a:p>
-        </p:txBody>
-      </p:sp>
-      <p:sp>
-        <p:nvSpPr>
           <p:cNvPr id="4" name="Datumsplatzhalter 3"/>
           <p:cNvSpPr>
             <a:spLocks noGrp="1"/>
@@ -6140,14 +5870,19 @@
             <p:ph type="title"/>
           </p:nvPr>
         </p:nvSpPr>
-        <p:spPr/>
+        <p:spPr>
+          <a:xfrm>
+            <a:off x="431632" y="620714"/>
+            <a:ext cx="11323975" cy="743391"/>
+          </a:xfrm>
+        </p:spPr>
         <p:txBody>
           <a:bodyPr/>
           <a:lstStyle/>
           <a:p>
             <a:r>
               <a:rPr lang="en-GB" dirty="0" smtClean="0"/>
-              <a:t>Generic model</a:t>
+              <a:t>Results and interpretation of Generic Model</a:t>
             </a:r>
             <a:endParaRPr lang="en-GB" dirty="0"/>
           </a:p>
@@ -6275,10 +6010,188 @@
           </a:p>
         </p:txBody>
       </p:sp>
+      <p:sp>
+        <p:nvSpPr>
+          <p:cNvPr id="2" name="Inhaltsplatzhalter 1"/>
+          <p:cNvSpPr>
+            <a:spLocks noGrp="1"/>
+          </p:cNvSpPr>
+          <p:nvPr>
+            <p:ph sz="half" idx="2"/>
+          </p:nvPr>
+        </p:nvSpPr>
+        <p:spPr>
+          <a:xfrm>
+            <a:off x="6285565" y="2024065"/>
+            <a:ext cx="5470041" cy="794086"/>
+          </a:xfrm>
+        </p:spPr>
+        <p:txBody>
+          <a:bodyPr/>
+          <a:lstStyle/>
+          <a:p>
+            <a:r>
+              <a:rPr lang="de-CH" dirty="0" smtClean="0"/>
+              <a:t>«Passive Domain»</a:t>
+            </a:r>
+          </a:p>
+          <a:p>
+            <a:pPr lvl="1"/>
+            <a:r>
+              <a:rPr lang="de-CH" dirty="0" smtClean="0"/>
+              <a:t>The aggressive </a:t>
+            </a:r>
+            <a:r>
+              <a:rPr lang="de-CH" dirty="0" err="1" smtClean="0"/>
+              <a:t>player</a:t>
+            </a:r>
+            <a:r>
+              <a:rPr lang="de-CH" dirty="0" smtClean="0"/>
+              <a:t> </a:t>
+            </a:r>
+            <a:r>
+              <a:rPr lang="de-CH" dirty="0" err="1" smtClean="0"/>
+              <a:t>wins</a:t>
+            </a:r>
+            <a:endParaRPr lang="de-CH" dirty="0"/>
+          </a:p>
+        </p:txBody>
+      </p:sp>
+      <p:sp>
+        <p:nvSpPr>
+          <p:cNvPr id="13" name="Inhaltsplatzhalter 1"/>
+          <p:cNvSpPr>
+            <a:spLocks noGrp="1"/>
+          </p:cNvSpPr>
+          <p:nvPr>
+            <p:ph sz="half" idx="2"/>
+          </p:nvPr>
+        </p:nvSpPr>
+        <p:spPr>
+          <a:xfrm>
+            <a:off x="6285565" y="3480609"/>
+            <a:ext cx="5470041" cy="1151351"/>
+          </a:xfrm>
+        </p:spPr>
+        <p:txBody>
+          <a:bodyPr/>
+          <a:lstStyle/>
+          <a:p>
+            <a:r>
+              <a:rPr lang="de-CH" dirty="0" smtClean="0"/>
+              <a:t>«Aggressive </a:t>
+            </a:r>
+            <a:r>
+              <a:rPr lang="de-CH" dirty="0"/>
+              <a:t>Domain</a:t>
+            </a:r>
+            <a:r>
+              <a:rPr lang="de-CH" dirty="0" smtClean="0"/>
+              <a:t>»</a:t>
+            </a:r>
+          </a:p>
+          <a:p>
+            <a:pPr lvl="1"/>
+            <a:r>
+              <a:rPr lang="de-CH" dirty="0" smtClean="0"/>
+              <a:t>The passive </a:t>
+            </a:r>
+            <a:r>
+              <a:rPr lang="de-CH" dirty="0" err="1" smtClean="0"/>
+              <a:t>player</a:t>
+            </a:r>
+            <a:r>
+              <a:rPr lang="de-CH" dirty="0" smtClean="0"/>
+              <a:t> </a:t>
+            </a:r>
+            <a:r>
+              <a:rPr lang="de-CH" dirty="0" err="1" smtClean="0"/>
+              <a:t>wins</a:t>
+            </a:r>
+            <a:endParaRPr lang="de-CH" dirty="0"/>
+          </a:p>
+        </p:txBody>
+      </p:sp>
+      <p:pic>
+        <p:nvPicPr>
+          <p:cNvPr id="1026" name="Picture 2" descr="C:\Users\Patrice\ETHZ\Maschieneningenieurwissenschaften\Matlab\ResultGenModel.jpg"/>
+          <p:cNvPicPr>
+            <a:picLocks noChangeAspect="1" noChangeArrowheads="1"/>
+          </p:cNvPicPr>
+          <p:nvPr/>
+        </p:nvPicPr>
+        <p:blipFill>
+          <a:blip r:embed="rId3">
+            <a:extLst>
+              <a:ext uri="{28A0092B-C50C-407E-A947-70E740481C1C}">
+                <a14:useLocalDpi xmlns:a14="http://schemas.microsoft.com/office/drawing/2010/main" val="0"/>
+              </a:ext>
+            </a:extLst>
+          </a:blip>
+          <a:srcRect/>
+          <a:stretch>
+            <a:fillRect/>
+          </a:stretch>
+        </p:blipFill>
+        <p:spPr bwMode="auto">
+          <a:xfrm>
+            <a:off x="592269" y="1481554"/>
+            <a:ext cx="5349546" cy="4755736"/>
+          </a:xfrm>
+          <a:prstGeom prst="rect">
+            <a:avLst/>
+          </a:prstGeom>
+          <a:noFill/>
+          <a:extLst>
+            <a:ext uri="{909E8E84-426E-40DD-AFC4-6F175D3DCCD1}">
+              <a14:hiddenFill xmlns:a14="http://schemas.microsoft.com/office/drawing/2010/main">
+                <a:solidFill>
+                  <a:srgbClr val="FFFFFF"/>
+                </a:solidFill>
+              </a14:hiddenFill>
+            </a:ext>
+          </a:extLst>
+        </p:spPr>
+      </p:pic>
+      <p:sp>
+        <p:nvSpPr>
+          <p:cNvPr id="16" name="Inhaltsplatzhalter 1"/>
+          <p:cNvSpPr>
+            <a:spLocks noGrp="1"/>
+          </p:cNvSpPr>
+          <p:nvPr>
+            <p:ph sz="half" idx="2"/>
+          </p:nvPr>
+        </p:nvSpPr>
+        <p:spPr>
+          <a:xfrm>
+            <a:off x="6285565" y="4858383"/>
+            <a:ext cx="5470041" cy="1151351"/>
+          </a:xfrm>
+        </p:spPr>
+        <p:txBody>
+          <a:bodyPr/>
+          <a:lstStyle/>
+          <a:p>
+            <a:r>
+              <a:rPr lang="en-GB" dirty="0" smtClean="0"/>
+              <a:t>«Transition Domain»</a:t>
+            </a:r>
+          </a:p>
+          <a:p>
+            <a:pPr lvl="1"/>
+            <a:r>
+              <a:rPr lang="en-GB" dirty="0" smtClean="0"/>
+              <a:t>Change of successful strategy</a:t>
+            </a:r>
+            <a:endParaRPr lang="en-GB" dirty="0"/>
+          </a:p>
+        </p:txBody>
+      </p:sp>
     </p:spTree>
     <p:extLst>
       <p:ext uri="{BB962C8B-B14F-4D97-AF65-F5344CB8AC3E}">
-        <p14:creationId xmlns:p14="http://schemas.microsoft.com/office/powerpoint/2010/main" val="770689879"/>
+        <p14:creationId xmlns:p14="http://schemas.microsoft.com/office/powerpoint/2010/main" val="341944347"/>
       </p:ext>
     </p:extLst>
   </p:cSld>
@@ -6317,6 +6230,240 @@
       </p:grpSpPr>
       <p:sp>
         <p:nvSpPr>
+          <p:cNvPr id="2" name="Inhaltsplatzhalter 1"/>
+          <p:cNvSpPr>
+            <a:spLocks noGrp="1"/>
+          </p:cNvSpPr>
+          <p:nvPr>
+            <p:ph sz="half" idx="1"/>
+          </p:nvPr>
+        </p:nvSpPr>
+        <p:spPr>
+          <a:xfrm>
+            <a:off x="431631" y="1990162"/>
+            <a:ext cx="3506978" cy="4213225"/>
+          </a:xfrm>
+        </p:spPr>
+        <p:style>
+          <a:lnRef idx="2">
+            <a:schemeClr val="accent6"/>
+          </a:lnRef>
+          <a:fillRef idx="1">
+            <a:schemeClr val="lt1"/>
+          </a:fillRef>
+          <a:effectRef idx="0">
+            <a:schemeClr val="accent6"/>
+          </a:effectRef>
+          <a:fontRef idx="minor">
+            <a:schemeClr val="dk1"/>
+          </a:fontRef>
+        </p:style>
+        <p:txBody>
+          <a:bodyPr/>
+          <a:lstStyle/>
+          <a:p>
+            <a:pPr marL="0" marR="0" lvl="2" indent="0" algn="ctr" defTabSz="914400" eaLnBrk="1" fontAlgn="auto" latinLnBrk="0" hangingPunct="1">
+              <a:lnSpc>
+                <a:spcPct val="100000"/>
+              </a:lnSpc>
+              <a:spcBef>
+                <a:spcPts val="0"/>
+              </a:spcBef>
+              <a:spcAft>
+                <a:spcPts val="0"/>
+              </a:spcAft>
+              <a:buSzTx/>
+              <a:buFontTx/>
+              <a:buNone/>
+              <a:tabLst/>
+              <a:defRPr/>
+            </a:pPr>
+            <a:r>
+              <a:rPr lang="en-GB" sz="2200" u="sng" dirty="0" smtClean="0">
+                <a:solidFill>
+                  <a:schemeClr val="tx1"/>
+                </a:solidFill>
+              </a:rPr>
+              <a:t>Iteration model</a:t>
+            </a:r>
+          </a:p>
+          <a:p>
+            <a:pPr marL="0" marR="0" lvl="2" indent="0" algn="ctr" defTabSz="914400" eaLnBrk="1" fontAlgn="auto" latinLnBrk="0" hangingPunct="1">
+              <a:lnSpc>
+                <a:spcPct val="100000"/>
+              </a:lnSpc>
+              <a:spcBef>
+                <a:spcPts val="0"/>
+              </a:spcBef>
+              <a:spcAft>
+                <a:spcPts val="0"/>
+              </a:spcAft>
+              <a:buSzTx/>
+              <a:buFontTx/>
+              <a:buNone/>
+              <a:tabLst/>
+              <a:defRPr/>
+            </a:pPr>
+            <a:endParaRPr lang="en-GB" sz="2200" u="sng" dirty="0">
+              <a:solidFill>
+                <a:schemeClr val="tx1"/>
+              </a:solidFill>
+            </a:endParaRPr>
+          </a:p>
+          <a:p>
+            <a:pPr marL="342900" marR="0" lvl="2" indent="-342900" defTabSz="914400" eaLnBrk="1" fontAlgn="auto" latinLnBrk="0" hangingPunct="1">
+              <a:lnSpc>
+                <a:spcPct val="100000"/>
+              </a:lnSpc>
+              <a:spcBef>
+                <a:spcPts val="0"/>
+              </a:spcBef>
+              <a:spcAft>
+                <a:spcPts val="0"/>
+              </a:spcAft>
+              <a:buSzTx/>
+              <a:buFont typeface="Wingdings" charset="2"/>
+              <a:buChar char="§"/>
+              <a:tabLst/>
+              <a:defRPr/>
+            </a:pPr>
+            <a:r>
+              <a:rPr lang="en-GB" sz="2200" dirty="0" smtClean="0">
+                <a:solidFill>
+                  <a:schemeClr val="tx1"/>
+                </a:solidFill>
+              </a:rPr>
+              <a:t>evaluate own former performance</a:t>
+            </a:r>
+          </a:p>
+          <a:p>
+            <a:pPr marL="342900" marR="0" lvl="2" indent="-342900" defTabSz="914400" eaLnBrk="1" fontAlgn="auto" latinLnBrk="0" hangingPunct="1">
+              <a:lnSpc>
+                <a:spcPct val="100000"/>
+              </a:lnSpc>
+              <a:spcBef>
+                <a:spcPts val="0"/>
+              </a:spcBef>
+              <a:spcAft>
+                <a:spcPts val="0"/>
+              </a:spcAft>
+              <a:buSzTx/>
+              <a:buFont typeface="Wingdings" charset="2"/>
+              <a:buChar char="§"/>
+              <a:tabLst/>
+              <a:defRPr/>
+            </a:pPr>
+            <a:r>
+              <a:rPr lang="en-GB" sz="2200" dirty="0">
+                <a:solidFill>
+                  <a:schemeClr val="tx1"/>
+                </a:solidFill>
+              </a:rPr>
+              <a:t>a</a:t>
+            </a:r>
+            <a:r>
+              <a:rPr lang="en-GB" sz="2200" dirty="0" smtClean="0">
+                <a:solidFill>
+                  <a:schemeClr val="tx1"/>
+                </a:solidFill>
+              </a:rPr>
+              <a:t>dapt own risk factor</a:t>
+            </a:r>
+          </a:p>
+          <a:p>
+            <a:pPr marL="342900" marR="0" lvl="2" indent="-342900" defTabSz="914400" eaLnBrk="1" fontAlgn="auto" latinLnBrk="0" hangingPunct="1">
+              <a:lnSpc>
+                <a:spcPct val="100000"/>
+              </a:lnSpc>
+              <a:spcBef>
+                <a:spcPts val="0"/>
+              </a:spcBef>
+              <a:spcAft>
+                <a:spcPts val="0"/>
+              </a:spcAft>
+              <a:buSzTx/>
+              <a:buFont typeface="Wingdings" charset="2"/>
+              <a:buChar char="§"/>
+              <a:tabLst/>
+              <a:defRPr/>
+            </a:pPr>
+            <a:endParaRPr lang="en-GB" sz="2200" dirty="0" smtClean="0">
+              <a:solidFill>
+                <a:schemeClr val="tx1"/>
+              </a:solidFill>
+            </a:endParaRPr>
+          </a:p>
+          <a:p>
+            <a:pPr marL="527050" lvl="3" indent="-342900">
+              <a:spcBef>
+                <a:spcPts val="0"/>
+              </a:spcBef>
+              <a:buFont typeface="Wingdings" charset="2"/>
+              <a:buChar char="§"/>
+            </a:pPr>
+            <a:r>
+              <a:rPr lang="en-GB" sz="2000" dirty="0" smtClean="0">
+                <a:solidFill>
+                  <a:schemeClr val="tx1"/>
+                </a:solidFill>
+              </a:rPr>
+              <a:t>Win: stay</a:t>
+            </a:r>
+          </a:p>
+          <a:p>
+            <a:pPr marL="527050" lvl="3" indent="-342900">
+              <a:spcBef>
+                <a:spcPts val="0"/>
+              </a:spcBef>
+              <a:buFont typeface="Wingdings" charset="2"/>
+              <a:buChar char="§"/>
+            </a:pPr>
+            <a:r>
+              <a:rPr lang="en-GB" sz="2000" dirty="0" smtClean="0">
+                <a:solidFill>
+                  <a:schemeClr val="tx1"/>
+                </a:solidFill>
+              </a:rPr>
+              <a:t>Loss: diminish </a:t>
+            </a:r>
+            <a:r>
+              <a:rPr lang="en-GB" sz="2000" dirty="0" err="1" smtClean="0">
+                <a:solidFill>
+                  <a:schemeClr val="tx1"/>
+                </a:solidFill>
+              </a:rPr>
+              <a:t>ris</a:t>
+            </a:r>
+            <a:r>
+              <a:rPr lang="en-GB" sz="2000" dirty="0" smtClean="0">
+                <a:solidFill>
+                  <a:schemeClr val="tx1"/>
+                </a:solidFill>
+              </a:rPr>
+              <a:t> factor</a:t>
+            </a:r>
+          </a:p>
+          <a:p>
+            <a:pPr marL="527050" lvl="3" indent="-342900">
+              <a:spcBef>
+                <a:spcPts val="0"/>
+              </a:spcBef>
+              <a:buFont typeface="Wingdings" charset="2"/>
+              <a:buChar char="§"/>
+            </a:pPr>
+            <a:r>
+              <a:rPr lang="en-GB" sz="2000" dirty="0" smtClean="0">
+                <a:solidFill>
+                  <a:schemeClr val="tx1"/>
+                </a:solidFill>
+              </a:rPr>
+              <a:t>Drop out: increase risk factor</a:t>
+            </a:r>
+          </a:p>
+        </p:txBody>
+      </p:sp>
+      <p:sp>
+        <p:nvSpPr>
           <p:cNvPr id="4" name="Datumsplatzhalter 3"/>
           <p:cNvSpPr>
             <a:spLocks noGrp="1"/>
@@ -6355,19 +6502,19 @@
           <a:p>
             <a:r>
               <a:rPr lang="de-CH" dirty="0"/>
-              <a:t>Tim Weber, Patrice Gobat, Lionel </a:t>
-            </a:r>
-            <a:r>
-              <a:rPr lang="de-CH" dirty="0" err="1"/>
-              <a:t>Gulich</a:t>
-            </a:r>
-            <a:r>
-              <a:rPr lang="de-CH" dirty="0"/>
-              <a:t>, Jan </a:t>
+              <a:t>Tim Weber , Jan </a:t>
             </a:r>
             <a:r>
               <a:rPr lang="de-CH" dirty="0" err="1"/>
               <a:t>Speckien</a:t>
+            </a:r>
+            <a:r>
+              <a:rPr lang="de-CH" dirty="0"/>
+              <a:t>, Patrice Gobat, Lionel </a:t>
+            </a:r>
+            <a:r>
+              <a:rPr lang="de-CH" dirty="0" err="1" smtClean="0"/>
+              <a:t>Gulich</a:t>
             </a:r>
             <a:endParaRPr lang="de-CH" dirty="0"/>
           </a:p>
@@ -6406,19 +6553,14 @@
             <p:ph type="title"/>
           </p:nvPr>
         </p:nvSpPr>
-        <p:spPr>
-          <a:xfrm>
-            <a:off x="431632" y="620714"/>
-            <a:ext cx="11323975" cy="743391"/>
-          </a:xfrm>
-        </p:spPr>
+        <p:spPr/>
         <p:txBody>
           <a:bodyPr/>
           <a:lstStyle/>
           <a:p>
             <a:r>
               <a:rPr lang="en-GB" dirty="0" smtClean="0"/>
-              <a:t>Results and interpretation of Generic Model</a:t>
+              <a:t>Learning models overview</a:t>
             </a:r>
             <a:endParaRPr lang="en-GB" dirty="0"/>
           </a:p>
@@ -6487,18 +6629,18 @@
                   <a:sysClr val="windowText" lastClr="000000"/>
                 </a:solidFill>
               </a:rPr>
-              <a:t> Simulation </a:t>
-            </a:r>
-            <a:r>
-              <a:rPr lang="de-DE" sz="1600" dirty="0" err="1">
+              <a:t> </a:t>
+            </a:r>
+            <a:r>
+              <a:rPr lang="de-DE" sz="1600" dirty="0" err="1" smtClean="0">
                 <a:solidFill>
                   <a:sysClr val="windowText" lastClr="000000"/>
                 </a:solidFill>
               </a:rPr>
-              <a:t>of</a:t>
-            </a:r>
-            <a:r>
-              <a:rPr lang="de-DE" sz="1600" dirty="0">
+              <a:t>Simulating</a:t>
+            </a:r>
+            <a:r>
+              <a:rPr lang="de-DE" sz="1600" dirty="0" smtClean="0">
                 <a:solidFill>
                   <a:sysClr val="windowText" lastClr="000000"/>
                 </a:solidFill>
@@ -6548,123 +6690,347 @@
       </p:sp>
       <p:sp>
         <p:nvSpPr>
-          <p:cNvPr id="2" name="Inhaltsplatzhalter 1"/>
-          <p:cNvSpPr>
-            <a:spLocks noGrp="1"/>
-          </p:cNvSpPr>
-          <p:nvPr>
-            <p:ph sz="half" idx="2"/>
+          <p:cNvPr id="9" name="Inhaltsplatzhalter 1"/>
+          <p:cNvSpPr>
+            <a:spLocks noGrp="1"/>
+          </p:cNvSpPr>
+          <p:nvPr>
+            <p:ph sz="half" idx="1"/>
           </p:nvPr>
         </p:nvSpPr>
         <p:spPr>
           <a:xfrm>
-            <a:off x="6285565" y="2024065"/>
-            <a:ext cx="5470041" cy="794086"/>
+            <a:off x="4412291" y="1947949"/>
+            <a:ext cx="3320353" cy="2604174"/>
           </a:xfrm>
         </p:spPr>
+        <p:style>
+          <a:lnRef idx="2">
+            <a:schemeClr val="accent6"/>
+          </a:lnRef>
+          <a:fillRef idx="1">
+            <a:schemeClr val="lt1"/>
+          </a:fillRef>
+          <a:effectRef idx="0">
+            <a:schemeClr val="accent6"/>
+          </a:effectRef>
+          <a:fontRef idx="minor">
+            <a:schemeClr val="dk1"/>
+          </a:fontRef>
+        </p:style>
         <p:txBody>
           <a:bodyPr/>
           <a:lstStyle/>
           <a:p>
-            <a:r>
-              <a:rPr lang="en-GB" dirty="0" smtClean="0"/>
-              <a:t>A very</a:t>
-            </a:r>
-            <a:r>
-              <a:rPr lang="de-CH" dirty="0" smtClean="0"/>
-              <a:t> </a:t>
-            </a:r>
-            <a:r>
-              <a:rPr lang="en-GB" dirty="0" smtClean="0"/>
-              <a:t>passive strategy (r &gt; 0.63)  is only successful against even more passive players</a:t>
-            </a:r>
-            <a:endParaRPr lang="de-CH" dirty="0"/>
-          </a:p>
-        </p:txBody>
-      </p:sp>
-      <p:sp>
-        <p:nvSpPr>
-          <p:cNvPr id="13" name="Inhaltsplatzhalter 1"/>
-          <p:cNvSpPr>
-            <a:spLocks noGrp="1"/>
-          </p:cNvSpPr>
-          <p:nvPr>
-            <p:ph sz="half" idx="2"/>
+            <a:pPr marL="0" marR="0" lvl="2" indent="0" algn="ctr" defTabSz="914400" eaLnBrk="1" fontAlgn="auto" latinLnBrk="0" hangingPunct="1">
+              <a:lnSpc>
+                <a:spcPct val="100000"/>
+              </a:lnSpc>
+              <a:spcBef>
+                <a:spcPts val="0"/>
+              </a:spcBef>
+              <a:spcAft>
+                <a:spcPts val="0"/>
+              </a:spcAft>
+              <a:buSzTx/>
+              <a:buFontTx/>
+              <a:buNone/>
+              <a:tabLst/>
+              <a:defRPr/>
+            </a:pPr>
+            <a:r>
+              <a:rPr lang="en-GB" sz="2200" u="sng" dirty="0" smtClean="0">
+                <a:solidFill>
+                  <a:schemeClr val="tx1"/>
+                </a:solidFill>
+              </a:rPr>
+              <a:t>Count and Gauge model</a:t>
+            </a:r>
+          </a:p>
+          <a:p>
+            <a:pPr marL="0" marR="0" lvl="2" indent="0" algn="ctr" defTabSz="914400" eaLnBrk="1" fontAlgn="auto" latinLnBrk="0" hangingPunct="1">
+              <a:lnSpc>
+                <a:spcPct val="100000"/>
+              </a:lnSpc>
+              <a:spcBef>
+                <a:spcPts val="0"/>
+              </a:spcBef>
+              <a:spcAft>
+                <a:spcPts val="0"/>
+              </a:spcAft>
+              <a:buSzTx/>
+              <a:buFontTx/>
+              <a:buNone/>
+              <a:tabLst/>
+              <a:defRPr/>
+            </a:pPr>
+            <a:endParaRPr lang="en-GB" sz="2200" u="sng" dirty="0">
+              <a:solidFill>
+                <a:schemeClr val="tx1"/>
+              </a:solidFill>
+            </a:endParaRPr>
+          </a:p>
+          <a:p>
+            <a:pPr marL="342900" marR="0" lvl="2" indent="-342900" defTabSz="914400" eaLnBrk="1" fontAlgn="auto" latinLnBrk="0" hangingPunct="1">
+              <a:lnSpc>
+                <a:spcPct val="100000"/>
+              </a:lnSpc>
+              <a:spcBef>
+                <a:spcPts val="0"/>
+              </a:spcBef>
+              <a:spcAft>
+                <a:spcPts val="0"/>
+              </a:spcAft>
+              <a:buSzTx/>
+              <a:buFont typeface="Wingdings" charset="2"/>
+              <a:buChar char="§"/>
+              <a:tabLst/>
+              <a:defRPr/>
+            </a:pPr>
+            <a:r>
+              <a:rPr lang="en-GB" sz="2200" dirty="0" smtClean="0">
+                <a:solidFill>
+                  <a:schemeClr val="tx1"/>
+                </a:solidFill>
+              </a:rPr>
+              <a:t>evaluate opponents behaviour to find opponents risk factor</a:t>
+            </a:r>
+          </a:p>
+          <a:p>
+            <a:pPr marL="342900" marR="0" lvl="2" indent="-342900" defTabSz="914400" eaLnBrk="1" fontAlgn="auto" latinLnBrk="0" hangingPunct="1">
+              <a:lnSpc>
+                <a:spcPct val="100000"/>
+              </a:lnSpc>
+              <a:spcBef>
+                <a:spcPts val="0"/>
+              </a:spcBef>
+              <a:spcAft>
+                <a:spcPts val="0"/>
+              </a:spcAft>
+              <a:buSzTx/>
+              <a:buFont typeface="Wingdings" charset="2"/>
+              <a:buChar char="§"/>
+              <a:tabLst/>
+              <a:defRPr/>
+            </a:pPr>
+            <a:endParaRPr lang="en-GB" sz="2200" dirty="0" smtClean="0">
+              <a:solidFill>
+                <a:schemeClr val="tx1"/>
+              </a:solidFill>
+            </a:endParaRPr>
+          </a:p>
+          <a:p>
+            <a:pPr marL="527050" lvl="3" indent="-342900">
+              <a:spcBef>
+                <a:spcPts val="0"/>
+              </a:spcBef>
+              <a:buFont typeface="Wingdings" charset="2"/>
+              <a:buChar char="§"/>
+            </a:pPr>
+            <a:r>
+              <a:rPr lang="en-GB" sz="2000" dirty="0" smtClean="0">
+                <a:solidFill>
+                  <a:schemeClr val="tx1"/>
+                </a:solidFill>
+              </a:rPr>
+              <a:t>count amount of unforced initial plays</a:t>
+            </a:r>
+          </a:p>
+        </p:txBody>
+      </p:sp>
+      <p:sp>
+        <p:nvSpPr>
+          <p:cNvPr id="10" name="Inhaltsplatzhalter 1"/>
+          <p:cNvSpPr>
+            <a:spLocks noGrp="1"/>
+          </p:cNvSpPr>
+          <p:nvPr>
+            <p:ph sz="half" idx="1"/>
           </p:nvPr>
         </p:nvSpPr>
         <p:spPr>
           <a:xfrm>
-            <a:off x="6285565" y="3480609"/>
-            <a:ext cx="5470041" cy="1151351"/>
+            <a:off x="8285838" y="1947950"/>
+            <a:ext cx="3469770" cy="2981860"/>
           </a:xfrm>
         </p:spPr>
+        <p:style>
+          <a:lnRef idx="2">
+            <a:schemeClr val="accent6"/>
+          </a:lnRef>
+          <a:fillRef idx="1">
+            <a:schemeClr val="lt1"/>
+          </a:fillRef>
+          <a:effectRef idx="0">
+            <a:schemeClr val="accent6"/>
+          </a:effectRef>
+          <a:fontRef idx="minor">
+            <a:schemeClr val="dk1"/>
+          </a:fontRef>
+        </p:style>
         <p:txBody>
           <a:bodyPr/>
           <a:lstStyle/>
           <a:p>
-            <a:r>
-              <a:rPr lang="en-GB" dirty="0" smtClean="0"/>
-              <a:t>An aggressive strategy ( r &lt; 0.5) performed better against more aggressive players</a:t>
-            </a:r>
-            <a:endParaRPr lang="de-CH" dirty="0"/>
-          </a:p>
-        </p:txBody>
-      </p:sp>
-      <p:pic>
-        <p:nvPicPr>
-          <p:cNvPr id="1026" name="Picture 2" descr="C:\Users\Patrice\ETHZ\Maschieneningenieurwissenschaften\Matlab\ResultGenModel.jpg"/>
-          <p:cNvPicPr>
-            <a:picLocks noChangeAspect="1" noChangeArrowheads="1"/>
-          </p:cNvPicPr>
+            <a:pPr marL="0" marR="0" lvl="2" indent="0" algn="ctr" defTabSz="914400" eaLnBrk="1" fontAlgn="auto" latinLnBrk="0" hangingPunct="1">
+              <a:lnSpc>
+                <a:spcPct val="100000"/>
+              </a:lnSpc>
+              <a:spcBef>
+                <a:spcPts val="0"/>
+              </a:spcBef>
+              <a:spcAft>
+                <a:spcPts val="0"/>
+              </a:spcAft>
+              <a:buSzTx/>
+              <a:buFontTx/>
+              <a:buNone/>
+              <a:tabLst/>
+              <a:defRPr/>
+            </a:pPr>
+            <a:r>
+              <a:rPr lang="en-GB" sz="2200" u="sng" dirty="0" smtClean="0">
+                <a:solidFill>
+                  <a:schemeClr val="tx1"/>
+                </a:solidFill>
+              </a:rPr>
+              <a:t>Threshold model</a:t>
+            </a:r>
+          </a:p>
+          <a:p>
+            <a:pPr marL="0" marR="0" lvl="2" indent="0" defTabSz="914400" eaLnBrk="1" fontAlgn="auto" latinLnBrk="0" hangingPunct="1">
+              <a:lnSpc>
+                <a:spcPct val="100000"/>
+              </a:lnSpc>
+              <a:spcBef>
+                <a:spcPts val="0"/>
+              </a:spcBef>
+              <a:spcAft>
+                <a:spcPts val="0"/>
+              </a:spcAft>
+              <a:buSzTx/>
+              <a:buFontTx/>
+              <a:buNone/>
+              <a:tabLst/>
+              <a:defRPr/>
+            </a:pPr>
+            <a:endParaRPr lang="en-GB" sz="2200" dirty="0">
+              <a:solidFill>
+                <a:schemeClr val="tx1"/>
+              </a:solidFill>
+            </a:endParaRPr>
+          </a:p>
+          <a:p>
+            <a:pPr marL="342900" lvl="2" indent="-342900">
+              <a:spcBef>
+                <a:spcPts val="0"/>
+              </a:spcBef>
+            </a:pPr>
+            <a:r>
+              <a:rPr lang="en-GB" sz="2200" dirty="0" smtClean="0">
+                <a:solidFill>
+                  <a:schemeClr val="tx1"/>
+                </a:solidFill>
+              </a:rPr>
+              <a:t>evaluate showdown to find opponents risk factor</a:t>
+            </a:r>
+          </a:p>
+          <a:p>
+            <a:pPr marL="342900" lvl="2" indent="-342900">
+              <a:spcBef>
+                <a:spcPts val="0"/>
+              </a:spcBef>
+            </a:pPr>
+            <a:endParaRPr lang="en-GB" sz="2200" dirty="0">
+              <a:solidFill>
+                <a:schemeClr val="tx1"/>
+              </a:solidFill>
+            </a:endParaRPr>
+          </a:p>
+          <a:p>
+            <a:pPr marL="527050" lvl="3" indent="-342900">
+              <a:spcBef>
+                <a:spcPts val="0"/>
+              </a:spcBef>
+            </a:pPr>
+            <a:r>
+              <a:rPr lang="en-GB" sz="2000" dirty="0">
+                <a:solidFill>
+                  <a:schemeClr val="tx1"/>
+                </a:solidFill>
+              </a:rPr>
+              <a:t>s</a:t>
+            </a:r>
+            <a:r>
+              <a:rPr lang="en-GB" sz="2000" dirty="0" smtClean="0">
+                <a:solidFill>
+                  <a:schemeClr val="tx1"/>
+                </a:solidFill>
+              </a:rPr>
+              <a:t>et opponents card value as threshold for his risk factor</a:t>
+            </a:r>
+          </a:p>
+        </p:txBody>
+      </p:sp>
+      <p:sp>
+        <p:nvSpPr>
+          <p:cNvPr id="11" name="Right Brace 10"/>
+          <p:cNvSpPr/>
           <p:nvPr/>
-        </p:nvPicPr>
-        <p:blipFill>
-          <a:blip r:embed="rId3">
-            <a:extLst>
-              <a:ext uri="{28A0092B-C50C-407E-A947-70E740481C1C}">
-                <a14:useLocalDpi xmlns:a14="http://schemas.microsoft.com/office/drawing/2010/main" val="0"/>
-              </a:ext>
-            </a:extLst>
-          </a:blip>
-          <a:srcRect/>
-          <a:stretch>
-            <a:fillRect/>
-          </a:stretch>
-        </p:blipFill>
-        <p:spPr bwMode="auto">
-          <a:xfrm>
-            <a:off x="592269" y="1481554"/>
-            <a:ext cx="5349546" cy="4755736"/>
+        </p:nvSpPr>
+        <p:spPr>
+          <a:xfrm rot="5400000">
+            <a:off x="7835469" y="1506631"/>
+            <a:ext cx="496957" cy="7343315"/>
           </a:xfrm>
-          <a:prstGeom prst="rect">
+          <a:prstGeom prst="rightBrace">
             <a:avLst/>
           </a:prstGeom>
-          <a:noFill/>
-          <a:extLst>
-            <a:ext uri="{909E8E84-426E-40DD-AFC4-6F175D3DCCD1}">
-              <a14:hiddenFill xmlns:a14="http://schemas.microsoft.com/office/drawing/2010/main">
-                <a:solidFill>
-                  <a:srgbClr val="FFFFFF"/>
-                </a:solidFill>
-              </a14:hiddenFill>
-            </a:ext>
-          </a:extLst>
+          <a:ln w="19050">
+            <a:solidFill>
+              <a:schemeClr val="tx1"/>
+            </a:solidFill>
+            <a:headEnd type="none" w="med" len="med"/>
+            <a:tailEnd type="none" w="med" len="med"/>
+          </a:ln>
         </p:spPr>
-      </p:pic>
-      <p:sp>
-        <p:nvSpPr>
-          <p:cNvPr id="16" name="Inhaltsplatzhalter 1"/>
-          <p:cNvSpPr>
-            <a:spLocks noGrp="1"/>
-          </p:cNvSpPr>
-          <p:nvPr>
-            <p:ph sz="half" idx="2"/>
+        <p:style>
+          <a:lnRef idx="1">
+            <a:schemeClr val="accent1"/>
+          </a:lnRef>
+          <a:fillRef idx="0">
+            <a:schemeClr val="accent1"/>
+          </a:fillRef>
+          <a:effectRef idx="0">
+            <a:schemeClr val="accent1"/>
+          </a:effectRef>
+          <a:fontRef idx="minor">
+            <a:schemeClr val="tx1"/>
+          </a:fontRef>
+        </p:style>
+        <p:txBody>
+          <a:bodyPr rtlCol="0" anchor="ctr"/>
+          <a:lstStyle/>
+          <a:p>
+            <a:pPr algn="ctr"/>
+            <a:endParaRPr lang="en-US"/>
+          </a:p>
+        </p:txBody>
+      </p:sp>
+      <p:sp>
+        <p:nvSpPr>
+          <p:cNvPr id="13" name="Content Placeholder 12"/>
+          <p:cNvSpPr>
+            <a:spLocks noGrp="1"/>
+          </p:cNvSpPr>
+          <p:nvPr>
+            <p:ph sz="half" idx="1"/>
           </p:nvPr>
         </p:nvSpPr>
         <p:spPr>
           <a:xfrm>
-            <a:off x="6285565" y="4858383"/>
-            <a:ext cx="5470041" cy="1151351"/>
+            <a:off x="4412289" y="5584305"/>
+            <a:ext cx="7343315" cy="377687"/>
           </a:xfrm>
         </p:spPr>
         <p:txBody>
@@ -6672,23 +7038,17 @@
           <a:lstStyle/>
           <a:p>
             <a:r>
-              <a:rPr lang="en-GB" dirty="0" smtClean="0"/>
-              <a:t>Transition period in-between</a:t>
-            </a:r>
-          </a:p>
-          <a:p>
-            <a:pPr lvl="1"/>
-            <a:r>
-              <a:rPr lang="en-GB" dirty="0" smtClean="0"/>
-              <a:t>Change of successful Strategy occurs </a:t>
-            </a:r>
+              <a:rPr lang="en-US" dirty="0" smtClean="0"/>
+              <a:t>Find own optimal risk factor from previous simulation results</a:t>
+            </a:r>
+            <a:endParaRPr lang="en-US" dirty="0"/>
           </a:p>
         </p:txBody>
       </p:sp>
     </p:spTree>
     <p:extLst>
       <p:ext uri="{BB962C8B-B14F-4D97-AF65-F5344CB8AC3E}">
-        <p14:creationId xmlns:p14="http://schemas.microsoft.com/office/powerpoint/2010/main" val="2056931050"/>
+        <p14:creationId xmlns:p14="http://schemas.microsoft.com/office/powerpoint/2010/main" val="502966477"/>
       </p:ext>
     </p:extLst>
   </p:cSld>
@@ -6801,162 +7161,20 @@
               <a:tabLst/>
               <a:defRPr/>
             </a:pPr>
+            <a:r>
+              <a:rPr lang="en-GB" sz="2200" u="sng" smtClean="0">
+                <a:solidFill>
+                  <a:schemeClr val="tx1"/>
+                </a:solidFill>
+              </a:rPr>
+              <a:t>3w3</a:t>
+            </a:r>
             <a:endParaRPr lang="en-GB" sz="2200" u="sng" dirty="0">
               <a:solidFill>
                 <a:schemeClr val="tx1"/>
               </a:solidFill>
             </a:endParaRPr>
           </a:p>
-          <a:p>
-            <a:pPr marL="342900" marR="0" lvl="2" indent="-342900" defTabSz="914400" eaLnBrk="1" fontAlgn="auto" latinLnBrk="0" hangingPunct="1">
-              <a:lnSpc>
-                <a:spcPct val="100000"/>
-              </a:lnSpc>
-              <a:spcBef>
-                <a:spcPts val="0"/>
-              </a:spcBef>
-              <a:spcAft>
-                <a:spcPts val="0"/>
-              </a:spcAft>
-              <a:buSzTx/>
-              <a:buFont typeface="Wingdings" charset="2"/>
-              <a:buChar char="§"/>
-              <a:tabLst/>
-              <a:defRPr/>
-            </a:pPr>
-            <a:r>
-              <a:rPr lang="en-GB" sz="2200" dirty="0" smtClean="0">
-                <a:solidFill>
-                  <a:schemeClr val="tx1"/>
-                </a:solidFill>
-              </a:rPr>
-              <a:t>evaluate own former performance</a:t>
-            </a:r>
-          </a:p>
-          <a:p>
-            <a:pPr marL="342900" marR="0" lvl="2" indent="-342900" defTabSz="914400" eaLnBrk="1" fontAlgn="auto" latinLnBrk="0" hangingPunct="1">
-              <a:lnSpc>
-                <a:spcPct val="100000"/>
-              </a:lnSpc>
-              <a:spcBef>
-                <a:spcPts val="0"/>
-              </a:spcBef>
-              <a:spcAft>
-                <a:spcPts val="0"/>
-              </a:spcAft>
-              <a:buSzTx/>
-              <a:buFont typeface="Wingdings" charset="2"/>
-              <a:buChar char="§"/>
-              <a:tabLst/>
-              <a:defRPr/>
-            </a:pPr>
-            <a:r>
-              <a:rPr lang="en-GB" sz="2200" dirty="0">
-                <a:solidFill>
-                  <a:schemeClr val="tx1"/>
-                </a:solidFill>
-              </a:rPr>
-              <a:t>a</a:t>
-            </a:r>
-            <a:r>
-              <a:rPr lang="en-GB" sz="2200" dirty="0" smtClean="0">
-                <a:solidFill>
-                  <a:schemeClr val="tx1"/>
-                </a:solidFill>
-              </a:rPr>
-              <a:t>dapt own risk factor</a:t>
-            </a:r>
-          </a:p>
-          <a:p>
-            <a:pPr marL="342900" marR="0" lvl="2" indent="-342900" defTabSz="914400" eaLnBrk="1" fontAlgn="auto" latinLnBrk="0" hangingPunct="1">
-              <a:lnSpc>
-                <a:spcPct val="100000"/>
-              </a:lnSpc>
-              <a:spcBef>
-                <a:spcPts val="0"/>
-              </a:spcBef>
-              <a:spcAft>
-                <a:spcPts val="0"/>
-              </a:spcAft>
-              <a:buSzTx/>
-              <a:buFont typeface="Wingdings" charset="2"/>
-              <a:buChar char="§"/>
-              <a:tabLst/>
-              <a:defRPr/>
-            </a:pPr>
-            <a:endParaRPr lang="en-GB" sz="2200" dirty="0" smtClean="0">
-              <a:solidFill>
-                <a:schemeClr val="tx1"/>
-              </a:solidFill>
-            </a:endParaRPr>
-          </a:p>
-          <a:p>
-            <a:pPr marL="527050" lvl="3" indent="-342900">
-              <a:spcBef>
-                <a:spcPts val="0"/>
-              </a:spcBef>
-              <a:buFont typeface="Wingdings" charset="2"/>
-              <a:buChar char="§"/>
-            </a:pPr>
-            <a:r>
-              <a:rPr lang="en-GB" sz="2000" dirty="0" smtClean="0">
-                <a:solidFill>
-                  <a:schemeClr val="tx1"/>
-                </a:solidFill>
-              </a:rPr>
-              <a:t>Win: stay</a:t>
-            </a:r>
-          </a:p>
-          <a:p>
-            <a:pPr marL="527050" lvl="3" indent="-342900">
-              <a:spcBef>
-                <a:spcPts val="0"/>
-              </a:spcBef>
-              <a:buFont typeface="Wingdings" charset="2"/>
-              <a:buChar char="§"/>
-            </a:pPr>
-            <a:r>
-              <a:rPr lang="en-GB" sz="2000" dirty="0" smtClean="0">
-                <a:solidFill>
-                  <a:schemeClr val="tx1"/>
-                </a:solidFill>
-              </a:rPr>
-              <a:t>Loss: diminish </a:t>
-            </a:r>
-            <a:r>
-              <a:rPr lang="en-GB" sz="2000" dirty="0" err="1" smtClean="0">
-                <a:solidFill>
-                  <a:schemeClr val="tx1"/>
-                </a:solidFill>
-              </a:rPr>
-              <a:t>ris</a:t>
-            </a:r>
-            <a:r>
-              <a:rPr lang="en-GB" sz="2000" dirty="0" smtClean="0">
-                <a:solidFill>
-                  <a:schemeClr val="tx1"/>
-                </a:solidFill>
-              </a:rPr>
-              <a:t> factor</a:t>
-            </a:r>
-          </a:p>
-          <a:p>
-            <a:pPr marL="527050" lvl="3" indent="-342900">
-              <a:spcBef>
-                <a:spcPts val="0"/>
-              </a:spcBef>
-              <a:buFont typeface="Wingdings" charset="2"/>
-              <a:buChar char="§"/>
-            </a:pPr>
-            <a:r>
-              <a:rPr lang="en-GB" sz="2000" dirty="0" smtClean="0">
-                <a:solidFill>
-                  <a:schemeClr val="tx1"/>
-                </a:solidFill>
-              </a:rPr>
-              <a:t>Drop out: increase risk factor</a:t>
-            </a:r>
-          </a:p>
         </p:txBody>
       </p:sp>
       <p:sp>
@@ -7035,713 +7253,6 @@
             <a:fld id="{6C6AE60A-B69C-4790-82F7-3882EDF23186}" type="slidenum">
               <a:rPr lang="en-GB" smtClean="0"/>
               <a:t>6</a:t>
-            </a:fld>
-            <a:endParaRPr lang="en-GB" dirty="0"/>
-          </a:p>
-        </p:txBody>
-      </p:sp>
-      <p:sp>
-        <p:nvSpPr>
-          <p:cNvPr id="7" name="Titel 6"/>
-          <p:cNvSpPr>
-            <a:spLocks noGrp="1"/>
-          </p:cNvSpPr>
-          <p:nvPr>
-            <p:ph type="title"/>
-          </p:nvPr>
-        </p:nvSpPr>
-        <p:spPr/>
-        <p:txBody>
-          <a:bodyPr/>
-          <a:lstStyle/>
-          <a:p>
-            <a:r>
-              <a:rPr lang="en-GB" dirty="0" smtClean="0"/>
-              <a:t>Learning models overview</a:t>
-            </a:r>
-            <a:endParaRPr lang="en-GB" dirty="0"/>
-          </a:p>
-        </p:txBody>
-      </p:sp>
-      <p:sp>
-        <p:nvSpPr>
-          <p:cNvPr id="8" name="Rechteck 7"/>
-          <p:cNvSpPr/>
-          <p:nvPr/>
-        </p:nvSpPr>
-        <p:spPr>
-          <a:xfrm>
-            <a:off x="431631" y="6339682"/>
-            <a:ext cx="6832600" cy="406400"/>
-          </a:xfrm>
-          <a:prstGeom prst="rect">
-            <a:avLst/>
-          </a:prstGeom>
-          <a:solidFill>
-            <a:schemeClr val="bg1"/>
-          </a:solidFill>
-          <a:ln>
-            <a:noFill/>
-          </a:ln>
-        </p:spPr>
-        <p:style>
-          <a:lnRef idx="2">
-            <a:schemeClr val="accent1">
-              <a:shade val="50000"/>
-            </a:schemeClr>
-          </a:lnRef>
-          <a:fillRef idx="1">
-            <a:schemeClr val="accent1"/>
-          </a:fillRef>
-          <a:effectRef idx="0">
-            <a:schemeClr val="accent1"/>
-          </a:effectRef>
-          <a:fontRef idx="minor">
-            <a:schemeClr val="lt1"/>
-          </a:fontRef>
-        </p:style>
-        <p:txBody>
-          <a:bodyPr rtlCol="0" anchor="ctr"/>
-          <a:lstStyle/>
-          <a:p>
-            <a:r>
-              <a:rPr lang="de-DE" sz="1600" dirty="0">
-                <a:solidFill>
-                  <a:sysClr val="windowText" lastClr="000000"/>
-                </a:solidFill>
-              </a:rPr>
-              <a:t>Modeling </a:t>
-            </a:r>
-            <a:r>
-              <a:rPr lang="de-DE" sz="1600" dirty="0" err="1">
-                <a:solidFill>
-                  <a:sysClr val="windowText" lastClr="000000"/>
-                </a:solidFill>
-              </a:rPr>
-              <a:t>and</a:t>
-            </a:r>
-            <a:r>
-              <a:rPr lang="de-DE" sz="1600" dirty="0">
-                <a:solidFill>
-                  <a:sysClr val="windowText" lastClr="000000"/>
-                </a:solidFill>
-              </a:rPr>
-              <a:t> </a:t>
-            </a:r>
-            <a:r>
-              <a:rPr lang="de-DE" sz="1600" dirty="0" err="1" smtClean="0">
-                <a:solidFill>
-                  <a:sysClr val="windowText" lastClr="000000"/>
-                </a:solidFill>
-              </a:rPr>
-              <a:t>Simulating</a:t>
-            </a:r>
-            <a:r>
-              <a:rPr lang="de-DE" sz="1600" dirty="0" smtClean="0">
-                <a:solidFill>
-                  <a:sysClr val="windowText" lastClr="000000"/>
-                </a:solidFill>
-              </a:rPr>
-              <a:t> </a:t>
-            </a:r>
-            <a:r>
-              <a:rPr lang="de-DE" sz="1600" dirty="0" err="1">
-                <a:solidFill>
-                  <a:sysClr val="windowText" lastClr="000000"/>
-                </a:solidFill>
-              </a:rPr>
-              <a:t>Social</a:t>
-            </a:r>
-            <a:r>
-              <a:rPr lang="de-DE" sz="1600" dirty="0">
-                <a:solidFill>
-                  <a:sysClr val="windowText" lastClr="000000"/>
-                </a:solidFill>
-              </a:rPr>
-              <a:t> Systems </a:t>
-            </a:r>
-            <a:r>
-              <a:rPr lang="de-DE" sz="1600" dirty="0" err="1">
-                <a:solidFill>
-                  <a:sysClr val="windowText" lastClr="000000"/>
-                </a:solidFill>
-              </a:rPr>
-              <a:t>with</a:t>
-            </a:r>
-            <a:r>
-              <a:rPr lang="de-DE" sz="1600" dirty="0">
-                <a:solidFill>
-                  <a:sysClr val="windowText" lastClr="000000"/>
-                </a:solidFill>
-              </a:rPr>
-              <a:t> MATLAB </a:t>
-            </a:r>
-            <a:endParaRPr lang="de-DE" sz="1600" dirty="0">
-              <a:solidFill>
-                <a:sysClr val="windowText" lastClr="000000"/>
-              </a:solidFill>
-              <a:effectLst/>
-            </a:endParaRPr>
-          </a:p>
-        </p:txBody>
-      </p:sp>
-      <p:sp>
-        <p:nvSpPr>
-          <p:cNvPr id="9" name="Inhaltsplatzhalter 1"/>
-          <p:cNvSpPr>
-            <a:spLocks noGrp="1"/>
-          </p:cNvSpPr>
-          <p:nvPr>
-            <p:ph sz="half" idx="1"/>
-          </p:nvPr>
-        </p:nvSpPr>
-        <p:spPr>
-          <a:xfrm>
-            <a:off x="4412291" y="1947949"/>
-            <a:ext cx="3320353" cy="2604174"/>
-          </a:xfrm>
-        </p:spPr>
-        <p:style>
-          <a:lnRef idx="2">
-            <a:schemeClr val="accent6"/>
-          </a:lnRef>
-          <a:fillRef idx="1">
-            <a:schemeClr val="lt1"/>
-          </a:fillRef>
-          <a:effectRef idx="0">
-            <a:schemeClr val="accent6"/>
-          </a:effectRef>
-          <a:fontRef idx="minor">
-            <a:schemeClr val="dk1"/>
-          </a:fontRef>
-        </p:style>
-        <p:txBody>
-          <a:bodyPr/>
-          <a:lstStyle/>
-          <a:p>
-            <a:pPr marL="0" marR="0" lvl="2" indent="0" algn="ctr" defTabSz="914400" eaLnBrk="1" fontAlgn="auto" latinLnBrk="0" hangingPunct="1">
-              <a:lnSpc>
-                <a:spcPct val="100000"/>
-              </a:lnSpc>
-              <a:spcBef>
-                <a:spcPts val="0"/>
-              </a:spcBef>
-              <a:spcAft>
-                <a:spcPts val="0"/>
-              </a:spcAft>
-              <a:buSzTx/>
-              <a:buFontTx/>
-              <a:buNone/>
-              <a:tabLst/>
-              <a:defRPr/>
-            </a:pPr>
-            <a:r>
-              <a:rPr lang="en-GB" sz="2200" u="sng" dirty="0" smtClean="0">
-                <a:solidFill>
-                  <a:schemeClr val="tx1"/>
-                </a:solidFill>
-              </a:rPr>
-              <a:t>Count and Gauge model</a:t>
-            </a:r>
-          </a:p>
-          <a:p>
-            <a:pPr marL="0" marR="0" lvl="2" indent="0" algn="ctr" defTabSz="914400" eaLnBrk="1" fontAlgn="auto" latinLnBrk="0" hangingPunct="1">
-              <a:lnSpc>
-                <a:spcPct val="100000"/>
-              </a:lnSpc>
-              <a:spcBef>
-                <a:spcPts val="0"/>
-              </a:spcBef>
-              <a:spcAft>
-                <a:spcPts val="0"/>
-              </a:spcAft>
-              <a:buSzTx/>
-              <a:buFontTx/>
-              <a:buNone/>
-              <a:tabLst/>
-              <a:defRPr/>
-            </a:pPr>
-            <a:endParaRPr lang="en-GB" sz="2200" u="sng" dirty="0">
-              <a:solidFill>
-                <a:schemeClr val="tx1"/>
-              </a:solidFill>
-            </a:endParaRPr>
-          </a:p>
-          <a:p>
-            <a:pPr marL="342900" marR="0" lvl="2" indent="-342900" defTabSz="914400" eaLnBrk="1" fontAlgn="auto" latinLnBrk="0" hangingPunct="1">
-              <a:lnSpc>
-                <a:spcPct val="100000"/>
-              </a:lnSpc>
-              <a:spcBef>
-                <a:spcPts val="0"/>
-              </a:spcBef>
-              <a:spcAft>
-                <a:spcPts val="0"/>
-              </a:spcAft>
-              <a:buSzTx/>
-              <a:buFont typeface="Wingdings" charset="2"/>
-              <a:buChar char="§"/>
-              <a:tabLst/>
-              <a:defRPr/>
-            </a:pPr>
-            <a:r>
-              <a:rPr lang="en-GB" sz="2200" dirty="0" smtClean="0">
-                <a:solidFill>
-                  <a:schemeClr val="tx1"/>
-                </a:solidFill>
-              </a:rPr>
-              <a:t>evaluate opponents behaviour to find opponents risk factor</a:t>
-            </a:r>
-          </a:p>
-          <a:p>
-            <a:pPr marL="342900" marR="0" lvl="2" indent="-342900" defTabSz="914400" eaLnBrk="1" fontAlgn="auto" latinLnBrk="0" hangingPunct="1">
-              <a:lnSpc>
-                <a:spcPct val="100000"/>
-              </a:lnSpc>
-              <a:spcBef>
-                <a:spcPts val="0"/>
-              </a:spcBef>
-              <a:spcAft>
-                <a:spcPts val="0"/>
-              </a:spcAft>
-              <a:buSzTx/>
-              <a:buFont typeface="Wingdings" charset="2"/>
-              <a:buChar char="§"/>
-              <a:tabLst/>
-              <a:defRPr/>
-            </a:pPr>
-            <a:endParaRPr lang="en-GB" sz="2200" dirty="0" smtClean="0">
-              <a:solidFill>
-                <a:schemeClr val="tx1"/>
-              </a:solidFill>
-            </a:endParaRPr>
-          </a:p>
-          <a:p>
-            <a:pPr marL="527050" lvl="3" indent="-342900">
-              <a:spcBef>
-                <a:spcPts val="0"/>
-              </a:spcBef>
-              <a:buFont typeface="Wingdings" charset="2"/>
-              <a:buChar char="§"/>
-            </a:pPr>
-            <a:r>
-              <a:rPr lang="en-GB" sz="2000" dirty="0" smtClean="0">
-                <a:solidFill>
-                  <a:schemeClr val="tx1"/>
-                </a:solidFill>
-              </a:rPr>
-              <a:t>count amount of unforced initial plays</a:t>
-            </a:r>
-          </a:p>
-        </p:txBody>
-      </p:sp>
-      <p:sp>
-        <p:nvSpPr>
-          <p:cNvPr id="10" name="Inhaltsplatzhalter 1"/>
-          <p:cNvSpPr>
-            <a:spLocks noGrp="1"/>
-          </p:cNvSpPr>
-          <p:nvPr>
-            <p:ph sz="half" idx="1"/>
-          </p:nvPr>
-        </p:nvSpPr>
-        <p:spPr>
-          <a:xfrm>
-            <a:off x="8285838" y="1947950"/>
-            <a:ext cx="3469770" cy="2981860"/>
-          </a:xfrm>
-        </p:spPr>
-        <p:style>
-          <a:lnRef idx="2">
-            <a:schemeClr val="accent6"/>
-          </a:lnRef>
-          <a:fillRef idx="1">
-            <a:schemeClr val="lt1"/>
-          </a:fillRef>
-          <a:effectRef idx="0">
-            <a:schemeClr val="accent6"/>
-          </a:effectRef>
-          <a:fontRef idx="minor">
-            <a:schemeClr val="dk1"/>
-          </a:fontRef>
-        </p:style>
-        <p:txBody>
-          <a:bodyPr/>
-          <a:lstStyle/>
-          <a:p>
-            <a:pPr marL="0" marR="0" lvl="2" indent="0" algn="ctr" defTabSz="914400" eaLnBrk="1" fontAlgn="auto" latinLnBrk="0" hangingPunct="1">
-              <a:lnSpc>
-                <a:spcPct val="100000"/>
-              </a:lnSpc>
-              <a:spcBef>
-                <a:spcPts val="0"/>
-              </a:spcBef>
-              <a:spcAft>
-                <a:spcPts val="0"/>
-              </a:spcAft>
-              <a:buSzTx/>
-              <a:buFontTx/>
-              <a:buNone/>
-              <a:tabLst/>
-              <a:defRPr/>
-            </a:pPr>
-            <a:r>
-              <a:rPr lang="en-GB" sz="2200" u="sng" dirty="0" smtClean="0">
-                <a:solidFill>
-                  <a:schemeClr val="tx1"/>
-                </a:solidFill>
-              </a:rPr>
-              <a:t>Threshold model</a:t>
-            </a:r>
-          </a:p>
-          <a:p>
-            <a:pPr marL="0" marR="0" lvl="2" indent="0" defTabSz="914400" eaLnBrk="1" fontAlgn="auto" latinLnBrk="0" hangingPunct="1">
-              <a:lnSpc>
-                <a:spcPct val="100000"/>
-              </a:lnSpc>
-              <a:spcBef>
-                <a:spcPts val="0"/>
-              </a:spcBef>
-              <a:spcAft>
-                <a:spcPts val="0"/>
-              </a:spcAft>
-              <a:buSzTx/>
-              <a:buFontTx/>
-              <a:buNone/>
-              <a:tabLst/>
-              <a:defRPr/>
-            </a:pPr>
-            <a:endParaRPr lang="en-GB" sz="2200" dirty="0">
-              <a:solidFill>
-                <a:schemeClr val="tx1"/>
-              </a:solidFill>
-            </a:endParaRPr>
-          </a:p>
-          <a:p>
-            <a:pPr marL="342900" lvl="2" indent="-342900">
-              <a:spcBef>
-                <a:spcPts val="0"/>
-              </a:spcBef>
-            </a:pPr>
-            <a:r>
-              <a:rPr lang="en-GB" sz="2200" dirty="0" smtClean="0">
-                <a:solidFill>
-                  <a:schemeClr val="tx1"/>
-                </a:solidFill>
-              </a:rPr>
-              <a:t>evaluate showdown to find opponents risk factor</a:t>
-            </a:r>
-          </a:p>
-          <a:p>
-            <a:pPr marL="342900" lvl="2" indent="-342900">
-              <a:spcBef>
-                <a:spcPts val="0"/>
-              </a:spcBef>
-            </a:pPr>
-            <a:endParaRPr lang="en-GB" sz="2200" dirty="0">
-              <a:solidFill>
-                <a:schemeClr val="tx1"/>
-              </a:solidFill>
-            </a:endParaRPr>
-          </a:p>
-          <a:p>
-            <a:pPr marL="527050" lvl="3" indent="-342900">
-              <a:spcBef>
-                <a:spcPts val="0"/>
-              </a:spcBef>
-            </a:pPr>
-            <a:r>
-              <a:rPr lang="en-GB" sz="2000" dirty="0">
-                <a:solidFill>
-                  <a:schemeClr val="tx1"/>
-                </a:solidFill>
-              </a:rPr>
-              <a:t>s</a:t>
-            </a:r>
-            <a:r>
-              <a:rPr lang="en-GB" sz="2000" dirty="0" smtClean="0">
-                <a:solidFill>
-                  <a:schemeClr val="tx1"/>
-                </a:solidFill>
-              </a:rPr>
-              <a:t>et opponents card value as threshold for his risk factor</a:t>
-            </a:r>
-          </a:p>
-        </p:txBody>
-      </p:sp>
-      <p:sp>
-        <p:nvSpPr>
-          <p:cNvPr id="11" name="Right Brace 10"/>
-          <p:cNvSpPr/>
-          <p:nvPr/>
-        </p:nvSpPr>
-        <p:spPr>
-          <a:xfrm rot="5400000">
-            <a:off x="7835469" y="1506631"/>
-            <a:ext cx="496957" cy="7343315"/>
-          </a:xfrm>
-          <a:prstGeom prst="rightBrace">
-            <a:avLst/>
-          </a:prstGeom>
-          <a:ln w="19050">
-            <a:solidFill>
-              <a:schemeClr val="tx1"/>
-            </a:solidFill>
-            <a:headEnd type="none" w="med" len="med"/>
-            <a:tailEnd type="none" w="med" len="med"/>
-          </a:ln>
-        </p:spPr>
-        <p:style>
-          <a:lnRef idx="1">
-            <a:schemeClr val="accent1"/>
-          </a:lnRef>
-          <a:fillRef idx="0">
-            <a:schemeClr val="accent1"/>
-          </a:fillRef>
-          <a:effectRef idx="0">
-            <a:schemeClr val="accent1"/>
-          </a:effectRef>
-          <a:fontRef idx="minor">
-            <a:schemeClr val="tx1"/>
-          </a:fontRef>
-        </p:style>
-        <p:txBody>
-          <a:bodyPr rtlCol="0" anchor="ctr"/>
-          <a:lstStyle/>
-          <a:p>
-            <a:pPr algn="ctr"/>
-            <a:endParaRPr lang="en-US"/>
-          </a:p>
-        </p:txBody>
-      </p:sp>
-      <p:sp>
-        <p:nvSpPr>
-          <p:cNvPr id="13" name="Content Placeholder 12"/>
-          <p:cNvSpPr>
-            <a:spLocks noGrp="1"/>
-          </p:cNvSpPr>
-          <p:nvPr>
-            <p:ph sz="half" idx="1"/>
-          </p:nvPr>
-        </p:nvSpPr>
-        <p:spPr>
-          <a:xfrm>
-            <a:off x="4412289" y="5584305"/>
-            <a:ext cx="7343315" cy="377687"/>
-          </a:xfrm>
-        </p:spPr>
-        <p:txBody>
-          <a:bodyPr/>
-          <a:lstStyle/>
-          <a:p>
-            <a:r>
-              <a:rPr lang="en-US" dirty="0" smtClean="0"/>
-              <a:t>Find own optimal risk factor from previous simulation results</a:t>
-            </a:r>
-            <a:endParaRPr lang="en-US" dirty="0"/>
-          </a:p>
-        </p:txBody>
-      </p:sp>
-    </p:spTree>
-    <p:extLst>
-      <p:ext uri="{BB962C8B-B14F-4D97-AF65-F5344CB8AC3E}">
-        <p14:creationId xmlns:p14="http://schemas.microsoft.com/office/powerpoint/2010/main" val="502966477"/>
-      </p:ext>
-    </p:extLst>
-  </p:cSld>
-  <p:clrMapOvr>
-    <a:masterClrMapping/>
-  </p:clrMapOvr>
-  <p:transition>
-    <p:fade/>
-  </p:transition>
-  <p:timing>
-    <p:tnLst>
-      <p:par>
-        <p:cTn id="1" dur="indefinite" restart="never" nodeType="tmRoot"/>
-      </p:par>
-    </p:tnLst>
-  </p:timing>
-</p:sld>
-</file>
-
-<file path=ppt/slides/slide7.xml><?xml version="1.0" encoding="utf-8"?>
-<p:sld xmlns:a="http://schemas.openxmlformats.org/drawingml/2006/main" xmlns:r="http://schemas.openxmlformats.org/officeDocument/2006/relationships" xmlns:p="http://schemas.openxmlformats.org/presentationml/2006/main">
-  <p:cSld>
-    <p:spTree>
-      <p:nvGrpSpPr>
-        <p:cNvPr id="1" name=""/>
-        <p:cNvGrpSpPr/>
-        <p:nvPr/>
-      </p:nvGrpSpPr>
-      <p:grpSpPr>
-        <a:xfrm>
-          <a:off x="0" y="0"/>
-          <a:ext cx="0" cy="0"/>
-          <a:chOff x="0" y="0"/>
-          <a:chExt cx="0" cy="0"/>
-        </a:xfrm>
-      </p:grpSpPr>
-      <p:sp>
-        <p:nvSpPr>
-          <p:cNvPr id="2" name="Inhaltsplatzhalter 1"/>
-          <p:cNvSpPr>
-            <a:spLocks noGrp="1"/>
-          </p:cNvSpPr>
-          <p:nvPr>
-            <p:ph sz="half" idx="1"/>
-          </p:nvPr>
-        </p:nvSpPr>
-        <p:spPr>
-          <a:xfrm>
-            <a:off x="431631" y="1990162"/>
-            <a:ext cx="3506978" cy="4213225"/>
-          </a:xfrm>
-        </p:spPr>
-        <p:style>
-          <a:lnRef idx="2">
-            <a:schemeClr val="accent6"/>
-          </a:lnRef>
-          <a:fillRef idx="1">
-            <a:schemeClr val="lt1"/>
-          </a:fillRef>
-          <a:effectRef idx="0">
-            <a:schemeClr val="accent6"/>
-          </a:effectRef>
-          <a:fontRef idx="minor">
-            <a:schemeClr val="dk1"/>
-          </a:fontRef>
-        </p:style>
-        <p:txBody>
-          <a:bodyPr/>
-          <a:lstStyle/>
-          <a:p>
-            <a:pPr marL="0" marR="0" lvl="2" indent="0" algn="ctr" defTabSz="914400" eaLnBrk="1" fontAlgn="auto" latinLnBrk="0" hangingPunct="1">
-              <a:lnSpc>
-                <a:spcPct val="100000"/>
-              </a:lnSpc>
-              <a:spcBef>
-                <a:spcPts val="0"/>
-              </a:spcBef>
-              <a:spcAft>
-                <a:spcPts val="0"/>
-              </a:spcAft>
-              <a:buSzTx/>
-              <a:buFontTx/>
-              <a:buNone/>
-              <a:tabLst/>
-              <a:defRPr/>
-            </a:pPr>
-            <a:r>
-              <a:rPr lang="en-GB" sz="2200" u="sng" dirty="0" smtClean="0">
-                <a:solidFill>
-                  <a:schemeClr val="tx1"/>
-                </a:solidFill>
-              </a:rPr>
-              <a:t>Iteration model</a:t>
-            </a:r>
-          </a:p>
-          <a:p>
-            <a:pPr marL="0" marR="0" lvl="2" indent="0" algn="ctr" defTabSz="914400" eaLnBrk="1" fontAlgn="auto" latinLnBrk="0" hangingPunct="1">
-              <a:lnSpc>
-                <a:spcPct val="100000"/>
-              </a:lnSpc>
-              <a:spcBef>
-                <a:spcPts val="0"/>
-              </a:spcBef>
-              <a:spcAft>
-                <a:spcPts val="0"/>
-              </a:spcAft>
-              <a:buSzTx/>
-              <a:buFontTx/>
-              <a:buNone/>
-              <a:tabLst/>
-              <a:defRPr/>
-            </a:pPr>
-            <a:endParaRPr lang="en-GB" sz="2200" u="sng" dirty="0">
-              <a:solidFill>
-                <a:schemeClr val="tx1"/>
-              </a:solidFill>
-            </a:endParaRPr>
-          </a:p>
-        </p:txBody>
-      </p:sp>
-      <p:sp>
-        <p:nvSpPr>
-          <p:cNvPr id="4" name="Datumsplatzhalter 3"/>
-          <p:cNvSpPr>
-            <a:spLocks noGrp="1"/>
-          </p:cNvSpPr>
-          <p:nvPr>
-            <p:ph type="dt" sz="half" idx="10"/>
-          </p:nvPr>
-        </p:nvSpPr>
-        <p:spPr/>
-        <p:txBody>
-          <a:bodyPr/>
-          <a:lstStyle/>
-          <a:p>
-            <a:fld id="{C6A1628A-2A40-4B37-B167-309C0EBB4BBF}" type="datetime1">
-              <a:rPr lang="en-GB" smtClean="0"/>
-              <a:t>18/12/2016</a:t>
-            </a:fld>
-            <a:endParaRPr lang="en-GB" dirty="0"/>
-          </a:p>
-        </p:txBody>
-      </p:sp>
-      <p:sp>
-        <p:nvSpPr>
-          <p:cNvPr id="5" name="Fußzeilenplatzhalter 4"/>
-          <p:cNvSpPr>
-            <a:spLocks noGrp="1"/>
-          </p:cNvSpPr>
-          <p:nvPr>
-            <p:ph type="ftr" sz="quarter" idx="11"/>
-          </p:nvPr>
-        </p:nvSpPr>
-        <p:spPr/>
-        <p:txBody>
-          <a:bodyPr/>
-          <a:lstStyle/>
-          <a:p>
-            <a:r>
-              <a:rPr lang="de-CH" dirty="0"/>
-              <a:t>Tim Weber , Jan </a:t>
-            </a:r>
-            <a:r>
-              <a:rPr lang="de-CH" dirty="0" err="1"/>
-              <a:t>Speckien</a:t>
-            </a:r>
-            <a:r>
-              <a:rPr lang="de-CH" dirty="0"/>
-              <a:t>, Patrice Gobat, Lionel </a:t>
-            </a:r>
-            <a:r>
-              <a:rPr lang="de-CH" dirty="0" err="1" smtClean="0"/>
-              <a:t>Gulich</a:t>
-            </a:r>
-            <a:endParaRPr lang="de-CH" dirty="0"/>
-          </a:p>
-        </p:txBody>
-      </p:sp>
-      <p:sp>
-        <p:nvSpPr>
-          <p:cNvPr id="6" name="Foliennummernplatzhalter 5"/>
-          <p:cNvSpPr>
-            <a:spLocks noGrp="1"/>
-          </p:cNvSpPr>
-          <p:nvPr>
-            <p:ph type="sldNum" sz="quarter" idx="12"/>
-          </p:nvPr>
-        </p:nvSpPr>
-        <p:spPr/>
-        <p:txBody>
-          <a:bodyPr/>
-          <a:lstStyle/>
-          <a:p>
-            <a:fld id="{6C6AE60A-B69C-4790-82F7-3882EDF23186}" type="slidenum">
-              <a:rPr lang="en-GB" smtClean="0"/>
-              <a:t>7</a:t>
             </a:fld>
             <a:endParaRPr lang="en-GB" dirty="0"/>
           </a:p>
@@ -8632,7 +8143,7 @@
 </p:sld>
 </file>
 
-<file path=ppt/slides/slide8.xml><?xml version="1.0" encoding="utf-8"?>
+<file path=ppt/slides/slide7.xml><?xml version="1.0" encoding="utf-8"?>
 <p:sld xmlns:a="http://schemas.openxmlformats.org/drawingml/2006/main" xmlns:r="http://schemas.openxmlformats.org/officeDocument/2006/relationships" xmlns:p="http://schemas.openxmlformats.org/presentationml/2006/main">
   <p:cSld>
     <p:spTree>
@@ -8672,7 +8183,7 @@
             <a:pPr lvl="1"/>
             <a:r>
               <a:rPr lang="en-GB" sz="2200" dirty="0" smtClean="0"/>
-              <a:t>Optimised capital-bet-ratio</a:t>
+              <a:t>Changing capital-bet-ratio</a:t>
             </a:r>
           </a:p>
           <a:p>
@@ -8698,11 +8209,11 @@
             <a:pPr lvl="1"/>
             <a:r>
               <a:rPr lang="en-GB" sz="2200" dirty="0" smtClean="0"/>
-              <a:t>Increasing </a:t>
+              <a:t>Increasing blinds </a:t>
             </a:r>
             <a:r>
               <a:rPr lang="en-GB" sz="2200" dirty="0"/>
-              <a:t>bet over </a:t>
+              <a:t>over </a:t>
             </a:r>
             <a:r>
               <a:rPr lang="en-GB" sz="2200" dirty="0" smtClean="0"/>
@@ -8739,7 +8250,7 @@
             <a:pPr lvl="1"/>
             <a:r>
               <a:rPr lang="en-GB" sz="2200" dirty="0" smtClean="0"/>
-              <a:t>Real cards</a:t>
+              <a:t>Real cards and odds</a:t>
             </a:r>
           </a:p>
           <a:p>
@@ -8851,7 +8362,7 @@
           <a:p>
             <a:fld id="{6C6AE60A-B69C-4790-82F7-3882EDF23186}" type="slidenum">
               <a:rPr lang="en-GB" smtClean="0"/>
-              <a:t>8</a:t>
+              <a:t>7</a:t>
             </a:fld>
             <a:endParaRPr lang="en-GB" dirty="0"/>
           </a:p>
@@ -9006,6 +8517,350 @@
     <p:extLst>
       <p:ext uri="{BB962C8B-B14F-4D97-AF65-F5344CB8AC3E}">
         <p14:creationId xmlns:p14="http://schemas.microsoft.com/office/powerpoint/2010/main" val="1900596781"/>
+      </p:ext>
+    </p:extLst>
+  </p:cSld>
+  <p:clrMapOvr>
+    <a:masterClrMapping/>
+  </p:clrMapOvr>
+  <p:transition>
+    <p:fade/>
+  </p:transition>
+  <p:timing>
+    <p:tnLst>
+      <p:par>
+        <p:cTn id="1" dur="indefinite" restart="never" nodeType="tmRoot"/>
+      </p:par>
+    </p:tnLst>
+  </p:timing>
+</p:sld>
+</file>
+
+<file path=ppt/slides/slide8.xml><?xml version="1.0" encoding="utf-8"?>
+<p:sld xmlns:a="http://schemas.openxmlformats.org/drawingml/2006/main" xmlns:r="http://schemas.openxmlformats.org/officeDocument/2006/relationships" xmlns:p="http://schemas.openxmlformats.org/presentationml/2006/main">
+  <p:cSld>
+    <p:spTree>
+      <p:nvGrpSpPr>
+        <p:cNvPr id="1" name=""/>
+        <p:cNvGrpSpPr/>
+        <p:nvPr/>
+      </p:nvGrpSpPr>
+      <p:grpSpPr>
+        <a:xfrm>
+          <a:off x="0" y="0"/>
+          <a:ext cx="0" cy="0"/>
+          <a:chOff x="0" y="0"/>
+          <a:chExt cx="0" cy="0"/>
+        </a:xfrm>
+      </p:grpSpPr>
+      <p:sp>
+        <p:nvSpPr>
+          <p:cNvPr id="2" name="Titel 1"/>
+          <p:cNvSpPr>
+            <a:spLocks noGrp="1"/>
+          </p:cNvSpPr>
+          <p:nvPr>
+            <p:ph type="ctrTitle"/>
+          </p:nvPr>
+        </p:nvSpPr>
+        <p:spPr/>
+        <p:txBody>
+          <a:bodyPr/>
+          <a:lstStyle/>
+          <a:p>
+            <a:r>
+              <a:rPr lang="en-GB" dirty="0" smtClean="0"/>
+              <a:t>End of presentation </a:t>
+            </a:r>
+            <a:endParaRPr lang="en-GB" dirty="0"/>
+          </a:p>
+        </p:txBody>
+      </p:sp>
+      <p:sp>
+        <p:nvSpPr>
+          <p:cNvPr id="4" name="Datumsplatzhalter 3"/>
+          <p:cNvSpPr>
+            <a:spLocks noGrp="1"/>
+          </p:cNvSpPr>
+          <p:nvPr>
+            <p:ph type="dt" sz="half" idx="10"/>
+          </p:nvPr>
+        </p:nvSpPr>
+        <p:spPr/>
+        <p:txBody>
+          <a:bodyPr/>
+          <a:lstStyle/>
+          <a:p>
+            <a:fld id="{0E397BD4-0686-495C-8D8F-54DB8CB790DF}" type="datetime1">
+              <a:rPr lang="de-DE" smtClean="0"/>
+              <a:t>18.12.16</a:t>
+            </a:fld>
+            <a:endParaRPr lang="de-DE"/>
+          </a:p>
+        </p:txBody>
+      </p:sp>
+      <p:sp>
+        <p:nvSpPr>
+          <p:cNvPr id="5" name="Fußzeilenplatzhalter 4"/>
+          <p:cNvSpPr>
+            <a:spLocks noGrp="1"/>
+          </p:cNvSpPr>
+          <p:nvPr>
+            <p:ph type="ftr" sz="quarter" idx="11"/>
+          </p:nvPr>
+        </p:nvSpPr>
+        <p:spPr/>
+        <p:txBody>
+          <a:bodyPr/>
+          <a:lstStyle/>
+          <a:p>
+            <a:r>
+              <a:rPr lang="de-CH" dirty="0"/>
+              <a:t>Tim Weber, Patrice Gobat, Lionel </a:t>
+            </a:r>
+            <a:r>
+              <a:rPr lang="de-CH" dirty="0" err="1"/>
+              <a:t>Gulich</a:t>
+            </a:r>
+            <a:r>
+              <a:rPr lang="de-CH" dirty="0"/>
+              <a:t>, Jan </a:t>
+            </a:r>
+            <a:r>
+              <a:rPr lang="de-CH" dirty="0" err="1"/>
+              <a:t>Speckien</a:t>
+            </a:r>
+            <a:endParaRPr lang="de-CH" dirty="0"/>
+          </a:p>
+        </p:txBody>
+      </p:sp>
+      <p:sp>
+        <p:nvSpPr>
+          <p:cNvPr id="6" name="Foliennummernplatzhalter 5"/>
+          <p:cNvSpPr>
+            <a:spLocks noGrp="1"/>
+          </p:cNvSpPr>
+          <p:nvPr>
+            <p:ph type="sldNum" sz="quarter" idx="12"/>
+          </p:nvPr>
+        </p:nvSpPr>
+        <p:spPr/>
+        <p:txBody>
+          <a:bodyPr/>
+          <a:lstStyle/>
+          <a:p>
+            <a:fld id="{6C6AE60A-B69C-4790-82F7-3882EDF23186}" type="slidenum">
+              <a:rPr lang="de-DE" smtClean="0"/>
+              <a:t>8</a:t>
+            </a:fld>
+            <a:endParaRPr lang="de-DE"/>
+          </a:p>
+        </p:txBody>
+      </p:sp>
+      <p:sp>
+        <p:nvSpPr>
+          <p:cNvPr id="8" name="Rechteck 7"/>
+          <p:cNvSpPr/>
+          <p:nvPr/>
+        </p:nvSpPr>
+        <p:spPr>
+          <a:xfrm>
+            <a:off x="431632" y="6339682"/>
+            <a:ext cx="6832600" cy="406400"/>
+          </a:xfrm>
+          <a:prstGeom prst="rect">
+            <a:avLst/>
+          </a:prstGeom>
+          <a:solidFill>
+            <a:schemeClr val="bg1"/>
+          </a:solidFill>
+          <a:ln>
+            <a:noFill/>
+          </a:ln>
+        </p:spPr>
+        <p:style>
+          <a:lnRef idx="2">
+            <a:schemeClr val="accent1">
+              <a:shade val="50000"/>
+            </a:schemeClr>
+          </a:lnRef>
+          <a:fillRef idx="1">
+            <a:schemeClr val="accent1"/>
+          </a:fillRef>
+          <a:effectRef idx="0">
+            <a:schemeClr val="accent1"/>
+          </a:effectRef>
+          <a:fontRef idx="minor">
+            <a:schemeClr val="lt1"/>
+          </a:fontRef>
+        </p:style>
+        <p:txBody>
+          <a:bodyPr rtlCol="0" anchor="ctr"/>
+          <a:lstStyle/>
+          <a:p>
+            <a:r>
+              <a:rPr lang="de-DE" sz="1600" dirty="0">
+                <a:solidFill>
+                  <a:sysClr val="windowText" lastClr="000000"/>
+                </a:solidFill>
+              </a:rPr>
+              <a:t>Modeling </a:t>
+            </a:r>
+            <a:r>
+              <a:rPr lang="de-DE" sz="1600" dirty="0" err="1">
+                <a:solidFill>
+                  <a:sysClr val="windowText" lastClr="000000"/>
+                </a:solidFill>
+              </a:rPr>
+              <a:t>and</a:t>
+            </a:r>
+            <a:r>
+              <a:rPr lang="de-DE" sz="1600" dirty="0">
+                <a:solidFill>
+                  <a:sysClr val="windowText" lastClr="000000"/>
+                </a:solidFill>
+              </a:rPr>
+              <a:t> Simulation </a:t>
+            </a:r>
+            <a:r>
+              <a:rPr lang="de-DE" sz="1600" dirty="0" err="1">
+                <a:solidFill>
+                  <a:sysClr val="windowText" lastClr="000000"/>
+                </a:solidFill>
+              </a:rPr>
+              <a:t>of</a:t>
+            </a:r>
+            <a:r>
+              <a:rPr lang="de-DE" sz="1600" dirty="0">
+                <a:solidFill>
+                  <a:sysClr val="windowText" lastClr="000000"/>
+                </a:solidFill>
+              </a:rPr>
+              <a:t> </a:t>
+            </a:r>
+            <a:r>
+              <a:rPr lang="de-DE" sz="1600" dirty="0" err="1">
+                <a:solidFill>
+                  <a:sysClr val="windowText" lastClr="000000"/>
+                </a:solidFill>
+              </a:rPr>
+              <a:t>Social</a:t>
+            </a:r>
+            <a:r>
+              <a:rPr lang="de-DE" sz="1600" dirty="0">
+                <a:solidFill>
+                  <a:sysClr val="windowText" lastClr="000000"/>
+                </a:solidFill>
+              </a:rPr>
+              <a:t> Systems </a:t>
+            </a:r>
+            <a:r>
+              <a:rPr lang="de-DE" sz="1600" dirty="0" err="1">
+                <a:solidFill>
+                  <a:sysClr val="windowText" lastClr="000000"/>
+                </a:solidFill>
+              </a:rPr>
+              <a:t>with</a:t>
+            </a:r>
+            <a:r>
+              <a:rPr lang="de-DE" sz="1600" dirty="0">
+                <a:solidFill>
+                  <a:sysClr val="windowText" lastClr="000000"/>
+                </a:solidFill>
+              </a:rPr>
+              <a:t> MATLAB </a:t>
+            </a:r>
+            <a:endParaRPr lang="de-DE" sz="1600" dirty="0">
+              <a:solidFill>
+                <a:sysClr val="windowText" lastClr="000000"/>
+              </a:solidFill>
+              <a:effectLst/>
+            </a:endParaRPr>
+          </a:p>
+        </p:txBody>
+      </p:sp>
+      <p:sp>
+        <p:nvSpPr>
+          <p:cNvPr id="9" name="Untertitel 8"/>
+          <p:cNvSpPr>
+            <a:spLocks noGrp="1"/>
+          </p:cNvSpPr>
+          <p:nvPr>
+            <p:ph type="subTitle" idx="1"/>
+          </p:nvPr>
+        </p:nvSpPr>
+        <p:spPr/>
+        <p:txBody>
+          <a:bodyPr/>
+          <a:lstStyle/>
+          <a:p>
+            <a:endParaRPr lang="en-GB"/>
+          </a:p>
+        </p:txBody>
+      </p:sp>
+      <p:sp>
+        <p:nvSpPr>
+          <p:cNvPr id="10" name="Textfeld 9"/>
+          <p:cNvSpPr txBox="1"/>
+          <p:nvPr/>
+        </p:nvSpPr>
+        <p:spPr>
+          <a:xfrm>
+            <a:off x="431631" y="675859"/>
+            <a:ext cx="11323975" cy="1231106"/>
+          </a:xfrm>
+          <a:prstGeom prst="rect">
+            <a:avLst/>
+          </a:prstGeom>
+          <a:noFill/>
+        </p:spPr>
+        <p:txBody>
+          <a:bodyPr wrap="square" rtlCol="0">
+            <a:spAutoFit/>
+          </a:bodyPr>
+          <a:lstStyle/>
+          <a:p>
+            <a:r>
+              <a:rPr lang="en-GB" sz="2000" dirty="0" smtClean="0"/>
+              <a:t>Sources:</a:t>
+            </a:r>
+            <a:r>
+              <a:rPr lang="en-GB" dirty="0" smtClean="0"/>
+              <a:t/>
+            </a:r>
+            <a:br>
+              <a:rPr lang="en-GB" dirty="0" smtClean="0"/>
+            </a:br>
+            <a:r>
+              <a:rPr lang="en-GB" dirty="0"/>
+              <a:t> [1] Poker hand ranking sheet. http://www. </a:t>
+            </a:r>
+            <a:r>
+              <a:rPr lang="en-GB" dirty="0" err="1"/>
+              <a:t>pokerbonus.com</a:t>
+            </a:r>
+            <a:r>
+              <a:rPr lang="en-GB" dirty="0"/>
+              <a:t>/how-to-play-poker/ poker-hands/poker-hand-ranking/ poker-hand-ranking-chart</a:t>
+            </a:r>
+            <a:r>
+              <a:rPr lang="en-GB" dirty="0" smtClean="0"/>
+              <a:t>/, </a:t>
+            </a:r>
+            <a:r>
+              <a:rPr lang="en-GB" dirty="0"/>
+              <a:t>accessed on 15. December 2016. </a:t>
+            </a:r>
+          </a:p>
+          <a:p>
+            <a:endParaRPr lang="en-GB" dirty="0"/>
+          </a:p>
+        </p:txBody>
+      </p:sp>
+    </p:spTree>
+    <p:extLst>
+      <p:ext uri="{BB962C8B-B14F-4D97-AF65-F5344CB8AC3E}">
+        <p14:creationId xmlns:p14="http://schemas.microsoft.com/office/powerpoint/2010/main" val="451716909"/>
       </p:ext>
     </p:extLst>
   </p:cSld>
@@ -9044,12 +8899,12 @@
       </p:grpSpPr>
       <p:sp>
         <p:nvSpPr>
-          <p:cNvPr id="2" name="Titel 1"/>
-          <p:cNvSpPr>
-            <a:spLocks noGrp="1"/>
-          </p:cNvSpPr>
-          <p:nvPr>
-            <p:ph type="ctrTitle"/>
+          <p:cNvPr id="2" name="Datumsplatzhalter 1"/>
+          <p:cNvSpPr>
+            <a:spLocks noGrp="1"/>
+          </p:cNvSpPr>
+          <p:nvPr>
+            <p:ph type="dt" sz="half" idx="10"/>
           </p:nvPr>
         </p:nvSpPr>
         <p:spPr/>
@@ -9057,30 +8912,7 @@
           <a:bodyPr/>
           <a:lstStyle/>
           <a:p>
-            <a:r>
-              <a:rPr lang="en-GB" dirty="0" smtClean="0"/>
-              <a:t>End of presentation </a:t>
-            </a:r>
-            <a:endParaRPr lang="en-GB" dirty="0"/>
-          </a:p>
-        </p:txBody>
-      </p:sp>
-      <p:sp>
-        <p:nvSpPr>
-          <p:cNvPr id="4" name="Datumsplatzhalter 3"/>
-          <p:cNvSpPr>
-            <a:spLocks noGrp="1"/>
-          </p:cNvSpPr>
-          <p:nvPr>
-            <p:ph type="dt" sz="half" idx="10"/>
-          </p:nvPr>
-        </p:nvSpPr>
-        <p:spPr/>
-        <p:txBody>
-          <a:bodyPr/>
-          <a:lstStyle/>
-          <a:p>
-            <a:fld id="{0E397BD4-0686-495C-8D8F-54DB8CB790DF}" type="datetime1">
+            <a:fld id="{7D860B62-60FD-48EF-B2F4-6E7265AD3459}" type="datetime1">
               <a:rPr lang="de-DE" smtClean="0"/>
               <a:t>18.12.16</a:t>
             </a:fld>
@@ -9090,7 +8922,7 @@
       </p:sp>
       <p:sp>
         <p:nvSpPr>
-          <p:cNvPr id="5" name="Fußzeilenplatzhalter 4"/>
+          <p:cNvPr id="3" name="Fußzeilenplatzhalter 2"/>
           <p:cNvSpPr>
             <a:spLocks noGrp="1"/>
           </p:cNvSpPr>
@@ -9125,7 +8957,7 @@
       </p:sp>
       <p:sp>
         <p:nvSpPr>
-          <p:cNvPr id="6" name="Foliennummernplatzhalter 5"/>
+          <p:cNvPr id="4" name="Foliennummernplatzhalter 3"/>
           <p:cNvSpPr>
             <a:spLocks noGrp="1"/>
           </p:cNvSpPr>
@@ -9148,7 +8980,7 @@
       </p:sp>
       <p:sp>
         <p:nvSpPr>
-          <p:cNvPr id="8" name="Rechteck 7"/>
+          <p:cNvPr id="6" name="Rechteck 5"/>
           <p:cNvSpPr/>
           <p:nvPr/>
         </p:nvSpPr>
@@ -9268,35 +9100,46 @@
           </a:p>
         </p:txBody>
       </p:sp>
-      <p:sp>
-        <p:nvSpPr>
-          <p:cNvPr id="9" name="Untertitel 8"/>
-          <p:cNvSpPr>
-            <a:spLocks noGrp="1"/>
-          </p:cNvSpPr>
-          <p:nvPr>
-            <p:ph type="subTitle" idx="1"/>
-          </p:nvPr>
-        </p:nvSpPr>
-        <p:spPr/>
-        <p:txBody>
-          <a:bodyPr/>
-          <a:lstStyle/>
-          <a:p>
-            <a:endParaRPr lang="en-GB"/>
-          </a:p>
-        </p:txBody>
-      </p:sp>
-      <p:sp>
-        <p:nvSpPr>
-          <p:cNvPr id="10" name="Textfeld 9"/>
+      <p:pic>
+        <p:nvPicPr>
+          <p:cNvPr id="14" name="Bild 13"/>
+          <p:cNvPicPr>
+            <a:picLocks noChangeAspect="1"/>
+          </p:cNvPicPr>
+          <p:nvPr/>
+        </p:nvPicPr>
+        <p:blipFill>
+          <a:blip r:embed="rId2">
+            <a:extLst>
+              <a:ext uri="{28A0092B-C50C-407E-A947-70E740481C1C}">
+                <a14:useLocalDpi xmlns:a14="http://schemas.microsoft.com/office/drawing/2010/main" val="0"/>
+              </a:ext>
+            </a:extLst>
+          </a:blip>
+          <a:stretch>
+            <a:fillRect/>
+          </a:stretch>
+        </p:blipFill>
+        <p:spPr>
+          <a:xfrm>
+            <a:off x="431632" y="631826"/>
+            <a:ext cx="7315200" cy="5676900"/>
+          </a:xfrm>
+          <a:prstGeom prst="rect">
+            <a:avLst/>
+          </a:prstGeom>
+        </p:spPr>
+      </p:pic>
+      <p:sp>
+        <p:nvSpPr>
+          <p:cNvPr id="15" name="Textfeld 14"/>
           <p:cNvSpPr txBox="1"/>
           <p:nvPr/>
         </p:nvSpPr>
         <p:spPr>
           <a:xfrm>
-            <a:off x="431631" y="675859"/>
-            <a:ext cx="11323975" cy="1231106"/>
+            <a:off x="8806070" y="2743200"/>
+            <a:ext cx="184731" cy="369332"/>
           </a:xfrm>
           <a:prstGeom prst="rect">
             <a:avLst/>
@@ -9304,52 +9147,279 @@
           <a:noFill/>
         </p:spPr>
         <p:txBody>
-          <a:bodyPr wrap="square" rtlCol="0">
+          <a:bodyPr wrap="none" rtlCol="0">
             <a:spAutoFit/>
           </a:bodyPr>
           <a:lstStyle/>
           <a:p>
-            <a:r>
-              <a:rPr lang="en-GB" sz="2000" dirty="0" smtClean="0"/>
-              <a:t>Sources:</a:t>
-            </a:r>
+            <a:endParaRPr lang="en-GB" dirty="0"/>
+          </a:p>
+        </p:txBody>
+      </p:sp>
+      <p:sp>
+        <p:nvSpPr>
+          <p:cNvPr id="16" name="Inhaltsplatzhalter 1"/>
+          <p:cNvSpPr txBox="1">
+            <a:spLocks/>
+          </p:cNvSpPr>
+          <p:nvPr/>
+        </p:nvSpPr>
+        <p:spPr>
+          <a:xfrm>
+            <a:off x="7746832" y="636587"/>
+            <a:ext cx="3981341" cy="4213225"/>
+          </a:xfrm>
+          <a:prstGeom prst="rect">
+            <a:avLst/>
+          </a:prstGeom>
+        </p:spPr>
+        <p:txBody>
+          <a:bodyPr/>
+          <a:lstStyle>
+            <a:lvl1pPr marL="361950" indent="-361950" algn="l" defTabSz="914400" rtl="0" eaLnBrk="1" latinLnBrk="0" hangingPunct="1">
+              <a:lnSpc>
+                <a:spcPct val="100000"/>
+              </a:lnSpc>
+              <a:spcBef>
+                <a:spcPts val="500"/>
+              </a:spcBef>
+              <a:buClr>
+                <a:schemeClr val="bg2"/>
+              </a:buClr>
+              <a:buFont typeface="Wingdings" pitchFamily="2" charset="2"/>
+              <a:buChar char="§"/>
+              <a:defRPr sz="2400" kern="1200">
+                <a:solidFill>
+                  <a:schemeClr val="tx1"/>
+                </a:solidFill>
+                <a:latin typeface="+mn-lt"/>
+                <a:ea typeface="+mn-ea"/>
+                <a:cs typeface="+mn-cs"/>
+              </a:defRPr>
+            </a:lvl1pPr>
+            <a:lvl2pPr marL="627063" indent="-265113" algn="l" defTabSz="914400" rtl="0" eaLnBrk="1" latinLnBrk="0" hangingPunct="1">
+              <a:lnSpc>
+                <a:spcPct val="100000"/>
+              </a:lnSpc>
+              <a:spcBef>
+                <a:spcPts val="400"/>
+              </a:spcBef>
+              <a:buClr>
+                <a:schemeClr val="bg2"/>
+              </a:buClr>
+              <a:buFont typeface="Wingdings" pitchFamily="2" charset="2"/>
+              <a:buChar char="§"/>
+              <a:defRPr sz="2000" kern="1200">
+                <a:solidFill>
+                  <a:schemeClr val="tx1"/>
+                </a:solidFill>
+                <a:latin typeface="+mn-lt"/>
+                <a:ea typeface="+mn-ea"/>
+                <a:cs typeface="+mn-cs"/>
+              </a:defRPr>
+            </a:lvl2pPr>
+            <a:lvl3pPr marL="893763" indent="-266700" algn="l" defTabSz="914400" rtl="0" eaLnBrk="1" latinLnBrk="0" hangingPunct="1">
+              <a:lnSpc>
+                <a:spcPct val="100000"/>
+              </a:lnSpc>
+              <a:spcBef>
+                <a:spcPts val="400"/>
+              </a:spcBef>
+              <a:buClr>
+                <a:schemeClr val="bg2"/>
+              </a:buClr>
+              <a:buFont typeface="Wingdings" pitchFamily="2" charset="2"/>
+              <a:buChar char="§"/>
+              <a:defRPr sz="1800" kern="1200">
+                <a:solidFill>
+                  <a:schemeClr val="tx1"/>
+                </a:solidFill>
+                <a:latin typeface="+mn-lt"/>
+                <a:ea typeface="+mn-ea"/>
+                <a:cs typeface="+mn-cs"/>
+              </a:defRPr>
+            </a:lvl3pPr>
+            <a:lvl4pPr marL="1077913" indent="-177800" algn="l" defTabSz="914400" rtl="0" eaLnBrk="1" latinLnBrk="0" hangingPunct="1">
+              <a:lnSpc>
+                <a:spcPct val="100000"/>
+              </a:lnSpc>
+              <a:spcBef>
+                <a:spcPts val="400"/>
+              </a:spcBef>
+              <a:buClr>
+                <a:schemeClr val="bg2"/>
+              </a:buClr>
+              <a:buFont typeface="Wingdings" pitchFamily="2" charset="2"/>
+              <a:buChar char="§"/>
+              <a:defRPr sz="1600" kern="1200">
+                <a:solidFill>
+                  <a:schemeClr val="tx1"/>
+                </a:solidFill>
+                <a:latin typeface="+mn-lt"/>
+                <a:ea typeface="+mn-ea"/>
+                <a:cs typeface="+mn-cs"/>
+              </a:defRPr>
+            </a:lvl4pPr>
+            <a:lvl5pPr marL="1262063" indent="-184150" algn="l" defTabSz="914400" rtl="0" eaLnBrk="1" latinLnBrk="0" hangingPunct="1">
+              <a:lnSpc>
+                <a:spcPct val="100000"/>
+              </a:lnSpc>
+              <a:spcBef>
+                <a:spcPts val="400"/>
+              </a:spcBef>
+              <a:buClr>
+                <a:schemeClr val="bg2"/>
+              </a:buClr>
+              <a:buFont typeface="Wingdings" pitchFamily="2" charset="2"/>
+              <a:buChar char="§"/>
+              <a:defRPr sz="1400" kern="1200">
+                <a:solidFill>
+                  <a:schemeClr val="tx1"/>
+                </a:solidFill>
+                <a:latin typeface="+mn-lt"/>
+                <a:ea typeface="+mn-ea"/>
+                <a:cs typeface="+mn-cs"/>
+              </a:defRPr>
+            </a:lvl5pPr>
+            <a:lvl6pPr marL="2514600" indent="-228600" algn="l" defTabSz="914400" rtl="0" eaLnBrk="1" latinLnBrk="0" hangingPunct="1">
+              <a:spcBef>
+                <a:spcPct val="20000"/>
+              </a:spcBef>
+              <a:buFont typeface="Arial" pitchFamily="34" charset="0"/>
+              <a:buChar char="•"/>
+              <a:defRPr sz="2000" kern="1200">
+                <a:solidFill>
+                  <a:schemeClr val="tx1"/>
+                </a:solidFill>
+                <a:latin typeface="+mn-lt"/>
+                <a:ea typeface="+mn-ea"/>
+                <a:cs typeface="+mn-cs"/>
+              </a:defRPr>
+            </a:lvl6pPr>
+            <a:lvl7pPr marL="2971800" indent="-228600" algn="l" defTabSz="914400" rtl="0" eaLnBrk="1" latinLnBrk="0" hangingPunct="1">
+              <a:spcBef>
+                <a:spcPct val="20000"/>
+              </a:spcBef>
+              <a:buFont typeface="Arial" pitchFamily="34" charset="0"/>
+              <a:buChar char="•"/>
+              <a:defRPr sz="2000" kern="1200">
+                <a:solidFill>
+                  <a:schemeClr val="tx1"/>
+                </a:solidFill>
+                <a:latin typeface="+mn-lt"/>
+                <a:ea typeface="+mn-ea"/>
+                <a:cs typeface="+mn-cs"/>
+              </a:defRPr>
+            </a:lvl7pPr>
+            <a:lvl8pPr marL="3429000" indent="-228600" algn="l" defTabSz="914400" rtl="0" eaLnBrk="1" latinLnBrk="0" hangingPunct="1">
+              <a:spcBef>
+                <a:spcPct val="20000"/>
+              </a:spcBef>
+              <a:buFont typeface="Arial" pitchFamily="34" charset="0"/>
+              <a:buChar char="•"/>
+              <a:defRPr sz="2000" kern="1200">
+                <a:solidFill>
+                  <a:schemeClr val="tx1"/>
+                </a:solidFill>
+                <a:latin typeface="+mn-lt"/>
+                <a:ea typeface="+mn-ea"/>
+                <a:cs typeface="+mn-cs"/>
+              </a:defRPr>
+            </a:lvl8pPr>
+            <a:lvl9pPr marL="3886200" indent="-228600" algn="l" defTabSz="914400" rtl="0" eaLnBrk="1" latinLnBrk="0" hangingPunct="1">
+              <a:spcBef>
+                <a:spcPct val="20000"/>
+              </a:spcBef>
+              <a:buFont typeface="Arial" pitchFamily="34" charset="0"/>
+              <a:buChar char="•"/>
+              <a:defRPr sz="2000" kern="1200">
+                <a:solidFill>
+                  <a:schemeClr val="tx1"/>
+                </a:solidFill>
+                <a:latin typeface="+mn-lt"/>
+                <a:ea typeface="+mn-ea"/>
+                <a:cs typeface="+mn-cs"/>
+              </a:defRPr>
+            </a:lvl9pPr>
+          </a:lstStyle>
+          <a:p>
             <a:r>
               <a:rPr lang="en-GB" dirty="0" smtClean="0"/>
-              <a:t/>
-            </a:r>
-            <a:br>
+              <a:t>Replacement of cards</a:t>
+            </a:r>
+          </a:p>
+          <a:p>
+            <a:r>
               <a:rPr lang="en-GB" dirty="0" smtClean="0"/>
-            </a:br>
-            <a:r>
-              <a:rPr lang="en-GB" dirty="0"/>
-              <a:t> [1] Poker hand ranking sheet. http://www. </a:t>
-            </a:r>
-            <a:r>
-              <a:rPr lang="en-GB" dirty="0" err="1"/>
-              <a:t>pokerbonus.com</a:t>
-            </a:r>
-            <a:r>
-              <a:rPr lang="en-GB" dirty="0"/>
-              <a:t>/how-to-play-poker/ poker-hands/poker-hand-ranking/ poker-hand-ranking-chart</a:t>
-            </a:r>
+              <a:t>Adjustment of card score</a:t>
+            </a:r>
+          </a:p>
+          <a:p>
+            <a:pPr lvl="1"/>
             <a:r>
               <a:rPr lang="en-GB" dirty="0" smtClean="0"/>
-              <a:t>/, </a:t>
-            </a:r>
-            <a:r>
-              <a:rPr lang="en-GB" dirty="0"/>
-              <a:t>accessed on 15. December 2016. </a:t>
-            </a:r>
-          </a:p>
-          <a:p>
-            <a:endParaRPr lang="en-GB" dirty="0"/>
+              <a:t>Good cards stay good</a:t>
+            </a:r>
+          </a:p>
+          <a:p>
+            <a:pPr lvl="1"/>
+            <a:r>
+              <a:rPr lang="en-GB" dirty="0" smtClean="0"/>
+              <a:t>Bad cards stay bad</a:t>
+            </a:r>
+          </a:p>
+          <a:p>
+            <a:pPr lvl="1"/>
+            <a:r>
+              <a:rPr lang="en-GB" dirty="0" smtClean="0"/>
+              <a:t>For each player individually</a:t>
+            </a:r>
+          </a:p>
+          <a:p>
+            <a:r>
+              <a:rPr lang="en-GB" dirty="0" smtClean="0"/>
+              <a:t>New score= N(</a:t>
+            </a:r>
+            <a:r>
+              <a:rPr lang="el-GR" dirty="0" smtClean="0"/>
+              <a:t>μ</a:t>
+            </a:r>
+            <a:r>
+              <a:rPr lang="de-CH" dirty="0" smtClean="0"/>
+              <a:t>,</a:t>
+            </a:r>
+            <a:r>
+              <a:rPr lang="el-GR" dirty="0"/>
+              <a:t> </a:t>
+            </a:r>
+            <a:r>
+              <a:rPr lang="el-GR" dirty="0" smtClean="0"/>
+              <a:t>σ</a:t>
+            </a:r>
+            <a:r>
+              <a:rPr lang="de-CH" dirty="0" smtClean="0"/>
+              <a:t>)</a:t>
+            </a:r>
+            <a:endParaRPr lang="en-GB" dirty="0" smtClean="0"/>
+          </a:p>
+          <a:p>
+            <a:pPr marL="0" lvl="1" indent="0">
+              <a:spcBef>
+                <a:spcPts val="0"/>
+              </a:spcBef>
+              <a:buClrTx/>
+              <a:buFontTx/>
+              <a:buNone/>
+              <a:defRPr/>
+            </a:pPr>
+            <a:endParaRPr lang="de-DE" sz="2400" dirty="0"/>
           </a:p>
         </p:txBody>
       </p:sp>
     </p:spTree>
     <p:extLst>
       <p:ext uri="{BB962C8B-B14F-4D97-AF65-F5344CB8AC3E}">
-        <p14:creationId xmlns:p14="http://schemas.microsoft.com/office/powerpoint/2010/main" val="451716909"/>
+        <p14:creationId xmlns:p14="http://schemas.microsoft.com/office/powerpoint/2010/main" val="996798113"/>
       </p:ext>
     </p:extLst>
   </p:cSld>
@@ -9359,13 +9429,6 @@
   <p:transition>
     <p:fade/>
   </p:transition>
-  <p:timing>
-    <p:tnLst>
-      <p:par>
-        <p:cTn id="1" dur="indefinite" restart="never" nodeType="tmRoot"/>
-      </p:par>
-    </p:tnLst>
-  </p:timing>
 </p:sld>
 </file>
 
